--- a/docs/界面布局.pptx
+++ b/docs/界面布局.pptx
@@ -5,18 +5,22 @@
     <p:sldMasterId id="2147483648" r:id="rId1"/>
   </p:sldMasterIdLst>
   <p:notesMasterIdLst>
-    <p:notesMasterId r:id="rId11"/>
+    <p:notesMasterId r:id="rId15"/>
   </p:notesMasterIdLst>
   <p:sldIdLst>
     <p:sldId id="256" r:id="rId2"/>
     <p:sldId id="257" r:id="rId3"/>
-    <p:sldId id="259" r:id="rId4"/>
-    <p:sldId id="261" r:id="rId5"/>
-    <p:sldId id="258" r:id="rId6"/>
-    <p:sldId id="260" r:id="rId7"/>
-    <p:sldId id="263" r:id="rId8"/>
-    <p:sldId id="264" r:id="rId9"/>
-    <p:sldId id="265" r:id="rId10"/>
+    <p:sldId id="266" r:id="rId4"/>
+    <p:sldId id="259" r:id="rId5"/>
+    <p:sldId id="261" r:id="rId6"/>
+    <p:sldId id="258" r:id="rId7"/>
+    <p:sldId id="260" r:id="rId8"/>
+    <p:sldId id="263" r:id="rId9"/>
+    <p:sldId id="264" r:id="rId10"/>
+    <p:sldId id="270" r:id="rId11"/>
+    <p:sldId id="265" r:id="rId12"/>
+    <p:sldId id="269" r:id="rId13"/>
+    <p:sldId id="268" r:id="rId14"/>
   </p:sldIdLst>
   <p:sldSz cx="12192000" cy="6858000"/>
   <p:notesSz cx="6858000" cy="9144000"/>
@@ -216,7 +220,7 @@
           <a:p>
             <a:fld id="{0B735F85-8D0E-4C72-ADEF-84E63D7E4196}" type="datetimeFigureOut">
               <a:rPr lang="zh-CN" altLang="en-US" smtClean="0"/>
-              <a:t>2018/3/8</a:t>
+              <a:t>2018/3/9</a:t>
             </a:fld>
             <a:endParaRPr lang="zh-CN" altLang="en-US"/>
           </a:p>
@@ -635,7 +639,7 @@
           <a:p>
             <a:fld id="{53814B34-E69A-4670-BCA7-CB81800C9210}" type="slidenum">
               <a:rPr lang="zh-CN" altLang="en-US" smtClean="0"/>
-              <a:t>4</a:t>
+              <a:t>5</a:t>
             </a:fld>
             <a:endParaRPr lang="zh-CN" altLang="en-US"/>
           </a:p>
@@ -645,6 +649,153 @@
     <p:extLst>
       <p:ext uri="{BB962C8B-B14F-4D97-AF65-F5344CB8AC3E}">
         <p14:creationId xmlns:p14="http://schemas.microsoft.com/office/powerpoint/2010/main" val="2791102389"/>
+      </p:ext>
+    </p:extLst>
+  </p:cSld>
+  <p:clrMapOvr>
+    <a:masterClrMapping/>
+  </p:clrMapOvr>
+</p:notes>
+</file>
+
+<file path=ppt/notesSlides/notesSlide3.xml><?xml version="1.0" encoding="utf-8"?>
+<p:notes xmlns:a="http://schemas.openxmlformats.org/drawingml/2006/main" xmlns:r="http://schemas.openxmlformats.org/officeDocument/2006/relationships" xmlns:p="http://schemas.openxmlformats.org/presentationml/2006/main">
+  <p:cSld>
+    <p:spTree>
+      <p:nvGrpSpPr>
+        <p:cNvPr id="1" name=""/>
+        <p:cNvGrpSpPr/>
+        <p:nvPr/>
+      </p:nvGrpSpPr>
+      <p:grpSpPr>
+        <a:xfrm>
+          <a:off x="0" y="0"/>
+          <a:ext cx="0" cy="0"/>
+          <a:chOff x="0" y="0"/>
+          <a:chExt cx="0" cy="0"/>
+        </a:xfrm>
+      </p:grpSpPr>
+      <p:sp>
+        <p:nvSpPr>
+          <p:cNvPr id="2" name="幻灯片图像占位符 1"/>
+          <p:cNvSpPr>
+            <a:spLocks noGrp="1" noRot="1" noChangeAspect="1"/>
+          </p:cNvSpPr>
+          <p:nvPr>
+            <p:ph type="sldImg"/>
+          </p:nvPr>
+        </p:nvSpPr>
+        <p:spPr/>
+      </p:sp>
+      <p:sp>
+        <p:nvSpPr>
+          <p:cNvPr id="3" name="备注占位符 2"/>
+          <p:cNvSpPr>
+            <a:spLocks noGrp="1"/>
+          </p:cNvSpPr>
+          <p:nvPr>
+            <p:ph type="body" idx="1"/>
+          </p:nvPr>
+        </p:nvSpPr>
+        <p:spPr/>
+        <p:txBody>
+          <a:bodyPr/>
+          <a:lstStyle/>
+          <a:p>
+            <a:r>
+              <a:rPr lang="zh-CN" altLang="en-US" dirty="0"/>
+              <a:t>基色</a:t>
+            </a:r>
+          </a:p>
+        </p:txBody>
+      </p:sp>
+      <p:sp>
+        <p:nvSpPr>
+          <p:cNvPr id="4" name="灯片编号占位符 3"/>
+          <p:cNvSpPr>
+            <a:spLocks noGrp="1"/>
+          </p:cNvSpPr>
+          <p:nvPr>
+            <p:ph type="sldNum" sz="quarter" idx="10"/>
+          </p:nvPr>
+        </p:nvSpPr>
+        <p:spPr/>
+        <p:txBody>
+          <a:bodyPr/>
+          <a:lstStyle/>
+          <a:p>
+            <a:pPr marL="0" marR="0" lvl="0" indent="0" algn="r" defTabSz="914400" rtl="0" eaLnBrk="1" fontAlgn="auto" latinLnBrk="0" hangingPunct="1">
+              <a:lnSpc>
+                <a:spcPct val="100000"/>
+              </a:lnSpc>
+              <a:spcBef>
+                <a:spcPts val="0"/>
+              </a:spcBef>
+              <a:spcAft>
+                <a:spcPts val="0"/>
+              </a:spcAft>
+              <a:buClrTx/>
+              <a:buSzTx/>
+              <a:buFontTx/>
+              <a:buNone/>
+              <a:tabLst/>
+              <a:defRPr/>
+            </a:pPr>
+            <a:fld id="{53814B34-E69A-4670-BCA7-CB81800C9210}" type="slidenum">
+              <a:rPr kumimoji="0" lang="zh-CN" altLang="en-US" sz="1200" b="0" i="0" u="none" strike="noStrike" kern="1200" cap="none" spc="0" normalizeH="0" baseline="0" noProof="0" smtClean="0">
+                <a:ln>
+                  <a:noFill/>
+                </a:ln>
+                <a:solidFill>
+                  <a:prstClr val="black"/>
+                </a:solidFill>
+                <a:effectLst/>
+                <a:uLnTx/>
+                <a:uFillTx/>
+                <a:latin typeface="等线" panose="020F0502020204030204"/>
+                <a:ea typeface="等线" panose="02010600030101010101" pitchFamily="2" charset="-122"/>
+                <a:cs typeface="+mn-cs"/>
+              </a:rPr>
+              <a:pPr marL="0" marR="0" lvl="0" indent="0" algn="r" defTabSz="914400" rtl="0" eaLnBrk="1" fontAlgn="auto" latinLnBrk="0" hangingPunct="1">
+                <a:lnSpc>
+                  <a:spcPct val="100000"/>
+                </a:lnSpc>
+                <a:spcBef>
+                  <a:spcPts val="0"/>
+                </a:spcBef>
+                <a:spcAft>
+                  <a:spcPts val="0"/>
+                </a:spcAft>
+                <a:buClrTx/>
+                <a:buSzTx/>
+                <a:buFontTx/>
+                <a:buNone/>
+                <a:tabLst/>
+                <a:defRPr/>
+              </a:pPr>
+              <a:t>13</a:t>
+            </a:fld>
+            <a:endParaRPr kumimoji="0" lang="zh-CN" altLang="en-US" sz="1200" b="0" i="0" u="none" strike="noStrike" kern="1200" cap="none" spc="0" normalizeH="0" baseline="0" noProof="0">
+              <a:ln>
+                <a:noFill/>
+              </a:ln>
+              <a:solidFill>
+                <a:prstClr val="black"/>
+              </a:solidFill>
+              <a:effectLst/>
+              <a:uLnTx/>
+              <a:uFillTx/>
+              <a:latin typeface="等线" panose="020F0502020204030204"/>
+              <a:ea typeface="等线" panose="02010600030101010101" pitchFamily="2" charset="-122"/>
+              <a:cs typeface="+mn-cs"/>
+            </a:endParaRPr>
+          </a:p>
+        </p:txBody>
+      </p:sp>
+    </p:spTree>
+    <p:extLst>
+      <p:ext uri="{BB962C8B-B14F-4D97-AF65-F5344CB8AC3E}">
+        <p14:creationId xmlns:p14="http://schemas.microsoft.com/office/powerpoint/2010/main" val="1221223216"/>
       </p:ext>
     </p:extLst>
   </p:cSld>
@@ -801,7 +952,7 @@
           <a:p>
             <a:fld id="{07DCFD4D-F2C7-4606-9C80-FEB65262871E}" type="datetimeFigureOut">
               <a:rPr lang="zh-CN" altLang="en-US" smtClean="0"/>
-              <a:t>2018/3/8</a:t>
+              <a:t>2018/3/9</a:t>
             </a:fld>
             <a:endParaRPr lang="zh-CN" altLang="en-US"/>
           </a:p>
@@ -999,7 +1150,7 @@
           <a:p>
             <a:fld id="{07DCFD4D-F2C7-4606-9C80-FEB65262871E}" type="datetimeFigureOut">
               <a:rPr lang="zh-CN" altLang="en-US" smtClean="0"/>
-              <a:t>2018/3/8</a:t>
+              <a:t>2018/3/9</a:t>
             </a:fld>
             <a:endParaRPr lang="zh-CN" altLang="en-US"/>
           </a:p>
@@ -1207,7 +1358,7 @@
           <a:p>
             <a:fld id="{07DCFD4D-F2C7-4606-9C80-FEB65262871E}" type="datetimeFigureOut">
               <a:rPr lang="zh-CN" altLang="en-US" smtClean="0"/>
-              <a:t>2018/3/8</a:t>
+              <a:t>2018/3/9</a:t>
             </a:fld>
             <a:endParaRPr lang="zh-CN" altLang="en-US"/>
           </a:p>
@@ -1405,7 +1556,7 @@
           <a:p>
             <a:fld id="{07DCFD4D-F2C7-4606-9C80-FEB65262871E}" type="datetimeFigureOut">
               <a:rPr lang="zh-CN" altLang="en-US" smtClean="0"/>
-              <a:t>2018/3/8</a:t>
+              <a:t>2018/3/9</a:t>
             </a:fld>
             <a:endParaRPr lang="zh-CN" altLang="en-US"/>
           </a:p>
@@ -1680,7 +1831,7 @@
           <a:p>
             <a:fld id="{07DCFD4D-F2C7-4606-9C80-FEB65262871E}" type="datetimeFigureOut">
               <a:rPr lang="zh-CN" altLang="en-US" smtClean="0"/>
-              <a:t>2018/3/8</a:t>
+              <a:t>2018/3/9</a:t>
             </a:fld>
             <a:endParaRPr lang="zh-CN" altLang="en-US"/>
           </a:p>
@@ -1945,7 +2096,7 @@
           <a:p>
             <a:fld id="{07DCFD4D-F2C7-4606-9C80-FEB65262871E}" type="datetimeFigureOut">
               <a:rPr lang="zh-CN" altLang="en-US" smtClean="0"/>
-              <a:t>2018/3/8</a:t>
+              <a:t>2018/3/9</a:t>
             </a:fld>
             <a:endParaRPr lang="zh-CN" altLang="en-US"/>
           </a:p>
@@ -2357,7 +2508,7 @@
           <a:p>
             <a:fld id="{07DCFD4D-F2C7-4606-9C80-FEB65262871E}" type="datetimeFigureOut">
               <a:rPr lang="zh-CN" altLang="en-US" smtClean="0"/>
-              <a:t>2018/3/8</a:t>
+              <a:t>2018/3/9</a:t>
             </a:fld>
             <a:endParaRPr lang="zh-CN" altLang="en-US"/>
           </a:p>
@@ -2498,7 +2649,7 @@
           <a:p>
             <a:fld id="{07DCFD4D-F2C7-4606-9C80-FEB65262871E}" type="datetimeFigureOut">
               <a:rPr lang="zh-CN" altLang="en-US" smtClean="0"/>
-              <a:t>2018/3/8</a:t>
+              <a:t>2018/3/9</a:t>
             </a:fld>
             <a:endParaRPr lang="zh-CN" altLang="en-US"/>
           </a:p>
@@ -2611,7 +2762,7 @@
           <a:p>
             <a:fld id="{07DCFD4D-F2C7-4606-9C80-FEB65262871E}" type="datetimeFigureOut">
               <a:rPr lang="zh-CN" altLang="en-US" smtClean="0"/>
-              <a:t>2018/3/8</a:t>
+              <a:t>2018/3/9</a:t>
             </a:fld>
             <a:endParaRPr lang="zh-CN" altLang="en-US"/>
           </a:p>
@@ -2922,7 +3073,7 @@
           <a:p>
             <a:fld id="{07DCFD4D-F2C7-4606-9C80-FEB65262871E}" type="datetimeFigureOut">
               <a:rPr lang="zh-CN" altLang="en-US" smtClean="0"/>
-              <a:t>2018/3/8</a:t>
+              <a:t>2018/3/9</a:t>
             </a:fld>
             <a:endParaRPr lang="zh-CN" altLang="en-US"/>
           </a:p>
@@ -3210,7 +3361,7 @@
           <a:p>
             <a:fld id="{07DCFD4D-F2C7-4606-9C80-FEB65262871E}" type="datetimeFigureOut">
               <a:rPr lang="zh-CN" altLang="en-US" smtClean="0"/>
-              <a:t>2018/3/8</a:t>
+              <a:t>2018/3/9</a:t>
             </a:fld>
             <a:endParaRPr lang="zh-CN" altLang="en-US"/>
           </a:p>
@@ -3451,7 +3602,7 @@
           <a:p>
             <a:fld id="{07DCFD4D-F2C7-4606-9C80-FEB65262871E}" type="datetimeFigureOut">
               <a:rPr lang="zh-CN" altLang="en-US" smtClean="0"/>
-              <a:t>2018/3/8</a:t>
+              <a:t>2018/3/9</a:t>
             </a:fld>
             <a:endParaRPr lang="zh-CN" altLang="en-US"/>
           </a:p>
@@ -3862,7 +4013,7 @@
           </a:blip>
           <a:srcRect/>
           <a:stretch>
-            <a:fillRect t="-69000" b="-69000"/>
+            <a:fillRect/>
           </a:stretch>
         </a:blipFill>
         <a:effectLst/>
@@ -4148,6 +4299,2024 @@
     <p:extLst>
       <p:ext uri="{BB962C8B-B14F-4D97-AF65-F5344CB8AC3E}">
         <p14:creationId xmlns:p14="http://schemas.microsoft.com/office/powerpoint/2010/main" val="2041491428"/>
+      </p:ext>
+    </p:extLst>
+  </p:cSld>
+  <p:clrMapOvr>
+    <a:masterClrMapping/>
+  </p:clrMapOvr>
+</p:sld>
+</file>
+
+<file path=ppt/slides/slide10.xml><?xml version="1.0" encoding="utf-8"?>
+<p:sld xmlns:a="http://schemas.openxmlformats.org/drawingml/2006/main" xmlns:r="http://schemas.openxmlformats.org/officeDocument/2006/relationships" xmlns:p="http://schemas.openxmlformats.org/presentationml/2006/main">
+  <p:cSld>
+    <p:bg>
+      <p:bgPr>
+        <a:solidFill>
+          <a:schemeClr val="accent2">
+            <a:lumMod val="40000"/>
+            <a:lumOff val="60000"/>
+          </a:schemeClr>
+        </a:solidFill>
+        <a:effectLst/>
+      </p:bgPr>
+    </p:bg>
+    <p:spTree>
+      <p:nvGrpSpPr>
+        <p:cNvPr id="1" name=""/>
+        <p:cNvGrpSpPr/>
+        <p:nvPr/>
+      </p:nvGrpSpPr>
+      <p:grpSpPr>
+        <a:xfrm>
+          <a:off x="0" y="0"/>
+          <a:ext cx="0" cy="0"/>
+          <a:chOff x="0" y="0"/>
+          <a:chExt cx="0" cy="0"/>
+        </a:xfrm>
+      </p:grpSpPr>
+      <p:sp>
+        <p:nvSpPr>
+          <p:cNvPr id="15" name="文本框 14">
+            <a:extLst>
+              <a:ext uri="{FF2B5EF4-FFF2-40B4-BE49-F238E27FC236}">
+                <a16:creationId xmlns:a16="http://schemas.microsoft.com/office/drawing/2014/main" id="{657054E7-180F-4947-985B-B4B1939ED52D}"/>
+              </a:ext>
+            </a:extLst>
+          </p:cNvPr>
+          <p:cNvSpPr txBox="1"/>
+          <p:nvPr/>
+        </p:nvSpPr>
+        <p:spPr>
+          <a:xfrm>
+            <a:off x="3930480" y="2798929"/>
+            <a:ext cx="4331040" cy="1200329"/>
+          </a:xfrm>
+          <a:prstGeom prst="rect">
+            <a:avLst/>
+          </a:prstGeom>
+          <a:noFill/>
+        </p:spPr>
+        <p:txBody>
+          <a:bodyPr wrap="square" rtlCol="0">
+            <a:spAutoFit/>
+          </a:bodyPr>
+          <a:lstStyle/>
+          <a:p>
+            <a:pPr algn="ctr"/>
+            <a:r>
+              <a:rPr lang="zh-CN" altLang="en-US" sz="7200" dirty="0">
+                <a:solidFill>
+                  <a:schemeClr val="bg1">
+                    <a:lumMod val="65000"/>
+                  </a:schemeClr>
+                </a:solidFill>
+              </a:rPr>
+              <a:t>背景</a:t>
+            </a:r>
+          </a:p>
+        </p:txBody>
+      </p:sp>
+      <p:sp>
+        <p:nvSpPr>
+          <p:cNvPr id="17" name="矩形: 圆角 16">
+            <a:extLst>
+              <a:ext uri="{FF2B5EF4-FFF2-40B4-BE49-F238E27FC236}">
+                <a16:creationId xmlns:a16="http://schemas.microsoft.com/office/drawing/2014/main" id="{02E930DF-EE73-41AA-A9BA-D3A55D36FEEB}"/>
+              </a:ext>
+            </a:extLst>
+          </p:cNvPr>
+          <p:cNvSpPr/>
+          <p:nvPr/>
+        </p:nvSpPr>
+        <p:spPr>
+          <a:xfrm>
+            <a:off x="9120337" y="200045"/>
+            <a:ext cx="2952327" cy="6457909"/>
+          </a:xfrm>
+          <a:prstGeom prst="roundRect">
+            <a:avLst>
+              <a:gd name="adj" fmla="val 3313"/>
+            </a:avLst>
+          </a:prstGeom>
+          <a:gradFill>
+            <a:gsLst>
+              <a:gs pos="0">
+                <a:schemeClr val="accent2">
+                  <a:satMod val="103000"/>
+                  <a:lumMod val="102000"/>
+                  <a:tint val="94000"/>
+                  <a:alpha val="30000"/>
+                </a:schemeClr>
+              </a:gs>
+              <a:gs pos="50000">
+                <a:schemeClr val="accent2">
+                  <a:satMod val="110000"/>
+                  <a:lumMod val="100000"/>
+                  <a:shade val="100000"/>
+                  <a:alpha val="30000"/>
+                </a:schemeClr>
+              </a:gs>
+              <a:gs pos="100000">
+                <a:schemeClr val="accent2">
+                  <a:lumMod val="99000"/>
+                  <a:satMod val="120000"/>
+                  <a:shade val="78000"/>
+                  <a:alpha val="30000"/>
+                </a:schemeClr>
+              </a:gs>
+            </a:gsLst>
+          </a:gradFill>
+          <a:ln>
+            <a:noFill/>
+          </a:ln>
+        </p:spPr>
+        <p:style>
+          <a:lnRef idx="1">
+            <a:schemeClr val="accent2"/>
+          </a:lnRef>
+          <a:fillRef idx="3">
+            <a:schemeClr val="accent2"/>
+          </a:fillRef>
+          <a:effectRef idx="2">
+            <a:schemeClr val="accent2"/>
+          </a:effectRef>
+          <a:fontRef idx="minor">
+            <a:schemeClr val="lt1"/>
+          </a:fontRef>
+        </p:style>
+        <p:txBody>
+          <a:bodyPr rtlCol="0" anchor="ctr"/>
+          <a:lstStyle/>
+          <a:p>
+            <a:pPr algn="ctr"/>
+            <a:r>
+              <a:rPr lang="zh-CN" altLang="en-US" dirty="0"/>
+              <a:t>选择（标签）</a:t>
+            </a:r>
+          </a:p>
+        </p:txBody>
+      </p:sp>
+      <p:sp>
+        <p:nvSpPr>
+          <p:cNvPr id="20" name="矩形: 圆角 19">
+            <a:extLst>
+              <a:ext uri="{FF2B5EF4-FFF2-40B4-BE49-F238E27FC236}">
+                <a16:creationId xmlns:a16="http://schemas.microsoft.com/office/drawing/2014/main" id="{02D08665-04D6-4F99-B914-615DCD2EEBDE}"/>
+              </a:ext>
+            </a:extLst>
+          </p:cNvPr>
+          <p:cNvSpPr/>
+          <p:nvPr/>
+        </p:nvSpPr>
+        <p:spPr>
+          <a:xfrm>
+            <a:off x="263351" y="1196751"/>
+            <a:ext cx="8712969" cy="5461201"/>
+          </a:xfrm>
+          <a:prstGeom prst="roundRect">
+            <a:avLst>
+              <a:gd name="adj" fmla="val 2759"/>
+            </a:avLst>
+          </a:prstGeom>
+          <a:gradFill>
+            <a:gsLst>
+              <a:gs pos="0">
+                <a:schemeClr val="accent2">
+                  <a:satMod val="103000"/>
+                  <a:lumMod val="102000"/>
+                  <a:tint val="94000"/>
+                  <a:alpha val="30000"/>
+                </a:schemeClr>
+              </a:gs>
+              <a:gs pos="50000">
+                <a:schemeClr val="accent2">
+                  <a:satMod val="110000"/>
+                  <a:lumMod val="100000"/>
+                  <a:shade val="100000"/>
+                  <a:alpha val="30000"/>
+                </a:schemeClr>
+              </a:gs>
+              <a:gs pos="100000">
+                <a:schemeClr val="accent2">
+                  <a:lumMod val="99000"/>
+                  <a:satMod val="120000"/>
+                  <a:shade val="78000"/>
+                  <a:alpha val="30000"/>
+                </a:schemeClr>
+              </a:gs>
+            </a:gsLst>
+          </a:gradFill>
+          <a:ln>
+            <a:noFill/>
+          </a:ln>
+        </p:spPr>
+        <p:style>
+          <a:lnRef idx="1">
+            <a:schemeClr val="accent2"/>
+          </a:lnRef>
+          <a:fillRef idx="3">
+            <a:schemeClr val="accent2"/>
+          </a:fillRef>
+          <a:effectRef idx="2">
+            <a:schemeClr val="accent2"/>
+          </a:effectRef>
+          <a:fontRef idx="minor">
+            <a:schemeClr val="lt1"/>
+          </a:fontRef>
+        </p:style>
+        <p:txBody>
+          <a:bodyPr rtlCol="0" anchor="ctr"/>
+          <a:lstStyle/>
+          <a:p>
+            <a:pPr algn="ctr"/>
+            <a:endParaRPr lang="zh-CN" altLang="en-US" dirty="0"/>
+          </a:p>
+        </p:txBody>
+      </p:sp>
+      <p:sp>
+        <p:nvSpPr>
+          <p:cNvPr id="11" name="矩形: 圆角 10">
+            <a:extLst>
+              <a:ext uri="{FF2B5EF4-FFF2-40B4-BE49-F238E27FC236}">
+                <a16:creationId xmlns:a16="http://schemas.microsoft.com/office/drawing/2014/main" id="{78C1E0E9-5926-462C-8808-06FD91826F2E}"/>
+              </a:ext>
+            </a:extLst>
+          </p:cNvPr>
+          <p:cNvSpPr/>
+          <p:nvPr/>
+        </p:nvSpPr>
+        <p:spPr>
+          <a:xfrm>
+            <a:off x="407367" y="1268760"/>
+            <a:ext cx="4176464" cy="2088231"/>
+          </a:xfrm>
+          <a:prstGeom prst="roundRect">
+            <a:avLst>
+              <a:gd name="adj" fmla="val 8474"/>
+            </a:avLst>
+          </a:prstGeom>
+          <a:gradFill>
+            <a:gsLst>
+              <a:gs pos="0">
+                <a:schemeClr val="accent2">
+                  <a:satMod val="103000"/>
+                  <a:lumMod val="102000"/>
+                  <a:tint val="94000"/>
+                  <a:alpha val="30000"/>
+                </a:schemeClr>
+              </a:gs>
+              <a:gs pos="50000">
+                <a:schemeClr val="accent2">
+                  <a:satMod val="110000"/>
+                  <a:lumMod val="100000"/>
+                  <a:shade val="100000"/>
+                  <a:alpha val="30000"/>
+                </a:schemeClr>
+              </a:gs>
+              <a:gs pos="100000">
+                <a:schemeClr val="accent2">
+                  <a:lumMod val="99000"/>
+                  <a:satMod val="120000"/>
+                  <a:shade val="78000"/>
+                  <a:alpha val="30000"/>
+                </a:schemeClr>
+              </a:gs>
+            </a:gsLst>
+          </a:gradFill>
+          <a:ln>
+            <a:noFill/>
+          </a:ln>
+        </p:spPr>
+        <p:style>
+          <a:lnRef idx="1">
+            <a:schemeClr val="accent2"/>
+          </a:lnRef>
+          <a:fillRef idx="3">
+            <a:schemeClr val="accent2"/>
+          </a:fillRef>
+          <a:effectRef idx="2">
+            <a:schemeClr val="accent2"/>
+          </a:effectRef>
+          <a:fontRef idx="minor">
+            <a:schemeClr val="lt1"/>
+          </a:fontRef>
+        </p:style>
+        <p:txBody>
+          <a:bodyPr rtlCol="0" anchor="ctr"/>
+          <a:lstStyle/>
+          <a:p>
+            <a:pPr algn="ctr"/>
+            <a:r>
+              <a:rPr lang="zh-CN" altLang="en-US" dirty="0"/>
+              <a:t>图像</a:t>
+            </a:r>
+          </a:p>
+        </p:txBody>
+      </p:sp>
+      <p:sp>
+        <p:nvSpPr>
+          <p:cNvPr id="6" name="矩形: 圆角 5">
+            <a:extLst>
+              <a:ext uri="{FF2B5EF4-FFF2-40B4-BE49-F238E27FC236}">
+                <a16:creationId xmlns:a16="http://schemas.microsoft.com/office/drawing/2014/main" id="{88AA75E9-C029-4696-981E-71396073A143}"/>
+              </a:ext>
+            </a:extLst>
+          </p:cNvPr>
+          <p:cNvSpPr/>
+          <p:nvPr/>
+        </p:nvSpPr>
+        <p:spPr>
+          <a:xfrm>
+            <a:off x="270661" y="94335"/>
+            <a:ext cx="1044336" cy="350901"/>
+          </a:xfrm>
+          <a:prstGeom prst="roundRect">
+            <a:avLst>
+              <a:gd name="adj" fmla="val 26281"/>
+            </a:avLst>
+          </a:prstGeom>
+          <a:ln>
+            <a:noFill/>
+          </a:ln>
+        </p:spPr>
+        <p:style>
+          <a:lnRef idx="1">
+            <a:schemeClr val="accent2"/>
+          </a:lnRef>
+          <a:fillRef idx="3">
+            <a:schemeClr val="accent2"/>
+          </a:fillRef>
+          <a:effectRef idx="2">
+            <a:schemeClr val="accent2"/>
+          </a:effectRef>
+          <a:fontRef idx="minor">
+            <a:schemeClr val="lt1"/>
+          </a:fontRef>
+        </p:style>
+        <p:txBody>
+          <a:bodyPr rtlCol="0" anchor="ctr"/>
+          <a:lstStyle/>
+          <a:p>
+            <a:pPr algn="ctr"/>
+            <a:r>
+              <a:rPr lang="zh-CN" altLang="en-US" dirty="0"/>
+              <a:t>菜单</a:t>
+            </a:r>
+          </a:p>
+        </p:txBody>
+      </p:sp>
+      <p:sp>
+        <p:nvSpPr>
+          <p:cNvPr id="21" name="矩形: 圆角 20">
+            <a:extLst>
+              <a:ext uri="{FF2B5EF4-FFF2-40B4-BE49-F238E27FC236}">
+                <a16:creationId xmlns:a16="http://schemas.microsoft.com/office/drawing/2014/main" id="{22D1C24C-8A1D-43E7-BA35-0F3C13EE5037}"/>
+              </a:ext>
+            </a:extLst>
+          </p:cNvPr>
+          <p:cNvSpPr/>
+          <p:nvPr/>
+        </p:nvSpPr>
+        <p:spPr>
+          <a:xfrm rot="5400000">
+            <a:off x="8877189" y="3074663"/>
+            <a:ext cx="5897785" cy="288032"/>
+          </a:xfrm>
+          <a:prstGeom prst="roundRect">
+            <a:avLst>
+              <a:gd name="adj" fmla="val 26281"/>
+            </a:avLst>
+          </a:prstGeom>
+          <a:ln>
+            <a:noFill/>
+          </a:ln>
+        </p:spPr>
+        <p:style>
+          <a:lnRef idx="1">
+            <a:schemeClr val="accent2"/>
+          </a:lnRef>
+          <a:fillRef idx="3">
+            <a:schemeClr val="accent2"/>
+          </a:fillRef>
+          <a:effectRef idx="2">
+            <a:schemeClr val="accent2"/>
+          </a:effectRef>
+          <a:fontRef idx="minor">
+            <a:schemeClr val="lt1"/>
+          </a:fontRef>
+        </p:style>
+        <p:txBody>
+          <a:bodyPr rtlCol="0" anchor="ctr"/>
+          <a:lstStyle/>
+          <a:p>
+            <a:pPr algn="ctr"/>
+            <a:endParaRPr lang="zh-CN" altLang="en-US" dirty="0"/>
+          </a:p>
+        </p:txBody>
+      </p:sp>
+      <p:sp>
+        <p:nvSpPr>
+          <p:cNvPr id="22" name="矩形: 圆角 21">
+            <a:extLst>
+              <a:ext uri="{FF2B5EF4-FFF2-40B4-BE49-F238E27FC236}">
+                <a16:creationId xmlns:a16="http://schemas.microsoft.com/office/drawing/2014/main" id="{847DFC6E-6CE0-4784-BC30-65094419A944}"/>
+              </a:ext>
+            </a:extLst>
+          </p:cNvPr>
+          <p:cNvSpPr/>
+          <p:nvPr/>
+        </p:nvSpPr>
+        <p:spPr>
+          <a:xfrm>
+            <a:off x="4655840" y="1268761"/>
+            <a:ext cx="4176464" cy="5245178"/>
+          </a:xfrm>
+          <a:prstGeom prst="roundRect">
+            <a:avLst>
+              <a:gd name="adj" fmla="val 4622"/>
+            </a:avLst>
+          </a:prstGeom>
+          <a:gradFill>
+            <a:gsLst>
+              <a:gs pos="0">
+                <a:schemeClr val="accent2">
+                  <a:satMod val="103000"/>
+                  <a:lumMod val="102000"/>
+                  <a:tint val="94000"/>
+                  <a:alpha val="30000"/>
+                </a:schemeClr>
+              </a:gs>
+              <a:gs pos="50000">
+                <a:schemeClr val="accent2">
+                  <a:satMod val="110000"/>
+                  <a:lumMod val="100000"/>
+                  <a:shade val="100000"/>
+                  <a:alpha val="30000"/>
+                </a:schemeClr>
+              </a:gs>
+              <a:gs pos="100000">
+                <a:schemeClr val="accent2">
+                  <a:lumMod val="99000"/>
+                  <a:satMod val="120000"/>
+                  <a:shade val="78000"/>
+                  <a:alpha val="30000"/>
+                </a:schemeClr>
+              </a:gs>
+            </a:gsLst>
+          </a:gradFill>
+          <a:ln>
+            <a:noFill/>
+          </a:ln>
+        </p:spPr>
+        <p:style>
+          <a:lnRef idx="1">
+            <a:schemeClr val="accent2"/>
+          </a:lnRef>
+          <a:fillRef idx="3">
+            <a:schemeClr val="accent2"/>
+          </a:fillRef>
+          <a:effectRef idx="2">
+            <a:schemeClr val="accent2"/>
+          </a:effectRef>
+          <a:fontRef idx="minor">
+            <a:schemeClr val="lt1"/>
+          </a:fontRef>
+        </p:style>
+        <p:txBody>
+          <a:bodyPr rtlCol="0" anchor="ctr"/>
+          <a:lstStyle/>
+          <a:p>
+            <a:pPr algn="ctr"/>
+            <a:r>
+              <a:rPr lang="zh-CN" altLang="en-US" dirty="0"/>
+              <a:t>信息</a:t>
+            </a:r>
+          </a:p>
+        </p:txBody>
+      </p:sp>
+      <p:sp>
+        <p:nvSpPr>
+          <p:cNvPr id="23" name="矩形: 圆角 22">
+            <a:extLst>
+              <a:ext uri="{FF2B5EF4-FFF2-40B4-BE49-F238E27FC236}">
+                <a16:creationId xmlns:a16="http://schemas.microsoft.com/office/drawing/2014/main" id="{62E9876F-D495-4D24-95DB-6FF59135B8B2}"/>
+              </a:ext>
+            </a:extLst>
+          </p:cNvPr>
+          <p:cNvSpPr/>
+          <p:nvPr/>
+        </p:nvSpPr>
+        <p:spPr>
+          <a:xfrm>
+            <a:off x="407367" y="3501009"/>
+            <a:ext cx="4176464" cy="3024336"/>
+          </a:xfrm>
+          <a:prstGeom prst="roundRect">
+            <a:avLst>
+              <a:gd name="adj" fmla="val 8474"/>
+            </a:avLst>
+          </a:prstGeom>
+          <a:gradFill>
+            <a:gsLst>
+              <a:gs pos="0">
+                <a:schemeClr val="accent2">
+                  <a:satMod val="103000"/>
+                  <a:lumMod val="102000"/>
+                  <a:tint val="94000"/>
+                  <a:alpha val="30000"/>
+                </a:schemeClr>
+              </a:gs>
+              <a:gs pos="50000">
+                <a:schemeClr val="accent2">
+                  <a:satMod val="110000"/>
+                  <a:lumMod val="100000"/>
+                  <a:shade val="100000"/>
+                  <a:alpha val="30000"/>
+                </a:schemeClr>
+              </a:gs>
+              <a:gs pos="100000">
+                <a:schemeClr val="accent2">
+                  <a:lumMod val="99000"/>
+                  <a:satMod val="120000"/>
+                  <a:shade val="78000"/>
+                  <a:alpha val="30000"/>
+                </a:schemeClr>
+              </a:gs>
+            </a:gsLst>
+          </a:gradFill>
+          <a:ln>
+            <a:noFill/>
+          </a:ln>
+        </p:spPr>
+        <p:style>
+          <a:lnRef idx="1">
+            <a:schemeClr val="accent2"/>
+          </a:lnRef>
+          <a:fillRef idx="3">
+            <a:schemeClr val="accent2"/>
+          </a:fillRef>
+          <a:effectRef idx="2">
+            <a:schemeClr val="accent2"/>
+          </a:effectRef>
+          <a:fontRef idx="minor">
+            <a:schemeClr val="lt1"/>
+          </a:fontRef>
+        </p:style>
+        <p:txBody>
+          <a:bodyPr rtlCol="0" anchor="ctr"/>
+          <a:lstStyle/>
+          <a:p>
+            <a:pPr algn="ctr"/>
+            <a:r>
+              <a:rPr lang="zh-CN" altLang="en-US" dirty="0"/>
+              <a:t>基本信息</a:t>
+            </a:r>
+          </a:p>
+        </p:txBody>
+      </p:sp>
+      <p:sp>
+        <p:nvSpPr>
+          <p:cNvPr id="24" name="矩形: 圆角 23">
+            <a:extLst>
+              <a:ext uri="{FF2B5EF4-FFF2-40B4-BE49-F238E27FC236}">
+                <a16:creationId xmlns:a16="http://schemas.microsoft.com/office/drawing/2014/main" id="{F2E1C0E2-F18C-40B2-9343-517F38A06900}"/>
+              </a:ext>
+            </a:extLst>
+          </p:cNvPr>
+          <p:cNvSpPr/>
+          <p:nvPr/>
+        </p:nvSpPr>
+        <p:spPr>
+          <a:xfrm>
+            <a:off x="9264351" y="269787"/>
+            <a:ext cx="2345705" cy="998974"/>
+          </a:xfrm>
+          <a:prstGeom prst="roundRect">
+            <a:avLst>
+              <a:gd name="adj" fmla="val 4622"/>
+            </a:avLst>
+          </a:prstGeom>
+          <a:gradFill>
+            <a:gsLst>
+              <a:gs pos="0">
+                <a:schemeClr val="accent2">
+                  <a:satMod val="103000"/>
+                  <a:lumMod val="102000"/>
+                  <a:tint val="94000"/>
+                  <a:alpha val="30000"/>
+                </a:schemeClr>
+              </a:gs>
+              <a:gs pos="50000">
+                <a:schemeClr val="accent2">
+                  <a:satMod val="110000"/>
+                  <a:lumMod val="100000"/>
+                  <a:shade val="100000"/>
+                  <a:alpha val="30000"/>
+                </a:schemeClr>
+              </a:gs>
+              <a:gs pos="100000">
+                <a:schemeClr val="accent2">
+                  <a:lumMod val="99000"/>
+                  <a:satMod val="120000"/>
+                  <a:shade val="78000"/>
+                  <a:alpha val="30000"/>
+                </a:schemeClr>
+              </a:gs>
+            </a:gsLst>
+          </a:gradFill>
+          <a:ln>
+            <a:noFill/>
+          </a:ln>
+        </p:spPr>
+        <p:style>
+          <a:lnRef idx="1">
+            <a:schemeClr val="accent2"/>
+          </a:lnRef>
+          <a:fillRef idx="3">
+            <a:schemeClr val="accent2"/>
+          </a:fillRef>
+          <a:effectRef idx="2">
+            <a:schemeClr val="accent2"/>
+          </a:effectRef>
+          <a:fontRef idx="minor">
+            <a:schemeClr val="lt1"/>
+          </a:fontRef>
+        </p:style>
+        <p:txBody>
+          <a:bodyPr rtlCol="0" anchor="ctr"/>
+          <a:lstStyle/>
+          <a:p>
+            <a:pPr algn="ctr"/>
+            <a:r>
+              <a:rPr lang="zh-CN" altLang="en-US" dirty="0"/>
+              <a:t>标签</a:t>
+            </a:r>
+          </a:p>
+        </p:txBody>
+      </p:sp>
+      <p:sp>
+        <p:nvSpPr>
+          <p:cNvPr id="25" name="矩形: 圆角 24">
+            <a:extLst>
+              <a:ext uri="{FF2B5EF4-FFF2-40B4-BE49-F238E27FC236}">
+                <a16:creationId xmlns:a16="http://schemas.microsoft.com/office/drawing/2014/main" id="{63229CB3-51F5-47DA-AD7C-DD4AF9CFA58E}"/>
+              </a:ext>
+            </a:extLst>
+          </p:cNvPr>
+          <p:cNvSpPr/>
+          <p:nvPr/>
+        </p:nvSpPr>
+        <p:spPr>
+          <a:xfrm>
+            <a:off x="9373993" y="304657"/>
+            <a:ext cx="898471" cy="892095"/>
+          </a:xfrm>
+          <a:prstGeom prst="roundRect">
+            <a:avLst>
+              <a:gd name="adj" fmla="val 4622"/>
+            </a:avLst>
+          </a:prstGeom>
+          <a:gradFill>
+            <a:gsLst>
+              <a:gs pos="0">
+                <a:schemeClr val="accent2">
+                  <a:satMod val="103000"/>
+                  <a:lumMod val="102000"/>
+                  <a:tint val="94000"/>
+                  <a:alpha val="30000"/>
+                </a:schemeClr>
+              </a:gs>
+              <a:gs pos="50000">
+                <a:schemeClr val="accent2">
+                  <a:satMod val="110000"/>
+                  <a:lumMod val="100000"/>
+                  <a:shade val="100000"/>
+                  <a:alpha val="30000"/>
+                </a:schemeClr>
+              </a:gs>
+              <a:gs pos="100000">
+                <a:schemeClr val="accent2">
+                  <a:lumMod val="99000"/>
+                  <a:satMod val="120000"/>
+                  <a:shade val="78000"/>
+                  <a:alpha val="30000"/>
+                </a:schemeClr>
+              </a:gs>
+            </a:gsLst>
+          </a:gradFill>
+          <a:ln>
+            <a:noFill/>
+          </a:ln>
+        </p:spPr>
+        <p:style>
+          <a:lnRef idx="1">
+            <a:schemeClr val="accent2"/>
+          </a:lnRef>
+          <a:fillRef idx="3">
+            <a:schemeClr val="accent2"/>
+          </a:fillRef>
+          <a:effectRef idx="2">
+            <a:schemeClr val="accent2"/>
+          </a:effectRef>
+          <a:fontRef idx="minor">
+            <a:schemeClr val="lt1"/>
+          </a:fontRef>
+        </p:style>
+        <p:txBody>
+          <a:bodyPr rtlCol="0" anchor="ctr"/>
+          <a:lstStyle/>
+          <a:p>
+            <a:pPr algn="ctr"/>
+            <a:r>
+              <a:rPr lang="zh-CN" altLang="en-US" dirty="0"/>
+              <a:t>图标</a:t>
+            </a:r>
+          </a:p>
+        </p:txBody>
+      </p:sp>
+      <p:sp>
+        <p:nvSpPr>
+          <p:cNvPr id="34" name="矩形: 圆角 33">
+            <a:extLst>
+              <a:ext uri="{FF2B5EF4-FFF2-40B4-BE49-F238E27FC236}">
+                <a16:creationId xmlns:a16="http://schemas.microsoft.com/office/drawing/2014/main" id="{B7F636B7-EEBA-4AEB-B22E-3F51E1888750}"/>
+              </a:ext>
+            </a:extLst>
+          </p:cNvPr>
+          <p:cNvSpPr/>
+          <p:nvPr/>
+        </p:nvSpPr>
+        <p:spPr>
+          <a:xfrm>
+            <a:off x="3482987" y="200044"/>
+            <a:ext cx="2345705" cy="864099"/>
+          </a:xfrm>
+          <a:prstGeom prst="roundRect">
+            <a:avLst>
+              <a:gd name="adj" fmla="val 4622"/>
+            </a:avLst>
+          </a:prstGeom>
+          <a:gradFill>
+            <a:gsLst>
+              <a:gs pos="0">
+                <a:schemeClr val="accent2">
+                  <a:satMod val="103000"/>
+                  <a:lumMod val="102000"/>
+                  <a:tint val="94000"/>
+                  <a:alpha val="30000"/>
+                </a:schemeClr>
+              </a:gs>
+              <a:gs pos="50000">
+                <a:schemeClr val="accent2">
+                  <a:satMod val="110000"/>
+                  <a:lumMod val="100000"/>
+                  <a:shade val="100000"/>
+                  <a:alpha val="30000"/>
+                </a:schemeClr>
+              </a:gs>
+              <a:gs pos="100000">
+                <a:schemeClr val="accent2">
+                  <a:lumMod val="99000"/>
+                  <a:satMod val="120000"/>
+                  <a:shade val="78000"/>
+                  <a:alpha val="30000"/>
+                </a:schemeClr>
+              </a:gs>
+            </a:gsLst>
+          </a:gradFill>
+          <a:ln>
+            <a:noFill/>
+          </a:ln>
+        </p:spPr>
+        <p:style>
+          <a:lnRef idx="1">
+            <a:schemeClr val="accent2"/>
+          </a:lnRef>
+          <a:fillRef idx="3">
+            <a:schemeClr val="accent2"/>
+          </a:fillRef>
+          <a:effectRef idx="2">
+            <a:schemeClr val="accent2"/>
+          </a:effectRef>
+          <a:fontRef idx="minor">
+            <a:schemeClr val="lt1"/>
+          </a:fontRef>
+        </p:style>
+        <p:txBody>
+          <a:bodyPr rtlCol="0" anchor="ctr"/>
+          <a:lstStyle/>
+          <a:p>
+            <a:pPr algn="ctr"/>
+            <a:r>
+              <a:rPr lang="zh-CN" altLang="en-US" dirty="0"/>
+              <a:t>标题</a:t>
+            </a:r>
+          </a:p>
+        </p:txBody>
+      </p:sp>
+    </p:spTree>
+    <p:extLst>
+      <p:ext uri="{BB962C8B-B14F-4D97-AF65-F5344CB8AC3E}">
+        <p14:creationId xmlns:p14="http://schemas.microsoft.com/office/powerpoint/2010/main" val="3889541752"/>
+      </p:ext>
+    </p:extLst>
+  </p:cSld>
+  <p:clrMapOvr>
+    <a:masterClrMapping/>
+  </p:clrMapOvr>
+</p:sld>
+</file>
+
+<file path=ppt/slides/slide11.xml><?xml version="1.0" encoding="utf-8"?>
+<p:sld xmlns:a="http://schemas.openxmlformats.org/drawingml/2006/main" xmlns:r="http://schemas.openxmlformats.org/officeDocument/2006/relationships" xmlns:p="http://schemas.openxmlformats.org/presentationml/2006/main">
+  <p:cSld>
+    <p:bg>
+      <p:bgPr>
+        <a:solidFill>
+          <a:schemeClr val="accent2">
+            <a:lumMod val="40000"/>
+            <a:lumOff val="60000"/>
+          </a:schemeClr>
+        </a:solidFill>
+        <a:effectLst/>
+      </p:bgPr>
+    </p:bg>
+    <p:spTree>
+      <p:nvGrpSpPr>
+        <p:cNvPr id="1" name=""/>
+        <p:cNvGrpSpPr/>
+        <p:nvPr/>
+      </p:nvGrpSpPr>
+      <p:grpSpPr>
+        <a:xfrm>
+          <a:off x="0" y="0"/>
+          <a:ext cx="0" cy="0"/>
+          <a:chOff x="0" y="0"/>
+          <a:chExt cx="0" cy="0"/>
+        </a:xfrm>
+      </p:grpSpPr>
+      <p:sp>
+        <p:nvSpPr>
+          <p:cNvPr id="15" name="文本框 14">
+            <a:extLst>
+              <a:ext uri="{FF2B5EF4-FFF2-40B4-BE49-F238E27FC236}">
+                <a16:creationId xmlns:a16="http://schemas.microsoft.com/office/drawing/2014/main" id="{657054E7-180F-4947-985B-B4B1939ED52D}"/>
+              </a:ext>
+            </a:extLst>
+          </p:cNvPr>
+          <p:cNvSpPr txBox="1"/>
+          <p:nvPr/>
+        </p:nvSpPr>
+        <p:spPr>
+          <a:xfrm>
+            <a:off x="3930480" y="2798929"/>
+            <a:ext cx="4331040" cy="1200329"/>
+          </a:xfrm>
+          <a:prstGeom prst="rect">
+            <a:avLst/>
+          </a:prstGeom>
+          <a:noFill/>
+        </p:spPr>
+        <p:txBody>
+          <a:bodyPr wrap="square" rtlCol="0">
+            <a:spAutoFit/>
+          </a:bodyPr>
+          <a:lstStyle/>
+          <a:p>
+            <a:pPr algn="ctr"/>
+            <a:r>
+              <a:rPr lang="zh-CN" altLang="en-US" sz="7200" dirty="0">
+                <a:solidFill>
+                  <a:schemeClr val="bg1">
+                    <a:lumMod val="65000"/>
+                  </a:schemeClr>
+                </a:solidFill>
+              </a:rPr>
+              <a:t>背景</a:t>
+            </a:r>
+          </a:p>
+        </p:txBody>
+      </p:sp>
+      <p:sp>
+        <p:nvSpPr>
+          <p:cNvPr id="3" name="矩形 2">
+            <a:extLst>
+              <a:ext uri="{FF2B5EF4-FFF2-40B4-BE49-F238E27FC236}">
+                <a16:creationId xmlns:a16="http://schemas.microsoft.com/office/drawing/2014/main" id="{B98E0B21-F75E-458F-A0E2-7B09141243AC}"/>
+              </a:ext>
+            </a:extLst>
+          </p:cNvPr>
+          <p:cNvSpPr/>
+          <p:nvPr/>
+        </p:nvSpPr>
+        <p:spPr>
+          <a:xfrm>
+            <a:off x="0" y="0"/>
+            <a:ext cx="12192000" cy="419100"/>
+          </a:xfrm>
+          <a:prstGeom prst="rect">
+            <a:avLst/>
+          </a:prstGeom>
+        </p:spPr>
+        <p:style>
+          <a:lnRef idx="1">
+            <a:schemeClr val="accent4"/>
+          </a:lnRef>
+          <a:fillRef idx="3">
+            <a:schemeClr val="accent4"/>
+          </a:fillRef>
+          <a:effectRef idx="2">
+            <a:schemeClr val="accent4"/>
+          </a:effectRef>
+          <a:fontRef idx="minor">
+            <a:schemeClr val="lt1"/>
+          </a:fontRef>
+        </p:style>
+        <p:txBody>
+          <a:bodyPr rtlCol="0" anchor="ctr"/>
+          <a:lstStyle/>
+          <a:p>
+            <a:pPr algn="ctr"/>
+            <a:endParaRPr lang="zh-CN" altLang="en-US"/>
+          </a:p>
+        </p:txBody>
+      </p:sp>
+      <p:sp>
+        <p:nvSpPr>
+          <p:cNvPr id="6" name="矩形: 圆角 5">
+            <a:extLst>
+              <a:ext uri="{FF2B5EF4-FFF2-40B4-BE49-F238E27FC236}">
+                <a16:creationId xmlns:a16="http://schemas.microsoft.com/office/drawing/2014/main" id="{88AA75E9-C029-4696-981E-71396073A143}"/>
+              </a:ext>
+            </a:extLst>
+          </p:cNvPr>
+          <p:cNvSpPr/>
+          <p:nvPr/>
+        </p:nvSpPr>
+        <p:spPr>
+          <a:xfrm>
+            <a:off x="11120144" y="25354"/>
+            <a:ext cx="1044336" cy="350901"/>
+          </a:xfrm>
+          <a:prstGeom prst="roundRect">
+            <a:avLst>
+              <a:gd name="adj" fmla="val 26281"/>
+            </a:avLst>
+          </a:prstGeom>
+          <a:ln>
+            <a:noFill/>
+          </a:ln>
+        </p:spPr>
+        <p:style>
+          <a:lnRef idx="1">
+            <a:schemeClr val="accent2"/>
+          </a:lnRef>
+          <a:fillRef idx="3">
+            <a:schemeClr val="accent2"/>
+          </a:fillRef>
+          <a:effectRef idx="2">
+            <a:schemeClr val="accent2"/>
+          </a:effectRef>
+          <a:fontRef idx="minor">
+            <a:schemeClr val="lt1"/>
+          </a:fontRef>
+        </p:style>
+        <p:txBody>
+          <a:bodyPr rtlCol="0" anchor="ctr"/>
+          <a:lstStyle/>
+          <a:p>
+            <a:pPr algn="ctr"/>
+            <a:r>
+              <a:rPr lang="zh-CN" altLang="en-US" dirty="0"/>
+              <a:t>菜单</a:t>
+            </a:r>
+          </a:p>
+        </p:txBody>
+      </p:sp>
+      <p:sp>
+        <p:nvSpPr>
+          <p:cNvPr id="12" name="矩形: 圆角 11">
+            <a:extLst>
+              <a:ext uri="{FF2B5EF4-FFF2-40B4-BE49-F238E27FC236}">
+                <a16:creationId xmlns:a16="http://schemas.microsoft.com/office/drawing/2014/main" id="{55C2C92D-DFF2-4B93-B359-78055FA76B45}"/>
+              </a:ext>
+            </a:extLst>
+          </p:cNvPr>
+          <p:cNvSpPr/>
+          <p:nvPr/>
+        </p:nvSpPr>
+        <p:spPr>
+          <a:xfrm>
+            <a:off x="119336" y="29742"/>
+            <a:ext cx="4464496" cy="357160"/>
+          </a:xfrm>
+          <a:prstGeom prst="roundRect">
+            <a:avLst>
+              <a:gd name="adj" fmla="val 26281"/>
+            </a:avLst>
+          </a:prstGeom>
+          <a:ln>
+            <a:noFill/>
+          </a:ln>
+        </p:spPr>
+        <p:style>
+          <a:lnRef idx="1">
+            <a:schemeClr val="accent2"/>
+          </a:lnRef>
+          <a:fillRef idx="3">
+            <a:schemeClr val="accent2"/>
+          </a:fillRef>
+          <a:effectRef idx="2">
+            <a:schemeClr val="accent2"/>
+          </a:effectRef>
+          <a:fontRef idx="minor">
+            <a:schemeClr val="lt1"/>
+          </a:fontRef>
+        </p:style>
+        <p:txBody>
+          <a:bodyPr rtlCol="0" anchor="ctr"/>
+          <a:lstStyle/>
+          <a:p>
+            <a:pPr algn="ctr"/>
+            <a:r>
+              <a:rPr lang="zh-CN" altLang="en-US" dirty="0"/>
+              <a:t>时间轴（含调速及暂停）</a:t>
+            </a:r>
+          </a:p>
+        </p:txBody>
+      </p:sp>
+      <p:sp>
+        <p:nvSpPr>
+          <p:cNvPr id="13" name="矩形: 圆角 12">
+            <a:extLst>
+              <a:ext uri="{FF2B5EF4-FFF2-40B4-BE49-F238E27FC236}">
+                <a16:creationId xmlns:a16="http://schemas.microsoft.com/office/drawing/2014/main" id="{F575A0EF-C4AD-4198-92BF-3F8F85F3C2E9}"/>
+              </a:ext>
+            </a:extLst>
+          </p:cNvPr>
+          <p:cNvSpPr/>
+          <p:nvPr/>
+        </p:nvSpPr>
+        <p:spPr>
+          <a:xfrm>
+            <a:off x="4610031" y="29742"/>
+            <a:ext cx="5394321" cy="346513"/>
+          </a:xfrm>
+          <a:prstGeom prst="roundRect">
+            <a:avLst>
+              <a:gd name="adj" fmla="val 26281"/>
+            </a:avLst>
+          </a:prstGeom>
+          <a:ln>
+            <a:noFill/>
+          </a:ln>
+        </p:spPr>
+        <p:style>
+          <a:lnRef idx="1">
+            <a:schemeClr val="accent2"/>
+          </a:lnRef>
+          <a:fillRef idx="3">
+            <a:schemeClr val="accent2"/>
+          </a:fillRef>
+          <a:effectRef idx="2">
+            <a:schemeClr val="accent2"/>
+          </a:effectRef>
+          <a:fontRef idx="minor">
+            <a:schemeClr val="lt1"/>
+          </a:fontRef>
+        </p:style>
+        <p:txBody>
+          <a:bodyPr rtlCol="0" anchor="ctr"/>
+          <a:lstStyle/>
+          <a:p>
+            <a:pPr algn="ctr"/>
+            <a:r>
+              <a:rPr lang="zh-CN" altLang="en-US" dirty="0"/>
+              <a:t>数值栏</a:t>
+            </a:r>
+          </a:p>
+        </p:txBody>
+      </p:sp>
+      <p:sp>
+        <p:nvSpPr>
+          <p:cNvPr id="14" name="矩形: 圆角 13">
+            <a:extLst>
+              <a:ext uri="{FF2B5EF4-FFF2-40B4-BE49-F238E27FC236}">
+                <a16:creationId xmlns:a16="http://schemas.microsoft.com/office/drawing/2014/main" id="{4683ADD9-8A4A-4EAB-ACC8-330BF003441C}"/>
+              </a:ext>
+            </a:extLst>
+          </p:cNvPr>
+          <p:cNvSpPr/>
+          <p:nvPr/>
+        </p:nvSpPr>
+        <p:spPr>
+          <a:xfrm>
+            <a:off x="10048288" y="29742"/>
+            <a:ext cx="1044336" cy="346513"/>
+          </a:xfrm>
+          <a:prstGeom prst="roundRect">
+            <a:avLst>
+              <a:gd name="adj" fmla="val 26281"/>
+            </a:avLst>
+          </a:prstGeom>
+          <a:ln>
+            <a:noFill/>
+          </a:ln>
+        </p:spPr>
+        <p:style>
+          <a:lnRef idx="1">
+            <a:schemeClr val="accent2"/>
+          </a:lnRef>
+          <a:fillRef idx="3">
+            <a:schemeClr val="accent2"/>
+          </a:fillRef>
+          <a:effectRef idx="2">
+            <a:schemeClr val="accent2"/>
+          </a:effectRef>
+          <a:fontRef idx="minor">
+            <a:schemeClr val="lt1"/>
+          </a:fontRef>
+        </p:style>
+        <p:txBody>
+          <a:bodyPr rtlCol="0" anchor="ctr"/>
+          <a:lstStyle/>
+          <a:p>
+            <a:pPr algn="ctr"/>
+            <a:r>
+              <a:rPr lang="zh-CN" altLang="en-US" dirty="0"/>
+              <a:t>人物</a:t>
+            </a:r>
+          </a:p>
+        </p:txBody>
+      </p:sp>
+      <p:sp>
+        <p:nvSpPr>
+          <p:cNvPr id="20" name="矩形: 圆角 19">
+            <a:extLst>
+              <a:ext uri="{FF2B5EF4-FFF2-40B4-BE49-F238E27FC236}">
+                <a16:creationId xmlns:a16="http://schemas.microsoft.com/office/drawing/2014/main" id="{02D08665-04D6-4F99-B914-615DCD2EEBDE}"/>
+              </a:ext>
+            </a:extLst>
+          </p:cNvPr>
+          <p:cNvSpPr/>
+          <p:nvPr/>
+        </p:nvSpPr>
+        <p:spPr>
+          <a:xfrm>
+            <a:off x="3930480" y="980728"/>
+            <a:ext cx="4331040" cy="5328592"/>
+          </a:xfrm>
+          <a:prstGeom prst="roundRect">
+            <a:avLst>
+              <a:gd name="adj" fmla="val 4486"/>
+            </a:avLst>
+          </a:prstGeom>
+          <a:gradFill>
+            <a:gsLst>
+              <a:gs pos="0">
+                <a:schemeClr val="accent2">
+                  <a:satMod val="103000"/>
+                  <a:lumMod val="102000"/>
+                  <a:tint val="94000"/>
+                  <a:alpha val="30000"/>
+                </a:schemeClr>
+              </a:gs>
+              <a:gs pos="50000">
+                <a:schemeClr val="accent2">
+                  <a:satMod val="110000"/>
+                  <a:lumMod val="100000"/>
+                  <a:shade val="100000"/>
+                  <a:alpha val="30000"/>
+                </a:schemeClr>
+              </a:gs>
+              <a:gs pos="100000">
+                <a:schemeClr val="accent2">
+                  <a:lumMod val="99000"/>
+                  <a:satMod val="120000"/>
+                  <a:shade val="78000"/>
+                  <a:alpha val="30000"/>
+                </a:schemeClr>
+              </a:gs>
+            </a:gsLst>
+          </a:gradFill>
+          <a:ln>
+            <a:noFill/>
+          </a:ln>
+        </p:spPr>
+        <p:style>
+          <a:lnRef idx="1">
+            <a:schemeClr val="accent2"/>
+          </a:lnRef>
+          <a:fillRef idx="3">
+            <a:schemeClr val="accent2"/>
+          </a:fillRef>
+          <a:effectRef idx="2">
+            <a:schemeClr val="accent2"/>
+          </a:effectRef>
+          <a:fontRef idx="minor">
+            <a:schemeClr val="lt1"/>
+          </a:fontRef>
+        </p:style>
+        <p:txBody>
+          <a:bodyPr rtlCol="0" anchor="ctr"/>
+          <a:lstStyle/>
+          <a:p>
+            <a:pPr algn="ctr"/>
+            <a:r>
+              <a:rPr lang="zh-CN" altLang="en-US" dirty="0"/>
+              <a:t>窗口</a:t>
+            </a:r>
+          </a:p>
+        </p:txBody>
+      </p:sp>
+    </p:spTree>
+    <p:extLst>
+      <p:ext uri="{BB962C8B-B14F-4D97-AF65-F5344CB8AC3E}">
+        <p14:creationId xmlns:p14="http://schemas.microsoft.com/office/powerpoint/2010/main" val="2153280258"/>
+      </p:ext>
+    </p:extLst>
+  </p:cSld>
+  <p:clrMapOvr>
+    <a:masterClrMapping/>
+  </p:clrMapOvr>
+</p:sld>
+</file>
+
+<file path=ppt/slides/slide12.xml><?xml version="1.0" encoding="utf-8"?>
+<p:sld xmlns:a="http://schemas.openxmlformats.org/drawingml/2006/main" xmlns:r="http://schemas.openxmlformats.org/officeDocument/2006/relationships" xmlns:p="http://schemas.openxmlformats.org/presentationml/2006/main">
+  <p:cSld>
+    <p:bg>
+      <p:bgPr>
+        <a:solidFill>
+          <a:schemeClr val="accent2">
+            <a:lumMod val="40000"/>
+            <a:lumOff val="60000"/>
+          </a:schemeClr>
+        </a:solidFill>
+        <a:effectLst/>
+      </p:bgPr>
+    </p:bg>
+    <p:spTree>
+      <p:nvGrpSpPr>
+        <p:cNvPr id="1" name=""/>
+        <p:cNvGrpSpPr/>
+        <p:nvPr/>
+      </p:nvGrpSpPr>
+      <p:grpSpPr>
+        <a:xfrm>
+          <a:off x="0" y="0"/>
+          <a:ext cx="0" cy="0"/>
+          <a:chOff x="0" y="0"/>
+          <a:chExt cx="0" cy="0"/>
+        </a:xfrm>
+      </p:grpSpPr>
+      <p:sp>
+        <p:nvSpPr>
+          <p:cNvPr id="15" name="文本框 14">
+            <a:extLst>
+              <a:ext uri="{FF2B5EF4-FFF2-40B4-BE49-F238E27FC236}">
+                <a16:creationId xmlns:a16="http://schemas.microsoft.com/office/drawing/2014/main" id="{657054E7-180F-4947-985B-B4B1939ED52D}"/>
+              </a:ext>
+            </a:extLst>
+          </p:cNvPr>
+          <p:cNvSpPr txBox="1"/>
+          <p:nvPr/>
+        </p:nvSpPr>
+        <p:spPr>
+          <a:xfrm>
+            <a:off x="3930480" y="2798929"/>
+            <a:ext cx="4331040" cy="1200329"/>
+          </a:xfrm>
+          <a:prstGeom prst="rect">
+            <a:avLst/>
+          </a:prstGeom>
+          <a:noFill/>
+        </p:spPr>
+        <p:txBody>
+          <a:bodyPr wrap="square" rtlCol="0">
+            <a:spAutoFit/>
+          </a:bodyPr>
+          <a:lstStyle/>
+          <a:p>
+            <a:pPr algn="ctr"/>
+            <a:r>
+              <a:rPr lang="zh-CN" altLang="en-US" sz="7200" dirty="0">
+                <a:solidFill>
+                  <a:schemeClr val="bg1">
+                    <a:lumMod val="65000"/>
+                  </a:schemeClr>
+                </a:solidFill>
+              </a:rPr>
+              <a:t>背景</a:t>
+            </a:r>
+          </a:p>
+        </p:txBody>
+      </p:sp>
+      <p:sp>
+        <p:nvSpPr>
+          <p:cNvPr id="20" name="矩形: 圆角 19">
+            <a:extLst>
+              <a:ext uri="{FF2B5EF4-FFF2-40B4-BE49-F238E27FC236}">
+                <a16:creationId xmlns:a16="http://schemas.microsoft.com/office/drawing/2014/main" id="{02D08665-04D6-4F99-B914-615DCD2EEBDE}"/>
+              </a:ext>
+            </a:extLst>
+          </p:cNvPr>
+          <p:cNvSpPr/>
+          <p:nvPr/>
+        </p:nvSpPr>
+        <p:spPr>
+          <a:xfrm>
+            <a:off x="3930480" y="980728"/>
+            <a:ext cx="4331040" cy="5328592"/>
+          </a:xfrm>
+          <a:prstGeom prst="roundRect">
+            <a:avLst>
+              <a:gd name="adj" fmla="val 4486"/>
+            </a:avLst>
+          </a:prstGeom>
+          <a:gradFill>
+            <a:gsLst>
+              <a:gs pos="0">
+                <a:schemeClr val="accent2">
+                  <a:satMod val="103000"/>
+                  <a:lumMod val="102000"/>
+                  <a:tint val="94000"/>
+                  <a:alpha val="30000"/>
+                </a:schemeClr>
+              </a:gs>
+              <a:gs pos="50000">
+                <a:schemeClr val="accent2">
+                  <a:satMod val="110000"/>
+                  <a:lumMod val="100000"/>
+                  <a:shade val="100000"/>
+                  <a:alpha val="30000"/>
+                </a:schemeClr>
+              </a:gs>
+              <a:gs pos="100000">
+                <a:schemeClr val="accent2">
+                  <a:lumMod val="99000"/>
+                  <a:satMod val="120000"/>
+                  <a:shade val="78000"/>
+                  <a:alpha val="30000"/>
+                </a:schemeClr>
+              </a:gs>
+            </a:gsLst>
+          </a:gradFill>
+          <a:ln>
+            <a:noFill/>
+          </a:ln>
+        </p:spPr>
+        <p:style>
+          <a:lnRef idx="1">
+            <a:schemeClr val="accent2"/>
+          </a:lnRef>
+          <a:fillRef idx="3">
+            <a:schemeClr val="accent2"/>
+          </a:fillRef>
+          <a:effectRef idx="2">
+            <a:schemeClr val="accent2"/>
+          </a:effectRef>
+          <a:fontRef idx="minor">
+            <a:schemeClr val="lt1"/>
+          </a:fontRef>
+        </p:style>
+        <p:txBody>
+          <a:bodyPr rtlCol="0" anchor="ctr"/>
+          <a:lstStyle/>
+          <a:p>
+            <a:pPr algn="ctr"/>
+            <a:r>
+              <a:rPr lang="zh-CN" altLang="en-US" dirty="0"/>
+              <a:t>设置</a:t>
+            </a:r>
+          </a:p>
+        </p:txBody>
+      </p:sp>
+      <p:sp>
+        <p:nvSpPr>
+          <p:cNvPr id="14" name="矩形: 圆角 13">
+            <a:extLst>
+              <a:ext uri="{FF2B5EF4-FFF2-40B4-BE49-F238E27FC236}">
+                <a16:creationId xmlns:a16="http://schemas.microsoft.com/office/drawing/2014/main" id="{4683ADD9-8A4A-4EAB-ACC8-330BF003441C}"/>
+              </a:ext>
+            </a:extLst>
+          </p:cNvPr>
+          <p:cNvSpPr/>
+          <p:nvPr/>
+        </p:nvSpPr>
+        <p:spPr>
+          <a:xfrm>
+            <a:off x="5573832" y="1268760"/>
+            <a:ext cx="1044336" cy="346513"/>
+          </a:xfrm>
+          <a:prstGeom prst="roundRect">
+            <a:avLst>
+              <a:gd name="adj" fmla="val 26281"/>
+            </a:avLst>
+          </a:prstGeom>
+          <a:ln>
+            <a:noFill/>
+          </a:ln>
+        </p:spPr>
+        <p:style>
+          <a:lnRef idx="1">
+            <a:schemeClr val="accent2"/>
+          </a:lnRef>
+          <a:fillRef idx="3">
+            <a:schemeClr val="accent2"/>
+          </a:fillRef>
+          <a:effectRef idx="2">
+            <a:schemeClr val="accent2"/>
+          </a:effectRef>
+          <a:fontRef idx="minor">
+            <a:schemeClr val="lt1"/>
+          </a:fontRef>
+        </p:style>
+        <p:txBody>
+          <a:bodyPr rtlCol="0" anchor="ctr"/>
+          <a:lstStyle/>
+          <a:p>
+            <a:pPr algn="ctr"/>
+            <a:r>
+              <a:rPr lang="zh-CN" altLang="en-US" dirty="0"/>
+              <a:t>设置</a:t>
+            </a:r>
+          </a:p>
+        </p:txBody>
+      </p:sp>
+      <p:sp>
+        <p:nvSpPr>
+          <p:cNvPr id="9" name="矩形: 圆角 8">
+            <a:extLst>
+              <a:ext uri="{FF2B5EF4-FFF2-40B4-BE49-F238E27FC236}">
+                <a16:creationId xmlns:a16="http://schemas.microsoft.com/office/drawing/2014/main" id="{85D59B40-F2DE-468C-ABFC-BE6CD5339913}"/>
+              </a:ext>
+            </a:extLst>
+          </p:cNvPr>
+          <p:cNvSpPr/>
+          <p:nvPr/>
+        </p:nvSpPr>
+        <p:spPr>
+          <a:xfrm>
+            <a:off x="4645131" y="2285393"/>
+            <a:ext cx="2880320" cy="346513"/>
+          </a:xfrm>
+          <a:prstGeom prst="roundRect">
+            <a:avLst>
+              <a:gd name="adj" fmla="val 26281"/>
+            </a:avLst>
+          </a:prstGeom>
+          <a:ln>
+            <a:noFill/>
+          </a:ln>
+        </p:spPr>
+        <p:style>
+          <a:lnRef idx="1">
+            <a:schemeClr val="accent2"/>
+          </a:lnRef>
+          <a:fillRef idx="3">
+            <a:schemeClr val="accent2"/>
+          </a:fillRef>
+          <a:effectRef idx="2">
+            <a:schemeClr val="accent2"/>
+          </a:effectRef>
+          <a:fontRef idx="minor">
+            <a:schemeClr val="lt1"/>
+          </a:fontRef>
+        </p:style>
+        <p:txBody>
+          <a:bodyPr rtlCol="0" anchor="ctr"/>
+          <a:lstStyle/>
+          <a:p>
+            <a:pPr algn="ctr"/>
+            <a:r>
+              <a:rPr lang="zh-CN" altLang="en-US" dirty="0"/>
+              <a:t>音乐</a:t>
+            </a:r>
+          </a:p>
+        </p:txBody>
+      </p:sp>
+      <p:sp>
+        <p:nvSpPr>
+          <p:cNvPr id="10" name="矩形: 圆角 9">
+            <a:extLst>
+              <a:ext uri="{FF2B5EF4-FFF2-40B4-BE49-F238E27FC236}">
+                <a16:creationId xmlns:a16="http://schemas.microsoft.com/office/drawing/2014/main" id="{F7A1425D-85C3-4648-84ED-9F76A4B5C4D8}"/>
+              </a:ext>
+            </a:extLst>
+          </p:cNvPr>
+          <p:cNvSpPr/>
+          <p:nvPr/>
+        </p:nvSpPr>
+        <p:spPr>
+          <a:xfrm>
+            <a:off x="4645131" y="2802593"/>
+            <a:ext cx="2880320" cy="346513"/>
+          </a:xfrm>
+          <a:prstGeom prst="roundRect">
+            <a:avLst>
+              <a:gd name="adj" fmla="val 26281"/>
+            </a:avLst>
+          </a:prstGeom>
+          <a:ln>
+            <a:noFill/>
+          </a:ln>
+        </p:spPr>
+        <p:style>
+          <a:lnRef idx="1">
+            <a:schemeClr val="accent2"/>
+          </a:lnRef>
+          <a:fillRef idx="3">
+            <a:schemeClr val="accent2"/>
+          </a:fillRef>
+          <a:effectRef idx="2">
+            <a:schemeClr val="accent2"/>
+          </a:effectRef>
+          <a:fontRef idx="minor">
+            <a:schemeClr val="lt1"/>
+          </a:fontRef>
+        </p:style>
+        <p:txBody>
+          <a:bodyPr rtlCol="0" anchor="ctr"/>
+          <a:lstStyle/>
+          <a:p>
+            <a:pPr algn="ctr"/>
+            <a:r>
+              <a:rPr lang="zh-CN" altLang="en-US" dirty="0"/>
+              <a:t>音效</a:t>
+            </a:r>
+          </a:p>
+        </p:txBody>
+      </p:sp>
+      <p:sp>
+        <p:nvSpPr>
+          <p:cNvPr id="11" name="矩形: 圆角 10">
+            <a:extLst>
+              <a:ext uri="{FF2B5EF4-FFF2-40B4-BE49-F238E27FC236}">
+                <a16:creationId xmlns:a16="http://schemas.microsoft.com/office/drawing/2014/main" id="{2296888E-3D89-4939-A743-AA669CEA52B5}"/>
+              </a:ext>
+            </a:extLst>
+          </p:cNvPr>
+          <p:cNvSpPr/>
+          <p:nvPr/>
+        </p:nvSpPr>
+        <p:spPr>
+          <a:xfrm>
+            <a:off x="4666835" y="3322362"/>
+            <a:ext cx="2880320" cy="346513"/>
+          </a:xfrm>
+          <a:prstGeom prst="roundRect">
+            <a:avLst>
+              <a:gd name="adj" fmla="val 26281"/>
+            </a:avLst>
+          </a:prstGeom>
+          <a:ln>
+            <a:noFill/>
+          </a:ln>
+        </p:spPr>
+        <p:style>
+          <a:lnRef idx="1">
+            <a:schemeClr val="accent2"/>
+          </a:lnRef>
+          <a:fillRef idx="3">
+            <a:schemeClr val="accent2"/>
+          </a:fillRef>
+          <a:effectRef idx="2">
+            <a:schemeClr val="accent2"/>
+          </a:effectRef>
+          <a:fontRef idx="minor">
+            <a:schemeClr val="lt1"/>
+          </a:fontRef>
+        </p:style>
+        <p:txBody>
+          <a:bodyPr rtlCol="0" anchor="ctr"/>
+          <a:lstStyle/>
+          <a:p>
+            <a:pPr algn="ctr"/>
+            <a:r>
+              <a:rPr lang="zh-CN" altLang="en-US" dirty="0"/>
+              <a:t>游戏音（事件音、</a:t>
+            </a:r>
+            <a:r>
+              <a:rPr lang="en-US" altLang="zh-CN" dirty="0"/>
+              <a:t>END</a:t>
+            </a:r>
+            <a:r>
+              <a:rPr lang="zh-CN" altLang="en-US" dirty="0"/>
+              <a:t>等）</a:t>
+            </a:r>
+          </a:p>
+        </p:txBody>
+      </p:sp>
+      <p:sp>
+        <p:nvSpPr>
+          <p:cNvPr id="16" name="矩形: 圆角 15">
+            <a:extLst>
+              <a:ext uri="{FF2B5EF4-FFF2-40B4-BE49-F238E27FC236}">
+                <a16:creationId xmlns:a16="http://schemas.microsoft.com/office/drawing/2014/main" id="{83C846DD-F782-4718-BBC9-CB9D831E8D4E}"/>
+              </a:ext>
+            </a:extLst>
+          </p:cNvPr>
+          <p:cNvSpPr/>
+          <p:nvPr/>
+        </p:nvSpPr>
+        <p:spPr>
+          <a:xfrm>
+            <a:off x="4645131" y="4505123"/>
+            <a:ext cx="2880320" cy="346513"/>
+          </a:xfrm>
+          <a:prstGeom prst="roundRect">
+            <a:avLst>
+              <a:gd name="adj" fmla="val 26281"/>
+            </a:avLst>
+          </a:prstGeom>
+          <a:ln>
+            <a:noFill/>
+          </a:ln>
+        </p:spPr>
+        <p:style>
+          <a:lnRef idx="1">
+            <a:schemeClr val="accent2"/>
+          </a:lnRef>
+          <a:fillRef idx="3">
+            <a:schemeClr val="accent2"/>
+          </a:fillRef>
+          <a:effectRef idx="2">
+            <a:schemeClr val="accent2"/>
+          </a:effectRef>
+          <a:fontRef idx="minor">
+            <a:schemeClr val="lt1"/>
+          </a:fontRef>
+        </p:style>
+        <p:txBody>
+          <a:bodyPr rtlCol="0" anchor="ctr"/>
+          <a:lstStyle/>
+          <a:p>
+            <a:pPr algn="ctr"/>
+            <a:r>
+              <a:rPr lang="zh-CN" altLang="en-US" dirty="0"/>
+              <a:t>全屏</a:t>
+            </a:r>
+            <a:r>
+              <a:rPr lang="en-US" altLang="zh-CN" dirty="0"/>
+              <a:t>/</a:t>
+            </a:r>
+            <a:r>
+              <a:rPr lang="zh-CN" altLang="en-US" dirty="0"/>
+              <a:t>窗口</a:t>
+            </a:r>
+          </a:p>
+        </p:txBody>
+      </p:sp>
+      <p:sp>
+        <p:nvSpPr>
+          <p:cNvPr id="17" name="矩形: 圆角 16">
+            <a:extLst>
+              <a:ext uri="{FF2B5EF4-FFF2-40B4-BE49-F238E27FC236}">
+                <a16:creationId xmlns:a16="http://schemas.microsoft.com/office/drawing/2014/main" id="{1401149D-FAA0-4FBF-86EB-0447167DF682}"/>
+              </a:ext>
+            </a:extLst>
+          </p:cNvPr>
+          <p:cNvSpPr/>
+          <p:nvPr/>
+        </p:nvSpPr>
+        <p:spPr>
+          <a:xfrm>
+            <a:off x="5573832" y="5704015"/>
+            <a:ext cx="1044336" cy="346513"/>
+          </a:xfrm>
+          <a:prstGeom prst="roundRect">
+            <a:avLst>
+              <a:gd name="adj" fmla="val 26281"/>
+            </a:avLst>
+          </a:prstGeom>
+          <a:ln>
+            <a:noFill/>
+          </a:ln>
+        </p:spPr>
+        <p:style>
+          <a:lnRef idx="1">
+            <a:schemeClr val="accent2"/>
+          </a:lnRef>
+          <a:fillRef idx="3">
+            <a:schemeClr val="accent2"/>
+          </a:fillRef>
+          <a:effectRef idx="2">
+            <a:schemeClr val="accent2"/>
+          </a:effectRef>
+          <a:fontRef idx="minor">
+            <a:schemeClr val="lt1"/>
+          </a:fontRef>
+        </p:style>
+        <p:txBody>
+          <a:bodyPr rtlCol="0" anchor="ctr"/>
+          <a:lstStyle/>
+          <a:p>
+            <a:pPr algn="ctr"/>
+            <a:r>
+              <a:rPr lang="zh-CN" altLang="en-US" dirty="0"/>
+              <a:t>确认</a:t>
+            </a:r>
+          </a:p>
+        </p:txBody>
+      </p:sp>
+      <p:sp>
+        <p:nvSpPr>
+          <p:cNvPr id="18" name="矩形: 圆角 17">
+            <a:extLst>
+              <a:ext uri="{FF2B5EF4-FFF2-40B4-BE49-F238E27FC236}">
+                <a16:creationId xmlns:a16="http://schemas.microsoft.com/office/drawing/2014/main" id="{27B1B1A2-8043-43CF-B9B2-92E18F5B7201}"/>
+              </a:ext>
+            </a:extLst>
+          </p:cNvPr>
+          <p:cNvSpPr/>
+          <p:nvPr/>
+        </p:nvSpPr>
+        <p:spPr>
+          <a:xfrm>
+            <a:off x="4636868" y="5184244"/>
+            <a:ext cx="2880320" cy="346513"/>
+          </a:xfrm>
+          <a:prstGeom prst="roundRect">
+            <a:avLst>
+              <a:gd name="adj" fmla="val 26281"/>
+            </a:avLst>
+          </a:prstGeom>
+          <a:ln>
+            <a:noFill/>
+          </a:ln>
+        </p:spPr>
+        <p:style>
+          <a:lnRef idx="1">
+            <a:schemeClr val="accent2"/>
+          </a:lnRef>
+          <a:fillRef idx="3">
+            <a:schemeClr val="accent2"/>
+          </a:fillRef>
+          <a:effectRef idx="2">
+            <a:schemeClr val="accent2"/>
+          </a:effectRef>
+          <a:fontRef idx="minor">
+            <a:schemeClr val="lt1"/>
+          </a:fontRef>
+        </p:style>
+        <p:txBody>
+          <a:bodyPr rtlCol="0" anchor="ctr"/>
+          <a:lstStyle/>
+          <a:p>
+            <a:pPr algn="ctr"/>
+            <a:r>
+              <a:rPr lang="zh-CN" altLang="en-US" dirty="0"/>
+              <a:t>设为默认值</a:t>
+            </a:r>
+          </a:p>
+        </p:txBody>
+      </p:sp>
+      <p:sp>
+        <p:nvSpPr>
+          <p:cNvPr id="19" name="矩形: 圆角 18">
+            <a:extLst>
+              <a:ext uri="{FF2B5EF4-FFF2-40B4-BE49-F238E27FC236}">
+                <a16:creationId xmlns:a16="http://schemas.microsoft.com/office/drawing/2014/main" id="{8717EDB7-149B-4E6D-B153-4993C889C5EE}"/>
+              </a:ext>
+            </a:extLst>
+          </p:cNvPr>
+          <p:cNvSpPr/>
+          <p:nvPr/>
+        </p:nvSpPr>
+        <p:spPr>
+          <a:xfrm>
+            <a:off x="10488488" y="5357502"/>
+            <a:ext cx="1044336" cy="346513"/>
+          </a:xfrm>
+          <a:prstGeom prst="roundRect">
+            <a:avLst>
+              <a:gd name="adj" fmla="val 26281"/>
+            </a:avLst>
+          </a:prstGeom>
+          <a:gradFill>
+            <a:lin ang="16200000" scaled="0"/>
+          </a:gradFill>
+          <a:ln>
+            <a:noFill/>
+          </a:ln>
+        </p:spPr>
+        <p:style>
+          <a:lnRef idx="1">
+            <a:schemeClr val="accent2"/>
+          </a:lnRef>
+          <a:fillRef idx="3">
+            <a:schemeClr val="accent2"/>
+          </a:fillRef>
+          <a:effectRef idx="2">
+            <a:schemeClr val="accent2"/>
+          </a:effectRef>
+          <a:fontRef idx="minor">
+            <a:schemeClr val="lt1"/>
+          </a:fontRef>
+        </p:style>
+        <p:txBody>
+          <a:bodyPr rtlCol="0" anchor="ctr"/>
+          <a:lstStyle/>
+          <a:p>
+            <a:pPr algn="ctr"/>
+            <a:endParaRPr lang="zh-CN" altLang="en-US" dirty="0"/>
+          </a:p>
+        </p:txBody>
+      </p:sp>
+    </p:spTree>
+    <p:extLst>
+      <p:ext uri="{BB962C8B-B14F-4D97-AF65-F5344CB8AC3E}">
+        <p14:creationId xmlns:p14="http://schemas.microsoft.com/office/powerpoint/2010/main" val="770563288"/>
+      </p:ext>
+    </p:extLst>
+  </p:cSld>
+  <p:clrMapOvr>
+    <a:masterClrMapping/>
+  </p:clrMapOvr>
+</p:sld>
+</file>
+
+<file path=ppt/slides/slide13.xml><?xml version="1.0" encoding="utf-8"?>
+<p:sld xmlns:a="http://schemas.openxmlformats.org/drawingml/2006/main" xmlns:r="http://schemas.openxmlformats.org/officeDocument/2006/relationships" xmlns:p="http://schemas.openxmlformats.org/presentationml/2006/main">
+  <p:cSld>
+    <p:bg>
+      <p:bgPr>
+        <a:gradFill flip="none" rotWithShape="1">
+          <a:gsLst>
+            <a:gs pos="0">
+              <a:srgbClr val="FBE9C3"/>
+            </a:gs>
+            <a:gs pos="36000">
+              <a:srgbClr val="FBE9C3"/>
+            </a:gs>
+            <a:gs pos="80000">
+              <a:srgbClr val="E6D0B4"/>
+            </a:gs>
+            <a:gs pos="100000">
+              <a:srgbClr val="DEC7AB"/>
+            </a:gs>
+          </a:gsLst>
+          <a:path path="shape">
+            <a:fillToRect l="50000" t="50000" r="50000" b="50000"/>
+          </a:path>
+          <a:tileRect/>
+        </a:gradFill>
+        <a:effectLst/>
+      </p:bgPr>
+    </p:bg>
+    <p:spTree>
+      <p:nvGrpSpPr>
+        <p:cNvPr id="1" name=""/>
+        <p:cNvGrpSpPr/>
+        <p:nvPr/>
+      </p:nvGrpSpPr>
+      <p:grpSpPr>
+        <a:xfrm>
+          <a:off x="0" y="0"/>
+          <a:ext cx="0" cy="0"/>
+          <a:chOff x="0" y="0"/>
+          <a:chExt cx="0" cy="0"/>
+        </a:xfrm>
+      </p:grpSpPr>
+      <p:sp>
+        <p:nvSpPr>
+          <p:cNvPr id="2" name="文本框 1">
+            <a:extLst>
+              <a:ext uri="{FF2B5EF4-FFF2-40B4-BE49-F238E27FC236}">
+                <a16:creationId xmlns:a16="http://schemas.microsoft.com/office/drawing/2014/main" id="{4D696130-1BCA-4839-A1D4-2626B945FEF3}"/>
+              </a:ext>
+            </a:extLst>
+          </p:cNvPr>
+          <p:cNvSpPr txBox="1"/>
+          <p:nvPr/>
+        </p:nvSpPr>
+        <p:spPr>
+          <a:xfrm>
+            <a:off x="8184232" y="3416816"/>
+            <a:ext cx="3384376" cy="2123658"/>
+          </a:xfrm>
+          <a:prstGeom prst="rect">
+            <a:avLst/>
+          </a:prstGeom>
+          <a:noFill/>
+          <a:effectLst/>
+        </p:spPr>
+        <p:txBody>
+          <a:bodyPr wrap="square" rtlCol="0">
+            <a:spAutoFit/>
+          </a:bodyPr>
+          <a:lstStyle/>
+          <a:p>
+            <a:r>
+              <a:rPr lang="zh-CN" altLang="en-US" sz="4400" dirty="0">
+                <a:effectLst/>
+                <a:latin typeface="杨任东竹石体-Regular" panose="02000000000000000000" pitchFamily="2" charset="-122"/>
+                <a:ea typeface="杨任东竹石体-Regular" panose="02000000000000000000" pitchFamily="2" charset="-122"/>
+              </a:rPr>
+              <a:t>测试文字</a:t>
+            </a:r>
+            <a:endParaRPr lang="en-US" altLang="zh-CN" sz="4400" dirty="0">
+              <a:effectLst/>
+              <a:latin typeface="杨任东竹石体-Regular" panose="02000000000000000000" pitchFamily="2" charset="-122"/>
+              <a:ea typeface="杨任东竹石体-Regular" panose="02000000000000000000" pitchFamily="2" charset="-122"/>
+            </a:endParaRPr>
+          </a:p>
+          <a:p>
+            <a:r>
+              <a:rPr lang="zh-CN" altLang="en-US" sz="4400" dirty="0">
+                <a:latin typeface="杨任东竹石体-Semibold" panose="02000000000000000000" pitchFamily="2" charset="-122"/>
+                <a:ea typeface="杨任东竹石体-Semibold" panose="02000000000000000000" pitchFamily="2" charset="-122"/>
+              </a:rPr>
+              <a:t>测试文字</a:t>
+            </a:r>
+            <a:endParaRPr lang="en-US" altLang="zh-CN" sz="4400" dirty="0">
+              <a:latin typeface="杨任东竹石体-Semibold" panose="02000000000000000000" pitchFamily="2" charset="-122"/>
+              <a:ea typeface="杨任东竹石体-Semibold" panose="02000000000000000000" pitchFamily="2" charset="-122"/>
+            </a:endParaRPr>
+          </a:p>
+          <a:p>
+            <a:endParaRPr lang="zh-CN" altLang="en-US" sz="4400" dirty="0">
+              <a:latin typeface="杨任东竹石体-Regular" panose="02000000000000000000" pitchFamily="2" charset="-122"/>
+              <a:ea typeface="杨任东竹石体-Regular" panose="02000000000000000000" pitchFamily="2" charset="-122"/>
+            </a:endParaRPr>
+          </a:p>
+        </p:txBody>
+      </p:sp>
+      <p:sp>
+        <p:nvSpPr>
+          <p:cNvPr id="3" name="矩形 2">
+            <a:extLst>
+              <a:ext uri="{FF2B5EF4-FFF2-40B4-BE49-F238E27FC236}">
+                <a16:creationId xmlns:a16="http://schemas.microsoft.com/office/drawing/2014/main" id="{AEA1DE8F-7BFB-4CBF-A6F9-7F34C0DA5F09}"/>
+              </a:ext>
+            </a:extLst>
+          </p:cNvPr>
+          <p:cNvSpPr/>
+          <p:nvPr/>
+        </p:nvSpPr>
+        <p:spPr>
+          <a:xfrm>
+            <a:off x="3935760" y="1268760"/>
+            <a:ext cx="4320480" cy="4320480"/>
+          </a:xfrm>
+          <a:prstGeom prst="rect">
+            <a:avLst/>
+          </a:prstGeom>
+          <a:gradFill>
+            <a:gsLst>
+              <a:gs pos="0">
+                <a:srgbClr val="FBE9C3"/>
+              </a:gs>
+              <a:gs pos="36000">
+                <a:srgbClr val="FBE9C3"/>
+              </a:gs>
+              <a:gs pos="80000">
+                <a:srgbClr val="E6D0B4"/>
+              </a:gs>
+              <a:gs pos="100000">
+                <a:srgbClr val="DEC7AB"/>
+              </a:gs>
+            </a:gsLst>
+            <a:path path="shape">
+              <a:fillToRect l="50000" t="50000" r="50000" b="50000"/>
+            </a:path>
+          </a:gradFill>
+          <a:ln>
+            <a:noFill/>
+          </a:ln>
+        </p:spPr>
+        <p:style>
+          <a:lnRef idx="2">
+            <a:schemeClr val="accent1">
+              <a:shade val="50000"/>
+            </a:schemeClr>
+          </a:lnRef>
+          <a:fillRef idx="1">
+            <a:schemeClr val="accent1"/>
+          </a:fillRef>
+          <a:effectRef idx="0">
+            <a:schemeClr val="accent1"/>
+          </a:effectRef>
+          <a:fontRef idx="minor">
+            <a:schemeClr val="lt1"/>
+          </a:fontRef>
+        </p:style>
+        <p:txBody>
+          <a:bodyPr rtlCol="0" anchor="ctr"/>
+          <a:lstStyle/>
+          <a:p>
+            <a:pPr algn="ctr"/>
+            <a:endParaRPr lang="zh-CN" altLang="en-US"/>
+          </a:p>
+        </p:txBody>
+      </p:sp>
+    </p:spTree>
+    <p:extLst>
+      <p:ext uri="{BB962C8B-B14F-4D97-AF65-F5344CB8AC3E}">
+        <p14:creationId xmlns:p14="http://schemas.microsoft.com/office/powerpoint/2010/main" val="592957019"/>
       </p:ext>
     </p:extLst>
   </p:cSld>
@@ -4168,7 +6337,7 @@
           </a:blip>
           <a:srcRect/>
           <a:stretch>
-            <a:fillRect t="-69000" b="-69000"/>
+            <a:fillRect/>
           </a:stretch>
         </a:blipFill>
         <a:effectLst/>
@@ -4474,7 +6643,7 @@
           </a:blip>
           <a:srcRect/>
           <a:stretch>
-            <a:fillRect t="-69000" b="-69000"/>
+            <a:fillRect/>
           </a:stretch>
         </a:blipFill>
         <a:effectLst/>
@@ -4509,7 +6678,7 @@
         <p:spPr>
           <a:xfrm>
             <a:off x="314960" y="5020310"/>
-            <a:ext cx="11562080" cy="1640840"/>
+            <a:ext cx="10101520" cy="1640840"/>
           </a:xfrm>
           <a:prstGeom prst="roundRect">
             <a:avLst/>
@@ -4672,8 +6841,8 @@
         </p:nvSpPr>
         <p:spPr>
           <a:xfrm>
-            <a:off x="1343472" y="2011831"/>
-            <a:ext cx="2628920" cy="1859260"/>
+            <a:off x="10251440" y="5157192"/>
+            <a:ext cx="1625600" cy="419100"/>
           </a:xfrm>
           <a:prstGeom prst="roundRect">
             <a:avLst/>
@@ -4721,8 +6890,8 @@
         </p:nvSpPr>
         <p:spPr>
           <a:xfrm>
-            <a:off x="4781540" y="2011831"/>
-            <a:ext cx="2628920" cy="1859259"/>
+            <a:off x="10251440" y="5713174"/>
+            <a:ext cx="1625600" cy="419100"/>
           </a:xfrm>
           <a:prstGeom prst="roundRect">
             <a:avLst/>
@@ -4756,12 +6925,56 @@
           </a:p>
         </p:txBody>
       </p:sp>
-      <p:sp>
-        <p:nvSpPr>
-          <p:cNvPr id="8" name="矩形: 圆角 7">
-            <a:extLst>
-              <a:ext uri="{FF2B5EF4-FFF2-40B4-BE49-F238E27FC236}">
-                <a16:creationId xmlns:a16="http://schemas.microsoft.com/office/drawing/2014/main" id="{DF9AD46C-05FB-416B-A411-A5332859692D}"/>
+    </p:spTree>
+    <p:extLst>
+      <p:ext uri="{BB962C8B-B14F-4D97-AF65-F5344CB8AC3E}">
+        <p14:creationId xmlns:p14="http://schemas.microsoft.com/office/powerpoint/2010/main" val="1481147081"/>
+      </p:ext>
+    </p:extLst>
+  </p:cSld>
+  <p:clrMapOvr>
+    <a:masterClrMapping/>
+  </p:clrMapOvr>
+</p:sld>
+</file>
+
+<file path=ppt/slides/slide4.xml><?xml version="1.0" encoding="utf-8"?>
+<p:sld xmlns:a="http://schemas.openxmlformats.org/drawingml/2006/main" xmlns:r="http://schemas.openxmlformats.org/officeDocument/2006/relationships" xmlns:p="http://schemas.openxmlformats.org/presentationml/2006/main">
+  <p:cSld>
+    <p:bg>
+      <p:bgPr>
+        <a:blipFill dpi="0" rotWithShape="1">
+          <a:blip r:embed="rId2">
+            <a:lum/>
+          </a:blip>
+          <a:srcRect/>
+          <a:stretch>
+            <a:fillRect/>
+          </a:stretch>
+        </a:blipFill>
+        <a:effectLst/>
+      </p:bgPr>
+    </p:bg>
+    <p:spTree>
+      <p:nvGrpSpPr>
+        <p:cNvPr id="1" name=""/>
+        <p:cNvGrpSpPr/>
+        <p:nvPr/>
+      </p:nvGrpSpPr>
+      <p:grpSpPr>
+        <a:xfrm>
+          <a:off x="0" y="0"/>
+          <a:ext cx="0" cy="0"/>
+          <a:chOff x="0" y="0"/>
+          <a:chExt cx="0" cy="0"/>
+        </a:xfrm>
+      </p:grpSpPr>
+      <p:sp>
+        <p:nvSpPr>
+          <p:cNvPr id="4" name="矩形: 圆角 3">
+            <a:extLst>
+              <a:ext uri="{FF2B5EF4-FFF2-40B4-BE49-F238E27FC236}">
+                <a16:creationId xmlns:a16="http://schemas.microsoft.com/office/drawing/2014/main" id="{2FFCE2B7-19CC-497B-97C7-0485AEF4CC76}"/>
               </a:ext>
             </a:extLst>
           </p:cNvPr>
@@ -4770,12 +6983,17 @@
         </p:nvSpPr>
         <p:spPr>
           <a:xfrm>
-            <a:off x="8219608" y="2011829"/>
-            <a:ext cx="2628920" cy="1859260"/>
+            <a:off x="314960" y="5020310"/>
+            <a:ext cx="11562080" cy="1640840"/>
           </a:xfrm>
           <a:prstGeom prst="roundRect">
             <a:avLst/>
           </a:prstGeom>
+          <a:solidFill>
+            <a:schemeClr val="bg1">
+              <a:alpha val="60000"/>
+            </a:schemeClr>
+          </a:solidFill>
         </p:spPr>
         <p:style>
           <a:lnRef idx="2">
@@ -4799,6 +7017,263 @@
           <a:p>
             <a:pPr algn="ctr"/>
             <a:r>
+              <a:rPr lang="zh-CN" altLang="en-US" sz="2800" dirty="0">
+                <a:ln w="0"/>
+                <a:solidFill>
+                  <a:schemeClr val="tx1"/>
+                </a:solidFill>
+                <a:effectLst>
+                  <a:outerShdw blurRad="38100" dist="19050" dir="2700000" algn="tl" rotWithShape="0">
+                    <a:schemeClr val="dk1">
+                      <a:alpha val="40000"/>
+                    </a:schemeClr>
+                  </a:outerShdw>
+                </a:effectLst>
+              </a:rPr>
+              <a:t>我说的没错吧</a:t>
+            </a:r>
+          </a:p>
+          <a:p>
+            <a:pPr algn="ctr"/>
+            <a:r>
+              <a:rPr lang="en-US" altLang="zh-CN" sz="2800" dirty="0" err="1">
+                <a:ln w="0"/>
+                <a:solidFill>
+                  <a:schemeClr val="tx1"/>
+                </a:solidFill>
+                <a:effectLst>
+                  <a:outerShdw blurRad="38100" dist="19050" dir="2700000" algn="tl" rotWithShape="0">
+                    <a:schemeClr val="dk1">
+                      <a:alpha val="40000"/>
+                    </a:schemeClr>
+                  </a:outerShdw>
+                </a:effectLst>
+              </a:rPr>
+              <a:t>wxh</a:t>
+            </a:r>
+            <a:r>
+              <a:rPr lang="zh-CN" altLang="en-US" sz="2800" dirty="0">
+                <a:ln w="0"/>
+                <a:solidFill>
+                  <a:schemeClr val="tx1"/>
+                </a:solidFill>
+                <a:effectLst>
+                  <a:outerShdw blurRad="38100" dist="19050" dir="2700000" algn="tl" rotWithShape="0">
+                    <a:schemeClr val="dk1">
+                      <a:alpha val="40000"/>
+                    </a:schemeClr>
+                  </a:outerShdw>
+                </a:effectLst>
+              </a:rPr>
+              <a:t>天下第一</a:t>
+            </a:r>
+            <a:endParaRPr lang="en-US" altLang="zh-CN" sz="2800" dirty="0">
+              <a:ln w="0"/>
+              <a:solidFill>
+                <a:schemeClr val="tx1"/>
+              </a:solidFill>
+              <a:effectLst>
+                <a:outerShdw blurRad="38100" dist="19050" dir="2700000" algn="tl" rotWithShape="0">
+                  <a:schemeClr val="dk1">
+                    <a:alpha val="40000"/>
+                  </a:schemeClr>
+                </a:outerShdw>
+              </a:effectLst>
+            </a:endParaRPr>
+          </a:p>
+        </p:txBody>
+      </p:sp>
+      <p:sp>
+        <p:nvSpPr>
+          <p:cNvPr id="5" name="矩形: 圆角 4">
+            <a:extLst>
+              <a:ext uri="{FF2B5EF4-FFF2-40B4-BE49-F238E27FC236}">
+                <a16:creationId xmlns:a16="http://schemas.microsoft.com/office/drawing/2014/main" id="{97D28AB7-B262-468E-8426-0A3B3D46A869}"/>
+              </a:ext>
+            </a:extLst>
+          </p:cNvPr>
+          <p:cNvSpPr/>
+          <p:nvPr/>
+        </p:nvSpPr>
+        <p:spPr>
+          <a:xfrm>
+            <a:off x="119336" y="4581128"/>
+            <a:ext cx="1625600" cy="670560"/>
+          </a:xfrm>
+          <a:prstGeom prst="roundRect">
+            <a:avLst/>
+          </a:prstGeom>
+        </p:spPr>
+        <p:style>
+          <a:lnRef idx="2">
+            <a:schemeClr val="accent3">
+              <a:shade val="50000"/>
+            </a:schemeClr>
+          </a:lnRef>
+          <a:fillRef idx="1">
+            <a:schemeClr val="accent3"/>
+          </a:fillRef>
+          <a:effectRef idx="0">
+            <a:schemeClr val="accent3"/>
+          </a:effectRef>
+          <a:fontRef idx="minor">
+            <a:schemeClr val="lt1"/>
+          </a:fontRef>
+        </p:style>
+        <p:txBody>
+          <a:bodyPr rtlCol="0" anchor="ctr"/>
+          <a:lstStyle/>
+          <a:p>
+            <a:pPr algn="ctr"/>
+            <a:r>
+              <a:rPr lang="en-US" altLang="zh-CN" sz="2400" dirty="0" err="1"/>
+              <a:t>wxh</a:t>
+            </a:r>
+            <a:endParaRPr lang="zh-CN" altLang="en-US" sz="2400" dirty="0"/>
+          </a:p>
+        </p:txBody>
+      </p:sp>
+      <p:sp>
+        <p:nvSpPr>
+          <p:cNvPr id="6" name="矩形: 圆角 5">
+            <a:extLst>
+              <a:ext uri="{FF2B5EF4-FFF2-40B4-BE49-F238E27FC236}">
+                <a16:creationId xmlns:a16="http://schemas.microsoft.com/office/drawing/2014/main" id="{88AA75E9-C029-4696-981E-71396073A143}"/>
+              </a:ext>
+            </a:extLst>
+          </p:cNvPr>
+          <p:cNvSpPr/>
+          <p:nvPr/>
+        </p:nvSpPr>
+        <p:spPr>
+          <a:xfrm>
+            <a:off x="1343472" y="2011831"/>
+            <a:ext cx="2628920" cy="1859260"/>
+          </a:xfrm>
+          <a:prstGeom prst="roundRect">
+            <a:avLst/>
+          </a:prstGeom>
+        </p:spPr>
+        <p:style>
+          <a:lnRef idx="2">
+            <a:schemeClr val="accent3">
+              <a:shade val="50000"/>
+            </a:schemeClr>
+          </a:lnRef>
+          <a:fillRef idx="1">
+            <a:schemeClr val="accent3"/>
+          </a:fillRef>
+          <a:effectRef idx="0">
+            <a:schemeClr val="accent3"/>
+          </a:effectRef>
+          <a:fontRef idx="minor">
+            <a:schemeClr val="lt1"/>
+          </a:fontRef>
+        </p:style>
+        <p:txBody>
+          <a:bodyPr rtlCol="0" anchor="ctr"/>
+          <a:lstStyle/>
+          <a:p>
+            <a:pPr algn="ctr"/>
+            <a:r>
+              <a:rPr lang="zh-CN" altLang="en-US" dirty="0"/>
+              <a:t>对呀</a:t>
+            </a:r>
+          </a:p>
+        </p:txBody>
+      </p:sp>
+      <p:sp>
+        <p:nvSpPr>
+          <p:cNvPr id="7" name="矩形: 圆角 6">
+            <a:extLst>
+              <a:ext uri="{FF2B5EF4-FFF2-40B4-BE49-F238E27FC236}">
+                <a16:creationId xmlns:a16="http://schemas.microsoft.com/office/drawing/2014/main" id="{3CA725F4-C5A0-4653-8F4F-311B4D6EBEFC}"/>
+              </a:ext>
+            </a:extLst>
+          </p:cNvPr>
+          <p:cNvSpPr/>
+          <p:nvPr/>
+        </p:nvSpPr>
+        <p:spPr>
+          <a:xfrm>
+            <a:off x="4781540" y="2011831"/>
+            <a:ext cx="2628920" cy="1859259"/>
+          </a:xfrm>
+          <a:prstGeom prst="roundRect">
+            <a:avLst/>
+          </a:prstGeom>
+        </p:spPr>
+        <p:style>
+          <a:lnRef idx="2">
+            <a:schemeClr val="accent3">
+              <a:shade val="50000"/>
+            </a:schemeClr>
+          </a:lnRef>
+          <a:fillRef idx="1">
+            <a:schemeClr val="accent3"/>
+          </a:fillRef>
+          <a:effectRef idx="0">
+            <a:schemeClr val="accent3"/>
+          </a:effectRef>
+          <a:fontRef idx="minor">
+            <a:schemeClr val="lt1"/>
+          </a:fontRef>
+        </p:style>
+        <p:txBody>
+          <a:bodyPr rtlCol="0" anchor="ctr"/>
+          <a:lstStyle/>
+          <a:p>
+            <a:pPr algn="ctr"/>
+            <a:r>
+              <a:rPr lang="zh-CN" altLang="en-US" dirty="0"/>
+              <a:t>是的</a:t>
+            </a:r>
+          </a:p>
+        </p:txBody>
+      </p:sp>
+      <p:sp>
+        <p:nvSpPr>
+          <p:cNvPr id="8" name="矩形: 圆角 7">
+            <a:extLst>
+              <a:ext uri="{FF2B5EF4-FFF2-40B4-BE49-F238E27FC236}">
+                <a16:creationId xmlns:a16="http://schemas.microsoft.com/office/drawing/2014/main" id="{DF9AD46C-05FB-416B-A411-A5332859692D}"/>
+              </a:ext>
+            </a:extLst>
+          </p:cNvPr>
+          <p:cNvSpPr/>
+          <p:nvPr/>
+        </p:nvSpPr>
+        <p:spPr>
+          <a:xfrm>
+            <a:off x="8219608" y="2011829"/>
+            <a:ext cx="2628920" cy="1859260"/>
+          </a:xfrm>
+          <a:prstGeom prst="roundRect">
+            <a:avLst/>
+          </a:prstGeom>
+        </p:spPr>
+        <p:style>
+          <a:lnRef idx="2">
+            <a:schemeClr val="accent3">
+              <a:shade val="50000"/>
+            </a:schemeClr>
+          </a:lnRef>
+          <a:fillRef idx="1">
+            <a:schemeClr val="accent3"/>
+          </a:fillRef>
+          <a:effectRef idx="0">
+            <a:schemeClr val="accent3"/>
+          </a:effectRef>
+          <a:fontRef idx="minor">
+            <a:schemeClr val="lt1"/>
+          </a:fontRef>
+        </p:style>
+        <p:txBody>
+          <a:bodyPr rtlCol="0" anchor="ctr"/>
+          <a:lstStyle/>
+          <a:p>
+            <a:pPr algn="ctr"/>
+            <a:r>
               <a:rPr lang="zh-CN" altLang="en-US" dirty="0"/>
               <a:t>没错</a:t>
             </a:r>
@@ -4818,7 +7293,7 @@
 </p:sld>
 </file>
 
-<file path=ppt/slides/slide4.xml><?xml version="1.0" encoding="utf-8"?>
+<file path=ppt/slides/slide5.xml><?xml version="1.0" encoding="utf-8"?>
 <p:sld xmlns:a="http://schemas.openxmlformats.org/drawingml/2006/main" xmlns:r="http://schemas.openxmlformats.org/officeDocument/2006/relationships" xmlns:p="http://schemas.openxmlformats.org/presentationml/2006/main">
   <p:cSld>
     <p:bg>
@@ -4856,429 +7331,6 @@
 </p:sld>
 </file>
 
-<file path=ppt/slides/slide5.xml><?xml version="1.0" encoding="utf-8"?>
-<p:sld xmlns:a="http://schemas.openxmlformats.org/drawingml/2006/main" xmlns:r="http://schemas.openxmlformats.org/officeDocument/2006/relationships" xmlns:p="http://schemas.openxmlformats.org/presentationml/2006/main">
-  <p:cSld>
-    <p:bg>
-      <p:bgPr>
-        <a:solidFill>
-          <a:schemeClr val="accent2">
-            <a:lumMod val="40000"/>
-            <a:lumOff val="60000"/>
-          </a:schemeClr>
-        </a:solidFill>
-        <a:effectLst/>
-      </p:bgPr>
-    </p:bg>
-    <p:spTree>
-      <p:nvGrpSpPr>
-        <p:cNvPr id="1" name=""/>
-        <p:cNvGrpSpPr/>
-        <p:nvPr/>
-      </p:nvGrpSpPr>
-      <p:grpSpPr>
-        <a:xfrm>
-          <a:off x="0" y="0"/>
-          <a:ext cx="0" cy="0"/>
-          <a:chOff x="0" y="0"/>
-          <a:chExt cx="0" cy="0"/>
-        </a:xfrm>
-      </p:grpSpPr>
-      <p:sp>
-        <p:nvSpPr>
-          <p:cNvPr id="6" name="矩形: 圆角 5">
-            <a:extLst>
-              <a:ext uri="{FF2B5EF4-FFF2-40B4-BE49-F238E27FC236}">
-                <a16:creationId xmlns:a16="http://schemas.microsoft.com/office/drawing/2014/main" id="{88AA75E9-C029-4696-981E-71396073A143}"/>
-              </a:ext>
-            </a:extLst>
-          </p:cNvPr>
-          <p:cNvSpPr/>
-          <p:nvPr/>
-        </p:nvSpPr>
-        <p:spPr>
-          <a:xfrm>
-            <a:off x="8976320" y="3140968"/>
-            <a:ext cx="3600400" cy="576064"/>
-          </a:xfrm>
-          <a:prstGeom prst="roundRect">
-            <a:avLst>
-              <a:gd name="adj" fmla="val 50000"/>
-            </a:avLst>
-          </a:prstGeom>
-          <a:ln>
-            <a:noFill/>
-          </a:ln>
-        </p:spPr>
-        <p:style>
-          <a:lnRef idx="1">
-            <a:schemeClr val="accent2"/>
-          </a:lnRef>
-          <a:fillRef idx="3">
-            <a:schemeClr val="accent2"/>
-          </a:fillRef>
-          <a:effectRef idx="2">
-            <a:schemeClr val="accent2"/>
-          </a:effectRef>
-          <a:fontRef idx="minor">
-            <a:schemeClr val="lt1"/>
-          </a:fontRef>
-        </p:style>
-        <p:txBody>
-          <a:bodyPr rtlCol="0" anchor="ctr"/>
-          <a:lstStyle/>
-          <a:p>
-            <a:pPr algn="ctr"/>
-            <a:r>
-              <a:rPr lang="zh-CN" altLang="en-US" sz="4400" dirty="0"/>
-              <a:t>开始</a:t>
-            </a:r>
-          </a:p>
-        </p:txBody>
-      </p:sp>
-      <p:sp>
-        <p:nvSpPr>
-          <p:cNvPr id="7" name="矩形: 圆角 6">
-            <a:extLst>
-              <a:ext uri="{FF2B5EF4-FFF2-40B4-BE49-F238E27FC236}">
-                <a16:creationId xmlns:a16="http://schemas.microsoft.com/office/drawing/2014/main" id="{3CA725F4-C5A0-4653-8F4F-311B4D6EBEFC}"/>
-              </a:ext>
-            </a:extLst>
-          </p:cNvPr>
-          <p:cNvSpPr/>
-          <p:nvPr/>
-        </p:nvSpPr>
-        <p:spPr>
-          <a:xfrm>
-            <a:off x="10269089" y="4922156"/>
-            <a:ext cx="1922911" cy="419100"/>
-          </a:xfrm>
-          <a:prstGeom prst="roundRect">
-            <a:avLst/>
-          </a:prstGeom>
-          <a:noFill/>
-          <a:ln>
-            <a:noFill/>
-          </a:ln>
-        </p:spPr>
-        <p:style>
-          <a:lnRef idx="0">
-            <a:scrgbClr r="0" g="0" b="0"/>
-          </a:lnRef>
-          <a:fillRef idx="0">
-            <a:scrgbClr r="0" g="0" b="0"/>
-          </a:fillRef>
-          <a:effectRef idx="0">
-            <a:scrgbClr r="0" g="0" b="0"/>
-          </a:effectRef>
-          <a:fontRef idx="minor">
-            <a:schemeClr val="accent2"/>
-          </a:fontRef>
-        </p:style>
-        <p:txBody>
-          <a:bodyPr rtlCol="0" anchor="ctr"/>
-          <a:lstStyle/>
-          <a:p>
-            <a:pPr algn="ctr"/>
-            <a:r>
-              <a:rPr lang="zh-CN" altLang="en-US" sz="2800" dirty="0"/>
-              <a:t>关于</a:t>
-            </a:r>
-          </a:p>
-        </p:txBody>
-      </p:sp>
-      <p:sp>
-        <p:nvSpPr>
-          <p:cNvPr id="2" name="文本框 1">
-            <a:extLst>
-              <a:ext uri="{FF2B5EF4-FFF2-40B4-BE49-F238E27FC236}">
-                <a16:creationId xmlns:a16="http://schemas.microsoft.com/office/drawing/2014/main" id="{DEA7C006-18C9-41DD-98A3-4407A4F658AF}"/>
-              </a:ext>
-            </a:extLst>
-          </p:cNvPr>
-          <p:cNvSpPr txBox="1"/>
-          <p:nvPr/>
-        </p:nvSpPr>
-        <p:spPr>
-          <a:xfrm>
-            <a:off x="1764960" y="1301435"/>
-            <a:ext cx="4331040" cy="1200329"/>
-          </a:xfrm>
-          <a:prstGeom prst="rect">
-            <a:avLst/>
-          </a:prstGeom>
-          <a:noFill/>
-        </p:spPr>
-        <p:txBody>
-          <a:bodyPr wrap="square" rtlCol="0">
-            <a:spAutoFit/>
-          </a:bodyPr>
-          <a:lstStyle/>
-          <a:p>
-            <a:r>
-              <a:rPr lang="zh-CN" altLang="en-US" sz="7200" dirty="0"/>
-              <a:t>标题</a:t>
-            </a:r>
-          </a:p>
-        </p:txBody>
-      </p:sp>
-      <p:sp>
-        <p:nvSpPr>
-          <p:cNvPr id="8" name="矩形: 圆角 7">
-            <a:extLst>
-              <a:ext uri="{FF2B5EF4-FFF2-40B4-BE49-F238E27FC236}">
-                <a16:creationId xmlns:a16="http://schemas.microsoft.com/office/drawing/2014/main" id="{FA6A30EF-EBEC-442B-8571-9565A8EF39AA}"/>
-              </a:ext>
-            </a:extLst>
-          </p:cNvPr>
-          <p:cNvSpPr/>
-          <p:nvPr/>
-        </p:nvSpPr>
-        <p:spPr>
-          <a:xfrm>
-            <a:off x="9815064" y="4399889"/>
-            <a:ext cx="1922911" cy="419100"/>
-          </a:xfrm>
-          <a:prstGeom prst="roundRect">
-            <a:avLst/>
-          </a:prstGeom>
-          <a:noFill/>
-          <a:ln>
-            <a:noFill/>
-          </a:ln>
-        </p:spPr>
-        <p:style>
-          <a:lnRef idx="0">
-            <a:scrgbClr r="0" g="0" b="0"/>
-          </a:lnRef>
-          <a:fillRef idx="0">
-            <a:scrgbClr r="0" g="0" b="0"/>
-          </a:fillRef>
-          <a:effectRef idx="0">
-            <a:scrgbClr r="0" g="0" b="0"/>
-          </a:effectRef>
-          <a:fontRef idx="minor">
-            <a:schemeClr val="accent2"/>
-          </a:fontRef>
-        </p:style>
-        <p:txBody>
-          <a:bodyPr rtlCol="0" anchor="ctr"/>
-          <a:lstStyle/>
-          <a:p>
-            <a:pPr algn="ctr"/>
-            <a:r>
-              <a:rPr lang="zh-CN" altLang="en-US" sz="2800" dirty="0"/>
-              <a:t>设置</a:t>
-            </a:r>
-          </a:p>
-        </p:txBody>
-      </p:sp>
-      <p:sp>
-        <p:nvSpPr>
-          <p:cNvPr id="9" name="矩形: 圆角 8">
-            <a:extLst>
-              <a:ext uri="{FF2B5EF4-FFF2-40B4-BE49-F238E27FC236}">
-                <a16:creationId xmlns:a16="http://schemas.microsoft.com/office/drawing/2014/main" id="{FF426C33-3577-4D17-A885-581E1BD04CF5}"/>
-              </a:ext>
-            </a:extLst>
-          </p:cNvPr>
-          <p:cNvSpPr/>
-          <p:nvPr/>
-        </p:nvSpPr>
-        <p:spPr>
-          <a:xfrm>
-            <a:off x="9336360" y="3881616"/>
-            <a:ext cx="1922911" cy="419100"/>
-          </a:xfrm>
-          <a:prstGeom prst="roundRect">
-            <a:avLst/>
-          </a:prstGeom>
-          <a:noFill/>
-          <a:ln>
-            <a:noFill/>
-          </a:ln>
-        </p:spPr>
-        <p:style>
-          <a:lnRef idx="0">
-            <a:scrgbClr r="0" g="0" b="0"/>
-          </a:lnRef>
-          <a:fillRef idx="0">
-            <a:scrgbClr r="0" g="0" b="0"/>
-          </a:fillRef>
-          <a:effectRef idx="0">
-            <a:scrgbClr r="0" g="0" b="0"/>
-          </a:effectRef>
-          <a:fontRef idx="minor">
-            <a:schemeClr val="accent2"/>
-          </a:fontRef>
-        </p:style>
-        <p:txBody>
-          <a:bodyPr rtlCol="0" anchor="ctr"/>
-          <a:lstStyle/>
-          <a:p>
-            <a:pPr algn="ctr"/>
-            <a:r>
-              <a:rPr lang="zh-CN" altLang="en-US" sz="2800" dirty="0"/>
-              <a:t>载入</a:t>
-            </a:r>
-          </a:p>
-        </p:txBody>
-      </p:sp>
-      <p:sp>
-        <p:nvSpPr>
-          <p:cNvPr id="10" name="矩形: 圆角 9">
-            <a:extLst>
-              <a:ext uri="{FF2B5EF4-FFF2-40B4-BE49-F238E27FC236}">
-                <a16:creationId xmlns:a16="http://schemas.microsoft.com/office/drawing/2014/main" id="{5D939154-F666-45E1-B44B-7FBAA61353C5}"/>
-              </a:ext>
-            </a:extLst>
-          </p:cNvPr>
-          <p:cNvSpPr/>
-          <p:nvPr/>
-        </p:nvSpPr>
-        <p:spPr>
-          <a:xfrm>
-            <a:off x="10591124" y="5444423"/>
-            <a:ext cx="1922911" cy="419100"/>
-          </a:xfrm>
-          <a:prstGeom prst="roundRect">
-            <a:avLst/>
-          </a:prstGeom>
-          <a:noFill/>
-          <a:ln>
-            <a:noFill/>
-          </a:ln>
-        </p:spPr>
-        <p:style>
-          <a:lnRef idx="0">
-            <a:scrgbClr r="0" g="0" b="0"/>
-          </a:lnRef>
-          <a:fillRef idx="0">
-            <a:scrgbClr r="0" g="0" b="0"/>
-          </a:fillRef>
-          <a:effectRef idx="0">
-            <a:scrgbClr r="0" g="0" b="0"/>
-          </a:effectRef>
-          <a:fontRef idx="minor">
-            <a:schemeClr val="accent2"/>
-          </a:fontRef>
-        </p:style>
-        <p:txBody>
-          <a:bodyPr rtlCol="0" anchor="ctr"/>
-          <a:lstStyle/>
-          <a:p>
-            <a:pPr algn="ctr"/>
-            <a:r>
-              <a:rPr lang="zh-CN" altLang="en-US" sz="2800" dirty="0"/>
-              <a:t>退出</a:t>
-            </a:r>
-          </a:p>
-        </p:txBody>
-      </p:sp>
-      <p:sp>
-        <p:nvSpPr>
-          <p:cNvPr id="11" name="文本框 10">
-            <a:extLst>
-              <a:ext uri="{FF2B5EF4-FFF2-40B4-BE49-F238E27FC236}">
-                <a16:creationId xmlns:a16="http://schemas.microsoft.com/office/drawing/2014/main" id="{427093C3-07BA-4E8A-A4E6-34D7BC3D560D}"/>
-              </a:ext>
-            </a:extLst>
-          </p:cNvPr>
-          <p:cNvSpPr txBox="1"/>
-          <p:nvPr/>
-        </p:nvSpPr>
-        <p:spPr>
-          <a:xfrm>
-            <a:off x="2423592" y="3902252"/>
-            <a:ext cx="4331040" cy="1200329"/>
-          </a:xfrm>
-          <a:prstGeom prst="rect">
-            <a:avLst/>
-          </a:prstGeom>
-          <a:noFill/>
-        </p:spPr>
-        <p:txBody>
-          <a:bodyPr wrap="square" rtlCol="0">
-            <a:spAutoFit/>
-          </a:bodyPr>
-          <a:lstStyle/>
-          <a:p>
-            <a:r>
-              <a:rPr lang="zh-CN" altLang="en-US" sz="7200" dirty="0">
-                <a:solidFill>
-                  <a:schemeClr val="bg1">
-                    <a:lumMod val="65000"/>
-                  </a:schemeClr>
-                </a:solidFill>
-              </a:rPr>
-              <a:t>游戏元素</a:t>
-            </a:r>
-          </a:p>
-        </p:txBody>
-      </p:sp>
-      <p:sp>
-        <p:nvSpPr>
-          <p:cNvPr id="12" name="矩形: 圆顶角 11">
-            <a:extLst>
-              <a:ext uri="{FF2B5EF4-FFF2-40B4-BE49-F238E27FC236}">
-                <a16:creationId xmlns:a16="http://schemas.microsoft.com/office/drawing/2014/main" id="{B7EE165B-C0E2-47C8-B0BE-53D67CA1A04A}"/>
-              </a:ext>
-            </a:extLst>
-          </p:cNvPr>
-          <p:cNvSpPr/>
-          <p:nvPr/>
-        </p:nvSpPr>
-        <p:spPr>
-          <a:xfrm rot="16200000">
-            <a:off x="10303092" y="814707"/>
-            <a:ext cx="576065" cy="3201753"/>
-          </a:xfrm>
-          <a:prstGeom prst="round2SameRect">
-            <a:avLst>
-              <a:gd name="adj1" fmla="val 28553"/>
-              <a:gd name="adj2" fmla="val 0"/>
-            </a:avLst>
-          </a:prstGeom>
-          <a:gradFill>
-            <a:lin ang="10800000" scaled="0"/>
-          </a:gradFill>
-        </p:spPr>
-        <p:style>
-          <a:lnRef idx="1">
-            <a:schemeClr val="accent2"/>
-          </a:lnRef>
-          <a:fillRef idx="3">
-            <a:schemeClr val="accent2"/>
-          </a:fillRef>
-          <a:effectRef idx="2">
-            <a:schemeClr val="accent2"/>
-          </a:effectRef>
-          <a:fontRef idx="minor">
-            <a:schemeClr val="lt1"/>
-          </a:fontRef>
-        </p:style>
-        <p:txBody>
-          <a:bodyPr rtlCol="0" anchor="ctr"/>
-          <a:lstStyle/>
-          <a:p>
-            <a:pPr algn="ctr"/>
-            <a:endParaRPr lang="zh-CN" altLang="en-US"/>
-          </a:p>
-        </p:txBody>
-      </p:sp>
-    </p:spTree>
-    <p:extLst>
-      <p:ext uri="{BB962C8B-B14F-4D97-AF65-F5344CB8AC3E}">
-        <p14:creationId xmlns:p14="http://schemas.microsoft.com/office/powerpoint/2010/main" val="2915383831"/>
-      </p:ext>
-    </p:extLst>
-  </p:cSld>
-  <p:clrMapOvr>
-    <a:masterClrMapping/>
-  </p:clrMapOvr>
-</p:sld>
-</file>
-
 <file path=ppt/slides/slide6.xml><?xml version="1.0" encoding="utf-8"?>
 <p:sld xmlns:a="http://schemas.openxmlformats.org/drawingml/2006/main" xmlns:r="http://schemas.openxmlformats.org/officeDocument/2006/relationships" xmlns:p="http://schemas.openxmlformats.org/presentationml/2006/main">
   <p:cSld>
@@ -5309,10 +7361,10 @@
       </p:grpSpPr>
       <p:sp>
         <p:nvSpPr>
-          <p:cNvPr id="3" name="矩形 2">
-            <a:extLst>
-              <a:ext uri="{FF2B5EF4-FFF2-40B4-BE49-F238E27FC236}">
-                <a16:creationId xmlns:a16="http://schemas.microsoft.com/office/drawing/2014/main" id="{B98E0B21-F75E-458F-A0E2-7B09141243AC}"/>
+          <p:cNvPr id="6" name="矩形: 圆角 5">
+            <a:extLst>
+              <a:ext uri="{FF2B5EF4-FFF2-40B4-BE49-F238E27FC236}">
+                <a16:creationId xmlns:a16="http://schemas.microsoft.com/office/drawing/2014/main" id="{88AA75E9-C029-4696-981E-71396073A143}"/>
               </a:ext>
             </a:extLst>
           </p:cNvPr>
@@ -5321,22 +7373,27 @@
         </p:nvSpPr>
         <p:spPr>
           <a:xfrm>
-            <a:off x="0" y="0"/>
-            <a:ext cx="12192000" cy="419100"/>
-          </a:xfrm>
-          <a:prstGeom prst="rect">
-            <a:avLst/>
+            <a:off x="8976320" y="3140968"/>
+            <a:ext cx="3600400" cy="576064"/>
+          </a:xfrm>
+          <a:prstGeom prst="roundRect">
+            <a:avLst>
+              <a:gd name="adj" fmla="val 50000"/>
+            </a:avLst>
           </a:prstGeom>
+          <a:ln>
+            <a:noFill/>
+          </a:ln>
         </p:spPr>
         <p:style>
           <a:lnRef idx="1">
-            <a:schemeClr val="accent4"/>
+            <a:schemeClr val="accent2"/>
           </a:lnRef>
           <a:fillRef idx="3">
-            <a:schemeClr val="accent4"/>
+            <a:schemeClr val="accent2"/>
           </a:fillRef>
           <a:effectRef idx="2">
-            <a:schemeClr val="accent4"/>
+            <a:schemeClr val="accent2"/>
           </a:effectRef>
           <a:fontRef idx="minor">
             <a:schemeClr val="lt1"/>
@@ -5347,16 +7404,19 @@
           <a:lstStyle/>
           <a:p>
             <a:pPr algn="ctr"/>
-            <a:endParaRPr lang="zh-CN" altLang="en-US"/>
-          </a:p>
-        </p:txBody>
-      </p:sp>
-      <p:sp>
-        <p:nvSpPr>
-          <p:cNvPr id="6" name="矩形: 圆角 5">
-            <a:extLst>
-              <a:ext uri="{FF2B5EF4-FFF2-40B4-BE49-F238E27FC236}">
-                <a16:creationId xmlns:a16="http://schemas.microsoft.com/office/drawing/2014/main" id="{88AA75E9-C029-4696-981E-71396073A143}"/>
+            <a:r>
+              <a:rPr lang="zh-CN" altLang="en-US" sz="4400" dirty="0"/>
+              <a:t>开始</a:t>
+            </a:r>
+          </a:p>
+        </p:txBody>
+      </p:sp>
+      <p:sp>
+        <p:nvSpPr>
+          <p:cNvPr id="7" name="矩形: 圆角 6">
+            <a:extLst>
+              <a:ext uri="{FF2B5EF4-FFF2-40B4-BE49-F238E27FC236}">
+                <a16:creationId xmlns:a16="http://schemas.microsoft.com/office/drawing/2014/main" id="{3CA725F4-C5A0-4653-8F4F-311B4D6EBEFC}"/>
               </a:ext>
             </a:extLst>
           </p:cNvPr>
@@ -5365,30 +7425,29 @@
         </p:nvSpPr>
         <p:spPr>
           <a:xfrm>
-            <a:off x="11136560" y="36001"/>
-            <a:ext cx="1044336" cy="350901"/>
+            <a:off x="10269089" y="4922156"/>
+            <a:ext cx="1922911" cy="419100"/>
           </a:xfrm>
           <a:prstGeom prst="roundRect">
-            <a:avLst>
-              <a:gd name="adj" fmla="val 26281"/>
-            </a:avLst>
+            <a:avLst/>
           </a:prstGeom>
+          <a:noFill/>
           <a:ln>
             <a:noFill/>
           </a:ln>
         </p:spPr>
         <p:style>
-          <a:lnRef idx="1">
-            <a:schemeClr val="accent2"/>
+          <a:lnRef idx="0">
+            <a:scrgbClr r="0" g="0" b="0"/>
           </a:lnRef>
-          <a:fillRef idx="3">
-            <a:schemeClr val="accent2"/>
+          <a:fillRef idx="0">
+            <a:scrgbClr r="0" g="0" b="0"/>
           </a:fillRef>
-          <a:effectRef idx="2">
-            <a:schemeClr val="accent2"/>
+          <a:effectRef idx="0">
+            <a:scrgbClr r="0" g="0" b="0"/>
           </a:effectRef>
           <a:fontRef idx="minor">
-            <a:schemeClr val="lt1"/>
+            <a:schemeClr val="accent2"/>
           </a:fontRef>
         </p:style>
         <p:txBody>
@@ -5397,18 +7456,18 @@
           <a:p>
             <a:pPr algn="ctr"/>
             <a:r>
-              <a:rPr lang="zh-CN" altLang="en-US" dirty="0"/>
-              <a:t>菜单</a:t>
-            </a:r>
-          </a:p>
-        </p:txBody>
-      </p:sp>
-      <p:sp>
-        <p:nvSpPr>
-          <p:cNvPr id="11" name="文本框 10">
-            <a:extLst>
-              <a:ext uri="{FF2B5EF4-FFF2-40B4-BE49-F238E27FC236}">
-                <a16:creationId xmlns:a16="http://schemas.microsoft.com/office/drawing/2014/main" id="{427093C3-07BA-4E8A-A4E6-34D7BC3D560D}"/>
+              <a:rPr lang="zh-CN" altLang="en-US" sz="2800" dirty="0"/>
+              <a:t>关于</a:t>
+            </a:r>
+          </a:p>
+        </p:txBody>
+      </p:sp>
+      <p:sp>
+        <p:nvSpPr>
+          <p:cNvPr id="2" name="文本框 1">
+            <a:extLst>
+              <a:ext uri="{FF2B5EF4-FFF2-40B4-BE49-F238E27FC236}">
+                <a16:creationId xmlns:a16="http://schemas.microsoft.com/office/drawing/2014/main" id="{DEA7C006-18C9-41DD-98A3-4407A4F658AF}"/>
               </a:ext>
             </a:extLst>
           </p:cNvPr>
@@ -5417,7 +7476,195 @@
         </p:nvSpPr>
         <p:spPr>
           <a:xfrm>
-            <a:off x="4223792" y="2828835"/>
+            <a:off x="1764960" y="1301435"/>
+            <a:ext cx="4331040" cy="1200329"/>
+          </a:xfrm>
+          <a:prstGeom prst="rect">
+            <a:avLst/>
+          </a:prstGeom>
+          <a:noFill/>
+        </p:spPr>
+        <p:txBody>
+          <a:bodyPr wrap="square" rtlCol="0">
+            <a:spAutoFit/>
+          </a:bodyPr>
+          <a:lstStyle/>
+          <a:p>
+            <a:r>
+              <a:rPr lang="zh-CN" altLang="en-US" sz="7200" dirty="0"/>
+              <a:t>标题</a:t>
+            </a:r>
+          </a:p>
+        </p:txBody>
+      </p:sp>
+      <p:sp>
+        <p:nvSpPr>
+          <p:cNvPr id="8" name="矩形: 圆角 7">
+            <a:extLst>
+              <a:ext uri="{FF2B5EF4-FFF2-40B4-BE49-F238E27FC236}">
+                <a16:creationId xmlns:a16="http://schemas.microsoft.com/office/drawing/2014/main" id="{FA6A30EF-EBEC-442B-8571-9565A8EF39AA}"/>
+              </a:ext>
+            </a:extLst>
+          </p:cNvPr>
+          <p:cNvSpPr/>
+          <p:nvPr/>
+        </p:nvSpPr>
+        <p:spPr>
+          <a:xfrm>
+            <a:off x="9815064" y="4399889"/>
+            <a:ext cx="1922911" cy="419100"/>
+          </a:xfrm>
+          <a:prstGeom prst="roundRect">
+            <a:avLst/>
+          </a:prstGeom>
+          <a:noFill/>
+          <a:ln>
+            <a:noFill/>
+          </a:ln>
+        </p:spPr>
+        <p:style>
+          <a:lnRef idx="0">
+            <a:scrgbClr r="0" g="0" b="0"/>
+          </a:lnRef>
+          <a:fillRef idx="0">
+            <a:scrgbClr r="0" g="0" b="0"/>
+          </a:fillRef>
+          <a:effectRef idx="0">
+            <a:scrgbClr r="0" g="0" b="0"/>
+          </a:effectRef>
+          <a:fontRef idx="minor">
+            <a:schemeClr val="accent2"/>
+          </a:fontRef>
+        </p:style>
+        <p:txBody>
+          <a:bodyPr rtlCol="0" anchor="ctr"/>
+          <a:lstStyle/>
+          <a:p>
+            <a:pPr algn="ctr"/>
+            <a:r>
+              <a:rPr lang="zh-CN" altLang="en-US" sz="2800" dirty="0"/>
+              <a:t>设置</a:t>
+            </a:r>
+          </a:p>
+        </p:txBody>
+      </p:sp>
+      <p:sp>
+        <p:nvSpPr>
+          <p:cNvPr id="9" name="矩形: 圆角 8">
+            <a:extLst>
+              <a:ext uri="{FF2B5EF4-FFF2-40B4-BE49-F238E27FC236}">
+                <a16:creationId xmlns:a16="http://schemas.microsoft.com/office/drawing/2014/main" id="{FF426C33-3577-4D17-A885-581E1BD04CF5}"/>
+              </a:ext>
+            </a:extLst>
+          </p:cNvPr>
+          <p:cNvSpPr/>
+          <p:nvPr/>
+        </p:nvSpPr>
+        <p:spPr>
+          <a:xfrm>
+            <a:off x="9336360" y="3881616"/>
+            <a:ext cx="1922911" cy="419100"/>
+          </a:xfrm>
+          <a:prstGeom prst="roundRect">
+            <a:avLst/>
+          </a:prstGeom>
+          <a:noFill/>
+          <a:ln>
+            <a:noFill/>
+          </a:ln>
+        </p:spPr>
+        <p:style>
+          <a:lnRef idx="0">
+            <a:scrgbClr r="0" g="0" b="0"/>
+          </a:lnRef>
+          <a:fillRef idx="0">
+            <a:scrgbClr r="0" g="0" b="0"/>
+          </a:fillRef>
+          <a:effectRef idx="0">
+            <a:scrgbClr r="0" g="0" b="0"/>
+          </a:effectRef>
+          <a:fontRef idx="minor">
+            <a:schemeClr val="accent2"/>
+          </a:fontRef>
+        </p:style>
+        <p:txBody>
+          <a:bodyPr rtlCol="0" anchor="ctr"/>
+          <a:lstStyle/>
+          <a:p>
+            <a:pPr algn="ctr"/>
+            <a:r>
+              <a:rPr lang="zh-CN" altLang="en-US" sz="2800" dirty="0"/>
+              <a:t>载入</a:t>
+            </a:r>
+          </a:p>
+        </p:txBody>
+      </p:sp>
+      <p:sp>
+        <p:nvSpPr>
+          <p:cNvPr id="10" name="矩形: 圆角 9">
+            <a:extLst>
+              <a:ext uri="{FF2B5EF4-FFF2-40B4-BE49-F238E27FC236}">
+                <a16:creationId xmlns:a16="http://schemas.microsoft.com/office/drawing/2014/main" id="{5D939154-F666-45E1-B44B-7FBAA61353C5}"/>
+              </a:ext>
+            </a:extLst>
+          </p:cNvPr>
+          <p:cNvSpPr/>
+          <p:nvPr/>
+        </p:nvSpPr>
+        <p:spPr>
+          <a:xfrm>
+            <a:off x="10591124" y="5444423"/>
+            <a:ext cx="1922911" cy="419100"/>
+          </a:xfrm>
+          <a:prstGeom prst="roundRect">
+            <a:avLst/>
+          </a:prstGeom>
+          <a:noFill/>
+          <a:ln>
+            <a:noFill/>
+          </a:ln>
+        </p:spPr>
+        <p:style>
+          <a:lnRef idx="0">
+            <a:scrgbClr r="0" g="0" b="0"/>
+          </a:lnRef>
+          <a:fillRef idx="0">
+            <a:scrgbClr r="0" g="0" b="0"/>
+          </a:fillRef>
+          <a:effectRef idx="0">
+            <a:scrgbClr r="0" g="0" b="0"/>
+          </a:effectRef>
+          <a:fontRef idx="minor">
+            <a:schemeClr val="accent2"/>
+          </a:fontRef>
+        </p:style>
+        <p:txBody>
+          <a:bodyPr rtlCol="0" anchor="ctr"/>
+          <a:lstStyle/>
+          <a:p>
+            <a:pPr algn="ctr"/>
+            <a:r>
+              <a:rPr lang="zh-CN" altLang="en-US" sz="2800" dirty="0"/>
+              <a:t>退出</a:t>
+            </a:r>
+          </a:p>
+        </p:txBody>
+      </p:sp>
+      <p:sp>
+        <p:nvSpPr>
+          <p:cNvPr id="11" name="文本框 10">
+            <a:extLst>
+              <a:ext uri="{FF2B5EF4-FFF2-40B4-BE49-F238E27FC236}">
+                <a16:creationId xmlns:a16="http://schemas.microsoft.com/office/drawing/2014/main" id="{427093C3-07BA-4E8A-A4E6-34D7BC3D560D}"/>
+              </a:ext>
+            </a:extLst>
+          </p:cNvPr>
+          <p:cNvSpPr txBox="1"/>
+          <p:nvPr/>
+        </p:nvSpPr>
+        <p:spPr>
+          <a:xfrm>
+            <a:off x="2423592" y="3902252"/>
             <a:ext cx="4331040" cy="1200329"/>
           </a:xfrm>
           <a:prstGeom prst="rect">
@@ -5439,17 +7686,17 @@
                   </a:schemeClr>
                 </a:solidFill>
               </a:rPr>
-              <a:t>场景背景</a:t>
-            </a:r>
-          </a:p>
-        </p:txBody>
-      </p:sp>
-      <p:sp>
-        <p:nvSpPr>
-          <p:cNvPr id="12" name="矩形: 圆角 11">
-            <a:extLst>
-              <a:ext uri="{FF2B5EF4-FFF2-40B4-BE49-F238E27FC236}">
-                <a16:creationId xmlns:a16="http://schemas.microsoft.com/office/drawing/2014/main" id="{55C2C92D-DFF2-4B93-B359-78055FA76B45}"/>
+              <a:t>游戏元素</a:t>
+            </a:r>
+          </a:p>
+        </p:txBody>
+      </p:sp>
+      <p:sp>
+        <p:nvSpPr>
+          <p:cNvPr id="12" name="矩形: 圆顶角 11">
+            <a:extLst>
+              <a:ext uri="{FF2B5EF4-FFF2-40B4-BE49-F238E27FC236}">
+                <a16:creationId xmlns:a16="http://schemas.microsoft.com/office/drawing/2014/main" id="{B7EE165B-C0E2-47C8-B0BE-53D67CA1A04A}"/>
               </a:ext>
             </a:extLst>
           </p:cNvPr>
@@ -5457,18 +7704,19 @@
           <p:nvPr/>
         </p:nvSpPr>
         <p:spPr>
-          <a:xfrm>
-            <a:off x="119336" y="29742"/>
-            <a:ext cx="4464496" cy="357160"/>
-          </a:xfrm>
-          <a:prstGeom prst="roundRect">
+          <a:xfrm rot="16200000">
+            <a:off x="10303092" y="814707"/>
+            <a:ext cx="576065" cy="3201753"/>
+          </a:xfrm>
+          <a:prstGeom prst="round2SameRect">
             <a:avLst>
-              <a:gd name="adj" fmla="val 26281"/>
+              <a:gd name="adj1" fmla="val 28553"/>
+              <a:gd name="adj2" fmla="val 0"/>
             </a:avLst>
           </a:prstGeom>
-          <a:ln>
-            <a:noFill/>
-          </a:ln>
+          <a:gradFill>
+            <a:lin ang="10800000" scaled="0"/>
+          </a:gradFill>
         </p:spPr>
         <p:style>
           <a:lnRef idx="1">
@@ -5489,404 +7737,14 @@
           <a:lstStyle/>
           <a:p>
             <a:pPr algn="ctr"/>
-            <a:r>
-              <a:rPr lang="zh-CN" altLang="en-US" dirty="0"/>
-              <a:t>时间轴（含调速及暂停）</a:t>
-            </a:r>
-          </a:p>
-        </p:txBody>
-      </p:sp>
-      <p:sp>
-        <p:nvSpPr>
-          <p:cNvPr id="13" name="矩形: 圆角 12">
-            <a:extLst>
-              <a:ext uri="{FF2B5EF4-FFF2-40B4-BE49-F238E27FC236}">
-                <a16:creationId xmlns:a16="http://schemas.microsoft.com/office/drawing/2014/main" id="{F575A0EF-C4AD-4198-92BF-3F8F85F3C2E9}"/>
-              </a:ext>
-            </a:extLst>
-          </p:cNvPr>
-          <p:cNvSpPr/>
-          <p:nvPr/>
-        </p:nvSpPr>
-        <p:spPr>
-          <a:xfrm>
-            <a:off x="4610031" y="29742"/>
-            <a:ext cx="5394321" cy="346513"/>
-          </a:xfrm>
-          <a:prstGeom prst="roundRect">
-            <a:avLst>
-              <a:gd name="adj" fmla="val 26281"/>
-            </a:avLst>
-          </a:prstGeom>
-          <a:ln>
-            <a:noFill/>
-          </a:ln>
-        </p:spPr>
-        <p:style>
-          <a:lnRef idx="1">
-            <a:schemeClr val="accent2"/>
-          </a:lnRef>
-          <a:fillRef idx="3">
-            <a:schemeClr val="accent2"/>
-          </a:fillRef>
-          <a:effectRef idx="2">
-            <a:schemeClr val="accent2"/>
-          </a:effectRef>
-          <a:fontRef idx="minor">
-            <a:schemeClr val="lt1"/>
-          </a:fontRef>
-        </p:style>
-        <p:txBody>
-          <a:bodyPr rtlCol="0" anchor="ctr"/>
-          <a:lstStyle/>
-          <a:p>
-            <a:pPr algn="ctr"/>
-            <a:r>
-              <a:rPr lang="zh-CN" altLang="en-US" dirty="0"/>
-              <a:t>数值栏</a:t>
-            </a:r>
-          </a:p>
-        </p:txBody>
-      </p:sp>
-      <p:sp>
-        <p:nvSpPr>
-          <p:cNvPr id="14" name="矩形: 圆角 13">
-            <a:extLst>
-              <a:ext uri="{FF2B5EF4-FFF2-40B4-BE49-F238E27FC236}">
-                <a16:creationId xmlns:a16="http://schemas.microsoft.com/office/drawing/2014/main" id="{4683ADD9-8A4A-4EAB-ACC8-330BF003441C}"/>
-              </a:ext>
-            </a:extLst>
-          </p:cNvPr>
-          <p:cNvSpPr/>
-          <p:nvPr/>
-        </p:nvSpPr>
-        <p:spPr>
-          <a:xfrm>
-            <a:off x="10048288" y="29742"/>
-            <a:ext cx="1044336" cy="346513"/>
-          </a:xfrm>
-          <a:prstGeom prst="roundRect">
-            <a:avLst>
-              <a:gd name="adj" fmla="val 26281"/>
-            </a:avLst>
-          </a:prstGeom>
-          <a:ln>
-            <a:noFill/>
-          </a:ln>
-        </p:spPr>
-        <p:style>
-          <a:lnRef idx="1">
-            <a:schemeClr val="accent2"/>
-          </a:lnRef>
-          <a:fillRef idx="3">
-            <a:schemeClr val="accent2"/>
-          </a:fillRef>
-          <a:effectRef idx="2">
-            <a:schemeClr val="accent2"/>
-          </a:effectRef>
-          <a:fontRef idx="minor">
-            <a:schemeClr val="lt1"/>
-          </a:fontRef>
-        </p:style>
-        <p:txBody>
-          <a:bodyPr rtlCol="0" anchor="ctr"/>
-          <a:lstStyle/>
-          <a:p>
-            <a:pPr algn="ctr"/>
-            <a:r>
-              <a:rPr lang="zh-CN" altLang="en-US" dirty="0"/>
-              <a:t>日程</a:t>
-            </a:r>
-          </a:p>
-        </p:txBody>
-      </p:sp>
-      <p:sp>
-        <p:nvSpPr>
-          <p:cNvPr id="16" name="矩形: 圆角 15">
-            <a:extLst>
-              <a:ext uri="{FF2B5EF4-FFF2-40B4-BE49-F238E27FC236}">
-                <a16:creationId xmlns:a16="http://schemas.microsoft.com/office/drawing/2014/main" id="{6BD17A39-F820-4092-9805-1B16C158F755}"/>
-              </a:ext>
-            </a:extLst>
-          </p:cNvPr>
-          <p:cNvSpPr/>
-          <p:nvPr/>
-        </p:nvSpPr>
-        <p:spPr>
-          <a:xfrm>
-            <a:off x="335360" y="526153"/>
-            <a:ext cx="9577064" cy="1750719"/>
-          </a:xfrm>
-          <a:prstGeom prst="roundRect">
-            <a:avLst>
-              <a:gd name="adj" fmla="val 8474"/>
-            </a:avLst>
-          </a:prstGeom>
-          <a:gradFill>
-            <a:gsLst>
-              <a:gs pos="0">
-                <a:schemeClr val="accent2">
-                  <a:satMod val="103000"/>
-                  <a:lumMod val="102000"/>
-                  <a:tint val="94000"/>
-                  <a:alpha val="30000"/>
-                </a:schemeClr>
-              </a:gs>
-              <a:gs pos="50000">
-                <a:schemeClr val="accent2">
-                  <a:satMod val="110000"/>
-                  <a:lumMod val="100000"/>
-                  <a:shade val="100000"/>
-                  <a:alpha val="30000"/>
-                </a:schemeClr>
-              </a:gs>
-              <a:gs pos="100000">
-                <a:schemeClr val="accent2">
-                  <a:lumMod val="99000"/>
-                  <a:satMod val="120000"/>
-                  <a:shade val="78000"/>
-                  <a:alpha val="30000"/>
-                </a:schemeClr>
-              </a:gs>
-            </a:gsLst>
-          </a:gradFill>
-          <a:ln>
-            <a:noFill/>
-          </a:ln>
-        </p:spPr>
-        <p:style>
-          <a:lnRef idx="1">
-            <a:schemeClr val="accent2"/>
-          </a:lnRef>
-          <a:fillRef idx="3">
-            <a:schemeClr val="accent2"/>
-          </a:fillRef>
-          <a:effectRef idx="2">
-            <a:schemeClr val="accent2"/>
-          </a:effectRef>
-          <a:fontRef idx="minor">
-            <a:schemeClr val="lt1"/>
-          </a:fontRef>
-        </p:style>
-        <p:txBody>
-          <a:bodyPr rtlCol="0" anchor="ctr"/>
-          <a:lstStyle/>
-          <a:p>
-            <a:pPr algn="ctr"/>
-            <a:r>
-              <a:rPr lang="zh-CN" altLang="en-US" dirty="0"/>
-              <a:t>日志</a:t>
-            </a:r>
-          </a:p>
-        </p:txBody>
-      </p:sp>
-      <p:sp>
-        <p:nvSpPr>
-          <p:cNvPr id="18" name="文本框 17">
-            <a:extLst>
-              <a:ext uri="{FF2B5EF4-FFF2-40B4-BE49-F238E27FC236}">
-                <a16:creationId xmlns:a16="http://schemas.microsoft.com/office/drawing/2014/main" id="{2525A9B9-AA7A-4FE3-B20D-106BF9FEE049}"/>
-              </a:ext>
-            </a:extLst>
-          </p:cNvPr>
-          <p:cNvSpPr txBox="1"/>
-          <p:nvPr/>
-        </p:nvSpPr>
-        <p:spPr>
-          <a:xfrm>
-            <a:off x="5519936" y="4293096"/>
-            <a:ext cx="5852524" cy="1200329"/>
-          </a:xfrm>
-          <a:prstGeom prst="rect">
-            <a:avLst/>
-          </a:prstGeom>
-          <a:noFill/>
-        </p:spPr>
-        <p:txBody>
-          <a:bodyPr wrap="square" rtlCol="0">
-            <a:spAutoFit/>
-          </a:bodyPr>
-          <a:lstStyle/>
-          <a:p>
-            <a:r>
-              <a:rPr lang="zh-CN" altLang="en-US" sz="7200" dirty="0"/>
-              <a:t>当前动作</a:t>
-            </a:r>
-          </a:p>
-        </p:txBody>
-      </p:sp>
-      <p:sp>
-        <p:nvSpPr>
-          <p:cNvPr id="20" name="矩形: 圆角 19">
-            <a:extLst>
-              <a:ext uri="{FF2B5EF4-FFF2-40B4-BE49-F238E27FC236}">
-                <a16:creationId xmlns:a16="http://schemas.microsoft.com/office/drawing/2014/main" id="{FD21780E-470D-4995-9737-F1F6F635FD04}"/>
-              </a:ext>
-            </a:extLst>
-          </p:cNvPr>
-          <p:cNvSpPr/>
-          <p:nvPr/>
-        </p:nvSpPr>
-        <p:spPr>
-          <a:xfrm>
-            <a:off x="335360" y="2383925"/>
-            <a:ext cx="3528392" cy="4285435"/>
-          </a:xfrm>
-          <a:prstGeom prst="roundRect">
-            <a:avLst>
-              <a:gd name="adj" fmla="val 8474"/>
-            </a:avLst>
-          </a:prstGeom>
-          <a:gradFill>
-            <a:gsLst>
-              <a:gs pos="0">
-                <a:schemeClr val="accent2">
-                  <a:satMod val="103000"/>
-                  <a:lumMod val="102000"/>
-                  <a:tint val="94000"/>
-                  <a:alpha val="30000"/>
-                </a:schemeClr>
-              </a:gs>
-              <a:gs pos="50000">
-                <a:schemeClr val="accent2">
-                  <a:satMod val="110000"/>
-                  <a:lumMod val="100000"/>
-                  <a:shade val="100000"/>
-                  <a:alpha val="30000"/>
-                </a:schemeClr>
-              </a:gs>
-              <a:gs pos="100000">
-                <a:schemeClr val="accent2">
-                  <a:lumMod val="99000"/>
-                  <a:satMod val="120000"/>
-                  <a:shade val="78000"/>
-                  <a:alpha val="30000"/>
-                </a:schemeClr>
-              </a:gs>
-            </a:gsLst>
-          </a:gradFill>
-          <a:ln>
-            <a:noFill/>
-          </a:ln>
-        </p:spPr>
-        <p:style>
-          <a:lnRef idx="1">
-            <a:schemeClr val="accent2"/>
-          </a:lnRef>
-          <a:fillRef idx="3">
-            <a:schemeClr val="accent2"/>
-          </a:fillRef>
-          <a:effectRef idx="2">
-            <a:schemeClr val="accent2"/>
-          </a:effectRef>
-          <a:fontRef idx="minor">
-            <a:schemeClr val="lt1"/>
-          </a:fontRef>
-        </p:style>
-        <p:txBody>
-          <a:bodyPr rtlCol="0" anchor="ctr"/>
-          <a:lstStyle/>
-          <a:p>
-            <a:pPr algn="ctr"/>
-            <a:r>
-              <a:rPr lang="zh-CN" altLang="en-US" dirty="0"/>
-              <a:t>日程流程及下一步执行选择</a:t>
-            </a:r>
-          </a:p>
-        </p:txBody>
-      </p:sp>
-      <p:sp>
-        <p:nvSpPr>
-          <p:cNvPr id="21" name="矩形: 圆角 20">
-            <a:extLst>
-              <a:ext uri="{FF2B5EF4-FFF2-40B4-BE49-F238E27FC236}">
-                <a16:creationId xmlns:a16="http://schemas.microsoft.com/office/drawing/2014/main" id="{6D4C3FA4-C8BF-4B0B-8218-E38AE95755CE}"/>
-              </a:ext>
-            </a:extLst>
-          </p:cNvPr>
-          <p:cNvSpPr/>
-          <p:nvPr/>
-        </p:nvSpPr>
-        <p:spPr>
-          <a:xfrm>
-            <a:off x="10004352" y="527577"/>
-            <a:ext cx="1870440" cy="1749295"/>
-          </a:xfrm>
-          <a:prstGeom prst="roundRect">
-            <a:avLst>
-              <a:gd name="adj" fmla="val 8474"/>
-            </a:avLst>
-          </a:prstGeom>
-          <a:gradFill>
-            <a:gsLst>
-              <a:gs pos="0">
-                <a:schemeClr val="accent2">
-                  <a:satMod val="103000"/>
-                  <a:lumMod val="102000"/>
-                  <a:tint val="94000"/>
-                  <a:alpha val="30000"/>
-                </a:schemeClr>
-              </a:gs>
-              <a:gs pos="50000">
-                <a:schemeClr val="accent2">
-                  <a:satMod val="110000"/>
-                  <a:lumMod val="100000"/>
-                  <a:shade val="100000"/>
-                  <a:alpha val="30000"/>
-                </a:schemeClr>
-              </a:gs>
-              <a:gs pos="100000">
-                <a:schemeClr val="accent2">
-                  <a:lumMod val="99000"/>
-                  <a:satMod val="120000"/>
-                  <a:shade val="78000"/>
-                  <a:alpha val="30000"/>
-                </a:schemeClr>
-              </a:gs>
-            </a:gsLst>
-          </a:gradFill>
-          <a:ln>
-            <a:noFill/>
-          </a:ln>
-        </p:spPr>
-        <p:style>
-          <a:lnRef idx="1">
-            <a:schemeClr val="accent2"/>
-          </a:lnRef>
-          <a:fillRef idx="3">
-            <a:schemeClr val="accent2"/>
-          </a:fillRef>
-          <a:effectRef idx="2">
-            <a:schemeClr val="accent2"/>
-          </a:effectRef>
-          <a:fontRef idx="minor">
-            <a:schemeClr val="lt1"/>
-          </a:fontRef>
-        </p:style>
-        <p:txBody>
-          <a:bodyPr rtlCol="0" anchor="ctr"/>
-          <a:lstStyle/>
-          <a:p>
-            <a:pPr algn="ctr"/>
-            <a:r>
-              <a:rPr lang="zh-CN" altLang="en-US" dirty="0"/>
-              <a:t>人物状态</a:t>
-            </a:r>
-            <a:endParaRPr lang="en-US" altLang="zh-CN" dirty="0"/>
-          </a:p>
-          <a:p>
-            <a:pPr algn="ctr"/>
-            <a:r>
-              <a:rPr lang="zh-CN" altLang="en-US" dirty="0"/>
-              <a:t>图片</a:t>
-            </a:r>
+            <a:endParaRPr lang="zh-CN" altLang="en-US"/>
           </a:p>
         </p:txBody>
       </p:sp>
     </p:spTree>
     <p:extLst>
       <p:ext uri="{BB962C8B-B14F-4D97-AF65-F5344CB8AC3E}">
-        <p14:creationId xmlns:p14="http://schemas.microsoft.com/office/powerpoint/2010/main" val="2790886092"/>
+        <p14:creationId xmlns:p14="http://schemas.microsoft.com/office/powerpoint/2010/main" val="2915383831"/>
       </p:ext>
     </p:extLst>
   </p:cSld>
@@ -5926,48 +7784,6 @@
       </p:grpSpPr>
       <p:sp>
         <p:nvSpPr>
-          <p:cNvPr id="15" name="文本框 14">
-            <a:extLst>
-              <a:ext uri="{FF2B5EF4-FFF2-40B4-BE49-F238E27FC236}">
-                <a16:creationId xmlns:a16="http://schemas.microsoft.com/office/drawing/2014/main" id="{657054E7-180F-4947-985B-B4B1939ED52D}"/>
-              </a:ext>
-            </a:extLst>
-          </p:cNvPr>
-          <p:cNvSpPr txBox="1"/>
-          <p:nvPr/>
-        </p:nvSpPr>
-        <p:spPr>
-          <a:xfrm>
-            <a:off x="3930480" y="2798929"/>
-            <a:ext cx="4331040" cy="1200329"/>
-          </a:xfrm>
-          <a:prstGeom prst="rect">
-            <a:avLst/>
-          </a:prstGeom>
-          <a:noFill/>
-        </p:spPr>
-        <p:txBody>
-          <a:bodyPr wrap="square" rtlCol="0">
-            <a:spAutoFit/>
-          </a:bodyPr>
-          <a:lstStyle/>
-          <a:p>
-            <a:pPr algn="ctr"/>
-            <a:r>
-              <a:rPr lang="zh-CN" altLang="en-US" sz="7200" dirty="0">
-                <a:solidFill>
-                  <a:schemeClr val="bg1">
-                    <a:lumMod val="65000"/>
-                  </a:schemeClr>
-                </a:solidFill>
-              </a:rPr>
-              <a:t>背景</a:t>
-            </a:r>
-          </a:p>
-        </p:txBody>
-      </p:sp>
-      <p:sp>
-        <p:nvSpPr>
           <p:cNvPr id="3" name="矩形 2">
             <a:extLst>
               <a:ext uri="{FF2B5EF4-FFF2-40B4-BE49-F238E27FC236}">
@@ -6064,6 +7880,47 @@
       </p:sp>
       <p:sp>
         <p:nvSpPr>
+          <p:cNvPr id="11" name="文本框 10">
+            <a:extLst>
+              <a:ext uri="{FF2B5EF4-FFF2-40B4-BE49-F238E27FC236}">
+                <a16:creationId xmlns:a16="http://schemas.microsoft.com/office/drawing/2014/main" id="{427093C3-07BA-4E8A-A4E6-34D7BC3D560D}"/>
+              </a:ext>
+            </a:extLst>
+          </p:cNvPr>
+          <p:cNvSpPr txBox="1"/>
+          <p:nvPr/>
+        </p:nvSpPr>
+        <p:spPr>
+          <a:xfrm>
+            <a:off x="4223792" y="2828835"/>
+            <a:ext cx="4331040" cy="1200329"/>
+          </a:xfrm>
+          <a:prstGeom prst="rect">
+            <a:avLst/>
+          </a:prstGeom>
+          <a:noFill/>
+        </p:spPr>
+        <p:txBody>
+          <a:bodyPr wrap="square" rtlCol="0">
+            <a:spAutoFit/>
+          </a:bodyPr>
+          <a:lstStyle/>
+          <a:p>
+            <a:r>
+              <a:rPr lang="zh-CN" altLang="en-US" sz="7200" dirty="0">
+                <a:solidFill>
+                  <a:schemeClr val="bg1">
+                    <a:lumMod val="65000"/>
+                  </a:schemeClr>
+                </a:solidFill>
+              </a:rPr>
+              <a:t>场景背景</a:t>
+            </a:r>
+          </a:p>
+        </p:txBody>
+      </p:sp>
+      <p:sp>
+        <p:nvSpPr>
           <p:cNvPr id="12" name="矩形: 圆角 11">
             <a:extLst>
               <a:ext uri="{FF2B5EF4-FFF2-40B4-BE49-F238E27FC236}">
@@ -6213,17 +8070,17 @@
             <a:pPr algn="ctr"/>
             <a:r>
               <a:rPr lang="zh-CN" altLang="en-US" dirty="0"/>
-              <a:t>珂技</a:t>
-            </a:r>
-          </a:p>
-        </p:txBody>
-      </p:sp>
-      <p:sp>
-        <p:nvSpPr>
-          <p:cNvPr id="17" name="矩形: 圆角 16">
-            <a:extLst>
-              <a:ext uri="{FF2B5EF4-FFF2-40B4-BE49-F238E27FC236}">
-                <a16:creationId xmlns:a16="http://schemas.microsoft.com/office/drawing/2014/main" id="{02E930DF-EE73-41AA-A9BA-D3A55D36FEEB}"/>
+              <a:t>日程</a:t>
+            </a:r>
+          </a:p>
+        </p:txBody>
+      </p:sp>
+      <p:sp>
+        <p:nvSpPr>
+          <p:cNvPr id="16" name="矩形: 圆角 15">
+            <a:extLst>
+              <a:ext uri="{FF2B5EF4-FFF2-40B4-BE49-F238E27FC236}">
+                <a16:creationId xmlns:a16="http://schemas.microsoft.com/office/drawing/2014/main" id="{6BD17A39-F820-4092-9805-1B16C158F755}"/>
               </a:ext>
             </a:extLst>
           </p:cNvPr>
@@ -6232,127 +8089,8 @@
         </p:nvSpPr>
         <p:spPr>
           <a:xfrm>
-            <a:off x="335360" y="567250"/>
-            <a:ext cx="11521280" cy="6102110"/>
-          </a:xfrm>
-          <a:prstGeom prst="roundRect">
-            <a:avLst>
-              <a:gd name="adj" fmla="val 3313"/>
-            </a:avLst>
-          </a:prstGeom>
-          <a:gradFill>
-            <a:gsLst>
-              <a:gs pos="0">
-                <a:schemeClr val="accent2">
-                  <a:satMod val="103000"/>
-                  <a:lumMod val="102000"/>
-                  <a:tint val="94000"/>
-                  <a:alpha val="30000"/>
-                </a:schemeClr>
-              </a:gs>
-              <a:gs pos="50000">
-                <a:schemeClr val="accent2">
-                  <a:satMod val="110000"/>
-                  <a:lumMod val="100000"/>
-                  <a:shade val="100000"/>
-                  <a:alpha val="30000"/>
-                </a:schemeClr>
-              </a:gs>
-              <a:gs pos="100000">
-                <a:schemeClr val="accent2">
-                  <a:lumMod val="99000"/>
-                  <a:satMod val="120000"/>
-                  <a:shade val="78000"/>
-                  <a:alpha val="30000"/>
-                </a:schemeClr>
-              </a:gs>
-            </a:gsLst>
-          </a:gradFill>
-          <a:ln>
-            <a:noFill/>
-          </a:ln>
-        </p:spPr>
-        <p:style>
-          <a:lnRef idx="1">
-            <a:schemeClr val="accent2"/>
-          </a:lnRef>
-          <a:fillRef idx="3">
-            <a:schemeClr val="accent2"/>
-          </a:fillRef>
-          <a:effectRef idx="2">
-            <a:schemeClr val="accent2"/>
-          </a:effectRef>
-          <a:fontRef idx="minor">
-            <a:schemeClr val="lt1"/>
-          </a:fontRef>
-        </p:style>
-        <p:txBody>
-          <a:bodyPr rtlCol="0" anchor="ctr"/>
-          <a:lstStyle/>
-          <a:p>
-            <a:pPr algn="ctr"/>
-            <a:endParaRPr lang="en-US" altLang="zh-CN" dirty="0"/>
-          </a:p>
-          <a:p>
-            <a:pPr algn="ctr"/>
-            <a:endParaRPr lang="en-US" altLang="zh-CN" dirty="0"/>
-          </a:p>
-          <a:p>
-            <a:pPr algn="ctr"/>
-            <a:endParaRPr lang="en-US" altLang="zh-CN" dirty="0"/>
-          </a:p>
-          <a:p>
-            <a:pPr algn="ctr"/>
-            <a:endParaRPr lang="en-US" altLang="zh-CN" dirty="0"/>
-          </a:p>
-          <a:p>
-            <a:pPr algn="ctr"/>
-            <a:endParaRPr lang="en-US" altLang="zh-CN" dirty="0"/>
-          </a:p>
-          <a:p>
-            <a:pPr algn="ctr"/>
-            <a:endParaRPr lang="en-US" altLang="zh-CN" dirty="0"/>
-          </a:p>
-          <a:p>
-            <a:pPr algn="ctr"/>
-            <a:endParaRPr lang="en-US" altLang="zh-CN" dirty="0"/>
-          </a:p>
-          <a:p>
-            <a:pPr algn="ctr"/>
-            <a:r>
-              <a:rPr lang="en-US" altLang="zh-CN" dirty="0"/>
-              <a:t>                                                                       </a:t>
-            </a:r>
-          </a:p>
-          <a:p>
-            <a:pPr algn="ctr"/>
-            <a:r>
-              <a:rPr lang="en-US" altLang="zh-CN" dirty="0"/>
-              <a:t>                                                                           </a:t>
-            </a:r>
-            <a:r>
-              <a:rPr lang="zh-CN" altLang="en-US" dirty="0"/>
-              <a:t>日程修改</a:t>
-            </a:r>
-          </a:p>
-        </p:txBody>
-      </p:sp>
-      <p:sp>
-        <p:nvSpPr>
-          <p:cNvPr id="19" name="矩形: 圆角 18">
-            <a:extLst>
-              <a:ext uri="{FF2B5EF4-FFF2-40B4-BE49-F238E27FC236}">
-                <a16:creationId xmlns:a16="http://schemas.microsoft.com/office/drawing/2014/main" id="{D79FA213-248F-43E4-A571-93EA560E4305}"/>
-              </a:ext>
-            </a:extLst>
-          </p:cNvPr>
-          <p:cNvSpPr/>
-          <p:nvPr/>
-        </p:nvSpPr>
-        <p:spPr>
-          <a:xfrm>
-            <a:off x="479376" y="3575238"/>
-            <a:ext cx="4176464" cy="2878097"/>
+            <a:off x="335360" y="526153"/>
+            <a:ext cx="9577064" cy="1750719"/>
           </a:xfrm>
           <a:prstGeom prst="roundRect">
             <a:avLst>
@@ -6412,7 +8150,42 @@
             <a:pPr algn="ctr"/>
             <a:r>
               <a:rPr lang="zh-CN" altLang="en-US" dirty="0"/>
-              <a:t>时间表</a:t>
+              <a:t>日志</a:t>
+            </a:r>
+          </a:p>
+        </p:txBody>
+      </p:sp>
+      <p:sp>
+        <p:nvSpPr>
+          <p:cNvPr id="18" name="文本框 17">
+            <a:extLst>
+              <a:ext uri="{FF2B5EF4-FFF2-40B4-BE49-F238E27FC236}">
+                <a16:creationId xmlns:a16="http://schemas.microsoft.com/office/drawing/2014/main" id="{2525A9B9-AA7A-4FE3-B20D-106BF9FEE049}"/>
+              </a:ext>
+            </a:extLst>
+          </p:cNvPr>
+          <p:cNvSpPr txBox="1"/>
+          <p:nvPr/>
+        </p:nvSpPr>
+        <p:spPr>
+          <a:xfrm>
+            <a:off x="5519936" y="4293096"/>
+            <a:ext cx="5852524" cy="1200329"/>
+          </a:xfrm>
+          <a:prstGeom prst="rect">
+            <a:avLst/>
+          </a:prstGeom>
+          <a:noFill/>
+        </p:spPr>
+        <p:txBody>
+          <a:bodyPr wrap="square" rtlCol="0">
+            <a:spAutoFit/>
+          </a:bodyPr>
+          <a:lstStyle/>
+          <a:p>
+            <a:r>
+              <a:rPr lang="zh-CN" altLang="en-US" sz="7200" dirty="0"/>
+              <a:t>当前动作</a:t>
             </a:r>
           </a:p>
         </p:txBody>
@@ -6422,7 +8195,7 @@
           <p:cNvPr id="20" name="矩形: 圆角 19">
             <a:extLst>
               <a:ext uri="{FF2B5EF4-FFF2-40B4-BE49-F238E27FC236}">
-                <a16:creationId xmlns:a16="http://schemas.microsoft.com/office/drawing/2014/main" id="{02D08665-04D6-4F99-B914-615DCD2EEBDE}"/>
+                <a16:creationId xmlns:a16="http://schemas.microsoft.com/office/drawing/2014/main" id="{FD21780E-470D-4995-9737-F1F6F635FD04}"/>
               </a:ext>
             </a:extLst>
           </p:cNvPr>
@@ -6431,8 +8204,8 @@
         </p:nvSpPr>
         <p:spPr>
           <a:xfrm>
-            <a:off x="479376" y="713488"/>
-            <a:ext cx="11233248" cy="2715512"/>
+            <a:off x="335360" y="2383925"/>
+            <a:ext cx="3528392" cy="4285435"/>
           </a:xfrm>
           <a:prstGeom prst="roundRect">
             <a:avLst>
@@ -6492,7 +8265,95 @@
             <a:pPr algn="ctr"/>
             <a:r>
               <a:rPr lang="zh-CN" altLang="en-US" dirty="0"/>
-              <a:t>日程表</a:t>
+              <a:t>日程流程及下一步执行选择</a:t>
+            </a:r>
+          </a:p>
+        </p:txBody>
+      </p:sp>
+      <p:sp>
+        <p:nvSpPr>
+          <p:cNvPr id="21" name="矩形: 圆角 20">
+            <a:extLst>
+              <a:ext uri="{FF2B5EF4-FFF2-40B4-BE49-F238E27FC236}">
+                <a16:creationId xmlns:a16="http://schemas.microsoft.com/office/drawing/2014/main" id="{6D4C3FA4-C8BF-4B0B-8218-E38AE95755CE}"/>
+              </a:ext>
+            </a:extLst>
+          </p:cNvPr>
+          <p:cNvSpPr/>
+          <p:nvPr/>
+        </p:nvSpPr>
+        <p:spPr>
+          <a:xfrm>
+            <a:off x="10004352" y="527577"/>
+            <a:ext cx="1870440" cy="1749295"/>
+          </a:xfrm>
+          <a:prstGeom prst="roundRect">
+            <a:avLst>
+              <a:gd name="adj" fmla="val 8474"/>
+            </a:avLst>
+          </a:prstGeom>
+          <a:gradFill>
+            <a:gsLst>
+              <a:gs pos="0">
+                <a:schemeClr val="accent2">
+                  <a:satMod val="103000"/>
+                  <a:lumMod val="102000"/>
+                  <a:tint val="94000"/>
+                  <a:alpha val="30000"/>
+                </a:schemeClr>
+              </a:gs>
+              <a:gs pos="50000">
+                <a:schemeClr val="accent2">
+                  <a:satMod val="110000"/>
+                  <a:lumMod val="100000"/>
+                  <a:shade val="100000"/>
+                  <a:alpha val="30000"/>
+                </a:schemeClr>
+              </a:gs>
+              <a:gs pos="100000">
+                <a:schemeClr val="accent2">
+                  <a:lumMod val="99000"/>
+                  <a:satMod val="120000"/>
+                  <a:shade val="78000"/>
+                  <a:alpha val="30000"/>
+                </a:schemeClr>
+              </a:gs>
+            </a:gsLst>
+          </a:gradFill>
+          <a:ln>
+            <a:noFill/>
+          </a:ln>
+        </p:spPr>
+        <p:style>
+          <a:lnRef idx="1">
+            <a:schemeClr val="accent2"/>
+          </a:lnRef>
+          <a:fillRef idx="3">
+            <a:schemeClr val="accent2"/>
+          </a:fillRef>
+          <a:effectRef idx="2">
+            <a:schemeClr val="accent2"/>
+          </a:effectRef>
+          <a:fontRef idx="minor">
+            <a:schemeClr val="lt1"/>
+          </a:fontRef>
+        </p:style>
+        <p:txBody>
+          <a:bodyPr rtlCol="0" anchor="ctr"/>
+          <a:lstStyle/>
+          <a:p>
+            <a:pPr algn="ctr"/>
+            <a:r>
+              <a:rPr lang="zh-CN" altLang="en-US" dirty="0"/>
+              <a:t>人物状态</a:t>
+            </a:r>
+            <a:endParaRPr lang="en-US" altLang="zh-CN" dirty="0"/>
+          </a:p>
+          <a:p>
+            <a:pPr algn="ctr"/>
+            <a:r>
+              <a:rPr lang="zh-CN" altLang="en-US" dirty="0"/>
+              <a:t>图片</a:t>
             </a:r>
           </a:p>
         </p:txBody>
@@ -6500,7 +8361,7 @@
     </p:spTree>
     <p:extLst>
       <p:ext uri="{BB962C8B-B14F-4D97-AF65-F5344CB8AC3E}">
-        <p14:creationId xmlns:p14="http://schemas.microsoft.com/office/powerpoint/2010/main" val="3189904158"/>
+        <p14:creationId xmlns:p14="http://schemas.microsoft.com/office/powerpoint/2010/main" val="2790886092"/>
       </p:ext>
     </p:extLst>
   </p:cSld>
@@ -6827,7 +8688,7 @@
             <a:pPr algn="ctr"/>
             <a:r>
               <a:rPr lang="zh-CN" altLang="en-US" dirty="0"/>
-              <a:t>人物</a:t>
+              <a:t>珂技</a:t>
             </a:r>
           </a:p>
         </p:txBody>
@@ -6846,8 +8707,8 @@
         </p:nvSpPr>
         <p:spPr>
           <a:xfrm>
-            <a:off x="1775520" y="550938"/>
-            <a:ext cx="10081120" cy="6102110"/>
+            <a:off x="335360" y="567250"/>
+            <a:ext cx="11521280" cy="6102110"/>
           </a:xfrm>
           <a:prstGeom prst="roundRect">
             <a:avLst>
@@ -6905,19 +8766,58 @@
           <a:lstStyle/>
           <a:p>
             <a:pPr algn="ctr"/>
+            <a:endParaRPr lang="en-US" altLang="zh-CN" dirty="0"/>
+          </a:p>
+          <a:p>
+            <a:pPr algn="ctr"/>
+            <a:endParaRPr lang="en-US" altLang="zh-CN" dirty="0"/>
+          </a:p>
+          <a:p>
+            <a:pPr algn="ctr"/>
+            <a:endParaRPr lang="en-US" altLang="zh-CN" dirty="0"/>
+          </a:p>
+          <a:p>
+            <a:pPr algn="ctr"/>
+            <a:endParaRPr lang="en-US" altLang="zh-CN" dirty="0"/>
+          </a:p>
+          <a:p>
+            <a:pPr algn="ctr"/>
+            <a:endParaRPr lang="en-US" altLang="zh-CN" dirty="0"/>
+          </a:p>
+          <a:p>
+            <a:pPr algn="ctr"/>
+            <a:endParaRPr lang="en-US" altLang="zh-CN" dirty="0"/>
+          </a:p>
+          <a:p>
+            <a:pPr algn="ctr"/>
+            <a:endParaRPr lang="en-US" altLang="zh-CN" dirty="0"/>
+          </a:p>
+          <a:p>
+            <a:pPr algn="ctr"/>
+            <a:r>
+              <a:rPr lang="en-US" altLang="zh-CN" dirty="0"/>
+              <a:t>                                                                       </a:t>
+            </a:r>
+          </a:p>
+          <a:p>
+            <a:pPr algn="ctr"/>
+            <a:r>
+              <a:rPr lang="en-US" altLang="zh-CN" dirty="0"/>
+              <a:t>                                                                           </a:t>
+            </a:r>
             <a:r>
               <a:rPr lang="zh-CN" altLang="en-US" dirty="0"/>
-              <a:t>珂技树</a:t>
-            </a:r>
-          </a:p>
-        </p:txBody>
-      </p:sp>
-      <p:sp>
-        <p:nvSpPr>
-          <p:cNvPr id="20" name="矩形: 圆角 19">
-            <a:extLst>
-              <a:ext uri="{FF2B5EF4-FFF2-40B4-BE49-F238E27FC236}">
-                <a16:creationId xmlns:a16="http://schemas.microsoft.com/office/drawing/2014/main" id="{02D08665-04D6-4F99-B914-615DCD2EEBDE}"/>
+              <a:t>日程修改</a:t>
+            </a:r>
+          </a:p>
+        </p:txBody>
+      </p:sp>
+      <p:sp>
+        <p:nvSpPr>
+          <p:cNvPr id="19" name="矩形: 圆角 18">
+            <a:extLst>
+              <a:ext uri="{FF2B5EF4-FFF2-40B4-BE49-F238E27FC236}">
+                <a16:creationId xmlns:a16="http://schemas.microsoft.com/office/drawing/2014/main" id="{D79FA213-248F-43E4-A571-93EA560E4305}"/>
               </a:ext>
             </a:extLst>
           </p:cNvPr>
@@ -6926,8 +8826,8 @@
         </p:nvSpPr>
         <p:spPr>
           <a:xfrm>
-            <a:off x="8986880" y="666464"/>
-            <a:ext cx="2797752" cy="5858880"/>
+            <a:off x="479376" y="3575238"/>
+            <a:ext cx="4176464" cy="2878097"/>
           </a:xfrm>
           <a:prstGeom prst="roundRect">
             <a:avLst>
@@ -6987,17 +8887,17 @@
             <a:pPr algn="ctr"/>
             <a:r>
               <a:rPr lang="zh-CN" altLang="en-US" dirty="0"/>
-              <a:t>科技信息</a:t>
-            </a:r>
-          </a:p>
-        </p:txBody>
-      </p:sp>
-      <p:sp>
-        <p:nvSpPr>
-          <p:cNvPr id="11" name="矩形: 圆角 10">
-            <a:extLst>
-              <a:ext uri="{FF2B5EF4-FFF2-40B4-BE49-F238E27FC236}">
-                <a16:creationId xmlns:a16="http://schemas.microsoft.com/office/drawing/2014/main" id="{78C1E0E9-5926-462C-8808-06FD91826F2E}"/>
+              <a:t>时间表</a:t>
+            </a:r>
+          </a:p>
+        </p:txBody>
+      </p:sp>
+      <p:sp>
+        <p:nvSpPr>
+          <p:cNvPr id="20" name="矩形: 圆角 19">
+            <a:extLst>
+              <a:ext uri="{FF2B5EF4-FFF2-40B4-BE49-F238E27FC236}">
+                <a16:creationId xmlns:a16="http://schemas.microsoft.com/office/drawing/2014/main" id="{02D08665-04D6-4F99-B914-615DCD2EEBDE}"/>
               </a:ext>
             </a:extLst>
           </p:cNvPr>
@@ -7006,8 +8906,8 @@
         </p:nvSpPr>
         <p:spPr>
           <a:xfrm>
-            <a:off x="9122638" y="798302"/>
-            <a:ext cx="2517977" cy="1940195"/>
+            <a:off x="479376" y="713488"/>
+            <a:ext cx="11233248" cy="2715512"/>
           </a:xfrm>
           <a:prstGeom prst="roundRect">
             <a:avLst>
@@ -7067,411 +8967,15 @@
             <a:pPr algn="ctr"/>
             <a:r>
               <a:rPr lang="zh-CN" altLang="en-US" dirty="0"/>
-              <a:t>图像</a:t>
-            </a:r>
-          </a:p>
-        </p:txBody>
-      </p:sp>
-      <p:sp>
-        <p:nvSpPr>
-          <p:cNvPr id="2" name="矩形: 圆顶角 1">
-            <a:extLst>
-              <a:ext uri="{FF2B5EF4-FFF2-40B4-BE49-F238E27FC236}">
-                <a16:creationId xmlns:a16="http://schemas.microsoft.com/office/drawing/2014/main" id="{49291E56-0846-4BBC-A8ED-E1881E5BFF70}"/>
-              </a:ext>
-            </a:extLst>
-          </p:cNvPr>
-          <p:cNvSpPr/>
-          <p:nvPr/>
-        </p:nvSpPr>
-        <p:spPr>
-          <a:xfrm rot="16200000">
-            <a:off x="790145" y="211376"/>
-            <a:ext cx="530590" cy="1440160"/>
-          </a:xfrm>
-          <a:prstGeom prst="round2SameRect">
-            <a:avLst/>
-          </a:prstGeom>
-        </p:spPr>
-        <p:style>
-          <a:lnRef idx="1">
-            <a:schemeClr val="accent2"/>
-          </a:lnRef>
-          <a:fillRef idx="3">
-            <a:schemeClr val="accent2"/>
-          </a:fillRef>
-          <a:effectRef idx="2">
-            <a:schemeClr val="accent2"/>
-          </a:effectRef>
-          <a:fontRef idx="minor">
-            <a:schemeClr val="lt1"/>
-          </a:fontRef>
-        </p:style>
-        <p:txBody>
-          <a:bodyPr rtlCol="0" anchor="ctr"/>
-          <a:lstStyle/>
-          <a:p>
-            <a:pPr algn="ctr"/>
-            <a:endParaRPr lang="zh-CN" altLang="en-US"/>
-          </a:p>
-        </p:txBody>
-      </p:sp>
-      <p:sp>
-        <p:nvSpPr>
-          <p:cNvPr id="26" name="矩形: 圆顶角 25">
-            <a:extLst>
-              <a:ext uri="{FF2B5EF4-FFF2-40B4-BE49-F238E27FC236}">
-                <a16:creationId xmlns:a16="http://schemas.microsoft.com/office/drawing/2014/main" id="{FF8290F0-5BD6-4C1D-AE7F-63B9CD951C15}"/>
-              </a:ext>
-            </a:extLst>
-          </p:cNvPr>
-          <p:cNvSpPr/>
-          <p:nvPr/>
-        </p:nvSpPr>
-        <p:spPr>
-          <a:xfrm rot="16200000">
-            <a:off x="790145" y="814692"/>
-            <a:ext cx="530590" cy="1440160"/>
-          </a:xfrm>
-          <a:prstGeom prst="round2SameRect">
-            <a:avLst/>
-          </a:prstGeom>
-        </p:spPr>
-        <p:style>
-          <a:lnRef idx="1">
-            <a:schemeClr val="accent2"/>
-          </a:lnRef>
-          <a:fillRef idx="3">
-            <a:schemeClr val="accent2"/>
-          </a:fillRef>
-          <a:effectRef idx="2">
-            <a:schemeClr val="accent2"/>
-          </a:effectRef>
-          <a:fontRef idx="minor">
-            <a:schemeClr val="lt1"/>
-          </a:fontRef>
-        </p:style>
-        <p:txBody>
-          <a:bodyPr rtlCol="0" anchor="ctr"/>
-          <a:lstStyle/>
-          <a:p>
-            <a:pPr algn="ctr"/>
-            <a:endParaRPr lang="zh-CN" altLang="en-US"/>
-          </a:p>
-        </p:txBody>
-      </p:sp>
-      <p:sp>
-        <p:nvSpPr>
-          <p:cNvPr id="27" name="矩形: 圆顶角 26">
-            <a:extLst>
-              <a:ext uri="{FF2B5EF4-FFF2-40B4-BE49-F238E27FC236}">
-                <a16:creationId xmlns:a16="http://schemas.microsoft.com/office/drawing/2014/main" id="{DC4D50D6-04EB-45CE-945A-8B0D149BFD0C}"/>
-              </a:ext>
-            </a:extLst>
-          </p:cNvPr>
-          <p:cNvSpPr/>
-          <p:nvPr/>
-        </p:nvSpPr>
-        <p:spPr>
-          <a:xfrm rot="16200000">
-            <a:off x="797239" y="1418006"/>
-            <a:ext cx="530590" cy="1440160"/>
-          </a:xfrm>
-          <a:prstGeom prst="round2SameRect">
-            <a:avLst/>
-          </a:prstGeom>
-        </p:spPr>
-        <p:style>
-          <a:lnRef idx="1">
-            <a:schemeClr val="accent2"/>
-          </a:lnRef>
-          <a:fillRef idx="3">
-            <a:schemeClr val="accent2"/>
-          </a:fillRef>
-          <a:effectRef idx="2">
-            <a:schemeClr val="accent2"/>
-          </a:effectRef>
-          <a:fontRef idx="minor">
-            <a:schemeClr val="lt1"/>
-          </a:fontRef>
-        </p:style>
-        <p:txBody>
-          <a:bodyPr rtlCol="0" anchor="ctr"/>
-          <a:lstStyle/>
-          <a:p>
-            <a:pPr algn="ctr"/>
-            <a:endParaRPr lang="zh-CN" altLang="en-US"/>
-          </a:p>
-        </p:txBody>
-      </p:sp>
-      <p:sp>
-        <p:nvSpPr>
-          <p:cNvPr id="28" name="矩形: 圆顶角 27">
-            <a:extLst>
-              <a:ext uri="{FF2B5EF4-FFF2-40B4-BE49-F238E27FC236}">
-                <a16:creationId xmlns:a16="http://schemas.microsoft.com/office/drawing/2014/main" id="{31AB3773-0746-4CA9-AC48-67605E406870}"/>
-              </a:ext>
-            </a:extLst>
-          </p:cNvPr>
-          <p:cNvSpPr/>
-          <p:nvPr/>
-        </p:nvSpPr>
-        <p:spPr>
-          <a:xfrm rot="16200000">
-            <a:off x="797239" y="2021322"/>
-            <a:ext cx="530590" cy="1440160"/>
-          </a:xfrm>
-          <a:prstGeom prst="round2SameRect">
-            <a:avLst/>
-          </a:prstGeom>
-        </p:spPr>
-        <p:style>
-          <a:lnRef idx="1">
-            <a:schemeClr val="accent2"/>
-          </a:lnRef>
-          <a:fillRef idx="3">
-            <a:schemeClr val="accent2"/>
-          </a:fillRef>
-          <a:effectRef idx="2">
-            <a:schemeClr val="accent2"/>
-          </a:effectRef>
-          <a:fontRef idx="minor">
-            <a:schemeClr val="lt1"/>
-          </a:fontRef>
-        </p:style>
-        <p:txBody>
-          <a:bodyPr rtlCol="0" anchor="ctr"/>
-          <a:lstStyle/>
-          <a:p>
-            <a:pPr algn="ctr"/>
-            <a:endParaRPr lang="zh-CN" altLang="en-US"/>
-          </a:p>
-        </p:txBody>
-      </p:sp>
-      <p:sp>
-        <p:nvSpPr>
-          <p:cNvPr id="29" name="矩形: 圆顶角 28">
-            <a:extLst>
-              <a:ext uri="{FF2B5EF4-FFF2-40B4-BE49-F238E27FC236}">
-                <a16:creationId xmlns:a16="http://schemas.microsoft.com/office/drawing/2014/main" id="{DBC4F8CD-85E0-4343-A6C6-2BF83CF7EA4F}"/>
-              </a:ext>
-            </a:extLst>
-          </p:cNvPr>
-          <p:cNvSpPr/>
-          <p:nvPr/>
-        </p:nvSpPr>
-        <p:spPr>
-          <a:xfrm rot="16200000">
-            <a:off x="801204" y="2624635"/>
-            <a:ext cx="530590" cy="1440160"/>
-          </a:xfrm>
-          <a:prstGeom prst="round2SameRect">
-            <a:avLst/>
-          </a:prstGeom>
-        </p:spPr>
-        <p:style>
-          <a:lnRef idx="1">
-            <a:schemeClr val="accent2"/>
-          </a:lnRef>
-          <a:fillRef idx="3">
-            <a:schemeClr val="accent2"/>
-          </a:fillRef>
-          <a:effectRef idx="2">
-            <a:schemeClr val="accent2"/>
-          </a:effectRef>
-          <a:fontRef idx="minor">
-            <a:schemeClr val="lt1"/>
-          </a:fontRef>
-        </p:style>
-        <p:txBody>
-          <a:bodyPr rtlCol="0" anchor="ctr"/>
-          <a:lstStyle/>
-          <a:p>
-            <a:pPr algn="ctr"/>
-            <a:endParaRPr lang="zh-CN" altLang="en-US"/>
-          </a:p>
-        </p:txBody>
-      </p:sp>
-      <p:sp>
-        <p:nvSpPr>
-          <p:cNvPr id="30" name="矩形: 圆顶角 29">
-            <a:extLst>
-              <a:ext uri="{FF2B5EF4-FFF2-40B4-BE49-F238E27FC236}">
-                <a16:creationId xmlns:a16="http://schemas.microsoft.com/office/drawing/2014/main" id="{FE900FBE-BAEB-42B8-A721-B0C01C9E8AC8}"/>
-              </a:ext>
-            </a:extLst>
-          </p:cNvPr>
-          <p:cNvSpPr/>
-          <p:nvPr/>
-        </p:nvSpPr>
-        <p:spPr>
-          <a:xfrm rot="16200000">
-            <a:off x="801204" y="3227951"/>
-            <a:ext cx="530590" cy="1440160"/>
-          </a:xfrm>
-          <a:prstGeom prst="round2SameRect">
-            <a:avLst/>
-          </a:prstGeom>
-        </p:spPr>
-        <p:style>
-          <a:lnRef idx="1">
-            <a:schemeClr val="accent2"/>
-          </a:lnRef>
-          <a:fillRef idx="3">
-            <a:schemeClr val="accent2"/>
-          </a:fillRef>
-          <a:effectRef idx="2">
-            <a:schemeClr val="accent2"/>
-          </a:effectRef>
-          <a:fontRef idx="minor">
-            <a:schemeClr val="lt1"/>
-          </a:fontRef>
-        </p:style>
-        <p:txBody>
-          <a:bodyPr rtlCol="0" anchor="ctr"/>
-          <a:lstStyle/>
-          <a:p>
-            <a:pPr algn="ctr"/>
-            <a:endParaRPr lang="zh-CN" altLang="en-US"/>
-          </a:p>
-        </p:txBody>
-      </p:sp>
-      <p:sp>
-        <p:nvSpPr>
-          <p:cNvPr id="31" name="矩形: 圆顶角 30">
-            <a:extLst>
-              <a:ext uri="{FF2B5EF4-FFF2-40B4-BE49-F238E27FC236}">
-                <a16:creationId xmlns:a16="http://schemas.microsoft.com/office/drawing/2014/main" id="{EDEB8942-3540-40D4-BE0E-6721E0016E41}"/>
-              </a:ext>
-            </a:extLst>
-          </p:cNvPr>
-          <p:cNvSpPr/>
-          <p:nvPr/>
-        </p:nvSpPr>
-        <p:spPr>
-          <a:xfrm rot="16200000">
-            <a:off x="790144" y="3832661"/>
-            <a:ext cx="530590" cy="1440160"/>
-          </a:xfrm>
-          <a:prstGeom prst="round2SameRect">
-            <a:avLst/>
-          </a:prstGeom>
-        </p:spPr>
-        <p:style>
-          <a:lnRef idx="1">
-            <a:schemeClr val="accent2"/>
-          </a:lnRef>
-          <a:fillRef idx="3">
-            <a:schemeClr val="accent2"/>
-          </a:fillRef>
-          <a:effectRef idx="2">
-            <a:schemeClr val="accent2"/>
-          </a:effectRef>
-          <a:fontRef idx="minor">
-            <a:schemeClr val="lt1"/>
-          </a:fontRef>
-        </p:style>
-        <p:txBody>
-          <a:bodyPr rtlCol="0" anchor="ctr"/>
-          <a:lstStyle/>
-          <a:p>
-            <a:pPr algn="ctr"/>
-            <a:endParaRPr lang="zh-CN" altLang="en-US"/>
-          </a:p>
-        </p:txBody>
-      </p:sp>
-      <p:sp>
-        <p:nvSpPr>
-          <p:cNvPr id="32" name="矩形: 圆顶角 31">
-            <a:extLst>
-              <a:ext uri="{FF2B5EF4-FFF2-40B4-BE49-F238E27FC236}">
-                <a16:creationId xmlns:a16="http://schemas.microsoft.com/office/drawing/2014/main" id="{BC61969A-35AB-4110-A14E-24C09D363685}"/>
-              </a:ext>
-            </a:extLst>
-          </p:cNvPr>
-          <p:cNvSpPr/>
-          <p:nvPr/>
-        </p:nvSpPr>
-        <p:spPr>
-          <a:xfrm rot="16200000">
-            <a:off x="790144" y="4435977"/>
-            <a:ext cx="530590" cy="1440160"/>
-          </a:xfrm>
-          <a:prstGeom prst="round2SameRect">
-            <a:avLst/>
-          </a:prstGeom>
-        </p:spPr>
-        <p:style>
-          <a:lnRef idx="1">
-            <a:schemeClr val="accent2"/>
-          </a:lnRef>
-          <a:fillRef idx="3">
-            <a:schemeClr val="accent2"/>
-          </a:fillRef>
-          <a:effectRef idx="2">
-            <a:schemeClr val="accent2"/>
-          </a:effectRef>
-          <a:fontRef idx="minor">
-            <a:schemeClr val="lt1"/>
-          </a:fontRef>
-        </p:style>
-        <p:txBody>
-          <a:bodyPr rtlCol="0" anchor="ctr"/>
-          <a:lstStyle/>
-          <a:p>
-            <a:pPr algn="ctr"/>
-            <a:endParaRPr lang="zh-CN" altLang="en-US"/>
-          </a:p>
-        </p:txBody>
-      </p:sp>
-      <p:sp>
-        <p:nvSpPr>
-          <p:cNvPr id="33" name="矩形: 圆顶角 32">
-            <a:extLst>
-              <a:ext uri="{FF2B5EF4-FFF2-40B4-BE49-F238E27FC236}">
-                <a16:creationId xmlns:a16="http://schemas.microsoft.com/office/drawing/2014/main" id="{0B30CBE4-F600-4CC3-967D-F55C3C6C8B54}"/>
-              </a:ext>
-            </a:extLst>
-          </p:cNvPr>
-          <p:cNvSpPr/>
-          <p:nvPr/>
-        </p:nvSpPr>
-        <p:spPr>
-          <a:xfrm rot="16200000">
-            <a:off x="783598" y="5039458"/>
-            <a:ext cx="530590" cy="1440160"/>
-          </a:xfrm>
-          <a:prstGeom prst="round2SameRect">
-            <a:avLst/>
-          </a:prstGeom>
-        </p:spPr>
-        <p:style>
-          <a:lnRef idx="1">
-            <a:schemeClr val="accent2"/>
-          </a:lnRef>
-          <a:fillRef idx="3">
-            <a:schemeClr val="accent2"/>
-          </a:fillRef>
-          <a:effectRef idx="2">
-            <a:schemeClr val="accent2"/>
-          </a:effectRef>
-          <a:fontRef idx="minor">
-            <a:schemeClr val="lt1"/>
-          </a:fontRef>
-        </p:style>
-        <p:txBody>
-          <a:bodyPr rtlCol="0" anchor="ctr"/>
-          <a:lstStyle/>
-          <a:p>
-            <a:pPr algn="ctr"/>
-            <a:endParaRPr lang="zh-CN" altLang="en-US"/>
+              <a:t>日程表</a:t>
+            </a:r>
           </a:p>
         </p:txBody>
       </p:sp>
     </p:spTree>
     <p:extLst>
       <p:ext uri="{BB962C8B-B14F-4D97-AF65-F5344CB8AC3E}">
-        <p14:creationId xmlns:p14="http://schemas.microsoft.com/office/powerpoint/2010/main" val="1267085840"/>
+        <p14:creationId xmlns:p14="http://schemas.microsoft.com/office/powerpoint/2010/main" val="3189904158"/>
       </p:ext>
     </p:extLst>
   </p:cSld>
@@ -7609,7 +9113,7 @@
         </p:nvSpPr>
         <p:spPr>
           <a:xfrm>
-            <a:off x="11120144" y="25354"/>
+            <a:off x="11136560" y="36001"/>
             <a:ext cx="1044336" cy="350901"/>
           </a:xfrm>
           <a:prstGeom prst="roundRect">
@@ -7805,10 +9309,10 @@
       </p:sp>
       <p:sp>
         <p:nvSpPr>
-          <p:cNvPr id="20" name="矩形: 圆角 19">
-            <a:extLst>
-              <a:ext uri="{FF2B5EF4-FFF2-40B4-BE49-F238E27FC236}">
-                <a16:creationId xmlns:a16="http://schemas.microsoft.com/office/drawing/2014/main" id="{02D08665-04D6-4F99-B914-615DCD2EEBDE}"/>
+          <p:cNvPr id="17" name="矩形: 圆角 16">
+            <a:extLst>
+              <a:ext uri="{FF2B5EF4-FFF2-40B4-BE49-F238E27FC236}">
+                <a16:creationId xmlns:a16="http://schemas.microsoft.com/office/drawing/2014/main" id="{02E930DF-EE73-41AA-A9BA-D3A55D36FEEB}"/>
               </a:ext>
             </a:extLst>
           </p:cNvPr>
@@ -7817,12 +9321,12 @@
         </p:nvSpPr>
         <p:spPr>
           <a:xfrm>
-            <a:off x="3930480" y="980728"/>
-            <a:ext cx="4331040" cy="5328592"/>
+            <a:off x="1775520" y="550938"/>
+            <a:ext cx="10081120" cy="6102110"/>
           </a:xfrm>
           <a:prstGeom prst="roundRect">
             <a:avLst>
-              <a:gd name="adj" fmla="val 4486"/>
+              <a:gd name="adj" fmla="val 3313"/>
             </a:avLst>
           </a:prstGeom>
           <a:gradFill>
@@ -7878,15 +9382,571 @@
             <a:pPr algn="ctr"/>
             <a:r>
               <a:rPr lang="zh-CN" altLang="en-US" dirty="0"/>
-              <a:t>窗口</a:t>
-            </a:r>
+              <a:t>珂技树</a:t>
+            </a:r>
+          </a:p>
+        </p:txBody>
+      </p:sp>
+      <p:sp>
+        <p:nvSpPr>
+          <p:cNvPr id="20" name="矩形: 圆角 19">
+            <a:extLst>
+              <a:ext uri="{FF2B5EF4-FFF2-40B4-BE49-F238E27FC236}">
+                <a16:creationId xmlns:a16="http://schemas.microsoft.com/office/drawing/2014/main" id="{02D08665-04D6-4F99-B914-615DCD2EEBDE}"/>
+              </a:ext>
+            </a:extLst>
+          </p:cNvPr>
+          <p:cNvSpPr/>
+          <p:nvPr/>
+        </p:nvSpPr>
+        <p:spPr>
+          <a:xfrm>
+            <a:off x="8986880" y="666464"/>
+            <a:ext cx="2797752" cy="5858880"/>
+          </a:xfrm>
+          <a:prstGeom prst="roundRect">
+            <a:avLst>
+              <a:gd name="adj" fmla="val 8474"/>
+            </a:avLst>
+          </a:prstGeom>
+          <a:gradFill>
+            <a:gsLst>
+              <a:gs pos="0">
+                <a:schemeClr val="accent2">
+                  <a:satMod val="103000"/>
+                  <a:lumMod val="102000"/>
+                  <a:tint val="94000"/>
+                  <a:alpha val="30000"/>
+                </a:schemeClr>
+              </a:gs>
+              <a:gs pos="50000">
+                <a:schemeClr val="accent2">
+                  <a:satMod val="110000"/>
+                  <a:lumMod val="100000"/>
+                  <a:shade val="100000"/>
+                  <a:alpha val="30000"/>
+                </a:schemeClr>
+              </a:gs>
+              <a:gs pos="100000">
+                <a:schemeClr val="accent2">
+                  <a:lumMod val="99000"/>
+                  <a:satMod val="120000"/>
+                  <a:shade val="78000"/>
+                  <a:alpha val="30000"/>
+                </a:schemeClr>
+              </a:gs>
+            </a:gsLst>
+          </a:gradFill>
+          <a:ln>
+            <a:noFill/>
+          </a:ln>
+        </p:spPr>
+        <p:style>
+          <a:lnRef idx="1">
+            <a:schemeClr val="accent2"/>
+          </a:lnRef>
+          <a:fillRef idx="3">
+            <a:schemeClr val="accent2"/>
+          </a:fillRef>
+          <a:effectRef idx="2">
+            <a:schemeClr val="accent2"/>
+          </a:effectRef>
+          <a:fontRef idx="minor">
+            <a:schemeClr val="lt1"/>
+          </a:fontRef>
+        </p:style>
+        <p:txBody>
+          <a:bodyPr rtlCol="0" anchor="ctr"/>
+          <a:lstStyle/>
+          <a:p>
+            <a:pPr algn="ctr"/>
+            <a:r>
+              <a:rPr lang="zh-CN" altLang="en-US" dirty="0"/>
+              <a:t>科技信息</a:t>
+            </a:r>
+          </a:p>
+        </p:txBody>
+      </p:sp>
+      <p:sp>
+        <p:nvSpPr>
+          <p:cNvPr id="11" name="矩形: 圆角 10">
+            <a:extLst>
+              <a:ext uri="{FF2B5EF4-FFF2-40B4-BE49-F238E27FC236}">
+                <a16:creationId xmlns:a16="http://schemas.microsoft.com/office/drawing/2014/main" id="{78C1E0E9-5926-462C-8808-06FD91826F2E}"/>
+              </a:ext>
+            </a:extLst>
+          </p:cNvPr>
+          <p:cNvSpPr/>
+          <p:nvPr/>
+        </p:nvSpPr>
+        <p:spPr>
+          <a:xfrm>
+            <a:off x="9122638" y="798302"/>
+            <a:ext cx="2517977" cy="1940195"/>
+          </a:xfrm>
+          <a:prstGeom prst="roundRect">
+            <a:avLst>
+              <a:gd name="adj" fmla="val 8474"/>
+            </a:avLst>
+          </a:prstGeom>
+          <a:gradFill>
+            <a:gsLst>
+              <a:gs pos="0">
+                <a:schemeClr val="accent2">
+                  <a:satMod val="103000"/>
+                  <a:lumMod val="102000"/>
+                  <a:tint val="94000"/>
+                  <a:alpha val="30000"/>
+                </a:schemeClr>
+              </a:gs>
+              <a:gs pos="50000">
+                <a:schemeClr val="accent2">
+                  <a:satMod val="110000"/>
+                  <a:lumMod val="100000"/>
+                  <a:shade val="100000"/>
+                  <a:alpha val="30000"/>
+                </a:schemeClr>
+              </a:gs>
+              <a:gs pos="100000">
+                <a:schemeClr val="accent2">
+                  <a:lumMod val="99000"/>
+                  <a:satMod val="120000"/>
+                  <a:shade val="78000"/>
+                  <a:alpha val="30000"/>
+                </a:schemeClr>
+              </a:gs>
+            </a:gsLst>
+          </a:gradFill>
+          <a:ln>
+            <a:noFill/>
+          </a:ln>
+        </p:spPr>
+        <p:style>
+          <a:lnRef idx="1">
+            <a:schemeClr val="accent2"/>
+          </a:lnRef>
+          <a:fillRef idx="3">
+            <a:schemeClr val="accent2"/>
+          </a:fillRef>
+          <a:effectRef idx="2">
+            <a:schemeClr val="accent2"/>
+          </a:effectRef>
+          <a:fontRef idx="minor">
+            <a:schemeClr val="lt1"/>
+          </a:fontRef>
+        </p:style>
+        <p:txBody>
+          <a:bodyPr rtlCol="0" anchor="ctr"/>
+          <a:lstStyle/>
+          <a:p>
+            <a:pPr algn="ctr"/>
+            <a:r>
+              <a:rPr lang="zh-CN" altLang="en-US" dirty="0"/>
+              <a:t>图像</a:t>
+            </a:r>
+          </a:p>
+        </p:txBody>
+      </p:sp>
+      <p:sp>
+        <p:nvSpPr>
+          <p:cNvPr id="2" name="矩形: 圆顶角 1">
+            <a:extLst>
+              <a:ext uri="{FF2B5EF4-FFF2-40B4-BE49-F238E27FC236}">
+                <a16:creationId xmlns:a16="http://schemas.microsoft.com/office/drawing/2014/main" id="{49291E56-0846-4BBC-A8ED-E1881E5BFF70}"/>
+              </a:ext>
+            </a:extLst>
+          </p:cNvPr>
+          <p:cNvSpPr/>
+          <p:nvPr/>
+        </p:nvSpPr>
+        <p:spPr>
+          <a:xfrm rot="16200000">
+            <a:off x="790145" y="211376"/>
+            <a:ext cx="530590" cy="1440160"/>
+          </a:xfrm>
+          <a:prstGeom prst="round2SameRect">
+            <a:avLst/>
+          </a:prstGeom>
+        </p:spPr>
+        <p:style>
+          <a:lnRef idx="1">
+            <a:schemeClr val="accent2"/>
+          </a:lnRef>
+          <a:fillRef idx="3">
+            <a:schemeClr val="accent2"/>
+          </a:fillRef>
+          <a:effectRef idx="2">
+            <a:schemeClr val="accent2"/>
+          </a:effectRef>
+          <a:fontRef idx="minor">
+            <a:schemeClr val="lt1"/>
+          </a:fontRef>
+        </p:style>
+        <p:txBody>
+          <a:bodyPr rtlCol="0" anchor="ctr"/>
+          <a:lstStyle/>
+          <a:p>
+            <a:pPr algn="ctr"/>
+            <a:endParaRPr lang="zh-CN" altLang="en-US"/>
+          </a:p>
+        </p:txBody>
+      </p:sp>
+      <p:sp>
+        <p:nvSpPr>
+          <p:cNvPr id="26" name="矩形: 圆顶角 25">
+            <a:extLst>
+              <a:ext uri="{FF2B5EF4-FFF2-40B4-BE49-F238E27FC236}">
+                <a16:creationId xmlns:a16="http://schemas.microsoft.com/office/drawing/2014/main" id="{FF8290F0-5BD6-4C1D-AE7F-63B9CD951C15}"/>
+              </a:ext>
+            </a:extLst>
+          </p:cNvPr>
+          <p:cNvSpPr/>
+          <p:nvPr/>
+        </p:nvSpPr>
+        <p:spPr>
+          <a:xfrm rot="16200000">
+            <a:off x="790145" y="814692"/>
+            <a:ext cx="530590" cy="1440160"/>
+          </a:xfrm>
+          <a:prstGeom prst="round2SameRect">
+            <a:avLst/>
+          </a:prstGeom>
+        </p:spPr>
+        <p:style>
+          <a:lnRef idx="1">
+            <a:schemeClr val="accent2"/>
+          </a:lnRef>
+          <a:fillRef idx="3">
+            <a:schemeClr val="accent2"/>
+          </a:fillRef>
+          <a:effectRef idx="2">
+            <a:schemeClr val="accent2"/>
+          </a:effectRef>
+          <a:fontRef idx="minor">
+            <a:schemeClr val="lt1"/>
+          </a:fontRef>
+        </p:style>
+        <p:txBody>
+          <a:bodyPr rtlCol="0" anchor="ctr"/>
+          <a:lstStyle/>
+          <a:p>
+            <a:pPr algn="ctr"/>
+            <a:endParaRPr lang="zh-CN" altLang="en-US"/>
+          </a:p>
+        </p:txBody>
+      </p:sp>
+      <p:sp>
+        <p:nvSpPr>
+          <p:cNvPr id="27" name="矩形: 圆顶角 26">
+            <a:extLst>
+              <a:ext uri="{FF2B5EF4-FFF2-40B4-BE49-F238E27FC236}">
+                <a16:creationId xmlns:a16="http://schemas.microsoft.com/office/drawing/2014/main" id="{DC4D50D6-04EB-45CE-945A-8B0D149BFD0C}"/>
+              </a:ext>
+            </a:extLst>
+          </p:cNvPr>
+          <p:cNvSpPr/>
+          <p:nvPr/>
+        </p:nvSpPr>
+        <p:spPr>
+          <a:xfrm rot="16200000">
+            <a:off x="797239" y="1418006"/>
+            <a:ext cx="530590" cy="1440160"/>
+          </a:xfrm>
+          <a:prstGeom prst="round2SameRect">
+            <a:avLst/>
+          </a:prstGeom>
+        </p:spPr>
+        <p:style>
+          <a:lnRef idx="1">
+            <a:schemeClr val="accent2"/>
+          </a:lnRef>
+          <a:fillRef idx="3">
+            <a:schemeClr val="accent2"/>
+          </a:fillRef>
+          <a:effectRef idx="2">
+            <a:schemeClr val="accent2"/>
+          </a:effectRef>
+          <a:fontRef idx="minor">
+            <a:schemeClr val="lt1"/>
+          </a:fontRef>
+        </p:style>
+        <p:txBody>
+          <a:bodyPr rtlCol="0" anchor="ctr"/>
+          <a:lstStyle/>
+          <a:p>
+            <a:pPr algn="ctr"/>
+            <a:endParaRPr lang="zh-CN" altLang="en-US"/>
+          </a:p>
+        </p:txBody>
+      </p:sp>
+      <p:sp>
+        <p:nvSpPr>
+          <p:cNvPr id="28" name="矩形: 圆顶角 27">
+            <a:extLst>
+              <a:ext uri="{FF2B5EF4-FFF2-40B4-BE49-F238E27FC236}">
+                <a16:creationId xmlns:a16="http://schemas.microsoft.com/office/drawing/2014/main" id="{31AB3773-0746-4CA9-AC48-67605E406870}"/>
+              </a:ext>
+            </a:extLst>
+          </p:cNvPr>
+          <p:cNvSpPr/>
+          <p:nvPr/>
+        </p:nvSpPr>
+        <p:spPr>
+          <a:xfrm rot="16200000">
+            <a:off x="797239" y="2021322"/>
+            <a:ext cx="530590" cy="1440160"/>
+          </a:xfrm>
+          <a:prstGeom prst="round2SameRect">
+            <a:avLst/>
+          </a:prstGeom>
+        </p:spPr>
+        <p:style>
+          <a:lnRef idx="1">
+            <a:schemeClr val="accent2"/>
+          </a:lnRef>
+          <a:fillRef idx="3">
+            <a:schemeClr val="accent2"/>
+          </a:fillRef>
+          <a:effectRef idx="2">
+            <a:schemeClr val="accent2"/>
+          </a:effectRef>
+          <a:fontRef idx="minor">
+            <a:schemeClr val="lt1"/>
+          </a:fontRef>
+        </p:style>
+        <p:txBody>
+          <a:bodyPr rtlCol="0" anchor="ctr"/>
+          <a:lstStyle/>
+          <a:p>
+            <a:pPr algn="ctr"/>
+            <a:endParaRPr lang="zh-CN" altLang="en-US"/>
+          </a:p>
+        </p:txBody>
+      </p:sp>
+      <p:sp>
+        <p:nvSpPr>
+          <p:cNvPr id="29" name="矩形: 圆顶角 28">
+            <a:extLst>
+              <a:ext uri="{FF2B5EF4-FFF2-40B4-BE49-F238E27FC236}">
+                <a16:creationId xmlns:a16="http://schemas.microsoft.com/office/drawing/2014/main" id="{DBC4F8CD-85E0-4343-A6C6-2BF83CF7EA4F}"/>
+              </a:ext>
+            </a:extLst>
+          </p:cNvPr>
+          <p:cNvSpPr/>
+          <p:nvPr/>
+        </p:nvSpPr>
+        <p:spPr>
+          <a:xfrm rot="16200000">
+            <a:off x="801204" y="2624635"/>
+            <a:ext cx="530590" cy="1440160"/>
+          </a:xfrm>
+          <a:prstGeom prst="round2SameRect">
+            <a:avLst/>
+          </a:prstGeom>
+        </p:spPr>
+        <p:style>
+          <a:lnRef idx="1">
+            <a:schemeClr val="accent2"/>
+          </a:lnRef>
+          <a:fillRef idx="3">
+            <a:schemeClr val="accent2"/>
+          </a:fillRef>
+          <a:effectRef idx="2">
+            <a:schemeClr val="accent2"/>
+          </a:effectRef>
+          <a:fontRef idx="minor">
+            <a:schemeClr val="lt1"/>
+          </a:fontRef>
+        </p:style>
+        <p:txBody>
+          <a:bodyPr rtlCol="0" anchor="ctr"/>
+          <a:lstStyle/>
+          <a:p>
+            <a:pPr algn="ctr"/>
+            <a:endParaRPr lang="zh-CN" altLang="en-US"/>
+          </a:p>
+        </p:txBody>
+      </p:sp>
+      <p:sp>
+        <p:nvSpPr>
+          <p:cNvPr id="30" name="矩形: 圆顶角 29">
+            <a:extLst>
+              <a:ext uri="{FF2B5EF4-FFF2-40B4-BE49-F238E27FC236}">
+                <a16:creationId xmlns:a16="http://schemas.microsoft.com/office/drawing/2014/main" id="{FE900FBE-BAEB-42B8-A721-B0C01C9E8AC8}"/>
+              </a:ext>
+            </a:extLst>
+          </p:cNvPr>
+          <p:cNvSpPr/>
+          <p:nvPr/>
+        </p:nvSpPr>
+        <p:spPr>
+          <a:xfrm rot="16200000">
+            <a:off x="801204" y="3227951"/>
+            <a:ext cx="530590" cy="1440160"/>
+          </a:xfrm>
+          <a:prstGeom prst="round2SameRect">
+            <a:avLst/>
+          </a:prstGeom>
+        </p:spPr>
+        <p:style>
+          <a:lnRef idx="1">
+            <a:schemeClr val="accent2"/>
+          </a:lnRef>
+          <a:fillRef idx="3">
+            <a:schemeClr val="accent2"/>
+          </a:fillRef>
+          <a:effectRef idx="2">
+            <a:schemeClr val="accent2"/>
+          </a:effectRef>
+          <a:fontRef idx="minor">
+            <a:schemeClr val="lt1"/>
+          </a:fontRef>
+        </p:style>
+        <p:txBody>
+          <a:bodyPr rtlCol="0" anchor="ctr"/>
+          <a:lstStyle/>
+          <a:p>
+            <a:pPr algn="ctr"/>
+            <a:endParaRPr lang="zh-CN" altLang="en-US"/>
+          </a:p>
+        </p:txBody>
+      </p:sp>
+      <p:sp>
+        <p:nvSpPr>
+          <p:cNvPr id="31" name="矩形: 圆顶角 30">
+            <a:extLst>
+              <a:ext uri="{FF2B5EF4-FFF2-40B4-BE49-F238E27FC236}">
+                <a16:creationId xmlns:a16="http://schemas.microsoft.com/office/drawing/2014/main" id="{EDEB8942-3540-40D4-BE0E-6721E0016E41}"/>
+              </a:ext>
+            </a:extLst>
+          </p:cNvPr>
+          <p:cNvSpPr/>
+          <p:nvPr/>
+        </p:nvSpPr>
+        <p:spPr>
+          <a:xfrm rot="16200000">
+            <a:off x="790144" y="3832661"/>
+            <a:ext cx="530590" cy="1440160"/>
+          </a:xfrm>
+          <a:prstGeom prst="round2SameRect">
+            <a:avLst/>
+          </a:prstGeom>
+        </p:spPr>
+        <p:style>
+          <a:lnRef idx="1">
+            <a:schemeClr val="accent2"/>
+          </a:lnRef>
+          <a:fillRef idx="3">
+            <a:schemeClr val="accent2"/>
+          </a:fillRef>
+          <a:effectRef idx="2">
+            <a:schemeClr val="accent2"/>
+          </a:effectRef>
+          <a:fontRef idx="minor">
+            <a:schemeClr val="lt1"/>
+          </a:fontRef>
+        </p:style>
+        <p:txBody>
+          <a:bodyPr rtlCol="0" anchor="ctr"/>
+          <a:lstStyle/>
+          <a:p>
+            <a:pPr algn="ctr"/>
+            <a:endParaRPr lang="zh-CN" altLang="en-US"/>
+          </a:p>
+        </p:txBody>
+      </p:sp>
+      <p:sp>
+        <p:nvSpPr>
+          <p:cNvPr id="32" name="矩形: 圆顶角 31">
+            <a:extLst>
+              <a:ext uri="{FF2B5EF4-FFF2-40B4-BE49-F238E27FC236}">
+                <a16:creationId xmlns:a16="http://schemas.microsoft.com/office/drawing/2014/main" id="{BC61969A-35AB-4110-A14E-24C09D363685}"/>
+              </a:ext>
+            </a:extLst>
+          </p:cNvPr>
+          <p:cNvSpPr/>
+          <p:nvPr/>
+        </p:nvSpPr>
+        <p:spPr>
+          <a:xfrm rot="16200000">
+            <a:off x="790144" y="4435977"/>
+            <a:ext cx="530590" cy="1440160"/>
+          </a:xfrm>
+          <a:prstGeom prst="round2SameRect">
+            <a:avLst/>
+          </a:prstGeom>
+        </p:spPr>
+        <p:style>
+          <a:lnRef idx="1">
+            <a:schemeClr val="accent2"/>
+          </a:lnRef>
+          <a:fillRef idx="3">
+            <a:schemeClr val="accent2"/>
+          </a:fillRef>
+          <a:effectRef idx="2">
+            <a:schemeClr val="accent2"/>
+          </a:effectRef>
+          <a:fontRef idx="minor">
+            <a:schemeClr val="lt1"/>
+          </a:fontRef>
+        </p:style>
+        <p:txBody>
+          <a:bodyPr rtlCol="0" anchor="ctr"/>
+          <a:lstStyle/>
+          <a:p>
+            <a:pPr algn="ctr"/>
+            <a:endParaRPr lang="zh-CN" altLang="en-US"/>
+          </a:p>
+        </p:txBody>
+      </p:sp>
+      <p:sp>
+        <p:nvSpPr>
+          <p:cNvPr id="33" name="矩形: 圆顶角 32">
+            <a:extLst>
+              <a:ext uri="{FF2B5EF4-FFF2-40B4-BE49-F238E27FC236}">
+                <a16:creationId xmlns:a16="http://schemas.microsoft.com/office/drawing/2014/main" id="{0B30CBE4-F600-4CC3-967D-F55C3C6C8B54}"/>
+              </a:ext>
+            </a:extLst>
+          </p:cNvPr>
+          <p:cNvSpPr/>
+          <p:nvPr/>
+        </p:nvSpPr>
+        <p:spPr>
+          <a:xfrm rot="16200000">
+            <a:off x="783598" y="5039458"/>
+            <a:ext cx="530590" cy="1440160"/>
+          </a:xfrm>
+          <a:prstGeom prst="round2SameRect">
+            <a:avLst/>
+          </a:prstGeom>
+        </p:spPr>
+        <p:style>
+          <a:lnRef idx="1">
+            <a:schemeClr val="accent2"/>
+          </a:lnRef>
+          <a:fillRef idx="3">
+            <a:schemeClr val="accent2"/>
+          </a:fillRef>
+          <a:effectRef idx="2">
+            <a:schemeClr val="accent2"/>
+          </a:effectRef>
+          <a:fontRef idx="minor">
+            <a:schemeClr val="lt1"/>
+          </a:fontRef>
+        </p:style>
+        <p:txBody>
+          <a:bodyPr rtlCol="0" anchor="ctr"/>
+          <a:lstStyle/>
+          <a:p>
+            <a:pPr algn="ctr"/>
+            <a:endParaRPr lang="zh-CN" altLang="en-US"/>
           </a:p>
         </p:txBody>
       </p:sp>
     </p:spTree>
     <p:extLst>
       <p:ext uri="{BB962C8B-B14F-4D97-AF65-F5344CB8AC3E}">
-        <p14:creationId xmlns:p14="http://schemas.microsoft.com/office/powerpoint/2010/main" val="2153280258"/>
+        <p14:creationId xmlns:p14="http://schemas.microsoft.com/office/powerpoint/2010/main" val="1267085840"/>
       </p:ext>
     </p:extLst>
   </p:cSld>

--- a/docs/界面布局.pptx
+++ b/docs/界面布局.pptx
@@ -5,7 +5,7 @@
     <p:sldMasterId id="2147483648" r:id="rId1"/>
   </p:sldMasterIdLst>
   <p:notesMasterIdLst>
-    <p:notesMasterId r:id="rId15"/>
+    <p:notesMasterId r:id="rId19"/>
   </p:notesMasterIdLst>
   <p:sldIdLst>
     <p:sldId id="256" r:id="rId2"/>
@@ -19,8 +19,12 @@
     <p:sldId id="264" r:id="rId10"/>
     <p:sldId id="270" r:id="rId11"/>
     <p:sldId id="265" r:id="rId12"/>
-    <p:sldId id="269" r:id="rId13"/>
-    <p:sldId id="268" r:id="rId14"/>
+    <p:sldId id="273" r:id="rId13"/>
+    <p:sldId id="274" r:id="rId14"/>
+    <p:sldId id="269" r:id="rId15"/>
+    <p:sldId id="272" r:id="rId16"/>
+    <p:sldId id="271" r:id="rId17"/>
+    <p:sldId id="268" r:id="rId18"/>
   </p:sldIdLst>
   <p:sldSz cx="12192000" cy="6858000"/>
   <p:notesSz cx="6858000" cy="9144000"/>
@@ -220,7 +224,7 @@
           <a:p>
             <a:fld id="{0B735F85-8D0E-4C72-ADEF-84E63D7E4196}" type="datetimeFigureOut">
               <a:rPr lang="zh-CN" altLang="en-US" smtClean="0"/>
-              <a:t>2018/3/9</a:t>
+              <a:t>2018/3/13</a:t>
             </a:fld>
             <a:endParaRPr lang="zh-CN" altLang="en-US"/>
           </a:p>
@@ -773,7 +777,7 @@
                 <a:tabLst/>
                 <a:defRPr/>
               </a:pPr>
-              <a:t>13</a:t>
+              <a:t>17</a:t>
             </a:fld>
             <a:endParaRPr kumimoji="0" lang="zh-CN" altLang="en-US" sz="1200" b="0" i="0" u="none" strike="noStrike" kern="1200" cap="none" spc="0" normalizeH="0" baseline="0" noProof="0">
               <a:ln>
@@ -952,7 +956,7 @@
           <a:p>
             <a:fld id="{07DCFD4D-F2C7-4606-9C80-FEB65262871E}" type="datetimeFigureOut">
               <a:rPr lang="zh-CN" altLang="en-US" smtClean="0"/>
-              <a:t>2018/3/9</a:t>
+              <a:t>2018/3/13</a:t>
             </a:fld>
             <a:endParaRPr lang="zh-CN" altLang="en-US"/>
           </a:p>
@@ -1150,7 +1154,7 @@
           <a:p>
             <a:fld id="{07DCFD4D-F2C7-4606-9C80-FEB65262871E}" type="datetimeFigureOut">
               <a:rPr lang="zh-CN" altLang="en-US" smtClean="0"/>
-              <a:t>2018/3/9</a:t>
+              <a:t>2018/3/13</a:t>
             </a:fld>
             <a:endParaRPr lang="zh-CN" altLang="en-US"/>
           </a:p>
@@ -1358,7 +1362,7 @@
           <a:p>
             <a:fld id="{07DCFD4D-F2C7-4606-9C80-FEB65262871E}" type="datetimeFigureOut">
               <a:rPr lang="zh-CN" altLang="en-US" smtClean="0"/>
-              <a:t>2018/3/9</a:t>
+              <a:t>2018/3/13</a:t>
             </a:fld>
             <a:endParaRPr lang="zh-CN" altLang="en-US"/>
           </a:p>
@@ -1556,7 +1560,7 @@
           <a:p>
             <a:fld id="{07DCFD4D-F2C7-4606-9C80-FEB65262871E}" type="datetimeFigureOut">
               <a:rPr lang="zh-CN" altLang="en-US" smtClean="0"/>
-              <a:t>2018/3/9</a:t>
+              <a:t>2018/3/13</a:t>
             </a:fld>
             <a:endParaRPr lang="zh-CN" altLang="en-US"/>
           </a:p>
@@ -1831,7 +1835,7 @@
           <a:p>
             <a:fld id="{07DCFD4D-F2C7-4606-9C80-FEB65262871E}" type="datetimeFigureOut">
               <a:rPr lang="zh-CN" altLang="en-US" smtClean="0"/>
-              <a:t>2018/3/9</a:t>
+              <a:t>2018/3/13</a:t>
             </a:fld>
             <a:endParaRPr lang="zh-CN" altLang="en-US"/>
           </a:p>
@@ -2096,7 +2100,7 @@
           <a:p>
             <a:fld id="{07DCFD4D-F2C7-4606-9C80-FEB65262871E}" type="datetimeFigureOut">
               <a:rPr lang="zh-CN" altLang="en-US" smtClean="0"/>
-              <a:t>2018/3/9</a:t>
+              <a:t>2018/3/13</a:t>
             </a:fld>
             <a:endParaRPr lang="zh-CN" altLang="en-US"/>
           </a:p>
@@ -2508,7 +2512,7 @@
           <a:p>
             <a:fld id="{07DCFD4D-F2C7-4606-9C80-FEB65262871E}" type="datetimeFigureOut">
               <a:rPr lang="zh-CN" altLang="en-US" smtClean="0"/>
-              <a:t>2018/3/9</a:t>
+              <a:t>2018/3/13</a:t>
             </a:fld>
             <a:endParaRPr lang="zh-CN" altLang="en-US"/>
           </a:p>
@@ -2649,7 +2653,7 @@
           <a:p>
             <a:fld id="{07DCFD4D-F2C7-4606-9C80-FEB65262871E}" type="datetimeFigureOut">
               <a:rPr lang="zh-CN" altLang="en-US" smtClean="0"/>
-              <a:t>2018/3/9</a:t>
+              <a:t>2018/3/13</a:t>
             </a:fld>
             <a:endParaRPr lang="zh-CN" altLang="en-US"/>
           </a:p>
@@ -2762,7 +2766,7 @@
           <a:p>
             <a:fld id="{07DCFD4D-F2C7-4606-9C80-FEB65262871E}" type="datetimeFigureOut">
               <a:rPr lang="zh-CN" altLang="en-US" smtClean="0"/>
-              <a:t>2018/3/9</a:t>
+              <a:t>2018/3/13</a:t>
             </a:fld>
             <a:endParaRPr lang="zh-CN" altLang="en-US"/>
           </a:p>
@@ -3073,7 +3077,7 @@
           <a:p>
             <a:fld id="{07DCFD4D-F2C7-4606-9C80-FEB65262871E}" type="datetimeFigureOut">
               <a:rPr lang="zh-CN" altLang="en-US" smtClean="0"/>
-              <a:t>2018/3/9</a:t>
+              <a:t>2018/3/13</a:t>
             </a:fld>
             <a:endParaRPr lang="zh-CN" altLang="en-US"/>
           </a:p>
@@ -3361,7 +3365,7 @@
           <a:p>
             <a:fld id="{07DCFD4D-F2C7-4606-9C80-FEB65262871E}" type="datetimeFigureOut">
               <a:rPr lang="zh-CN" altLang="en-US" smtClean="0"/>
-              <a:t>2018/3/9</a:t>
+              <a:t>2018/3/13</a:t>
             </a:fld>
             <a:endParaRPr lang="zh-CN" altLang="en-US"/>
           </a:p>
@@ -3602,7 +3606,7 @@
           <a:p>
             <a:fld id="{07DCFD4D-F2C7-4606-9C80-FEB65262871E}" type="datetimeFigureOut">
               <a:rPr lang="zh-CN" altLang="en-US" smtClean="0"/>
-              <a:t>2018/3/9</a:t>
+              <a:t>2018/3/13</a:t>
             </a:fld>
             <a:endParaRPr lang="zh-CN" altLang="en-US"/>
           </a:p>
@@ -4550,11 +4554,11 @@
         <p:spPr>
           <a:xfrm>
             <a:off x="407367" y="1268760"/>
-            <a:ext cx="4176464" cy="2088231"/>
+            <a:ext cx="4176464" cy="4654154"/>
           </a:xfrm>
           <a:prstGeom prst="roundRect">
             <a:avLst>
-              <a:gd name="adj" fmla="val 8474"/>
+              <a:gd name="adj" fmla="val 3852"/>
             </a:avLst>
           </a:prstGeom>
           <a:gradFill>
@@ -4798,10 +4802,10 @@
       </p:sp>
       <p:sp>
         <p:nvSpPr>
-          <p:cNvPr id="23" name="矩形: 圆角 22">
-            <a:extLst>
-              <a:ext uri="{FF2B5EF4-FFF2-40B4-BE49-F238E27FC236}">
-                <a16:creationId xmlns:a16="http://schemas.microsoft.com/office/drawing/2014/main" id="{62E9876F-D495-4D24-95DB-6FF59135B8B2}"/>
+          <p:cNvPr id="24" name="矩形: 圆角 23">
+            <a:extLst>
+              <a:ext uri="{FF2B5EF4-FFF2-40B4-BE49-F238E27FC236}">
+                <a16:creationId xmlns:a16="http://schemas.microsoft.com/office/drawing/2014/main" id="{F2E1C0E2-F18C-40B2-9343-517F38A06900}"/>
               </a:ext>
             </a:extLst>
           </p:cNvPr>
@@ -4810,12 +4814,12 @@
         </p:nvSpPr>
         <p:spPr>
           <a:xfrm>
-            <a:off x="407367" y="3501009"/>
-            <a:ext cx="4176464" cy="3024336"/>
+            <a:off x="9264351" y="269787"/>
+            <a:ext cx="2345705" cy="998974"/>
           </a:xfrm>
           <a:prstGeom prst="roundRect">
             <a:avLst>
-              <a:gd name="adj" fmla="val 8474"/>
+              <a:gd name="adj" fmla="val 4622"/>
             </a:avLst>
           </a:prstGeom>
           <a:gradFill>
@@ -4871,17 +4875,17 @@
             <a:pPr algn="ctr"/>
             <a:r>
               <a:rPr lang="zh-CN" altLang="en-US" dirty="0"/>
-              <a:t>基本信息</a:t>
-            </a:r>
-          </a:p>
-        </p:txBody>
-      </p:sp>
-      <p:sp>
-        <p:nvSpPr>
-          <p:cNvPr id="24" name="矩形: 圆角 23">
-            <a:extLst>
-              <a:ext uri="{FF2B5EF4-FFF2-40B4-BE49-F238E27FC236}">
-                <a16:creationId xmlns:a16="http://schemas.microsoft.com/office/drawing/2014/main" id="{F2E1C0E2-F18C-40B2-9343-517F38A06900}"/>
+              <a:t>标签</a:t>
+            </a:r>
+          </a:p>
+        </p:txBody>
+      </p:sp>
+      <p:sp>
+        <p:nvSpPr>
+          <p:cNvPr id="25" name="矩形: 圆角 24">
+            <a:extLst>
+              <a:ext uri="{FF2B5EF4-FFF2-40B4-BE49-F238E27FC236}">
+                <a16:creationId xmlns:a16="http://schemas.microsoft.com/office/drawing/2014/main" id="{63229CB3-51F5-47DA-AD7C-DD4AF9CFA58E}"/>
               </a:ext>
             </a:extLst>
           </p:cNvPr>
@@ -4890,8 +4894,8 @@
         </p:nvSpPr>
         <p:spPr>
           <a:xfrm>
-            <a:off x="9264351" y="269787"/>
-            <a:ext cx="2345705" cy="998974"/>
+            <a:off x="9373993" y="304657"/>
+            <a:ext cx="898471" cy="892095"/>
           </a:xfrm>
           <a:prstGeom prst="roundRect">
             <a:avLst>
@@ -4951,17 +4955,17 @@
             <a:pPr algn="ctr"/>
             <a:r>
               <a:rPr lang="zh-CN" altLang="en-US" dirty="0"/>
-              <a:t>标签</a:t>
-            </a:r>
-          </a:p>
-        </p:txBody>
-      </p:sp>
-      <p:sp>
-        <p:nvSpPr>
-          <p:cNvPr id="25" name="矩形: 圆角 24">
-            <a:extLst>
-              <a:ext uri="{FF2B5EF4-FFF2-40B4-BE49-F238E27FC236}">
-                <a16:creationId xmlns:a16="http://schemas.microsoft.com/office/drawing/2014/main" id="{63229CB3-51F5-47DA-AD7C-DD4AF9CFA58E}"/>
+              <a:t>图标</a:t>
+            </a:r>
+          </a:p>
+        </p:txBody>
+      </p:sp>
+      <p:sp>
+        <p:nvSpPr>
+          <p:cNvPr id="34" name="矩形: 圆角 33">
+            <a:extLst>
+              <a:ext uri="{FF2B5EF4-FFF2-40B4-BE49-F238E27FC236}">
+                <a16:creationId xmlns:a16="http://schemas.microsoft.com/office/drawing/2014/main" id="{B7F636B7-EEBA-4AEB-B22E-3F51E1888750}"/>
               </a:ext>
             </a:extLst>
           </p:cNvPr>
@@ -4970,8 +4974,8 @@
         </p:nvSpPr>
         <p:spPr>
           <a:xfrm>
-            <a:off x="9373993" y="304657"/>
-            <a:ext cx="898471" cy="892095"/>
+            <a:off x="3482987" y="200044"/>
+            <a:ext cx="2345705" cy="864099"/>
           </a:xfrm>
           <a:prstGeom prst="roundRect">
             <a:avLst>
@@ -5031,17 +5035,17 @@
             <a:pPr algn="ctr"/>
             <a:r>
               <a:rPr lang="zh-CN" altLang="en-US" dirty="0"/>
-              <a:t>图标</a:t>
-            </a:r>
-          </a:p>
-        </p:txBody>
-      </p:sp>
-      <p:sp>
-        <p:nvSpPr>
-          <p:cNvPr id="34" name="矩形: 圆角 33">
-            <a:extLst>
-              <a:ext uri="{FF2B5EF4-FFF2-40B4-BE49-F238E27FC236}">
-                <a16:creationId xmlns:a16="http://schemas.microsoft.com/office/drawing/2014/main" id="{B7F636B7-EEBA-4AEB-B22E-3F51E1888750}"/>
+              <a:t>标题</a:t>
+            </a:r>
+          </a:p>
+        </p:txBody>
+      </p:sp>
+      <p:sp>
+        <p:nvSpPr>
+          <p:cNvPr id="13" name="矩形: 圆角 12">
+            <a:extLst>
+              <a:ext uri="{FF2B5EF4-FFF2-40B4-BE49-F238E27FC236}">
+                <a16:creationId xmlns:a16="http://schemas.microsoft.com/office/drawing/2014/main" id="{0EC4F5B1-4783-48BE-B88E-CD16507ADD36}"/>
               </a:ext>
             </a:extLst>
           </p:cNvPr>
@@ -5050,12 +5054,12 @@
         </p:nvSpPr>
         <p:spPr>
           <a:xfrm>
-            <a:off x="3482987" y="200044"/>
-            <a:ext cx="2345705" cy="864099"/>
+            <a:off x="1775518" y="6005111"/>
+            <a:ext cx="1440161" cy="519836"/>
           </a:xfrm>
           <a:prstGeom prst="roundRect">
             <a:avLst>
-              <a:gd name="adj" fmla="val 4622"/>
+              <a:gd name="adj" fmla="val 8474"/>
             </a:avLst>
           </a:prstGeom>
           <a:gradFill>
@@ -5111,7 +5115,7 @@
             <a:pPr algn="ctr"/>
             <a:r>
               <a:rPr lang="zh-CN" altLang="en-US" dirty="0"/>
-              <a:t>标题</a:t>
+              <a:t>名字</a:t>
             </a:r>
           </a:p>
         </p:txBody>
@@ -5616,6 +5620,258 @@
       </p:sp>
       <p:sp>
         <p:nvSpPr>
+          <p:cNvPr id="3" name="矩形 2">
+            <a:extLst>
+              <a:ext uri="{FF2B5EF4-FFF2-40B4-BE49-F238E27FC236}">
+                <a16:creationId xmlns:a16="http://schemas.microsoft.com/office/drawing/2014/main" id="{B98E0B21-F75E-458F-A0E2-7B09141243AC}"/>
+              </a:ext>
+            </a:extLst>
+          </p:cNvPr>
+          <p:cNvSpPr/>
+          <p:nvPr/>
+        </p:nvSpPr>
+        <p:spPr>
+          <a:xfrm>
+            <a:off x="0" y="0"/>
+            <a:ext cx="12192000" cy="419100"/>
+          </a:xfrm>
+          <a:prstGeom prst="rect">
+            <a:avLst/>
+          </a:prstGeom>
+        </p:spPr>
+        <p:style>
+          <a:lnRef idx="1">
+            <a:schemeClr val="accent4"/>
+          </a:lnRef>
+          <a:fillRef idx="3">
+            <a:schemeClr val="accent4"/>
+          </a:fillRef>
+          <a:effectRef idx="2">
+            <a:schemeClr val="accent4"/>
+          </a:effectRef>
+          <a:fontRef idx="minor">
+            <a:schemeClr val="lt1"/>
+          </a:fontRef>
+        </p:style>
+        <p:txBody>
+          <a:bodyPr rtlCol="0" anchor="ctr"/>
+          <a:lstStyle/>
+          <a:p>
+            <a:pPr algn="ctr"/>
+            <a:endParaRPr lang="zh-CN" altLang="en-US"/>
+          </a:p>
+        </p:txBody>
+      </p:sp>
+      <p:sp>
+        <p:nvSpPr>
+          <p:cNvPr id="6" name="矩形: 圆角 5">
+            <a:extLst>
+              <a:ext uri="{FF2B5EF4-FFF2-40B4-BE49-F238E27FC236}">
+                <a16:creationId xmlns:a16="http://schemas.microsoft.com/office/drawing/2014/main" id="{88AA75E9-C029-4696-981E-71396073A143}"/>
+              </a:ext>
+            </a:extLst>
+          </p:cNvPr>
+          <p:cNvSpPr/>
+          <p:nvPr/>
+        </p:nvSpPr>
+        <p:spPr>
+          <a:xfrm>
+            <a:off x="11120144" y="25354"/>
+            <a:ext cx="1044336" cy="350901"/>
+          </a:xfrm>
+          <a:prstGeom prst="roundRect">
+            <a:avLst>
+              <a:gd name="adj" fmla="val 26281"/>
+            </a:avLst>
+          </a:prstGeom>
+          <a:ln>
+            <a:noFill/>
+          </a:ln>
+        </p:spPr>
+        <p:style>
+          <a:lnRef idx="1">
+            <a:schemeClr val="accent2"/>
+          </a:lnRef>
+          <a:fillRef idx="3">
+            <a:schemeClr val="accent2"/>
+          </a:fillRef>
+          <a:effectRef idx="2">
+            <a:schemeClr val="accent2"/>
+          </a:effectRef>
+          <a:fontRef idx="minor">
+            <a:schemeClr val="lt1"/>
+          </a:fontRef>
+        </p:style>
+        <p:txBody>
+          <a:bodyPr rtlCol="0" anchor="ctr"/>
+          <a:lstStyle/>
+          <a:p>
+            <a:pPr algn="ctr"/>
+            <a:r>
+              <a:rPr lang="zh-CN" altLang="en-US" dirty="0"/>
+              <a:t>菜单</a:t>
+            </a:r>
+          </a:p>
+        </p:txBody>
+      </p:sp>
+      <p:sp>
+        <p:nvSpPr>
+          <p:cNvPr id="12" name="矩形: 圆角 11">
+            <a:extLst>
+              <a:ext uri="{FF2B5EF4-FFF2-40B4-BE49-F238E27FC236}">
+                <a16:creationId xmlns:a16="http://schemas.microsoft.com/office/drawing/2014/main" id="{55C2C92D-DFF2-4B93-B359-78055FA76B45}"/>
+              </a:ext>
+            </a:extLst>
+          </p:cNvPr>
+          <p:cNvSpPr/>
+          <p:nvPr/>
+        </p:nvSpPr>
+        <p:spPr>
+          <a:xfrm>
+            <a:off x="119336" y="29742"/>
+            <a:ext cx="4464496" cy="357160"/>
+          </a:xfrm>
+          <a:prstGeom prst="roundRect">
+            <a:avLst>
+              <a:gd name="adj" fmla="val 26281"/>
+            </a:avLst>
+          </a:prstGeom>
+          <a:ln>
+            <a:noFill/>
+          </a:ln>
+        </p:spPr>
+        <p:style>
+          <a:lnRef idx="1">
+            <a:schemeClr val="accent2"/>
+          </a:lnRef>
+          <a:fillRef idx="3">
+            <a:schemeClr val="accent2"/>
+          </a:fillRef>
+          <a:effectRef idx="2">
+            <a:schemeClr val="accent2"/>
+          </a:effectRef>
+          <a:fontRef idx="minor">
+            <a:schemeClr val="lt1"/>
+          </a:fontRef>
+        </p:style>
+        <p:txBody>
+          <a:bodyPr rtlCol="0" anchor="ctr"/>
+          <a:lstStyle/>
+          <a:p>
+            <a:pPr algn="ctr"/>
+            <a:r>
+              <a:rPr lang="zh-CN" altLang="en-US" dirty="0"/>
+              <a:t>时间轴（含调速及暂停）</a:t>
+            </a:r>
+          </a:p>
+        </p:txBody>
+      </p:sp>
+      <p:sp>
+        <p:nvSpPr>
+          <p:cNvPr id="13" name="矩形: 圆角 12">
+            <a:extLst>
+              <a:ext uri="{FF2B5EF4-FFF2-40B4-BE49-F238E27FC236}">
+                <a16:creationId xmlns:a16="http://schemas.microsoft.com/office/drawing/2014/main" id="{F575A0EF-C4AD-4198-92BF-3F8F85F3C2E9}"/>
+              </a:ext>
+            </a:extLst>
+          </p:cNvPr>
+          <p:cNvSpPr/>
+          <p:nvPr/>
+        </p:nvSpPr>
+        <p:spPr>
+          <a:xfrm>
+            <a:off x="4610031" y="29742"/>
+            <a:ext cx="5394321" cy="346513"/>
+          </a:xfrm>
+          <a:prstGeom prst="roundRect">
+            <a:avLst>
+              <a:gd name="adj" fmla="val 26281"/>
+            </a:avLst>
+          </a:prstGeom>
+          <a:ln>
+            <a:noFill/>
+          </a:ln>
+        </p:spPr>
+        <p:style>
+          <a:lnRef idx="1">
+            <a:schemeClr val="accent2"/>
+          </a:lnRef>
+          <a:fillRef idx="3">
+            <a:schemeClr val="accent2"/>
+          </a:fillRef>
+          <a:effectRef idx="2">
+            <a:schemeClr val="accent2"/>
+          </a:effectRef>
+          <a:fontRef idx="minor">
+            <a:schemeClr val="lt1"/>
+          </a:fontRef>
+        </p:style>
+        <p:txBody>
+          <a:bodyPr rtlCol="0" anchor="ctr"/>
+          <a:lstStyle/>
+          <a:p>
+            <a:pPr algn="ctr"/>
+            <a:r>
+              <a:rPr lang="zh-CN" altLang="en-US" dirty="0"/>
+              <a:t>数值栏</a:t>
+            </a:r>
+          </a:p>
+        </p:txBody>
+      </p:sp>
+      <p:sp>
+        <p:nvSpPr>
+          <p:cNvPr id="14" name="矩形: 圆角 13">
+            <a:extLst>
+              <a:ext uri="{FF2B5EF4-FFF2-40B4-BE49-F238E27FC236}">
+                <a16:creationId xmlns:a16="http://schemas.microsoft.com/office/drawing/2014/main" id="{4683ADD9-8A4A-4EAB-ACC8-330BF003441C}"/>
+              </a:ext>
+            </a:extLst>
+          </p:cNvPr>
+          <p:cNvSpPr/>
+          <p:nvPr/>
+        </p:nvSpPr>
+        <p:spPr>
+          <a:xfrm>
+            <a:off x="10048288" y="29742"/>
+            <a:ext cx="1044336" cy="346513"/>
+          </a:xfrm>
+          <a:prstGeom prst="roundRect">
+            <a:avLst>
+              <a:gd name="adj" fmla="val 26281"/>
+            </a:avLst>
+          </a:prstGeom>
+          <a:ln>
+            <a:noFill/>
+          </a:ln>
+        </p:spPr>
+        <p:style>
+          <a:lnRef idx="1">
+            <a:schemeClr val="accent2"/>
+          </a:lnRef>
+          <a:fillRef idx="3">
+            <a:schemeClr val="accent2"/>
+          </a:fillRef>
+          <a:effectRef idx="2">
+            <a:schemeClr val="accent2"/>
+          </a:effectRef>
+          <a:fontRef idx="minor">
+            <a:schemeClr val="lt1"/>
+          </a:fontRef>
+        </p:style>
+        <p:txBody>
+          <a:bodyPr rtlCol="0" anchor="ctr"/>
+          <a:lstStyle/>
+          <a:p>
+            <a:pPr algn="ctr"/>
+            <a:r>
+              <a:rPr lang="zh-CN" altLang="en-US" dirty="0"/>
+              <a:t>人物</a:t>
+            </a:r>
+          </a:p>
+        </p:txBody>
+      </p:sp>
+      <p:sp>
+        <p:nvSpPr>
           <p:cNvPr id="20" name="矩形: 圆角 19">
             <a:extLst>
               <a:ext uri="{FF2B5EF4-FFF2-40B4-BE49-F238E27FC236}">
@@ -5689,6 +5945,1436 @@
             <a:pPr algn="ctr"/>
             <a:r>
               <a:rPr lang="zh-CN" altLang="en-US" dirty="0"/>
+              <a:t>窗口</a:t>
+            </a:r>
+          </a:p>
+        </p:txBody>
+      </p:sp>
+      <p:sp>
+        <p:nvSpPr>
+          <p:cNvPr id="9" name="矩形: 圆角 8">
+            <a:extLst>
+              <a:ext uri="{FF2B5EF4-FFF2-40B4-BE49-F238E27FC236}">
+                <a16:creationId xmlns:a16="http://schemas.microsoft.com/office/drawing/2014/main" id="{024F39A8-3D87-4B13-8DCE-9BC02EA5F23F}"/>
+              </a:ext>
+            </a:extLst>
+          </p:cNvPr>
+          <p:cNvSpPr/>
+          <p:nvPr/>
+        </p:nvSpPr>
+        <p:spPr>
+          <a:xfrm>
+            <a:off x="4079776" y="1628800"/>
+            <a:ext cx="4032448" cy="2370458"/>
+          </a:xfrm>
+          <a:prstGeom prst="roundRect">
+            <a:avLst>
+              <a:gd name="adj" fmla="val 4486"/>
+            </a:avLst>
+          </a:prstGeom>
+          <a:gradFill>
+            <a:gsLst>
+              <a:gs pos="0">
+                <a:schemeClr val="accent2">
+                  <a:satMod val="103000"/>
+                  <a:lumMod val="102000"/>
+                  <a:tint val="94000"/>
+                  <a:alpha val="30000"/>
+                </a:schemeClr>
+              </a:gs>
+              <a:gs pos="50000">
+                <a:schemeClr val="accent2">
+                  <a:satMod val="110000"/>
+                  <a:lumMod val="100000"/>
+                  <a:shade val="100000"/>
+                  <a:alpha val="30000"/>
+                </a:schemeClr>
+              </a:gs>
+              <a:gs pos="100000">
+                <a:schemeClr val="accent2">
+                  <a:lumMod val="99000"/>
+                  <a:satMod val="120000"/>
+                  <a:shade val="78000"/>
+                  <a:alpha val="30000"/>
+                </a:schemeClr>
+              </a:gs>
+            </a:gsLst>
+          </a:gradFill>
+          <a:ln>
+            <a:noFill/>
+          </a:ln>
+        </p:spPr>
+        <p:style>
+          <a:lnRef idx="1">
+            <a:schemeClr val="accent2"/>
+          </a:lnRef>
+          <a:fillRef idx="3">
+            <a:schemeClr val="accent2"/>
+          </a:fillRef>
+          <a:effectRef idx="2">
+            <a:schemeClr val="accent2"/>
+          </a:effectRef>
+          <a:fontRef idx="minor">
+            <a:schemeClr val="lt1"/>
+          </a:fontRef>
+        </p:style>
+        <p:txBody>
+          <a:bodyPr rtlCol="0" anchor="ctr"/>
+          <a:lstStyle/>
+          <a:p>
+            <a:pPr algn="ctr"/>
+            <a:r>
+              <a:rPr lang="zh-CN" altLang="en-US"/>
+              <a:t>存档</a:t>
+            </a:r>
+            <a:r>
+              <a:rPr lang="zh-CN" altLang="en-US" dirty="0"/>
+              <a:t>列表</a:t>
+            </a:r>
+          </a:p>
+        </p:txBody>
+      </p:sp>
+      <p:sp>
+        <p:nvSpPr>
+          <p:cNvPr id="10" name="矩形: 圆角 9">
+            <a:extLst>
+              <a:ext uri="{FF2B5EF4-FFF2-40B4-BE49-F238E27FC236}">
+                <a16:creationId xmlns:a16="http://schemas.microsoft.com/office/drawing/2014/main" id="{5906BF24-105D-4330-A2A2-337A1E63B9B1}"/>
+              </a:ext>
+            </a:extLst>
+          </p:cNvPr>
+          <p:cNvSpPr/>
+          <p:nvPr/>
+        </p:nvSpPr>
+        <p:spPr>
+          <a:xfrm>
+            <a:off x="4079776" y="4149080"/>
+            <a:ext cx="4032448" cy="1080120"/>
+          </a:xfrm>
+          <a:prstGeom prst="roundRect">
+            <a:avLst>
+              <a:gd name="adj" fmla="val 4486"/>
+            </a:avLst>
+          </a:prstGeom>
+          <a:gradFill>
+            <a:gsLst>
+              <a:gs pos="0">
+                <a:schemeClr val="accent2">
+                  <a:satMod val="103000"/>
+                  <a:lumMod val="102000"/>
+                  <a:tint val="94000"/>
+                  <a:alpha val="30000"/>
+                </a:schemeClr>
+              </a:gs>
+              <a:gs pos="50000">
+                <a:schemeClr val="accent2">
+                  <a:satMod val="110000"/>
+                  <a:lumMod val="100000"/>
+                  <a:shade val="100000"/>
+                  <a:alpha val="30000"/>
+                </a:schemeClr>
+              </a:gs>
+              <a:gs pos="100000">
+                <a:schemeClr val="accent2">
+                  <a:lumMod val="99000"/>
+                  <a:satMod val="120000"/>
+                  <a:shade val="78000"/>
+                  <a:alpha val="30000"/>
+                </a:schemeClr>
+              </a:gs>
+            </a:gsLst>
+          </a:gradFill>
+          <a:ln>
+            <a:noFill/>
+          </a:ln>
+        </p:spPr>
+        <p:style>
+          <a:lnRef idx="1">
+            <a:schemeClr val="accent2"/>
+          </a:lnRef>
+          <a:fillRef idx="3">
+            <a:schemeClr val="accent2"/>
+          </a:fillRef>
+          <a:effectRef idx="2">
+            <a:schemeClr val="accent2"/>
+          </a:effectRef>
+          <a:fontRef idx="minor">
+            <a:schemeClr val="lt1"/>
+          </a:fontRef>
+        </p:style>
+        <p:txBody>
+          <a:bodyPr rtlCol="0" anchor="ctr"/>
+          <a:lstStyle/>
+          <a:p>
+            <a:pPr algn="ctr"/>
+            <a:r>
+              <a:rPr lang="zh-CN" altLang="en-US" dirty="0"/>
+              <a:t>版本信息</a:t>
+            </a:r>
+          </a:p>
+        </p:txBody>
+      </p:sp>
+      <p:sp>
+        <p:nvSpPr>
+          <p:cNvPr id="16" name="矩形: 圆角 15">
+            <a:extLst>
+              <a:ext uri="{FF2B5EF4-FFF2-40B4-BE49-F238E27FC236}">
+                <a16:creationId xmlns:a16="http://schemas.microsoft.com/office/drawing/2014/main" id="{BC25857D-13E1-4CE0-8723-4273266E712C}"/>
+              </a:ext>
+            </a:extLst>
+          </p:cNvPr>
+          <p:cNvSpPr/>
+          <p:nvPr/>
+        </p:nvSpPr>
+        <p:spPr>
+          <a:xfrm>
+            <a:off x="6384032" y="5769349"/>
+            <a:ext cx="1044336" cy="350901"/>
+          </a:xfrm>
+          <a:prstGeom prst="roundRect">
+            <a:avLst>
+              <a:gd name="adj" fmla="val 26281"/>
+            </a:avLst>
+          </a:prstGeom>
+          <a:ln>
+            <a:noFill/>
+          </a:ln>
+        </p:spPr>
+        <p:style>
+          <a:lnRef idx="1">
+            <a:schemeClr val="accent2"/>
+          </a:lnRef>
+          <a:fillRef idx="3">
+            <a:schemeClr val="accent2"/>
+          </a:fillRef>
+          <a:effectRef idx="2">
+            <a:schemeClr val="accent2"/>
+          </a:effectRef>
+          <a:fontRef idx="minor">
+            <a:schemeClr val="lt1"/>
+          </a:fontRef>
+        </p:style>
+        <p:txBody>
+          <a:bodyPr rtlCol="0" anchor="ctr"/>
+          <a:lstStyle/>
+          <a:p>
+            <a:pPr algn="ctr"/>
+            <a:r>
+              <a:rPr lang="zh-CN" altLang="en-US" dirty="0"/>
+              <a:t>开始</a:t>
+            </a:r>
+          </a:p>
+        </p:txBody>
+      </p:sp>
+      <p:sp>
+        <p:nvSpPr>
+          <p:cNvPr id="17" name="矩形: 圆角 16">
+            <a:extLst>
+              <a:ext uri="{FF2B5EF4-FFF2-40B4-BE49-F238E27FC236}">
+                <a16:creationId xmlns:a16="http://schemas.microsoft.com/office/drawing/2014/main" id="{D795CB83-333E-4CC5-9C60-E8CCA4117FE4}"/>
+              </a:ext>
+            </a:extLst>
+          </p:cNvPr>
+          <p:cNvSpPr/>
+          <p:nvPr/>
+        </p:nvSpPr>
+        <p:spPr>
+          <a:xfrm>
+            <a:off x="4773793" y="5769349"/>
+            <a:ext cx="1044336" cy="350901"/>
+          </a:xfrm>
+          <a:prstGeom prst="roundRect">
+            <a:avLst>
+              <a:gd name="adj" fmla="val 26281"/>
+            </a:avLst>
+          </a:prstGeom>
+          <a:ln>
+            <a:noFill/>
+          </a:ln>
+        </p:spPr>
+        <p:style>
+          <a:lnRef idx="1">
+            <a:schemeClr val="accent2"/>
+          </a:lnRef>
+          <a:fillRef idx="3">
+            <a:schemeClr val="accent2"/>
+          </a:fillRef>
+          <a:effectRef idx="2">
+            <a:schemeClr val="accent2"/>
+          </a:effectRef>
+          <a:fontRef idx="minor">
+            <a:schemeClr val="lt1"/>
+          </a:fontRef>
+        </p:style>
+        <p:txBody>
+          <a:bodyPr rtlCol="0" anchor="ctr"/>
+          <a:lstStyle/>
+          <a:p>
+            <a:pPr algn="ctr"/>
+            <a:r>
+              <a:rPr lang="zh-CN" altLang="en-US" dirty="0"/>
+              <a:t>取消</a:t>
+            </a:r>
+          </a:p>
+        </p:txBody>
+      </p:sp>
+      <p:sp>
+        <p:nvSpPr>
+          <p:cNvPr id="18" name="矩形: 圆角 17">
+            <a:extLst>
+              <a:ext uri="{FF2B5EF4-FFF2-40B4-BE49-F238E27FC236}">
+                <a16:creationId xmlns:a16="http://schemas.microsoft.com/office/drawing/2014/main" id="{A5801D6B-8208-463E-A71D-B1BEC36F9A21}"/>
+              </a:ext>
+            </a:extLst>
+          </p:cNvPr>
+          <p:cNvSpPr/>
+          <p:nvPr/>
+        </p:nvSpPr>
+        <p:spPr>
+          <a:xfrm>
+            <a:off x="5260153" y="1092813"/>
+            <a:ext cx="1719808" cy="423903"/>
+          </a:xfrm>
+          <a:prstGeom prst="roundRect">
+            <a:avLst>
+              <a:gd name="adj" fmla="val 4486"/>
+            </a:avLst>
+          </a:prstGeom>
+          <a:gradFill>
+            <a:gsLst>
+              <a:gs pos="0">
+                <a:schemeClr val="accent2">
+                  <a:satMod val="103000"/>
+                  <a:lumMod val="102000"/>
+                  <a:tint val="94000"/>
+                  <a:alpha val="30000"/>
+                </a:schemeClr>
+              </a:gs>
+              <a:gs pos="50000">
+                <a:schemeClr val="accent2">
+                  <a:satMod val="110000"/>
+                  <a:lumMod val="100000"/>
+                  <a:shade val="100000"/>
+                  <a:alpha val="30000"/>
+                </a:schemeClr>
+              </a:gs>
+              <a:gs pos="100000">
+                <a:schemeClr val="accent2">
+                  <a:lumMod val="99000"/>
+                  <a:satMod val="120000"/>
+                  <a:shade val="78000"/>
+                  <a:alpha val="30000"/>
+                </a:schemeClr>
+              </a:gs>
+            </a:gsLst>
+          </a:gradFill>
+          <a:ln>
+            <a:noFill/>
+          </a:ln>
+        </p:spPr>
+        <p:style>
+          <a:lnRef idx="1">
+            <a:schemeClr val="accent2"/>
+          </a:lnRef>
+          <a:fillRef idx="3">
+            <a:schemeClr val="accent2"/>
+          </a:fillRef>
+          <a:effectRef idx="2">
+            <a:schemeClr val="accent2"/>
+          </a:effectRef>
+          <a:fontRef idx="minor">
+            <a:schemeClr val="lt1"/>
+          </a:fontRef>
+        </p:style>
+        <p:txBody>
+          <a:bodyPr rtlCol="0" anchor="ctr"/>
+          <a:lstStyle/>
+          <a:p>
+            <a:pPr algn="ctr"/>
+            <a:r>
+              <a:rPr lang="zh-CN" altLang="en-US" dirty="0"/>
+              <a:t>载入存档</a:t>
+            </a:r>
+          </a:p>
+        </p:txBody>
+      </p:sp>
+      <p:sp>
+        <p:nvSpPr>
+          <p:cNvPr id="19" name="矩形: 圆角 18">
+            <a:extLst>
+              <a:ext uri="{FF2B5EF4-FFF2-40B4-BE49-F238E27FC236}">
+                <a16:creationId xmlns:a16="http://schemas.microsoft.com/office/drawing/2014/main" id="{B9A22245-B611-47C2-9E56-97F7A8374D17}"/>
+              </a:ext>
+            </a:extLst>
+          </p:cNvPr>
+          <p:cNvSpPr/>
+          <p:nvPr/>
+        </p:nvSpPr>
+        <p:spPr>
+          <a:xfrm>
+            <a:off x="4079776" y="5323824"/>
+            <a:ext cx="4032448" cy="350901"/>
+          </a:xfrm>
+          <a:prstGeom prst="roundRect">
+            <a:avLst>
+              <a:gd name="adj" fmla="val 4486"/>
+            </a:avLst>
+          </a:prstGeom>
+          <a:gradFill>
+            <a:gsLst>
+              <a:gs pos="0">
+                <a:schemeClr val="accent2">
+                  <a:satMod val="103000"/>
+                  <a:lumMod val="102000"/>
+                  <a:tint val="94000"/>
+                  <a:alpha val="30000"/>
+                </a:schemeClr>
+              </a:gs>
+              <a:gs pos="50000">
+                <a:schemeClr val="accent2">
+                  <a:satMod val="110000"/>
+                  <a:lumMod val="100000"/>
+                  <a:shade val="100000"/>
+                  <a:alpha val="30000"/>
+                </a:schemeClr>
+              </a:gs>
+              <a:gs pos="100000">
+                <a:schemeClr val="accent2">
+                  <a:lumMod val="99000"/>
+                  <a:satMod val="120000"/>
+                  <a:shade val="78000"/>
+                  <a:alpha val="30000"/>
+                </a:schemeClr>
+              </a:gs>
+            </a:gsLst>
+          </a:gradFill>
+          <a:ln>
+            <a:noFill/>
+          </a:ln>
+        </p:spPr>
+        <p:style>
+          <a:lnRef idx="1">
+            <a:schemeClr val="accent2"/>
+          </a:lnRef>
+          <a:fillRef idx="3">
+            <a:schemeClr val="accent2"/>
+          </a:fillRef>
+          <a:effectRef idx="2">
+            <a:schemeClr val="accent2"/>
+          </a:effectRef>
+          <a:fontRef idx="minor">
+            <a:schemeClr val="lt1"/>
+          </a:fontRef>
+        </p:style>
+        <p:txBody>
+          <a:bodyPr rtlCol="0" anchor="ctr"/>
+          <a:lstStyle/>
+          <a:p>
+            <a:pPr algn="ctr"/>
+            <a:r>
+              <a:rPr lang="zh-CN" altLang="en-US" dirty="0"/>
+              <a:t>校验和</a:t>
+            </a:r>
+          </a:p>
+        </p:txBody>
+      </p:sp>
+    </p:spTree>
+    <p:extLst>
+      <p:ext uri="{BB962C8B-B14F-4D97-AF65-F5344CB8AC3E}">
+        <p14:creationId xmlns:p14="http://schemas.microsoft.com/office/powerpoint/2010/main" val="2125729628"/>
+      </p:ext>
+    </p:extLst>
+  </p:cSld>
+  <p:clrMapOvr>
+    <a:masterClrMapping/>
+  </p:clrMapOvr>
+</p:sld>
+</file>
+
+<file path=ppt/slides/slide13.xml><?xml version="1.0" encoding="utf-8"?>
+<p:sld xmlns:a="http://schemas.openxmlformats.org/drawingml/2006/main" xmlns:r="http://schemas.openxmlformats.org/officeDocument/2006/relationships" xmlns:p="http://schemas.openxmlformats.org/presentationml/2006/main">
+  <p:cSld>
+    <p:bg>
+      <p:bgPr>
+        <a:solidFill>
+          <a:schemeClr val="accent2">
+            <a:lumMod val="40000"/>
+            <a:lumOff val="60000"/>
+          </a:schemeClr>
+        </a:solidFill>
+        <a:effectLst/>
+      </p:bgPr>
+    </p:bg>
+    <p:spTree>
+      <p:nvGrpSpPr>
+        <p:cNvPr id="1" name=""/>
+        <p:cNvGrpSpPr/>
+        <p:nvPr/>
+      </p:nvGrpSpPr>
+      <p:grpSpPr>
+        <a:xfrm>
+          <a:off x="0" y="0"/>
+          <a:ext cx="0" cy="0"/>
+          <a:chOff x="0" y="0"/>
+          <a:chExt cx="0" cy="0"/>
+        </a:xfrm>
+      </p:grpSpPr>
+      <p:sp>
+        <p:nvSpPr>
+          <p:cNvPr id="15" name="文本框 14">
+            <a:extLst>
+              <a:ext uri="{FF2B5EF4-FFF2-40B4-BE49-F238E27FC236}">
+                <a16:creationId xmlns:a16="http://schemas.microsoft.com/office/drawing/2014/main" id="{657054E7-180F-4947-985B-B4B1939ED52D}"/>
+              </a:ext>
+            </a:extLst>
+          </p:cNvPr>
+          <p:cNvSpPr txBox="1"/>
+          <p:nvPr/>
+        </p:nvSpPr>
+        <p:spPr>
+          <a:xfrm>
+            <a:off x="3930480" y="3218029"/>
+            <a:ext cx="4331040" cy="1200329"/>
+          </a:xfrm>
+          <a:prstGeom prst="rect">
+            <a:avLst/>
+          </a:prstGeom>
+          <a:noFill/>
+        </p:spPr>
+        <p:txBody>
+          <a:bodyPr wrap="square" rtlCol="0">
+            <a:spAutoFit/>
+          </a:bodyPr>
+          <a:lstStyle/>
+          <a:p>
+            <a:pPr algn="ctr"/>
+            <a:r>
+              <a:rPr lang="zh-CN" altLang="en-US" sz="7200" dirty="0">
+                <a:solidFill>
+                  <a:schemeClr val="bg1">
+                    <a:lumMod val="65000"/>
+                  </a:schemeClr>
+                </a:solidFill>
+              </a:rPr>
+              <a:t>背景</a:t>
+            </a:r>
+          </a:p>
+        </p:txBody>
+      </p:sp>
+      <p:sp>
+        <p:nvSpPr>
+          <p:cNvPr id="3" name="矩形 2">
+            <a:extLst>
+              <a:ext uri="{FF2B5EF4-FFF2-40B4-BE49-F238E27FC236}">
+                <a16:creationId xmlns:a16="http://schemas.microsoft.com/office/drawing/2014/main" id="{B98E0B21-F75E-458F-A0E2-7B09141243AC}"/>
+              </a:ext>
+            </a:extLst>
+          </p:cNvPr>
+          <p:cNvSpPr/>
+          <p:nvPr/>
+        </p:nvSpPr>
+        <p:spPr>
+          <a:xfrm>
+            <a:off x="0" y="0"/>
+            <a:ext cx="12192000" cy="419100"/>
+          </a:xfrm>
+          <a:prstGeom prst="rect">
+            <a:avLst/>
+          </a:prstGeom>
+        </p:spPr>
+        <p:style>
+          <a:lnRef idx="1">
+            <a:schemeClr val="accent4"/>
+          </a:lnRef>
+          <a:fillRef idx="3">
+            <a:schemeClr val="accent4"/>
+          </a:fillRef>
+          <a:effectRef idx="2">
+            <a:schemeClr val="accent4"/>
+          </a:effectRef>
+          <a:fontRef idx="minor">
+            <a:schemeClr val="lt1"/>
+          </a:fontRef>
+        </p:style>
+        <p:txBody>
+          <a:bodyPr rtlCol="0" anchor="ctr"/>
+          <a:lstStyle/>
+          <a:p>
+            <a:pPr algn="ctr"/>
+            <a:endParaRPr lang="zh-CN" altLang="en-US"/>
+          </a:p>
+        </p:txBody>
+      </p:sp>
+      <p:sp>
+        <p:nvSpPr>
+          <p:cNvPr id="6" name="矩形: 圆角 5">
+            <a:extLst>
+              <a:ext uri="{FF2B5EF4-FFF2-40B4-BE49-F238E27FC236}">
+                <a16:creationId xmlns:a16="http://schemas.microsoft.com/office/drawing/2014/main" id="{88AA75E9-C029-4696-981E-71396073A143}"/>
+              </a:ext>
+            </a:extLst>
+          </p:cNvPr>
+          <p:cNvSpPr/>
+          <p:nvPr/>
+        </p:nvSpPr>
+        <p:spPr>
+          <a:xfrm>
+            <a:off x="11120144" y="25354"/>
+            <a:ext cx="1044336" cy="350901"/>
+          </a:xfrm>
+          <a:prstGeom prst="roundRect">
+            <a:avLst>
+              <a:gd name="adj" fmla="val 26281"/>
+            </a:avLst>
+          </a:prstGeom>
+          <a:ln>
+            <a:noFill/>
+          </a:ln>
+        </p:spPr>
+        <p:style>
+          <a:lnRef idx="1">
+            <a:schemeClr val="accent2"/>
+          </a:lnRef>
+          <a:fillRef idx="3">
+            <a:schemeClr val="accent2"/>
+          </a:fillRef>
+          <a:effectRef idx="2">
+            <a:schemeClr val="accent2"/>
+          </a:effectRef>
+          <a:fontRef idx="minor">
+            <a:schemeClr val="lt1"/>
+          </a:fontRef>
+        </p:style>
+        <p:txBody>
+          <a:bodyPr rtlCol="0" anchor="ctr"/>
+          <a:lstStyle/>
+          <a:p>
+            <a:pPr algn="ctr"/>
+            <a:r>
+              <a:rPr lang="zh-CN" altLang="en-US" dirty="0"/>
+              <a:t>菜单</a:t>
+            </a:r>
+          </a:p>
+        </p:txBody>
+      </p:sp>
+      <p:sp>
+        <p:nvSpPr>
+          <p:cNvPr id="12" name="矩形: 圆角 11">
+            <a:extLst>
+              <a:ext uri="{FF2B5EF4-FFF2-40B4-BE49-F238E27FC236}">
+                <a16:creationId xmlns:a16="http://schemas.microsoft.com/office/drawing/2014/main" id="{55C2C92D-DFF2-4B93-B359-78055FA76B45}"/>
+              </a:ext>
+            </a:extLst>
+          </p:cNvPr>
+          <p:cNvSpPr/>
+          <p:nvPr/>
+        </p:nvSpPr>
+        <p:spPr>
+          <a:xfrm>
+            <a:off x="119336" y="29742"/>
+            <a:ext cx="4464496" cy="357160"/>
+          </a:xfrm>
+          <a:prstGeom prst="roundRect">
+            <a:avLst>
+              <a:gd name="adj" fmla="val 26281"/>
+            </a:avLst>
+          </a:prstGeom>
+          <a:ln>
+            <a:noFill/>
+          </a:ln>
+        </p:spPr>
+        <p:style>
+          <a:lnRef idx="1">
+            <a:schemeClr val="accent2"/>
+          </a:lnRef>
+          <a:fillRef idx="3">
+            <a:schemeClr val="accent2"/>
+          </a:fillRef>
+          <a:effectRef idx="2">
+            <a:schemeClr val="accent2"/>
+          </a:effectRef>
+          <a:fontRef idx="minor">
+            <a:schemeClr val="lt1"/>
+          </a:fontRef>
+        </p:style>
+        <p:txBody>
+          <a:bodyPr rtlCol="0" anchor="ctr"/>
+          <a:lstStyle/>
+          <a:p>
+            <a:pPr algn="ctr"/>
+            <a:r>
+              <a:rPr lang="zh-CN" altLang="en-US" dirty="0"/>
+              <a:t>时间轴（含调速及暂停）</a:t>
+            </a:r>
+          </a:p>
+        </p:txBody>
+      </p:sp>
+      <p:sp>
+        <p:nvSpPr>
+          <p:cNvPr id="13" name="矩形: 圆角 12">
+            <a:extLst>
+              <a:ext uri="{FF2B5EF4-FFF2-40B4-BE49-F238E27FC236}">
+                <a16:creationId xmlns:a16="http://schemas.microsoft.com/office/drawing/2014/main" id="{F575A0EF-C4AD-4198-92BF-3F8F85F3C2E9}"/>
+              </a:ext>
+            </a:extLst>
+          </p:cNvPr>
+          <p:cNvSpPr/>
+          <p:nvPr/>
+        </p:nvSpPr>
+        <p:spPr>
+          <a:xfrm>
+            <a:off x="4610031" y="29742"/>
+            <a:ext cx="5394321" cy="346513"/>
+          </a:xfrm>
+          <a:prstGeom prst="roundRect">
+            <a:avLst>
+              <a:gd name="adj" fmla="val 26281"/>
+            </a:avLst>
+          </a:prstGeom>
+          <a:ln>
+            <a:noFill/>
+          </a:ln>
+        </p:spPr>
+        <p:style>
+          <a:lnRef idx="1">
+            <a:schemeClr val="accent2"/>
+          </a:lnRef>
+          <a:fillRef idx="3">
+            <a:schemeClr val="accent2"/>
+          </a:fillRef>
+          <a:effectRef idx="2">
+            <a:schemeClr val="accent2"/>
+          </a:effectRef>
+          <a:fontRef idx="minor">
+            <a:schemeClr val="lt1"/>
+          </a:fontRef>
+        </p:style>
+        <p:txBody>
+          <a:bodyPr rtlCol="0" anchor="ctr"/>
+          <a:lstStyle/>
+          <a:p>
+            <a:pPr algn="ctr"/>
+            <a:r>
+              <a:rPr lang="zh-CN" altLang="en-US" dirty="0"/>
+              <a:t>数值栏</a:t>
+            </a:r>
+          </a:p>
+        </p:txBody>
+      </p:sp>
+      <p:sp>
+        <p:nvSpPr>
+          <p:cNvPr id="14" name="矩形: 圆角 13">
+            <a:extLst>
+              <a:ext uri="{FF2B5EF4-FFF2-40B4-BE49-F238E27FC236}">
+                <a16:creationId xmlns:a16="http://schemas.microsoft.com/office/drawing/2014/main" id="{4683ADD9-8A4A-4EAB-ACC8-330BF003441C}"/>
+              </a:ext>
+            </a:extLst>
+          </p:cNvPr>
+          <p:cNvSpPr/>
+          <p:nvPr/>
+        </p:nvSpPr>
+        <p:spPr>
+          <a:xfrm>
+            <a:off x="10048288" y="29742"/>
+            <a:ext cx="1044336" cy="346513"/>
+          </a:xfrm>
+          <a:prstGeom prst="roundRect">
+            <a:avLst>
+              <a:gd name="adj" fmla="val 26281"/>
+            </a:avLst>
+          </a:prstGeom>
+          <a:ln>
+            <a:noFill/>
+          </a:ln>
+        </p:spPr>
+        <p:style>
+          <a:lnRef idx="1">
+            <a:schemeClr val="accent2"/>
+          </a:lnRef>
+          <a:fillRef idx="3">
+            <a:schemeClr val="accent2"/>
+          </a:fillRef>
+          <a:effectRef idx="2">
+            <a:schemeClr val="accent2"/>
+          </a:effectRef>
+          <a:fontRef idx="minor">
+            <a:schemeClr val="lt1"/>
+          </a:fontRef>
+        </p:style>
+        <p:txBody>
+          <a:bodyPr rtlCol="0" anchor="ctr"/>
+          <a:lstStyle/>
+          <a:p>
+            <a:pPr algn="ctr"/>
+            <a:r>
+              <a:rPr lang="zh-CN" altLang="en-US" dirty="0"/>
+              <a:t>人物</a:t>
+            </a:r>
+          </a:p>
+        </p:txBody>
+      </p:sp>
+      <p:sp>
+        <p:nvSpPr>
+          <p:cNvPr id="20" name="矩形: 圆角 19">
+            <a:extLst>
+              <a:ext uri="{FF2B5EF4-FFF2-40B4-BE49-F238E27FC236}">
+                <a16:creationId xmlns:a16="http://schemas.microsoft.com/office/drawing/2014/main" id="{02D08665-04D6-4F99-B914-615DCD2EEBDE}"/>
+              </a:ext>
+            </a:extLst>
+          </p:cNvPr>
+          <p:cNvSpPr/>
+          <p:nvPr/>
+        </p:nvSpPr>
+        <p:spPr>
+          <a:xfrm>
+            <a:off x="3930480" y="1399828"/>
+            <a:ext cx="4331040" cy="4104456"/>
+          </a:xfrm>
+          <a:prstGeom prst="roundRect">
+            <a:avLst>
+              <a:gd name="adj" fmla="val 4486"/>
+            </a:avLst>
+          </a:prstGeom>
+          <a:gradFill>
+            <a:gsLst>
+              <a:gs pos="0">
+                <a:schemeClr val="accent2">
+                  <a:satMod val="103000"/>
+                  <a:lumMod val="102000"/>
+                  <a:tint val="94000"/>
+                  <a:alpha val="30000"/>
+                </a:schemeClr>
+              </a:gs>
+              <a:gs pos="50000">
+                <a:schemeClr val="accent2">
+                  <a:satMod val="110000"/>
+                  <a:lumMod val="100000"/>
+                  <a:shade val="100000"/>
+                  <a:alpha val="30000"/>
+                </a:schemeClr>
+              </a:gs>
+              <a:gs pos="100000">
+                <a:schemeClr val="accent2">
+                  <a:lumMod val="99000"/>
+                  <a:satMod val="120000"/>
+                  <a:shade val="78000"/>
+                  <a:alpha val="30000"/>
+                </a:schemeClr>
+              </a:gs>
+            </a:gsLst>
+          </a:gradFill>
+          <a:ln>
+            <a:noFill/>
+          </a:ln>
+        </p:spPr>
+        <p:style>
+          <a:lnRef idx="1">
+            <a:schemeClr val="accent2"/>
+          </a:lnRef>
+          <a:fillRef idx="3">
+            <a:schemeClr val="accent2"/>
+          </a:fillRef>
+          <a:effectRef idx="2">
+            <a:schemeClr val="accent2"/>
+          </a:effectRef>
+          <a:fontRef idx="minor">
+            <a:schemeClr val="lt1"/>
+          </a:fontRef>
+        </p:style>
+        <p:txBody>
+          <a:bodyPr rtlCol="0" anchor="ctr"/>
+          <a:lstStyle/>
+          <a:p>
+            <a:pPr algn="ctr"/>
+            <a:r>
+              <a:rPr lang="zh-CN" altLang="en-US" dirty="0"/>
+              <a:t>窗口</a:t>
+            </a:r>
+          </a:p>
+        </p:txBody>
+      </p:sp>
+      <p:sp>
+        <p:nvSpPr>
+          <p:cNvPr id="9" name="矩形: 圆角 8">
+            <a:extLst>
+              <a:ext uri="{FF2B5EF4-FFF2-40B4-BE49-F238E27FC236}">
+                <a16:creationId xmlns:a16="http://schemas.microsoft.com/office/drawing/2014/main" id="{024F39A8-3D87-4B13-8DCE-9BC02EA5F23F}"/>
+              </a:ext>
+            </a:extLst>
+          </p:cNvPr>
+          <p:cNvSpPr/>
+          <p:nvPr/>
+        </p:nvSpPr>
+        <p:spPr>
+          <a:xfrm>
+            <a:off x="4079776" y="2047900"/>
+            <a:ext cx="4032448" cy="2370458"/>
+          </a:xfrm>
+          <a:prstGeom prst="roundRect">
+            <a:avLst>
+              <a:gd name="adj" fmla="val 4486"/>
+            </a:avLst>
+          </a:prstGeom>
+          <a:gradFill>
+            <a:gsLst>
+              <a:gs pos="0">
+                <a:schemeClr val="accent2">
+                  <a:satMod val="103000"/>
+                  <a:lumMod val="102000"/>
+                  <a:tint val="94000"/>
+                  <a:alpha val="30000"/>
+                </a:schemeClr>
+              </a:gs>
+              <a:gs pos="50000">
+                <a:schemeClr val="accent2">
+                  <a:satMod val="110000"/>
+                  <a:lumMod val="100000"/>
+                  <a:shade val="100000"/>
+                  <a:alpha val="30000"/>
+                </a:schemeClr>
+              </a:gs>
+              <a:gs pos="100000">
+                <a:schemeClr val="accent2">
+                  <a:lumMod val="99000"/>
+                  <a:satMod val="120000"/>
+                  <a:shade val="78000"/>
+                  <a:alpha val="30000"/>
+                </a:schemeClr>
+              </a:gs>
+            </a:gsLst>
+          </a:gradFill>
+          <a:ln>
+            <a:noFill/>
+          </a:ln>
+        </p:spPr>
+        <p:style>
+          <a:lnRef idx="1">
+            <a:schemeClr val="accent2"/>
+          </a:lnRef>
+          <a:fillRef idx="3">
+            <a:schemeClr val="accent2"/>
+          </a:fillRef>
+          <a:effectRef idx="2">
+            <a:schemeClr val="accent2"/>
+          </a:effectRef>
+          <a:fontRef idx="minor">
+            <a:schemeClr val="lt1"/>
+          </a:fontRef>
+        </p:style>
+        <p:txBody>
+          <a:bodyPr rtlCol="0" anchor="ctr"/>
+          <a:lstStyle/>
+          <a:p>
+            <a:pPr algn="ctr"/>
+            <a:r>
+              <a:rPr lang="zh-CN" altLang="en-US" dirty="0"/>
+              <a:t>已有的存档列表</a:t>
+            </a:r>
+          </a:p>
+        </p:txBody>
+      </p:sp>
+      <p:sp>
+        <p:nvSpPr>
+          <p:cNvPr id="10" name="矩形: 圆角 9">
+            <a:extLst>
+              <a:ext uri="{FF2B5EF4-FFF2-40B4-BE49-F238E27FC236}">
+                <a16:creationId xmlns:a16="http://schemas.microsoft.com/office/drawing/2014/main" id="{5906BF24-105D-4330-A2A2-337A1E63B9B1}"/>
+              </a:ext>
+            </a:extLst>
+          </p:cNvPr>
+          <p:cNvSpPr/>
+          <p:nvPr/>
+        </p:nvSpPr>
+        <p:spPr>
+          <a:xfrm>
+            <a:off x="4923089" y="4568180"/>
+            <a:ext cx="3189134" cy="411806"/>
+          </a:xfrm>
+          <a:prstGeom prst="roundRect">
+            <a:avLst>
+              <a:gd name="adj" fmla="val 4486"/>
+            </a:avLst>
+          </a:prstGeom>
+          <a:gradFill>
+            <a:gsLst>
+              <a:gs pos="0">
+                <a:schemeClr val="accent2">
+                  <a:satMod val="103000"/>
+                  <a:lumMod val="102000"/>
+                  <a:tint val="94000"/>
+                  <a:alpha val="30000"/>
+                </a:schemeClr>
+              </a:gs>
+              <a:gs pos="50000">
+                <a:schemeClr val="accent2">
+                  <a:satMod val="110000"/>
+                  <a:lumMod val="100000"/>
+                  <a:shade val="100000"/>
+                  <a:alpha val="30000"/>
+                </a:schemeClr>
+              </a:gs>
+              <a:gs pos="100000">
+                <a:schemeClr val="accent2">
+                  <a:lumMod val="99000"/>
+                  <a:satMod val="120000"/>
+                  <a:shade val="78000"/>
+                  <a:alpha val="30000"/>
+                </a:schemeClr>
+              </a:gs>
+            </a:gsLst>
+          </a:gradFill>
+          <a:ln>
+            <a:noFill/>
+          </a:ln>
+        </p:spPr>
+        <p:style>
+          <a:lnRef idx="1">
+            <a:schemeClr val="accent2"/>
+          </a:lnRef>
+          <a:fillRef idx="3">
+            <a:schemeClr val="accent2"/>
+          </a:fillRef>
+          <a:effectRef idx="2">
+            <a:schemeClr val="accent2"/>
+          </a:effectRef>
+          <a:fontRef idx="minor">
+            <a:schemeClr val="lt1"/>
+          </a:fontRef>
+        </p:style>
+        <p:txBody>
+          <a:bodyPr rtlCol="0" anchor="ctr"/>
+          <a:lstStyle/>
+          <a:p>
+            <a:pPr algn="ctr"/>
+            <a:r>
+              <a:rPr lang="zh-CN" altLang="en-US" dirty="0"/>
+              <a:t>存档名</a:t>
+            </a:r>
+          </a:p>
+        </p:txBody>
+      </p:sp>
+      <p:sp>
+        <p:nvSpPr>
+          <p:cNvPr id="16" name="矩形: 圆角 15">
+            <a:extLst>
+              <a:ext uri="{FF2B5EF4-FFF2-40B4-BE49-F238E27FC236}">
+                <a16:creationId xmlns:a16="http://schemas.microsoft.com/office/drawing/2014/main" id="{BC25857D-13E1-4CE0-8723-4273266E712C}"/>
+              </a:ext>
+            </a:extLst>
+          </p:cNvPr>
+          <p:cNvSpPr/>
+          <p:nvPr/>
+        </p:nvSpPr>
+        <p:spPr>
+          <a:xfrm>
+            <a:off x="6384032" y="5066430"/>
+            <a:ext cx="1044336" cy="350901"/>
+          </a:xfrm>
+          <a:prstGeom prst="roundRect">
+            <a:avLst>
+              <a:gd name="adj" fmla="val 26281"/>
+            </a:avLst>
+          </a:prstGeom>
+          <a:ln>
+            <a:noFill/>
+          </a:ln>
+        </p:spPr>
+        <p:style>
+          <a:lnRef idx="1">
+            <a:schemeClr val="accent2"/>
+          </a:lnRef>
+          <a:fillRef idx="3">
+            <a:schemeClr val="accent2"/>
+          </a:fillRef>
+          <a:effectRef idx="2">
+            <a:schemeClr val="accent2"/>
+          </a:effectRef>
+          <a:fontRef idx="minor">
+            <a:schemeClr val="lt1"/>
+          </a:fontRef>
+        </p:style>
+        <p:txBody>
+          <a:bodyPr rtlCol="0" anchor="ctr"/>
+          <a:lstStyle/>
+          <a:p>
+            <a:pPr algn="ctr"/>
+            <a:r>
+              <a:rPr lang="zh-CN" altLang="en-US" dirty="0"/>
+              <a:t>保存</a:t>
+            </a:r>
+          </a:p>
+        </p:txBody>
+      </p:sp>
+      <p:sp>
+        <p:nvSpPr>
+          <p:cNvPr id="17" name="矩形: 圆角 16">
+            <a:extLst>
+              <a:ext uri="{FF2B5EF4-FFF2-40B4-BE49-F238E27FC236}">
+                <a16:creationId xmlns:a16="http://schemas.microsoft.com/office/drawing/2014/main" id="{D795CB83-333E-4CC5-9C60-E8CCA4117FE4}"/>
+              </a:ext>
+            </a:extLst>
+          </p:cNvPr>
+          <p:cNvSpPr/>
+          <p:nvPr/>
+        </p:nvSpPr>
+        <p:spPr>
+          <a:xfrm>
+            <a:off x="4773793" y="5066430"/>
+            <a:ext cx="1044336" cy="350901"/>
+          </a:xfrm>
+          <a:prstGeom prst="roundRect">
+            <a:avLst>
+              <a:gd name="adj" fmla="val 26281"/>
+            </a:avLst>
+          </a:prstGeom>
+          <a:ln>
+            <a:noFill/>
+          </a:ln>
+        </p:spPr>
+        <p:style>
+          <a:lnRef idx="1">
+            <a:schemeClr val="accent2"/>
+          </a:lnRef>
+          <a:fillRef idx="3">
+            <a:schemeClr val="accent2"/>
+          </a:fillRef>
+          <a:effectRef idx="2">
+            <a:schemeClr val="accent2"/>
+          </a:effectRef>
+          <a:fontRef idx="minor">
+            <a:schemeClr val="lt1"/>
+          </a:fontRef>
+        </p:style>
+        <p:txBody>
+          <a:bodyPr rtlCol="0" anchor="ctr"/>
+          <a:lstStyle/>
+          <a:p>
+            <a:pPr algn="ctr"/>
+            <a:r>
+              <a:rPr lang="zh-CN" altLang="en-US" dirty="0"/>
+              <a:t>取消</a:t>
+            </a:r>
+          </a:p>
+        </p:txBody>
+      </p:sp>
+      <p:sp>
+        <p:nvSpPr>
+          <p:cNvPr id="18" name="矩形: 圆角 17">
+            <a:extLst>
+              <a:ext uri="{FF2B5EF4-FFF2-40B4-BE49-F238E27FC236}">
+                <a16:creationId xmlns:a16="http://schemas.microsoft.com/office/drawing/2014/main" id="{A5801D6B-8208-463E-A71D-B1BEC36F9A21}"/>
+              </a:ext>
+            </a:extLst>
+          </p:cNvPr>
+          <p:cNvSpPr/>
+          <p:nvPr/>
+        </p:nvSpPr>
+        <p:spPr>
+          <a:xfrm>
+            <a:off x="5260153" y="1511913"/>
+            <a:ext cx="1719808" cy="423903"/>
+          </a:xfrm>
+          <a:prstGeom prst="roundRect">
+            <a:avLst>
+              <a:gd name="adj" fmla="val 4486"/>
+            </a:avLst>
+          </a:prstGeom>
+          <a:gradFill>
+            <a:gsLst>
+              <a:gs pos="0">
+                <a:schemeClr val="accent2">
+                  <a:satMod val="103000"/>
+                  <a:lumMod val="102000"/>
+                  <a:tint val="94000"/>
+                  <a:alpha val="30000"/>
+                </a:schemeClr>
+              </a:gs>
+              <a:gs pos="50000">
+                <a:schemeClr val="accent2">
+                  <a:satMod val="110000"/>
+                  <a:lumMod val="100000"/>
+                  <a:shade val="100000"/>
+                  <a:alpha val="30000"/>
+                </a:schemeClr>
+              </a:gs>
+              <a:gs pos="100000">
+                <a:schemeClr val="accent2">
+                  <a:lumMod val="99000"/>
+                  <a:satMod val="120000"/>
+                  <a:shade val="78000"/>
+                  <a:alpha val="30000"/>
+                </a:schemeClr>
+              </a:gs>
+            </a:gsLst>
+          </a:gradFill>
+          <a:ln>
+            <a:noFill/>
+          </a:ln>
+        </p:spPr>
+        <p:style>
+          <a:lnRef idx="1">
+            <a:schemeClr val="accent2"/>
+          </a:lnRef>
+          <a:fillRef idx="3">
+            <a:schemeClr val="accent2"/>
+          </a:fillRef>
+          <a:effectRef idx="2">
+            <a:schemeClr val="accent2"/>
+          </a:effectRef>
+          <a:fontRef idx="minor">
+            <a:schemeClr val="lt1"/>
+          </a:fontRef>
+        </p:style>
+        <p:txBody>
+          <a:bodyPr rtlCol="0" anchor="ctr"/>
+          <a:lstStyle/>
+          <a:p>
+            <a:pPr algn="ctr"/>
+            <a:r>
+              <a:rPr lang="zh-CN" altLang="en-US" dirty="0"/>
+              <a:t>存档</a:t>
+            </a:r>
+          </a:p>
+        </p:txBody>
+      </p:sp>
+      <p:sp>
+        <p:nvSpPr>
+          <p:cNvPr id="19" name="矩形: 圆角 18">
+            <a:extLst>
+              <a:ext uri="{FF2B5EF4-FFF2-40B4-BE49-F238E27FC236}">
+                <a16:creationId xmlns:a16="http://schemas.microsoft.com/office/drawing/2014/main" id="{5739257B-6C40-45F6-92F2-7CAE20E90949}"/>
+              </a:ext>
+            </a:extLst>
+          </p:cNvPr>
+          <p:cNvSpPr/>
+          <p:nvPr/>
+        </p:nvSpPr>
+        <p:spPr>
+          <a:xfrm>
+            <a:off x="4079776" y="4568180"/>
+            <a:ext cx="792088" cy="411806"/>
+          </a:xfrm>
+          <a:prstGeom prst="roundRect">
+            <a:avLst>
+              <a:gd name="adj" fmla="val 4486"/>
+            </a:avLst>
+          </a:prstGeom>
+          <a:gradFill>
+            <a:gsLst>
+              <a:gs pos="0">
+                <a:schemeClr val="accent2">
+                  <a:satMod val="103000"/>
+                  <a:lumMod val="102000"/>
+                  <a:tint val="94000"/>
+                  <a:alpha val="30000"/>
+                </a:schemeClr>
+              </a:gs>
+              <a:gs pos="50000">
+                <a:schemeClr val="accent2">
+                  <a:satMod val="110000"/>
+                  <a:lumMod val="100000"/>
+                  <a:shade val="100000"/>
+                  <a:alpha val="30000"/>
+                </a:schemeClr>
+              </a:gs>
+              <a:gs pos="100000">
+                <a:schemeClr val="accent2">
+                  <a:lumMod val="99000"/>
+                  <a:satMod val="120000"/>
+                  <a:shade val="78000"/>
+                  <a:alpha val="30000"/>
+                </a:schemeClr>
+              </a:gs>
+            </a:gsLst>
+          </a:gradFill>
+          <a:ln>
+            <a:noFill/>
+          </a:ln>
+        </p:spPr>
+        <p:style>
+          <a:lnRef idx="1">
+            <a:schemeClr val="accent2"/>
+          </a:lnRef>
+          <a:fillRef idx="3">
+            <a:schemeClr val="accent2"/>
+          </a:fillRef>
+          <a:effectRef idx="2">
+            <a:schemeClr val="accent2"/>
+          </a:effectRef>
+          <a:fontRef idx="minor">
+            <a:schemeClr val="lt1"/>
+          </a:fontRef>
+        </p:style>
+        <p:txBody>
+          <a:bodyPr rtlCol="0" anchor="ctr"/>
+          <a:lstStyle/>
+          <a:p>
+            <a:pPr algn="ctr"/>
+            <a:r>
+              <a:rPr lang="zh-CN" altLang="en-US" dirty="0"/>
+              <a:t>名称</a:t>
+            </a:r>
+          </a:p>
+        </p:txBody>
+      </p:sp>
+    </p:spTree>
+    <p:extLst>
+      <p:ext uri="{BB962C8B-B14F-4D97-AF65-F5344CB8AC3E}">
+        <p14:creationId xmlns:p14="http://schemas.microsoft.com/office/powerpoint/2010/main" val="1683468873"/>
+      </p:ext>
+    </p:extLst>
+  </p:cSld>
+  <p:clrMapOvr>
+    <a:masterClrMapping/>
+  </p:clrMapOvr>
+</p:sld>
+</file>
+
+<file path=ppt/slides/slide14.xml><?xml version="1.0" encoding="utf-8"?>
+<p:sld xmlns:a="http://schemas.openxmlformats.org/drawingml/2006/main" xmlns:r="http://schemas.openxmlformats.org/officeDocument/2006/relationships" xmlns:p="http://schemas.openxmlformats.org/presentationml/2006/main">
+  <p:cSld>
+    <p:bg>
+      <p:bgPr>
+        <a:solidFill>
+          <a:schemeClr val="accent2">
+            <a:lumMod val="40000"/>
+            <a:lumOff val="60000"/>
+          </a:schemeClr>
+        </a:solidFill>
+        <a:effectLst/>
+      </p:bgPr>
+    </p:bg>
+    <p:spTree>
+      <p:nvGrpSpPr>
+        <p:cNvPr id="1" name=""/>
+        <p:cNvGrpSpPr/>
+        <p:nvPr/>
+      </p:nvGrpSpPr>
+      <p:grpSpPr>
+        <a:xfrm>
+          <a:off x="0" y="0"/>
+          <a:ext cx="0" cy="0"/>
+          <a:chOff x="0" y="0"/>
+          <a:chExt cx="0" cy="0"/>
+        </a:xfrm>
+      </p:grpSpPr>
+      <p:sp>
+        <p:nvSpPr>
+          <p:cNvPr id="15" name="文本框 14">
+            <a:extLst>
+              <a:ext uri="{FF2B5EF4-FFF2-40B4-BE49-F238E27FC236}">
+                <a16:creationId xmlns:a16="http://schemas.microsoft.com/office/drawing/2014/main" id="{657054E7-180F-4947-985B-B4B1939ED52D}"/>
+              </a:ext>
+            </a:extLst>
+          </p:cNvPr>
+          <p:cNvSpPr txBox="1"/>
+          <p:nvPr/>
+        </p:nvSpPr>
+        <p:spPr>
+          <a:xfrm>
+            <a:off x="3930480" y="2798929"/>
+            <a:ext cx="4331040" cy="1200329"/>
+          </a:xfrm>
+          <a:prstGeom prst="rect">
+            <a:avLst/>
+          </a:prstGeom>
+          <a:noFill/>
+        </p:spPr>
+        <p:txBody>
+          <a:bodyPr wrap="square" rtlCol="0">
+            <a:spAutoFit/>
+          </a:bodyPr>
+          <a:lstStyle/>
+          <a:p>
+            <a:pPr algn="ctr"/>
+            <a:r>
+              <a:rPr lang="zh-CN" altLang="en-US" sz="7200" dirty="0">
+                <a:solidFill>
+                  <a:schemeClr val="bg1">
+                    <a:lumMod val="65000"/>
+                  </a:schemeClr>
+                </a:solidFill>
+              </a:rPr>
+              <a:t>背景</a:t>
+            </a:r>
+          </a:p>
+        </p:txBody>
+      </p:sp>
+      <p:sp>
+        <p:nvSpPr>
+          <p:cNvPr id="20" name="矩形: 圆角 19">
+            <a:extLst>
+              <a:ext uri="{FF2B5EF4-FFF2-40B4-BE49-F238E27FC236}">
+                <a16:creationId xmlns:a16="http://schemas.microsoft.com/office/drawing/2014/main" id="{02D08665-04D6-4F99-B914-615DCD2EEBDE}"/>
+              </a:ext>
+            </a:extLst>
+          </p:cNvPr>
+          <p:cNvSpPr/>
+          <p:nvPr/>
+        </p:nvSpPr>
+        <p:spPr>
+          <a:xfrm>
+            <a:off x="3930480" y="980728"/>
+            <a:ext cx="4331040" cy="5328592"/>
+          </a:xfrm>
+          <a:prstGeom prst="roundRect">
+            <a:avLst>
+              <a:gd name="adj" fmla="val 4486"/>
+            </a:avLst>
+          </a:prstGeom>
+          <a:gradFill>
+            <a:gsLst>
+              <a:gs pos="0">
+                <a:schemeClr val="accent2">
+                  <a:satMod val="103000"/>
+                  <a:lumMod val="102000"/>
+                  <a:tint val="94000"/>
+                  <a:alpha val="30000"/>
+                </a:schemeClr>
+              </a:gs>
+              <a:gs pos="50000">
+                <a:schemeClr val="accent2">
+                  <a:satMod val="110000"/>
+                  <a:lumMod val="100000"/>
+                  <a:shade val="100000"/>
+                  <a:alpha val="30000"/>
+                </a:schemeClr>
+              </a:gs>
+              <a:gs pos="100000">
+                <a:schemeClr val="accent2">
+                  <a:lumMod val="99000"/>
+                  <a:satMod val="120000"/>
+                  <a:shade val="78000"/>
+                  <a:alpha val="30000"/>
+                </a:schemeClr>
+              </a:gs>
+            </a:gsLst>
+          </a:gradFill>
+          <a:ln>
+            <a:noFill/>
+          </a:ln>
+        </p:spPr>
+        <p:style>
+          <a:lnRef idx="1">
+            <a:schemeClr val="accent2"/>
+          </a:lnRef>
+          <a:fillRef idx="3">
+            <a:schemeClr val="accent2"/>
+          </a:fillRef>
+          <a:effectRef idx="2">
+            <a:schemeClr val="accent2"/>
+          </a:effectRef>
+          <a:fontRef idx="minor">
+            <a:schemeClr val="lt1"/>
+          </a:fontRef>
+        </p:style>
+        <p:txBody>
+          <a:bodyPr rtlCol="0" anchor="ctr"/>
+          <a:lstStyle/>
+          <a:p>
+            <a:pPr algn="ctr"/>
+            <a:r>
+              <a:rPr lang="zh-CN" altLang="en-US" dirty="0"/>
               <a:t>设置</a:t>
             </a:r>
           </a:p>
@@ -6139,7 +7825,1518 @@
 </p:sld>
 </file>
 
-<file path=ppt/slides/slide13.xml><?xml version="1.0" encoding="utf-8"?>
+<file path=ppt/slides/slide15.xml><?xml version="1.0" encoding="utf-8"?>
+<p:sld xmlns:a="http://schemas.openxmlformats.org/drawingml/2006/main" xmlns:r="http://schemas.openxmlformats.org/officeDocument/2006/relationships" xmlns:p="http://schemas.openxmlformats.org/presentationml/2006/main">
+  <p:cSld>
+    <p:bg>
+      <p:bgPr>
+        <a:solidFill>
+          <a:schemeClr val="accent2">
+            <a:lumMod val="40000"/>
+            <a:lumOff val="60000"/>
+          </a:schemeClr>
+        </a:solidFill>
+        <a:effectLst/>
+      </p:bgPr>
+    </p:bg>
+    <p:spTree>
+      <p:nvGrpSpPr>
+        <p:cNvPr id="1" name=""/>
+        <p:cNvGrpSpPr/>
+        <p:nvPr/>
+      </p:nvGrpSpPr>
+      <p:grpSpPr>
+        <a:xfrm>
+          <a:off x="0" y="0"/>
+          <a:ext cx="0" cy="0"/>
+          <a:chOff x="0" y="0"/>
+          <a:chExt cx="0" cy="0"/>
+        </a:xfrm>
+      </p:grpSpPr>
+      <p:sp>
+        <p:nvSpPr>
+          <p:cNvPr id="15" name="文本框 14">
+            <a:extLst>
+              <a:ext uri="{FF2B5EF4-FFF2-40B4-BE49-F238E27FC236}">
+                <a16:creationId xmlns:a16="http://schemas.microsoft.com/office/drawing/2014/main" id="{657054E7-180F-4947-985B-B4B1939ED52D}"/>
+              </a:ext>
+            </a:extLst>
+          </p:cNvPr>
+          <p:cNvSpPr txBox="1"/>
+          <p:nvPr/>
+        </p:nvSpPr>
+        <p:spPr>
+          <a:xfrm>
+            <a:off x="3930480" y="2798929"/>
+            <a:ext cx="4331040" cy="1200329"/>
+          </a:xfrm>
+          <a:prstGeom prst="rect">
+            <a:avLst/>
+          </a:prstGeom>
+          <a:noFill/>
+        </p:spPr>
+        <p:txBody>
+          <a:bodyPr wrap="square" rtlCol="0">
+            <a:spAutoFit/>
+          </a:bodyPr>
+          <a:lstStyle/>
+          <a:p>
+            <a:pPr algn="ctr"/>
+            <a:r>
+              <a:rPr lang="zh-CN" altLang="en-US" sz="7200" dirty="0">
+                <a:solidFill>
+                  <a:schemeClr val="bg1">
+                    <a:lumMod val="65000"/>
+                  </a:schemeClr>
+                </a:solidFill>
+              </a:rPr>
+              <a:t>背景</a:t>
+            </a:r>
+          </a:p>
+        </p:txBody>
+      </p:sp>
+      <p:sp>
+        <p:nvSpPr>
+          <p:cNvPr id="20" name="矩形: 圆角 19">
+            <a:extLst>
+              <a:ext uri="{FF2B5EF4-FFF2-40B4-BE49-F238E27FC236}">
+                <a16:creationId xmlns:a16="http://schemas.microsoft.com/office/drawing/2014/main" id="{02D08665-04D6-4F99-B914-615DCD2EEBDE}"/>
+              </a:ext>
+            </a:extLst>
+          </p:cNvPr>
+          <p:cNvSpPr/>
+          <p:nvPr/>
+        </p:nvSpPr>
+        <p:spPr>
+          <a:xfrm>
+            <a:off x="3930480" y="980728"/>
+            <a:ext cx="4331040" cy="5328592"/>
+          </a:xfrm>
+          <a:prstGeom prst="roundRect">
+            <a:avLst>
+              <a:gd name="adj" fmla="val 4486"/>
+            </a:avLst>
+          </a:prstGeom>
+          <a:gradFill>
+            <a:gsLst>
+              <a:gs pos="0">
+                <a:schemeClr val="accent2">
+                  <a:satMod val="103000"/>
+                  <a:lumMod val="102000"/>
+                  <a:tint val="94000"/>
+                  <a:alpha val="30000"/>
+                </a:schemeClr>
+              </a:gs>
+              <a:gs pos="50000">
+                <a:schemeClr val="accent2">
+                  <a:satMod val="110000"/>
+                  <a:lumMod val="100000"/>
+                  <a:shade val="100000"/>
+                  <a:alpha val="30000"/>
+                </a:schemeClr>
+              </a:gs>
+              <a:gs pos="100000">
+                <a:schemeClr val="accent2">
+                  <a:lumMod val="99000"/>
+                  <a:satMod val="120000"/>
+                  <a:shade val="78000"/>
+                  <a:alpha val="30000"/>
+                </a:schemeClr>
+              </a:gs>
+            </a:gsLst>
+          </a:gradFill>
+          <a:ln>
+            <a:noFill/>
+          </a:ln>
+        </p:spPr>
+        <p:style>
+          <a:lnRef idx="1">
+            <a:schemeClr val="accent2"/>
+          </a:lnRef>
+          <a:fillRef idx="3">
+            <a:schemeClr val="accent2"/>
+          </a:fillRef>
+          <a:effectRef idx="2">
+            <a:schemeClr val="accent2"/>
+          </a:effectRef>
+          <a:fontRef idx="minor">
+            <a:schemeClr val="lt1"/>
+          </a:fontRef>
+        </p:style>
+        <p:txBody>
+          <a:bodyPr rtlCol="0" anchor="ctr"/>
+          <a:lstStyle/>
+          <a:p>
+            <a:pPr algn="ctr"/>
+            <a:r>
+              <a:rPr lang="zh-CN" altLang="en-US" dirty="0"/>
+              <a:t>设置</a:t>
+            </a:r>
+          </a:p>
+        </p:txBody>
+      </p:sp>
+      <p:sp>
+        <p:nvSpPr>
+          <p:cNvPr id="14" name="矩形: 圆角 13">
+            <a:extLst>
+              <a:ext uri="{FF2B5EF4-FFF2-40B4-BE49-F238E27FC236}">
+                <a16:creationId xmlns:a16="http://schemas.microsoft.com/office/drawing/2014/main" id="{4683ADD9-8A4A-4EAB-ACC8-330BF003441C}"/>
+              </a:ext>
+            </a:extLst>
+          </p:cNvPr>
+          <p:cNvSpPr/>
+          <p:nvPr/>
+        </p:nvSpPr>
+        <p:spPr>
+          <a:xfrm>
+            <a:off x="5573832" y="1268760"/>
+            <a:ext cx="1044336" cy="346513"/>
+          </a:xfrm>
+          <a:prstGeom prst="roundRect">
+            <a:avLst>
+              <a:gd name="adj" fmla="val 26281"/>
+            </a:avLst>
+          </a:prstGeom>
+          <a:ln>
+            <a:noFill/>
+          </a:ln>
+        </p:spPr>
+        <p:style>
+          <a:lnRef idx="1">
+            <a:schemeClr val="accent2"/>
+          </a:lnRef>
+          <a:fillRef idx="3">
+            <a:schemeClr val="accent2"/>
+          </a:fillRef>
+          <a:effectRef idx="2">
+            <a:schemeClr val="accent2"/>
+          </a:effectRef>
+          <a:fontRef idx="minor">
+            <a:schemeClr val="lt1"/>
+          </a:fontRef>
+        </p:style>
+        <p:txBody>
+          <a:bodyPr rtlCol="0" anchor="ctr"/>
+          <a:lstStyle/>
+          <a:p>
+            <a:pPr algn="ctr"/>
+            <a:r>
+              <a:rPr lang="zh-CN" altLang="en-US" dirty="0"/>
+              <a:t>菜单</a:t>
+            </a:r>
+          </a:p>
+        </p:txBody>
+      </p:sp>
+      <p:sp>
+        <p:nvSpPr>
+          <p:cNvPr id="9" name="矩形: 圆角 8">
+            <a:extLst>
+              <a:ext uri="{FF2B5EF4-FFF2-40B4-BE49-F238E27FC236}">
+                <a16:creationId xmlns:a16="http://schemas.microsoft.com/office/drawing/2014/main" id="{85D59B40-F2DE-468C-ABFC-BE6CD5339913}"/>
+              </a:ext>
+            </a:extLst>
+          </p:cNvPr>
+          <p:cNvSpPr/>
+          <p:nvPr/>
+        </p:nvSpPr>
+        <p:spPr>
+          <a:xfrm>
+            <a:off x="4635588" y="3921808"/>
+            <a:ext cx="2880320" cy="346513"/>
+          </a:xfrm>
+          <a:prstGeom prst="roundRect">
+            <a:avLst>
+              <a:gd name="adj" fmla="val 26281"/>
+            </a:avLst>
+          </a:prstGeom>
+          <a:ln>
+            <a:noFill/>
+          </a:ln>
+        </p:spPr>
+        <p:style>
+          <a:lnRef idx="1">
+            <a:schemeClr val="accent2"/>
+          </a:lnRef>
+          <a:fillRef idx="3">
+            <a:schemeClr val="accent2"/>
+          </a:fillRef>
+          <a:effectRef idx="2">
+            <a:schemeClr val="accent2"/>
+          </a:effectRef>
+          <a:fontRef idx="minor">
+            <a:schemeClr val="lt1"/>
+          </a:fontRef>
+        </p:style>
+        <p:txBody>
+          <a:bodyPr rtlCol="0" anchor="ctr"/>
+          <a:lstStyle/>
+          <a:p>
+            <a:pPr algn="ctr"/>
+            <a:r>
+              <a:rPr lang="zh-CN" altLang="en-US" dirty="0"/>
+              <a:t>设置</a:t>
+            </a:r>
+          </a:p>
+        </p:txBody>
+      </p:sp>
+      <p:sp>
+        <p:nvSpPr>
+          <p:cNvPr id="10" name="矩形: 圆角 9">
+            <a:extLst>
+              <a:ext uri="{FF2B5EF4-FFF2-40B4-BE49-F238E27FC236}">
+                <a16:creationId xmlns:a16="http://schemas.microsoft.com/office/drawing/2014/main" id="{F7A1425D-85C3-4648-84ED-9F76A4B5C4D8}"/>
+              </a:ext>
+            </a:extLst>
+          </p:cNvPr>
+          <p:cNvSpPr/>
+          <p:nvPr/>
+        </p:nvSpPr>
+        <p:spPr>
+          <a:xfrm>
+            <a:off x="4645131" y="2802593"/>
+            <a:ext cx="2880320" cy="346513"/>
+          </a:xfrm>
+          <a:prstGeom prst="roundRect">
+            <a:avLst>
+              <a:gd name="adj" fmla="val 26281"/>
+            </a:avLst>
+          </a:prstGeom>
+          <a:ln>
+            <a:noFill/>
+          </a:ln>
+        </p:spPr>
+        <p:style>
+          <a:lnRef idx="1">
+            <a:schemeClr val="accent2"/>
+          </a:lnRef>
+          <a:fillRef idx="3">
+            <a:schemeClr val="accent2"/>
+          </a:fillRef>
+          <a:effectRef idx="2">
+            <a:schemeClr val="accent2"/>
+          </a:effectRef>
+          <a:fontRef idx="minor">
+            <a:schemeClr val="lt1"/>
+          </a:fontRef>
+        </p:style>
+        <p:txBody>
+          <a:bodyPr rtlCol="0" anchor="ctr"/>
+          <a:lstStyle/>
+          <a:p>
+            <a:pPr algn="ctr"/>
+            <a:r>
+              <a:rPr lang="zh-CN" altLang="en-US" dirty="0"/>
+              <a:t>成就</a:t>
+            </a:r>
+          </a:p>
+        </p:txBody>
+      </p:sp>
+      <p:sp>
+        <p:nvSpPr>
+          <p:cNvPr id="11" name="矩形: 圆角 10">
+            <a:extLst>
+              <a:ext uri="{FF2B5EF4-FFF2-40B4-BE49-F238E27FC236}">
+                <a16:creationId xmlns:a16="http://schemas.microsoft.com/office/drawing/2014/main" id="{2296888E-3D89-4939-A743-AA669CEA52B5}"/>
+              </a:ext>
+            </a:extLst>
+          </p:cNvPr>
+          <p:cNvSpPr/>
+          <p:nvPr/>
+        </p:nvSpPr>
+        <p:spPr>
+          <a:xfrm>
+            <a:off x="4645131" y="3342103"/>
+            <a:ext cx="2880320" cy="346513"/>
+          </a:xfrm>
+          <a:prstGeom prst="roundRect">
+            <a:avLst>
+              <a:gd name="adj" fmla="val 26281"/>
+            </a:avLst>
+          </a:prstGeom>
+          <a:ln>
+            <a:noFill/>
+          </a:ln>
+        </p:spPr>
+        <p:style>
+          <a:lnRef idx="1">
+            <a:schemeClr val="accent2"/>
+          </a:lnRef>
+          <a:fillRef idx="3">
+            <a:schemeClr val="accent2"/>
+          </a:fillRef>
+          <a:effectRef idx="2">
+            <a:schemeClr val="accent2"/>
+          </a:effectRef>
+          <a:fontRef idx="minor">
+            <a:schemeClr val="lt1"/>
+          </a:fontRef>
+        </p:style>
+        <p:txBody>
+          <a:bodyPr rtlCol="0" anchor="ctr"/>
+          <a:lstStyle/>
+          <a:p>
+            <a:pPr algn="ctr"/>
+            <a:r>
+              <a:rPr lang="zh-CN" altLang="en-US" dirty="0"/>
+              <a:t>图鉴</a:t>
+            </a:r>
+          </a:p>
+        </p:txBody>
+      </p:sp>
+      <p:sp>
+        <p:nvSpPr>
+          <p:cNvPr id="17" name="矩形: 圆角 16">
+            <a:extLst>
+              <a:ext uri="{FF2B5EF4-FFF2-40B4-BE49-F238E27FC236}">
+                <a16:creationId xmlns:a16="http://schemas.microsoft.com/office/drawing/2014/main" id="{1401149D-FAA0-4FBF-86EB-0447167DF682}"/>
+              </a:ext>
+            </a:extLst>
+          </p:cNvPr>
+          <p:cNvSpPr/>
+          <p:nvPr/>
+        </p:nvSpPr>
+        <p:spPr>
+          <a:xfrm>
+            <a:off x="4655840" y="1748403"/>
+            <a:ext cx="2880320" cy="346513"/>
+          </a:xfrm>
+          <a:prstGeom prst="roundRect">
+            <a:avLst>
+              <a:gd name="adj" fmla="val 26281"/>
+            </a:avLst>
+          </a:prstGeom>
+          <a:ln>
+            <a:noFill/>
+          </a:ln>
+        </p:spPr>
+        <p:style>
+          <a:lnRef idx="1">
+            <a:schemeClr val="accent2"/>
+          </a:lnRef>
+          <a:fillRef idx="3">
+            <a:schemeClr val="accent2"/>
+          </a:fillRef>
+          <a:effectRef idx="2">
+            <a:schemeClr val="accent2"/>
+          </a:effectRef>
+          <a:fontRef idx="minor">
+            <a:schemeClr val="lt1"/>
+          </a:fontRef>
+        </p:style>
+        <p:txBody>
+          <a:bodyPr rtlCol="0" anchor="ctr"/>
+          <a:lstStyle/>
+          <a:p>
+            <a:pPr algn="ctr"/>
+            <a:r>
+              <a:rPr lang="zh-CN" altLang="en-US" dirty="0"/>
+              <a:t>回到游戏</a:t>
+            </a:r>
+          </a:p>
+        </p:txBody>
+      </p:sp>
+      <p:sp>
+        <p:nvSpPr>
+          <p:cNvPr id="19" name="矩形: 圆角 18">
+            <a:extLst>
+              <a:ext uri="{FF2B5EF4-FFF2-40B4-BE49-F238E27FC236}">
+                <a16:creationId xmlns:a16="http://schemas.microsoft.com/office/drawing/2014/main" id="{8717EDB7-149B-4E6D-B153-4993C889C5EE}"/>
+              </a:ext>
+            </a:extLst>
+          </p:cNvPr>
+          <p:cNvSpPr/>
+          <p:nvPr/>
+        </p:nvSpPr>
+        <p:spPr>
+          <a:xfrm>
+            <a:off x="10488488" y="5357502"/>
+            <a:ext cx="1044336" cy="346513"/>
+          </a:xfrm>
+          <a:prstGeom prst="roundRect">
+            <a:avLst>
+              <a:gd name="adj" fmla="val 26281"/>
+            </a:avLst>
+          </a:prstGeom>
+          <a:gradFill>
+            <a:lin ang="16200000" scaled="0"/>
+          </a:gradFill>
+          <a:ln>
+            <a:noFill/>
+          </a:ln>
+        </p:spPr>
+        <p:style>
+          <a:lnRef idx="1">
+            <a:schemeClr val="accent2"/>
+          </a:lnRef>
+          <a:fillRef idx="3">
+            <a:schemeClr val="accent2"/>
+          </a:fillRef>
+          <a:effectRef idx="2">
+            <a:schemeClr val="accent2"/>
+          </a:effectRef>
+          <a:fontRef idx="minor">
+            <a:schemeClr val="lt1"/>
+          </a:fontRef>
+        </p:style>
+        <p:txBody>
+          <a:bodyPr rtlCol="0" anchor="ctr"/>
+          <a:lstStyle/>
+          <a:p>
+            <a:pPr algn="ctr"/>
+            <a:endParaRPr lang="zh-CN" altLang="en-US" dirty="0"/>
+          </a:p>
+        </p:txBody>
+      </p:sp>
+      <p:sp>
+        <p:nvSpPr>
+          <p:cNvPr id="12" name="矩形: 圆角 11">
+            <a:extLst>
+              <a:ext uri="{FF2B5EF4-FFF2-40B4-BE49-F238E27FC236}">
+                <a16:creationId xmlns:a16="http://schemas.microsoft.com/office/drawing/2014/main" id="{797BF973-8E4B-411A-AE04-98315E1DF866}"/>
+              </a:ext>
+            </a:extLst>
+          </p:cNvPr>
+          <p:cNvSpPr/>
+          <p:nvPr/>
+        </p:nvSpPr>
+        <p:spPr>
+          <a:xfrm>
+            <a:off x="4655840" y="2273666"/>
+            <a:ext cx="2880320" cy="346513"/>
+          </a:xfrm>
+          <a:prstGeom prst="roundRect">
+            <a:avLst>
+              <a:gd name="adj" fmla="val 26281"/>
+            </a:avLst>
+          </a:prstGeom>
+          <a:ln>
+            <a:noFill/>
+          </a:ln>
+        </p:spPr>
+        <p:style>
+          <a:lnRef idx="1">
+            <a:schemeClr val="accent2"/>
+          </a:lnRef>
+          <a:fillRef idx="3">
+            <a:schemeClr val="accent2"/>
+          </a:fillRef>
+          <a:effectRef idx="2">
+            <a:schemeClr val="accent2"/>
+          </a:effectRef>
+          <a:fontRef idx="minor">
+            <a:schemeClr val="lt1"/>
+          </a:fontRef>
+        </p:style>
+        <p:txBody>
+          <a:bodyPr rtlCol="0" anchor="ctr"/>
+          <a:lstStyle/>
+          <a:p>
+            <a:pPr algn="ctr"/>
+            <a:r>
+              <a:rPr lang="zh-CN" altLang="en-US" dirty="0"/>
+              <a:t>存档</a:t>
+            </a:r>
+          </a:p>
+        </p:txBody>
+      </p:sp>
+      <p:sp>
+        <p:nvSpPr>
+          <p:cNvPr id="13" name="矩形: 圆角 12">
+            <a:extLst>
+              <a:ext uri="{FF2B5EF4-FFF2-40B4-BE49-F238E27FC236}">
+                <a16:creationId xmlns:a16="http://schemas.microsoft.com/office/drawing/2014/main" id="{6AEDD7A6-585C-4309-A2D8-F9AA594C64B2}"/>
+              </a:ext>
+            </a:extLst>
+          </p:cNvPr>
+          <p:cNvSpPr/>
+          <p:nvPr/>
+        </p:nvSpPr>
+        <p:spPr>
+          <a:xfrm>
+            <a:off x="4645131" y="4438380"/>
+            <a:ext cx="2880320" cy="346513"/>
+          </a:xfrm>
+          <a:prstGeom prst="roundRect">
+            <a:avLst>
+              <a:gd name="adj" fmla="val 26281"/>
+            </a:avLst>
+          </a:prstGeom>
+          <a:ln>
+            <a:noFill/>
+          </a:ln>
+        </p:spPr>
+        <p:style>
+          <a:lnRef idx="1">
+            <a:schemeClr val="accent2"/>
+          </a:lnRef>
+          <a:fillRef idx="3">
+            <a:schemeClr val="accent2"/>
+          </a:fillRef>
+          <a:effectRef idx="2">
+            <a:schemeClr val="accent2"/>
+          </a:effectRef>
+          <a:fontRef idx="minor">
+            <a:schemeClr val="lt1"/>
+          </a:fontRef>
+        </p:style>
+        <p:txBody>
+          <a:bodyPr rtlCol="0" anchor="ctr"/>
+          <a:lstStyle/>
+          <a:p>
+            <a:pPr algn="ctr"/>
+            <a:r>
+              <a:rPr lang="zh-CN" altLang="en-US" dirty="0"/>
+              <a:t>退出</a:t>
+            </a:r>
+          </a:p>
+        </p:txBody>
+      </p:sp>
+    </p:spTree>
+    <p:extLst>
+      <p:ext uri="{BB962C8B-B14F-4D97-AF65-F5344CB8AC3E}">
+        <p14:creationId xmlns:p14="http://schemas.microsoft.com/office/powerpoint/2010/main" val="514776264"/>
+      </p:ext>
+    </p:extLst>
+  </p:cSld>
+  <p:clrMapOvr>
+    <a:masterClrMapping/>
+  </p:clrMapOvr>
+</p:sld>
+</file>
+
+<file path=ppt/slides/slide16.xml><?xml version="1.0" encoding="utf-8"?>
+<p:sld xmlns:a="http://schemas.openxmlformats.org/drawingml/2006/main" xmlns:r="http://schemas.openxmlformats.org/officeDocument/2006/relationships" xmlns:p="http://schemas.openxmlformats.org/presentationml/2006/main">
+  <p:cSld>
+    <p:bg>
+      <p:bgPr>
+        <a:solidFill>
+          <a:schemeClr val="accent2">
+            <a:lumMod val="40000"/>
+            <a:lumOff val="60000"/>
+          </a:schemeClr>
+        </a:solidFill>
+        <a:effectLst/>
+      </p:bgPr>
+    </p:bg>
+    <p:spTree>
+      <p:nvGrpSpPr>
+        <p:cNvPr id="1" name=""/>
+        <p:cNvGrpSpPr/>
+        <p:nvPr/>
+      </p:nvGrpSpPr>
+      <p:grpSpPr>
+        <a:xfrm>
+          <a:off x="0" y="0"/>
+          <a:ext cx="0" cy="0"/>
+          <a:chOff x="0" y="0"/>
+          <a:chExt cx="0" cy="0"/>
+        </a:xfrm>
+      </p:grpSpPr>
+      <p:sp>
+        <p:nvSpPr>
+          <p:cNvPr id="15" name="文本框 14">
+            <a:extLst>
+              <a:ext uri="{FF2B5EF4-FFF2-40B4-BE49-F238E27FC236}">
+                <a16:creationId xmlns:a16="http://schemas.microsoft.com/office/drawing/2014/main" id="{657054E7-180F-4947-985B-B4B1939ED52D}"/>
+              </a:ext>
+            </a:extLst>
+          </p:cNvPr>
+          <p:cNvSpPr txBox="1"/>
+          <p:nvPr/>
+        </p:nvSpPr>
+        <p:spPr>
+          <a:xfrm>
+            <a:off x="3930480" y="2798929"/>
+            <a:ext cx="4331040" cy="1200329"/>
+          </a:xfrm>
+          <a:prstGeom prst="rect">
+            <a:avLst/>
+          </a:prstGeom>
+          <a:noFill/>
+        </p:spPr>
+        <p:txBody>
+          <a:bodyPr wrap="square" rtlCol="0">
+            <a:spAutoFit/>
+          </a:bodyPr>
+          <a:lstStyle/>
+          <a:p>
+            <a:pPr algn="ctr"/>
+            <a:r>
+              <a:rPr lang="zh-CN" altLang="en-US" sz="7200" dirty="0">
+                <a:solidFill>
+                  <a:schemeClr val="bg1">
+                    <a:lumMod val="65000"/>
+                  </a:schemeClr>
+                </a:solidFill>
+              </a:rPr>
+              <a:t>场景背景</a:t>
+            </a:r>
+          </a:p>
+        </p:txBody>
+      </p:sp>
+      <p:sp>
+        <p:nvSpPr>
+          <p:cNvPr id="14" name="矩形: 圆角 13">
+            <a:extLst>
+              <a:ext uri="{FF2B5EF4-FFF2-40B4-BE49-F238E27FC236}">
+                <a16:creationId xmlns:a16="http://schemas.microsoft.com/office/drawing/2014/main" id="{4683ADD9-8A4A-4EAB-ACC8-330BF003441C}"/>
+              </a:ext>
+            </a:extLst>
+          </p:cNvPr>
+          <p:cNvSpPr/>
+          <p:nvPr/>
+        </p:nvSpPr>
+        <p:spPr>
+          <a:xfrm>
+            <a:off x="11064552" y="79951"/>
+            <a:ext cx="1044336" cy="346513"/>
+          </a:xfrm>
+          <a:prstGeom prst="roundRect">
+            <a:avLst>
+              <a:gd name="adj" fmla="val 26281"/>
+            </a:avLst>
+          </a:prstGeom>
+          <a:ln>
+            <a:noFill/>
+          </a:ln>
+        </p:spPr>
+        <p:style>
+          <a:lnRef idx="1">
+            <a:schemeClr val="accent2"/>
+          </a:lnRef>
+          <a:fillRef idx="3">
+            <a:schemeClr val="accent2"/>
+          </a:fillRef>
+          <a:effectRef idx="2">
+            <a:schemeClr val="accent2"/>
+          </a:effectRef>
+          <a:fontRef idx="minor">
+            <a:schemeClr val="lt1"/>
+          </a:fontRef>
+        </p:style>
+        <p:txBody>
+          <a:bodyPr rtlCol="0" anchor="ctr"/>
+          <a:lstStyle/>
+          <a:p>
+            <a:pPr algn="ctr"/>
+            <a:r>
+              <a:rPr lang="zh-CN" altLang="en-US" dirty="0"/>
+              <a:t>返回</a:t>
+            </a:r>
+          </a:p>
+        </p:txBody>
+      </p:sp>
+      <p:sp>
+        <p:nvSpPr>
+          <p:cNvPr id="10" name="矩形: 圆角 9">
+            <a:extLst>
+              <a:ext uri="{FF2B5EF4-FFF2-40B4-BE49-F238E27FC236}">
+                <a16:creationId xmlns:a16="http://schemas.microsoft.com/office/drawing/2014/main" id="{F7A1425D-85C3-4648-84ED-9F76A4B5C4D8}"/>
+              </a:ext>
+            </a:extLst>
+          </p:cNvPr>
+          <p:cNvSpPr/>
+          <p:nvPr/>
+        </p:nvSpPr>
+        <p:spPr>
+          <a:xfrm>
+            <a:off x="1738163" y="1268760"/>
+            <a:ext cx="757437" cy="720080"/>
+          </a:xfrm>
+          <a:prstGeom prst="roundRect">
+            <a:avLst>
+              <a:gd name="adj" fmla="val 26281"/>
+            </a:avLst>
+          </a:prstGeom>
+          <a:ln>
+            <a:noFill/>
+          </a:ln>
+        </p:spPr>
+        <p:style>
+          <a:lnRef idx="1">
+            <a:schemeClr val="accent2"/>
+          </a:lnRef>
+          <a:fillRef idx="3">
+            <a:schemeClr val="accent2"/>
+          </a:fillRef>
+          <a:effectRef idx="2">
+            <a:schemeClr val="accent2"/>
+          </a:effectRef>
+          <a:fontRef idx="minor">
+            <a:schemeClr val="lt1"/>
+          </a:fontRef>
+        </p:style>
+        <p:txBody>
+          <a:bodyPr rtlCol="0" anchor="ctr"/>
+          <a:lstStyle/>
+          <a:p>
+            <a:pPr algn="ctr"/>
+            <a:r>
+              <a:rPr lang="zh-CN" altLang="en-US" dirty="0"/>
+              <a:t>成就</a:t>
+            </a:r>
+          </a:p>
+        </p:txBody>
+      </p:sp>
+      <p:sp>
+        <p:nvSpPr>
+          <p:cNvPr id="22" name="矩形: 圆角 21">
+            <a:extLst>
+              <a:ext uri="{FF2B5EF4-FFF2-40B4-BE49-F238E27FC236}">
+                <a16:creationId xmlns:a16="http://schemas.microsoft.com/office/drawing/2014/main" id="{3CE81713-56FE-42E2-AB8B-D47A43C3331B}"/>
+              </a:ext>
+            </a:extLst>
+          </p:cNvPr>
+          <p:cNvSpPr/>
+          <p:nvPr/>
+        </p:nvSpPr>
+        <p:spPr>
+          <a:xfrm>
+            <a:off x="4636867" y="145611"/>
+            <a:ext cx="2910287" cy="561706"/>
+          </a:xfrm>
+          <a:prstGeom prst="roundRect">
+            <a:avLst>
+              <a:gd name="adj" fmla="val 8474"/>
+            </a:avLst>
+          </a:prstGeom>
+          <a:gradFill>
+            <a:gsLst>
+              <a:gs pos="0">
+                <a:schemeClr val="accent2">
+                  <a:satMod val="103000"/>
+                  <a:lumMod val="102000"/>
+                  <a:tint val="94000"/>
+                  <a:alpha val="30000"/>
+                </a:schemeClr>
+              </a:gs>
+              <a:gs pos="50000">
+                <a:schemeClr val="accent2">
+                  <a:satMod val="110000"/>
+                  <a:lumMod val="100000"/>
+                  <a:shade val="100000"/>
+                  <a:alpha val="30000"/>
+                </a:schemeClr>
+              </a:gs>
+              <a:gs pos="100000">
+                <a:schemeClr val="accent2">
+                  <a:lumMod val="99000"/>
+                  <a:satMod val="120000"/>
+                  <a:shade val="78000"/>
+                  <a:alpha val="30000"/>
+                </a:schemeClr>
+              </a:gs>
+            </a:gsLst>
+          </a:gradFill>
+          <a:ln>
+            <a:noFill/>
+          </a:ln>
+        </p:spPr>
+        <p:style>
+          <a:lnRef idx="1">
+            <a:schemeClr val="accent2"/>
+          </a:lnRef>
+          <a:fillRef idx="3">
+            <a:schemeClr val="accent2"/>
+          </a:fillRef>
+          <a:effectRef idx="2">
+            <a:schemeClr val="accent2"/>
+          </a:effectRef>
+          <a:fontRef idx="minor">
+            <a:schemeClr val="lt1"/>
+          </a:fontRef>
+        </p:style>
+        <p:txBody>
+          <a:bodyPr rtlCol="0" anchor="ctr"/>
+          <a:lstStyle/>
+          <a:p>
+            <a:pPr algn="ctr"/>
+            <a:r>
+              <a:rPr lang="zh-CN" altLang="en-US" dirty="0"/>
+              <a:t>成就</a:t>
+            </a:r>
+          </a:p>
+        </p:txBody>
+      </p:sp>
+      <p:sp>
+        <p:nvSpPr>
+          <p:cNvPr id="27" name="矩形: 圆角 26">
+            <a:extLst>
+              <a:ext uri="{FF2B5EF4-FFF2-40B4-BE49-F238E27FC236}">
+                <a16:creationId xmlns:a16="http://schemas.microsoft.com/office/drawing/2014/main" id="{592CBA55-E5A0-484E-B182-FAB58887F3A5}"/>
+              </a:ext>
+            </a:extLst>
+          </p:cNvPr>
+          <p:cNvSpPr/>
+          <p:nvPr/>
+        </p:nvSpPr>
+        <p:spPr>
+          <a:xfrm>
+            <a:off x="2951082" y="3416893"/>
+            <a:ext cx="757437" cy="720080"/>
+          </a:xfrm>
+          <a:prstGeom prst="roundRect">
+            <a:avLst>
+              <a:gd name="adj" fmla="val 26281"/>
+            </a:avLst>
+          </a:prstGeom>
+          <a:ln>
+            <a:noFill/>
+          </a:ln>
+        </p:spPr>
+        <p:style>
+          <a:lnRef idx="1">
+            <a:schemeClr val="accent2"/>
+          </a:lnRef>
+          <a:fillRef idx="3">
+            <a:schemeClr val="accent2"/>
+          </a:fillRef>
+          <a:effectRef idx="2">
+            <a:schemeClr val="accent2"/>
+          </a:effectRef>
+          <a:fontRef idx="minor">
+            <a:schemeClr val="lt1"/>
+          </a:fontRef>
+        </p:style>
+        <p:txBody>
+          <a:bodyPr rtlCol="0" anchor="ctr"/>
+          <a:lstStyle/>
+          <a:p>
+            <a:pPr algn="ctr"/>
+            <a:r>
+              <a:rPr lang="zh-CN" altLang="en-US" dirty="0"/>
+              <a:t>成就</a:t>
+            </a:r>
+          </a:p>
+        </p:txBody>
+      </p:sp>
+      <p:sp>
+        <p:nvSpPr>
+          <p:cNvPr id="28" name="矩形: 圆角 27">
+            <a:extLst>
+              <a:ext uri="{FF2B5EF4-FFF2-40B4-BE49-F238E27FC236}">
+                <a16:creationId xmlns:a16="http://schemas.microsoft.com/office/drawing/2014/main" id="{D90FCD34-3391-4DF5-B977-B49DA591D807}"/>
+              </a:ext>
+            </a:extLst>
+          </p:cNvPr>
+          <p:cNvSpPr/>
+          <p:nvPr/>
+        </p:nvSpPr>
+        <p:spPr>
+          <a:xfrm>
+            <a:off x="5300181" y="2064221"/>
+            <a:ext cx="757437" cy="720080"/>
+          </a:xfrm>
+          <a:prstGeom prst="roundRect">
+            <a:avLst>
+              <a:gd name="adj" fmla="val 26281"/>
+            </a:avLst>
+          </a:prstGeom>
+          <a:ln>
+            <a:noFill/>
+          </a:ln>
+        </p:spPr>
+        <p:style>
+          <a:lnRef idx="1">
+            <a:schemeClr val="accent2"/>
+          </a:lnRef>
+          <a:fillRef idx="3">
+            <a:schemeClr val="accent2"/>
+          </a:fillRef>
+          <a:effectRef idx="2">
+            <a:schemeClr val="accent2"/>
+          </a:effectRef>
+          <a:fontRef idx="minor">
+            <a:schemeClr val="lt1"/>
+          </a:fontRef>
+        </p:style>
+        <p:txBody>
+          <a:bodyPr rtlCol="0" anchor="ctr"/>
+          <a:lstStyle/>
+          <a:p>
+            <a:pPr algn="ctr"/>
+            <a:r>
+              <a:rPr lang="zh-CN" altLang="en-US" dirty="0"/>
+              <a:t>成就</a:t>
+            </a:r>
+          </a:p>
+        </p:txBody>
+      </p:sp>
+      <p:sp>
+        <p:nvSpPr>
+          <p:cNvPr id="29" name="矩形: 圆角 28">
+            <a:extLst>
+              <a:ext uri="{FF2B5EF4-FFF2-40B4-BE49-F238E27FC236}">
+                <a16:creationId xmlns:a16="http://schemas.microsoft.com/office/drawing/2014/main" id="{A2302424-9901-4A6F-99D1-381F66B1A71D}"/>
+              </a:ext>
+            </a:extLst>
+          </p:cNvPr>
+          <p:cNvSpPr/>
+          <p:nvPr/>
+        </p:nvSpPr>
+        <p:spPr>
+          <a:xfrm>
+            <a:off x="1247383" y="4891221"/>
+            <a:ext cx="757437" cy="720080"/>
+          </a:xfrm>
+          <a:prstGeom prst="roundRect">
+            <a:avLst>
+              <a:gd name="adj" fmla="val 26281"/>
+            </a:avLst>
+          </a:prstGeom>
+          <a:ln>
+            <a:noFill/>
+          </a:ln>
+        </p:spPr>
+        <p:style>
+          <a:lnRef idx="1">
+            <a:schemeClr val="accent2"/>
+          </a:lnRef>
+          <a:fillRef idx="3">
+            <a:schemeClr val="accent2"/>
+          </a:fillRef>
+          <a:effectRef idx="2">
+            <a:schemeClr val="accent2"/>
+          </a:effectRef>
+          <a:fontRef idx="minor">
+            <a:schemeClr val="lt1"/>
+          </a:fontRef>
+        </p:style>
+        <p:txBody>
+          <a:bodyPr rtlCol="0" anchor="ctr"/>
+          <a:lstStyle/>
+          <a:p>
+            <a:pPr algn="ctr"/>
+            <a:r>
+              <a:rPr lang="zh-CN" altLang="en-US" dirty="0"/>
+              <a:t>成就</a:t>
+            </a:r>
+          </a:p>
+        </p:txBody>
+      </p:sp>
+      <p:sp>
+        <p:nvSpPr>
+          <p:cNvPr id="30" name="矩形: 圆角 29">
+            <a:extLst>
+              <a:ext uri="{FF2B5EF4-FFF2-40B4-BE49-F238E27FC236}">
+                <a16:creationId xmlns:a16="http://schemas.microsoft.com/office/drawing/2014/main" id="{CAE8ED2B-447C-4D58-973A-90869EF0D888}"/>
+              </a:ext>
+            </a:extLst>
+          </p:cNvPr>
+          <p:cNvSpPr/>
+          <p:nvPr/>
+        </p:nvSpPr>
+        <p:spPr>
+          <a:xfrm>
+            <a:off x="7081190" y="4725144"/>
+            <a:ext cx="757437" cy="720080"/>
+          </a:xfrm>
+          <a:prstGeom prst="roundRect">
+            <a:avLst>
+              <a:gd name="adj" fmla="val 26281"/>
+            </a:avLst>
+          </a:prstGeom>
+          <a:ln>
+            <a:noFill/>
+          </a:ln>
+        </p:spPr>
+        <p:style>
+          <a:lnRef idx="1">
+            <a:schemeClr val="accent2"/>
+          </a:lnRef>
+          <a:fillRef idx="3">
+            <a:schemeClr val="accent2"/>
+          </a:fillRef>
+          <a:effectRef idx="2">
+            <a:schemeClr val="accent2"/>
+          </a:effectRef>
+          <a:fontRef idx="minor">
+            <a:schemeClr val="lt1"/>
+          </a:fontRef>
+        </p:style>
+        <p:txBody>
+          <a:bodyPr rtlCol="0" anchor="ctr"/>
+          <a:lstStyle/>
+          <a:p>
+            <a:pPr algn="ctr"/>
+            <a:r>
+              <a:rPr lang="zh-CN" altLang="en-US" dirty="0"/>
+              <a:t>成就</a:t>
+            </a:r>
+          </a:p>
+        </p:txBody>
+      </p:sp>
+      <p:sp>
+        <p:nvSpPr>
+          <p:cNvPr id="12" name="矩形: 圆角 11">
+            <a:extLst>
+              <a:ext uri="{FF2B5EF4-FFF2-40B4-BE49-F238E27FC236}">
+                <a16:creationId xmlns:a16="http://schemas.microsoft.com/office/drawing/2014/main" id="{5847F3E0-342E-4AD9-9F6B-820FEFEEF59F}"/>
+              </a:ext>
+            </a:extLst>
+          </p:cNvPr>
+          <p:cNvSpPr/>
+          <p:nvPr/>
+        </p:nvSpPr>
+        <p:spPr>
+          <a:xfrm>
+            <a:off x="3267484" y="2024920"/>
+            <a:ext cx="5708836" cy="2866301"/>
+          </a:xfrm>
+          <a:prstGeom prst="roundRect">
+            <a:avLst>
+              <a:gd name="adj" fmla="val 8474"/>
+            </a:avLst>
+          </a:prstGeom>
+          <a:gradFill>
+            <a:gsLst>
+              <a:gs pos="0">
+                <a:schemeClr val="accent2">
+                  <a:satMod val="103000"/>
+                  <a:lumMod val="102000"/>
+                  <a:tint val="94000"/>
+                  <a:alpha val="30000"/>
+                </a:schemeClr>
+              </a:gs>
+              <a:gs pos="50000">
+                <a:schemeClr val="accent2">
+                  <a:satMod val="110000"/>
+                  <a:lumMod val="100000"/>
+                  <a:shade val="100000"/>
+                  <a:alpha val="30000"/>
+                </a:schemeClr>
+              </a:gs>
+              <a:gs pos="100000">
+                <a:schemeClr val="accent2">
+                  <a:lumMod val="99000"/>
+                  <a:satMod val="120000"/>
+                  <a:shade val="78000"/>
+                  <a:alpha val="30000"/>
+                </a:schemeClr>
+              </a:gs>
+            </a:gsLst>
+          </a:gradFill>
+          <a:ln>
+            <a:noFill/>
+          </a:ln>
+        </p:spPr>
+        <p:style>
+          <a:lnRef idx="1">
+            <a:schemeClr val="accent2"/>
+          </a:lnRef>
+          <a:fillRef idx="3">
+            <a:schemeClr val="accent2"/>
+          </a:fillRef>
+          <a:effectRef idx="2">
+            <a:schemeClr val="accent2"/>
+          </a:effectRef>
+          <a:fontRef idx="minor">
+            <a:schemeClr val="lt1"/>
+          </a:fontRef>
+        </p:style>
+        <p:txBody>
+          <a:bodyPr rtlCol="0" anchor="ctr"/>
+          <a:lstStyle/>
+          <a:p>
+            <a:pPr algn="ctr"/>
+            <a:endParaRPr lang="en-US" altLang="zh-CN" dirty="0"/>
+          </a:p>
+          <a:p>
+            <a:pPr algn="ctr"/>
+            <a:endParaRPr lang="en-US" altLang="zh-CN" dirty="0"/>
+          </a:p>
+          <a:p>
+            <a:pPr algn="ctr"/>
+            <a:endParaRPr lang="en-US" altLang="zh-CN" dirty="0"/>
+          </a:p>
+          <a:p>
+            <a:pPr algn="ctr"/>
+            <a:endParaRPr lang="en-US" altLang="zh-CN" dirty="0"/>
+          </a:p>
+          <a:p>
+            <a:pPr algn="ctr"/>
+            <a:endParaRPr lang="en-US" altLang="zh-CN" dirty="0"/>
+          </a:p>
+          <a:p>
+            <a:pPr algn="ctr"/>
+            <a:endParaRPr lang="en-US" altLang="zh-CN" dirty="0"/>
+          </a:p>
+          <a:p>
+            <a:pPr algn="ctr"/>
+            <a:endParaRPr lang="en-US" altLang="zh-CN" dirty="0"/>
+          </a:p>
+          <a:p>
+            <a:pPr algn="ctr"/>
+            <a:r>
+              <a:rPr lang="zh-CN" altLang="en-US" dirty="0"/>
+              <a:t>弹出窗口</a:t>
+            </a:r>
+            <a:endParaRPr lang="en-US" altLang="zh-CN" dirty="0"/>
+          </a:p>
+          <a:p>
+            <a:pPr algn="ctr"/>
+            <a:r>
+              <a:rPr lang="zh-CN" altLang="en-US" dirty="0"/>
+              <a:t>信息</a:t>
+            </a:r>
+            <a:endParaRPr lang="en-US" altLang="zh-CN" dirty="0"/>
+          </a:p>
+        </p:txBody>
+      </p:sp>
+      <p:sp>
+        <p:nvSpPr>
+          <p:cNvPr id="13" name="矩形: 圆角 12">
+            <a:extLst>
+              <a:ext uri="{FF2B5EF4-FFF2-40B4-BE49-F238E27FC236}">
+                <a16:creationId xmlns:a16="http://schemas.microsoft.com/office/drawing/2014/main" id="{DD9D4FBA-5526-4B63-A00A-64EA797C27DE}"/>
+              </a:ext>
+            </a:extLst>
+          </p:cNvPr>
+          <p:cNvSpPr/>
+          <p:nvPr/>
+        </p:nvSpPr>
+        <p:spPr>
+          <a:xfrm>
+            <a:off x="3364860" y="2161120"/>
+            <a:ext cx="2692758" cy="2564024"/>
+          </a:xfrm>
+          <a:prstGeom prst="roundRect">
+            <a:avLst>
+              <a:gd name="adj" fmla="val 8474"/>
+            </a:avLst>
+          </a:prstGeom>
+          <a:gradFill>
+            <a:gsLst>
+              <a:gs pos="0">
+                <a:schemeClr val="accent2">
+                  <a:satMod val="103000"/>
+                  <a:lumMod val="102000"/>
+                  <a:tint val="94000"/>
+                  <a:alpha val="30000"/>
+                </a:schemeClr>
+              </a:gs>
+              <a:gs pos="50000">
+                <a:schemeClr val="accent2">
+                  <a:satMod val="110000"/>
+                  <a:lumMod val="100000"/>
+                  <a:shade val="100000"/>
+                  <a:alpha val="30000"/>
+                </a:schemeClr>
+              </a:gs>
+              <a:gs pos="100000">
+                <a:schemeClr val="accent2">
+                  <a:lumMod val="99000"/>
+                  <a:satMod val="120000"/>
+                  <a:shade val="78000"/>
+                  <a:alpha val="30000"/>
+                </a:schemeClr>
+              </a:gs>
+            </a:gsLst>
+          </a:gradFill>
+          <a:ln>
+            <a:noFill/>
+          </a:ln>
+        </p:spPr>
+        <p:style>
+          <a:lnRef idx="1">
+            <a:schemeClr val="accent2"/>
+          </a:lnRef>
+          <a:fillRef idx="3">
+            <a:schemeClr val="accent2"/>
+          </a:fillRef>
+          <a:effectRef idx="2">
+            <a:schemeClr val="accent2"/>
+          </a:effectRef>
+          <a:fontRef idx="minor">
+            <a:schemeClr val="lt1"/>
+          </a:fontRef>
+        </p:style>
+        <p:txBody>
+          <a:bodyPr rtlCol="0" anchor="ctr"/>
+          <a:lstStyle/>
+          <a:p>
+            <a:pPr algn="ctr"/>
+            <a:r>
+              <a:rPr lang="zh-CN" altLang="en-US" dirty="0"/>
+              <a:t>弹出窗口图像</a:t>
+            </a:r>
+          </a:p>
+        </p:txBody>
+      </p:sp>
+      <p:sp>
+        <p:nvSpPr>
+          <p:cNvPr id="31" name="矩形: 圆角 30">
+            <a:extLst>
+              <a:ext uri="{FF2B5EF4-FFF2-40B4-BE49-F238E27FC236}">
+                <a16:creationId xmlns:a16="http://schemas.microsoft.com/office/drawing/2014/main" id="{317BDB62-53BE-4DBE-B2D5-89346A5CE40B}"/>
+              </a:ext>
+            </a:extLst>
+          </p:cNvPr>
+          <p:cNvSpPr/>
+          <p:nvPr/>
+        </p:nvSpPr>
+        <p:spPr>
+          <a:xfrm>
+            <a:off x="10081750" y="2528815"/>
+            <a:ext cx="757437" cy="720080"/>
+          </a:xfrm>
+          <a:prstGeom prst="roundRect">
+            <a:avLst>
+              <a:gd name="adj" fmla="val 26281"/>
+            </a:avLst>
+          </a:prstGeom>
+          <a:ln>
+            <a:noFill/>
+          </a:ln>
+        </p:spPr>
+        <p:style>
+          <a:lnRef idx="1">
+            <a:schemeClr val="accent2"/>
+          </a:lnRef>
+          <a:fillRef idx="3">
+            <a:schemeClr val="accent2"/>
+          </a:fillRef>
+          <a:effectRef idx="2">
+            <a:schemeClr val="accent2"/>
+          </a:effectRef>
+          <a:fontRef idx="minor">
+            <a:schemeClr val="lt1"/>
+          </a:fontRef>
+        </p:style>
+        <p:txBody>
+          <a:bodyPr rtlCol="0" anchor="ctr"/>
+          <a:lstStyle/>
+          <a:p>
+            <a:pPr algn="ctr"/>
+            <a:r>
+              <a:rPr lang="zh-CN" altLang="en-US" dirty="0"/>
+              <a:t>成就</a:t>
+            </a:r>
+          </a:p>
+        </p:txBody>
+      </p:sp>
+      <p:sp>
+        <p:nvSpPr>
+          <p:cNvPr id="32" name="矩形: 圆顶角 31">
+            <a:extLst>
+              <a:ext uri="{FF2B5EF4-FFF2-40B4-BE49-F238E27FC236}">
+                <a16:creationId xmlns:a16="http://schemas.microsoft.com/office/drawing/2014/main" id="{11981D67-982F-45FB-AF23-4A2175B04D9C}"/>
+              </a:ext>
+            </a:extLst>
+          </p:cNvPr>
+          <p:cNvSpPr/>
+          <p:nvPr/>
+        </p:nvSpPr>
+        <p:spPr>
+          <a:xfrm rot="5400000">
+            <a:off x="454785" y="-239810"/>
+            <a:ext cx="530590" cy="1440160"/>
+          </a:xfrm>
+          <a:prstGeom prst="round2SameRect">
+            <a:avLst/>
+          </a:prstGeom>
+          <a:gradFill>
+            <a:gsLst>
+              <a:gs pos="0">
+                <a:schemeClr val="accent2">
+                  <a:satMod val="103000"/>
+                  <a:lumMod val="102000"/>
+                  <a:tint val="94000"/>
+                  <a:alpha val="30000"/>
+                </a:schemeClr>
+              </a:gs>
+              <a:gs pos="50000">
+                <a:schemeClr val="accent2">
+                  <a:satMod val="110000"/>
+                  <a:lumMod val="100000"/>
+                  <a:shade val="100000"/>
+                  <a:alpha val="30000"/>
+                </a:schemeClr>
+              </a:gs>
+              <a:gs pos="100000">
+                <a:schemeClr val="accent2">
+                  <a:lumMod val="99000"/>
+                  <a:satMod val="120000"/>
+                  <a:shade val="78000"/>
+                  <a:alpha val="30000"/>
+                </a:schemeClr>
+              </a:gs>
+            </a:gsLst>
+            <a:lin ang="0" scaled="0"/>
+          </a:gradFill>
+          <a:ln>
+            <a:noFill/>
+          </a:ln>
+        </p:spPr>
+        <p:style>
+          <a:lnRef idx="1">
+            <a:schemeClr val="accent2"/>
+          </a:lnRef>
+          <a:fillRef idx="3">
+            <a:schemeClr val="accent2"/>
+          </a:fillRef>
+          <a:effectRef idx="2">
+            <a:schemeClr val="accent2"/>
+          </a:effectRef>
+          <a:fontRef idx="minor">
+            <a:schemeClr val="lt1"/>
+          </a:fontRef>
+        </p:style>
+        <p:txBody>
+          <a:bodyPr rtlCol="0" anchor="ctr"/>
+          <a:lstStyle/>
+          <a:p>
+            <a:pPr algn="ctr"/>
+            <a:endParaRPr lang="zh-CN" altLang="en-US"/>
+          </a:p>
+        </p:txBody>
+      </p:sp>
+      <p:sp>
+        <p:nvSpPr>
+          <p:cNvPr id="33" name="矩形: 圆顶角 32">
+            <a:extLst>
+              <a:ext uri="{FF2B5EF4-FFF2-40B4-BE49-F238E27FC236}">
+                <a16:creationId xmlns:a16="http://schemas.microsoft.com/office/drawing/2014/main" id="{F50789EE-7471-4AF7-B6A9-D20BD2871C9A}"/>
+              </a:ext>
+            </a:extLst>
+          </p:cNvPr>
+          <p:cNvSpPr/>
+          <p:nvPr/>
+        </p:nvSpPr>
+        <p:spPr>
+          <a:xfrm rot="5400000">
+            <a:off x="454785" y="363506"/>
+            <a:ext cx="530590" cy="1440160"/>
+          </a:xfrm>
+          <a:prstGeom prst="round2SameRect">
+            <a:avLst/>
+          </a:prstGeom>
+        </p:spPr>
+        <p:style>
+          <a:lnRef idx="1">
+            <a:schemeClr val="accent2"/>
+          </a:lnRef>
+          <a:fillRef idx="3">
+            <a:schemeClr val="accent2"/>
+          </a:fillRef>
+          <a:effectRef idx="2">
+            <a:schemeClr val="accent2"/>
+          </a:effectRef>
+          <a:fontRef idx="minor">
+            <a:schemeClr val="lt1"/>
+          </a:fontRef>
+        </p:style>
+        <p:txBody>
+          <a:bodyPr rtlCol="0" anchor="ctr"/>
+          <a:lstStyle/>
+          <a:p>
+            <a:pPr algn="ctr"/>
+            <a:endParaRPr lang="zh-CN" altLang="en-US"/>
+          </a:p>
+        </p:txBody>
+      </p:sp>
+      <p:sp>
+        <p:nvSpPr>
+          <p:cNvPr id="34" name="矩形: 圆顶角 33">
+            <a:extLst>
+              <a:ext uri="{FF2B5EF4-FFF2-40B4-BE49-F238E27FC236}">
+                <a16:creationId xmlns:a16="http://schemas.microsoft.com/office/drawing/2014/main" id="{993C5F61-43E7-464F-A5FB-648FD78F6C57}"/>
+              </a:ext>
+            </a:extLst>
+          </p:cNvPr>
+          <p:cNvSpPr/>
+          <p:nvPr/>
+        </p:nvSpPr>
+        <p:spPr>
+          <a:xfrm rot="5400000">
+            <a:off x="461879" y="966820"/>
+            <a:ext cx="530590" cy="1440160"/>
+          </a:xfrm>
+          <a:prstGeom prst="round2SameRect">
+            <a:avLst/>
+          </a:prstGeom>
+        </p:spPr>
+        <p:style>
+          <a:lnRef idx="1">
+            <a:schemeClr val="accent2"/>
+          </a:lnRef>
+          <a:fillRef idx="3">
+            <a:schemeClr val="accent2"/>
+          </a:fillRef>
+          <a:effectRef idx="2">
+            <a:schemeClr val="accent2"/>
+          </a:effectRef>
+          <a:fontRef idx="minor">
+            <a:schemeClr val="lt1"/>
+          </a:fontRef>
+        </p:style>
+        <p:txBody>
+          <a:bodyPr rtlCol="0" anchor="ctr"/>
+          <a:lstStyle/>
+          <a:p>
+            <a:pPr algn="ctr"/>
+            <a:endParaRPr lang="zh-CN" altLang="en-US"/>
+          </a:p>
+        </p:txBody>
+      </p:sp>
+      <p:sp>
+        <p:nvSpPr>
+          <p:cNvPr id="35" name="矩形: 圆顶角 34">
+            <a:extLst>
+              <a:ext uri="{FF2B5EF4-FFF2-40B4-BE49-F238E27FC236}">
+                <a16:creationId xmlns:a16="http://schemas.microsoft.com/office/drawing/2014/main" id="{F3E2147A-9CE9-40C6-AA21-D553E90477BC}"/>
+              </a:ext>
+            </a:extLst>
+          </p:cNvPr>
+          <p:cNvSpPr/>
+          <p:nvPr/>
+        </p:nvSpPr>
+        <p:spPr>
+          <a:xfrm rot="5400000">
+            <a:off x="461879" y="1570136"/>
+            <a:ext cx="530590" cy="1440160"/>
+          </a:xfrm>
+          <a:prstGeom prst="round2SameRect">
+            <a:avLst/>
+          </a:prstGeom>
+        </p:spPr>
+        <p:style>
+          <a:lnRef idx="1">
+            <a:schemeClr val="accent2"/>
+          </a:lnRef>
+          <a:fillRef idx="3">
+            <a:schemeClr val="accent2"/>
+          </a:fillRef>
+          <a:effectRef idx="2">
+            <a:schemeClr val="accent2"/>
+          </a:effectRef>
+          <a:fontRef idx="minor">
+            <a:schemeClr val="lt1"/>
+          </a:fontRef>
+        </p:style>
+        <p:txBody>
+          <a:bodyPr rtlCol="0" anchor="ctr"/>
+          <a:lstStyle/>
+          <a:p>
+            <a:pPr algn="ctr"/>
+            <a:endParaRPr lang="zh-CN" altLang="en-US"/>
+          </a:p>
+        </p:txBody>
+      </p:sp>
+    </p:spTree>
+    <p:extLst>
+      <p:ext uri="{BB962C8B-B14F-4D97-AF65-F5344CB8AC3E}">
+        <p14:creationId xmlns:p14="http://schemas.microsoft.com/office/powerpoint/2010/main" val="1073715475"/>
+      </p:ext>
+    </p:extLst>
+  </p:cSld>
+  <p:clrMapOvr>
+    <a:masterClrMapping/>
+  </p:clrMapOvr>
+</p:sld>
+</file>
+
+<file path=ppt/slides/slide17.xml><?xml version="1.0" encoding="utf-8"?>
 <p:sld xmlns:a="http://schemas.openxmlformats.org/drawingml/2006/main" xmlns:r="http://schemas.openxmlformats.org/officeDocument/2006/relationships" xmlns:p="http://schemas.openxmlformats.org/presentationml/2006/main">
   <p:cSld>
     <p:bg>
@@ -6259,8 +9456,8 @@
         </p:nvSpPr>
         <p:spPr>
           <a:xfrm>
-            <a:off x="3935760" y="1268760"/>
-            <a:ext cx="4320480" cy="4320480"/>
+            <a:off x="0" y="0"/>
+            <a:ext cx="12192000" cy="6858000"/>
           </a:xfrm>
           <a:prstGeom prst="rect">
             <a:avLst/>
@@ -6309,7 +9506,10 @@
           <a:lstStyle/>
           <a:p>
             <a:pPr algn="ctr"/>
-            <a:endParaRPr lang="zh-CN" altLang="en-US"/>
+            <a:r>
+              <a:rPr lang="zh-CN" altLang="en-US" sz="7200" dirty="0"/>
+              <a:t>比赛界面</a:t>
+            </a:r>
           </a:p>
         </p:txBody>
       </p:sp>
@@ -7934,7 +11134,7 @@
         <p:spPr>
           <a:xfrm>
             <a:off x="119336" y="29742"/>
-            <a:ext cx="4464496" cy="357160"/>
+            <a:ext cx="3741692" cy="346513"/>
           </a:xfrm>
           <a:prstGeom prst="roundRect">
             <a:avLst>
@@ -7985,8 +11185,8 @@
         </p:nvSpPr>
         <p:spPr>
           <a:xfrm>
-            <a:off x="4610031" y="29742"/>
-            <a:ext cx="5394321" cy="346513"/>
+            <a:off x="3904965" y="29742"/>
+            <a:ext cx="6099388" cy="346513"/>
           </a:xfrm>
           <a:prstGeom prst="roundRect">
             <a:avLst>
@@ -8070,7 +11270,7 @@
             <a:pPr algn="ctr"/>
             <a:r>
               <a:rPr lang="zh-CN" altLang="en-US" dirty="0"/>
-              <a:t>日程</a:t>
+              <a:t>界面</a:t>
             </a:r>
           </a:p>
         </p:txBody>
@@ -8089,8 +11289,8 @@
         </p:nvSpPr>
         <p:spPr>
           <a:xfrm>
-            <a:off x="335360" y="526153"/>
-            <a:ext cx="9577064" cy="1750719"/>
+            <a:off x="4007768" y="526153"/>
+            <a:ext cx="7851596" cy="1750719"/>
           </a:xfrm>
           <a:prstGeom prst="roundRect">
             <a:avLst>
@@ -8209,7 +11409,7 @@
           </a:xfrm>
           <a:prstGeom prst="roundRect">
             <a:avLst>
-              <a:gd name="adj" fmla="val 8474"/>
+              <a:gd name="adj" fmla="val 3932"/>
             </a:avLst>
           </a:prstGeom>
           <a:gradFill>
@@ -8284,8 +11484,8 @@
         </p:nvSpPr>
         <p:spPr>
           <a:xfrm>
-            <a:off x="10004352" y="527577"/>
-            <a:ext cx="1870440" cy="1749295"/>
+            <a:off x="332636" y="552564"/>
+            <a:ext cx="3528392" cy="1749295"/>
           </a:xfrm>
           <a:prstGeom prst="roundRect">
             <a:avLst>
@@ -8345,16 +11545,765 @@
             <a:pPr algn="ctr"/>
             <a:r>
               <a:rPr lang="zh-CN" altLang="en-US" dirty="0"/>
-              <a:t>人物状态</a:t>
-            </a:r>
-            <a:endParaRPr lang="en-US" altLang="zh-CN" dirty="0"/>
-          </a:p>
-          <a:p>
-            <a:pPr algn="ctr"/>
-            <a:r>
-              <a:rPr lang="zh-CN" altLang="en-US" dirty="0"/>
-              <a:t>图片</a:t>
-            </a:r>
+              <a:t>时间表提示</a:t>
+            </a:r>
+          </a:p>
+        </p:txBody>
+      </p:sp>
+      <p:sp>
+        <p:nvSpPr>
+          <p:cNvPr id="15" name="矩形: 圆角 14">
+            <a:extLst>
+              <a:ext uri="{FF2B5EF4-FFF2-40B4-BE49-F238E27FC236}">
+                <a16:creationId xmlns:a16="http://schemas.microsoft.com/office/drawing/2014/main" id="{08FC95C6-EE1B-46B5-9AD3-1A0EEB67371C}"/>
+              </a:ext>
+            </a:extLst>
+          </p:cNvPr>
+          <p:cNvSpPr/>
+          <p:nvPr/>
+        </p:nvSpPr>
+        <p:spPr>
+          <a:xfrm>
+            <a:off x="332636" y="29742"/>
+            <a:ext cx="506780" cy="346513"/>
+          </a:xfrm>
+          <a:prstGeom prst="roundRect">
+            <a:avLst>
+              <a:gd name="adj" fmla="val 26281"/>
+            </a:avLst>
+          </a:prstGeom>
+          <a:gradFill flip="none" rotWithShape="1">
+            <a:gsLst>
+              <a:gs pos="0">
+                <a:schemeClr val="accent2">
+                  <a:lumMod val="75000"/>
+                </a:schemeClr>
+              </a:gs>
+              <a:gs pos="50000">
+                <a:schemeClr val="accent2">
+                  <a:lumMod val="60000"/>
+                  <a:lumOff val="40000"/>
+                </a:schemeClr>
+              </a:gs>
+              <a:gs pos="100000">
+                <a:srgbClr val="FFC000"/>
+              </a:gs>
+            </a:gsLst>
+            <a:lin ang="1200000" scaled="0"/>
+            <a:tileRect/>
+          </a:gradFill>
+          <a:ln>
+            <a:noFill/>
+          </a:ln>
+        </p:spPr>
+        <p:style>
+          <a:lnRef idx="1">
+            <a:schemeClr val="accent2"/>
+          </a:lnRef>
+          <a:fillRef idx="3">
+            <a:schemeClr val="accent2"/>
+          </a:fillRef>
+          <a:effectRef idx="2">
+            <a:schemeClr val="accent2"/>
+          </a:effectRef>
+          <a:fontRef idx="minor">
+            <a:schemeClr val="lt1"/>
+          </a:fontRef>
+        </p:style>
+        <p:txBody>
+          <a:bodyPr rtlCol="0" anchor="ctr"/>
+          <a:lstStyle/>
+          <a:p>
+            <a:pPr algn="ctr"/>
+            <a:endParaRPr lang="zh-CN" altLang="en-US" dirty="0"/>
+          </a:p>
+        </p:txBody>
+      </p:sp>
+      <p:sp>
+        <p:nvSpPr>
+          <p:cNvPr id="17" name="矩形: 圆角 16">
+            <a:extLst>
+              <a:ext uri="{FF2B5EF4-FFF2-40B4-BE49-F238E27FC236}">
+                <a16:creationId xmlns:a16="http://schemas.microsoft.com/office/drawing/2014/main" id="{62D52FC2-BC3F-44E1-9805-D7481A2B57BE}"/>
+              </a:ext>
+            </a:extLst>
+          </p:cNvPr>
+          <p:cNvSpPr/>
+          <p:nvPr/>
+        </p:nvSpPr>
+        <p:spPr>
+          <a:xfrm>
+            <a:off x="332636" y="1080698"/>
+            <a:ext cx="3741692" cy="346513"/>
+          </a:xfrm>
+          <a:prstGeom prst="roundRect">
+            <a:avLst>
+              <a:gd name="adj" fmla="val 26281"/>
+            </a:avLst>
+          </a:prstGeom>
+          <a:ln>
+            <a:noFill/>
+          </a:ln>
+        </p:spPr>
+        <p:style>
+          <a:lnRef idx="1">
+            <a:schemeClr val="accent2"/>
+          </a:lnRef>
+          <a:fillRef idx="3">
+            <a:schemeClr val="accent2"/>
+          </a:fillRef>
+          <a:effectRef idx="2">
+            <a:schemeClr val="accent2"/>
+          </a:effectRef>
+          <a:fontRef idx="minor">
+            <a:schemeClr val="lt1"/>
+          </a:fontRef>
+        </p:style>
+        <p:txBody>
+          <a:bodyPr rtlCol="0" anchor="ctr"/>
+          <a:lstStyle/>
+          <a:p>
+            <a:pPr algn="ctr"/>
+            <a:endParaRPr lang="zh-CN" altLang="en-US" dirty="0"/>
+          </a:p>
+        </p:txBody>
+      </p:sp>
+      <p:sp>
+        <p:nvSpPr>
+          <p:cNvPr id="19" name="矩形: 圆角 18">
+            <a:extLst>
+              <a:ext uri="{FF2B5EF4-FFF2-40B4-BE49-F238E27FC236}">
+                <a16:creationId xmlns:a16="http://schemas.microsoft.com/office/drawing/2014/main" id="{CEA48ED8-CC05-4B64-BDF6-AD5A42E3649D}"/>
+              </a:ext>
+            </a:extLst>
+          </p:cNvPr>
+          <p:cNvSpPr/>
+          <p:nvPr/>
+        </p:nvSpPr>
+        <p:spPr>
+          <a:xfrm>
+            <a:off x="3935760" y="29741"/>
+            <a:ext cx="720080" cy="335867"/>
+          </a:xfrm>
+          <a:prstGeom prst="roundRect">
+            <a:avLst>
+              <a:gd name="adj" fmla="val 8474"/>
+            </a:avLst>
+          </a:prstGeom>
+          <a:gradFill>
+            <a:gsLst>
+              <a:gs pos="0">
+                <a:srgbClr val="FCE8C8">
+                  <a:alpha val="50000"/>
+                </a:srgbClr>
+              </a:gs>
+              <a:gs pos="50000">
+                <a:srgbClr val="DEC7AB">
+                  <a:alpha val="50000"/>
+                </a:srgbClr>
+              </a:gs>
+              <a:gs pos="100000">
+                <a:srgbClr val="FFFF00">
+                  <a:alpha val="50000"/>
+                </a:srgbClr>
+              </a:gs>
+            </a:gsLst>
+          </a:gradFill>
+          <a:ln>
+            <a:noFill/>
+          </a:ln>
+        </p:spPr>
+        <p:style>
+          <a:lnRef idx="1">
+            <a:schemeClr val="accent2"/>
+          </a:lnRef>
+          <a:fillRef idx="3">
+            <a:schemeClr val="accent2"/>
+          </a:fillRef>
+          <a:effectRef idx="2">
+            <a:schemeClr val="accent2"/>
+          </a:effectRef>
+          <a:fontRef idx="minor">
+            <a:schemeClr val="lt1"/>
+          </a:fontRef>
+        </p:style>
+        <p:txBody>
+          <a:bodyPr rtlCol="0" anchor="ctr"/>
+          <a:lstStyle/>
+          <a:p>
+            <a:pPr algn="ctr"/>
+            <a:r>
+              <a:rPr lang="en-US" altLang="zh-CN" dirty="0"/>
+              <a:t>health</a:t>
+            </a:r>
+            <a:endParaRPr lang="zh-CN" altLang="en-US" dirty="0"/>
+          </a:p>
+        </p:txBody>
+      </p:sp>
+      <p:sp>
+        <p:nvSpPr>
+          <p:cNvPr id="22" name="矩形: 圆角 21">
+            <a:extLst>
+              <a:ext uri="{FF2B5EF4-FFF2-40B4-BE49-F238E27FC236}">
+                <a16:creationId xmlns:a16="http://schemas.microsoft.com/office/drawing/2014/main" id="{A67ABAA0-6D60-4E8E-AC2C-0F06BEE4E972}"/>
+              </a:ext>
+            </a:extLst>
+          </p:cNvPr>
+          <p:cNvSpPr/>
+          <p:nvPr/>
+        </p:nvSpPr>
+        <p:spPr>
+          <a:xfrm>
+            <a:off x="4655840" y="29739"/>
+            <a:ext cx="720080" cy="346513"/>
+          </a:xfrm>
+          <a:prstGeom prst="roundRect">
+            <a:avLst>
+              <a:gd name="adj" fmla="val 8474"/>
+            </a:avLst>
+          </a:prstGeom>
+          <a:gradFill>
+            <a:gsLst>
+              <a:gs pos="0">
+                <a:srgbClr val="FCE8C8">
+                  <a:alpha val="50000"/>
+                </a:srgbClr>
+              </a:gs>
+              <a:gs pos="50000">
+                <a:srgbClr val="DEC7AB">
+                  <a:alpha val="50000"/>
+                </a:srgbClr>
+              </a:gs>
+              <a:gs pos="100000">
+                <a:srgbClr val="FFFF00">
+                  <a:alpha val="50000"/>
+                </a:srgbClr>
+              </a:gs>
+            </a:gsLst>
+          </a:gradFill>
+          <a:ln>
+            <a:noFill/>
+          </a:ln>
+        </p:spPr>
+        <p:style>
+          <a:lnRef idx="1">
+            <a:schemeClr val="accent2"/>
+          </a:lnRef>
+          <a:fillRef idx="3">
+            <a:schemeClr val="accent2"/>
+          </a:fillRef>
+          <a:effectRef idx="2">
+            <a:schemeClr val="accent2"/>
+          </a:effectRef>
+          <a:fontRef idx="minor">
+            <a:schemeClr val="lt1"/>
+          </a:fontRef>
+        </p:style>
+        <p:txBody>
+          <a:bodyPr rtlCol="0" anchor="ctr"/>
+          <a:lstStyle/>
+          <a:p>
+            <a:pPr algn="ctr"/>
+            <a:r>
+              <a:rPr lang="en-US" altLang="zh-CN" dirty="0"/>
+              <a:t>mood</a:t>
+            </a:r>
+            <a:endParaRPr lang="zh-CN" altLang="en-US" dirty="0"/>
+          </a:p>
+        </p:txBody>
+      </p:sp>
+      <p:sp>
+        <p:nvSpPr>
+          <p:cNvPr id="24" name="矩形: 圆角 23">
+            <a:extLst>
+              <a:ext uri="{FF2B5EF4-FFF2-40B4-BE49-F238E27FC236}">
+                <a16:creationId xmlns:a16="http://schemas.microsoft.com/office/drawing/2014/main" id="{B2CA7F46-C511-44DE-92A1-42B64F63E60F}"/>
+              </a:ext>
+            </a:extLst>
+          </p:cNvPr>
+          <p:cNvSpPr/>
+          <p:nvPr/>
+        </p:nvSpPr>
+        <p:spPr>
+          <a:xfrm>
+            <a:off x="6096000" y="40389"/>
+            <a:ext cx="671736" cy="325219"/>
+          </a:xfrm>
+          <a:prstGeom prst="roundRect">
+            <a:avLst>
+              <a:gd name="adj" fmla="val 8474"/>
+            </a:avLst>
+          </a:prstGeom>
+          <a:gradFill>
+            <a:gsLst>
+              <a:gs pos="0">
+                <a:srgbClr val="FCE8C8">
+                  <a:alpha val="50000"/>
+                </a:srgbClr>
+              </a:gs>
+              <a:gs pos="50000">
+                <a:srgbClr val="DEC7AB">
+                  <a:alpha val="50000"/>
+                </a:srgbClr>
+              </a:gs>
+              <a:gs pos="100000">
+                <a:srgbClr val="FFFF00">
+                  <a:alpha val="50000"/>
+                </a:srgbClr>
+              </a:gs>
+            </a:gsLst>
+          </a:gradFill>
+          <a:ln>
+            <a:noFill/>
+          </a:ln>
+        </p:spPr>
+        <p:style>
+          <a:lnRef idx="1">
+            <a:schemeClr val="accent2"/>
+          </a:lnRef>
+          <a:fillRef idx="3">
+            <a:schemeClr val="accent2"/>
+          </a:fillRef>
+          <a:effectRef idx="2">
+            <a:schemeClr val="accent2"/>
+          </a:effectRef>
+          <a:fontRef idx="minor">
+            <a:schemeClr val="lt1"/>
+          </a:fontRef>
+        </p:style>
+        <p:txBody>
+          <a:bodyPr rtlCol="0" anchor="ctr"/>
+          <a:lstStyle/>
+          <a:p>
+            <a:pPr algn="ctr"/>
+            <a:r>
+              <a:rPr lang="en-US" altLang="zh-CN" dirty="0"/>
+              <a:t>Ability(total)</a:t>
+            </a:r>
+            <a:endParaRPr lang="zh-CN" altLang="en-US" dirty="0"/>
+          </a:p>
+        </p:txBody>
+      </p:sp>
+      <p:sp>
+        <p:nvSpPr>
+          <p:cNvPr id="25" name="矩形: 圆角 24">
+            <a:extLst>
+              <a:ext uri="{FF2B5EF4-FFF2-40B4-BE49-F238E27FC236}">
+                <a16:creationId xmlns:a16="http://schemas.microsoft.com/office/drawing/2014/main" id="{AD46D823-42A8-49E3-AA95-D94FE4BCD3BE}"/>
+              </a:ext>
+            </a:extLst>
+          </p:cNvPr>
+          <p:cNvSpPr/>
+          <p:nvPr/>
+        </p:nvSpPr>
+        <p:spPr>
+          <a:xfrm>
+            <a:off x="6767736" y="19095"/>
+            <a:ext cx="3173276" cy="335867"/>
+          </a:xfrm>
+          <a:prstGeom prst="roundRect">
+            <a:avLst>
+              <a:gd name="adj" fmla="val 8474"/>
+            </a:avLst>
+          </a:prstGeom>
+          <a:gradFill>
+            <a:gsLst>
+              <a:gs pos="0">
+                <a:srgbClr val="FCE8C8">
+                  <a:alpha val="50000"/>
+                </a:srgbClr>
+              </a:gs>
+              <a:gs pos="50000">
+                <a:srgbClr val="DEC7AB">
+                  <a:alpha val="50000"/>
+                </a:srgbClr>
+              </a:gs>
+              <a:gs pos="100000">
+                <a:srgbClr val="FFFF00">
+                  <a:alpha val="50000"/>
+                </a:srgbClr>
+              </a:gs>
+            </a:gsLst>
+          </a:gradFill>
+          <a:ln>
+            <a:noFill/>
+          </a:ln>
+        </p:spPr>
+        <p:style>
+          <a:lnRef idx="1">
+            <a:schemeClr val="accent2"/>
+          </a:lnRef>
+          <a:fillRef idx="3">
+            <a:schemeClr val="accent2"/>
+          </a:fillRef>
+          <a:effectRef idx="2">
+            <a:schemeClr val="accent2"/>
+          </a:effectRef>
+          <a:fontRef idx="minor">
+            <a:schemeClr val="lt1"/>
+          </a:fontRef>
+        </p:style>
+        <p:txBody>
+          <a:bodyPr rtlCol="0" anchor="ctr"/>
+          <a:lstStyle/>
+          <a:p>
+            <a:pPr algn="ctr"/>
+            <a:r>
+              <a:rPr lang="en-US" altLang="zh-CN" dirty="0"/>
+              <a:t>Rating</a:t>
+            </a:r>
+            <a:endParaRPr lang="zh-CN" altLang="en-US" dirty="0"/>
+          </a:p>
+        </p:txBody>
+      </p:sp>
+      <p:pic>
+        <p:nvPicPr>
+          <p:cNvPr id="4" name="图形 3" descr="用户">
+            <a:extLst>
+              <a:ext uri="{FF2B5EF4-FFF2-40B4-BE49-F238E27FC236}">
+                <a16:creationId xmlns:a16="http://schemas.microsoft.com/office/drawing/2014/main" id="{EF734E31-A02B-4C3E-BFBC-57756CA6FF21}"/>
+              </a:ext>
+            </a:extLst>
+          </p:cNvPr>
+          <p:cNvPicPr>
+            <a:picLocks noChangeAspect="1"/>
+          </p:cNvPicPr>
+          <p:nvPr/>
+        </p:nvPicPr>
+        <p:blipFill>
+          <a:blip r:embed="rId2">
+            <a:extLst>
+              <a:ext uri="{28A0092B-C50C-407E-A947-70E740481C1C}">
+                <a14:useLocalDpi xmlns:a14="http://schemas.microsoft.com/office/drawing/2010/main" val="0"/>
+              </a:ext>
+              <a:ext uri="{96DAC541-7B7A-43D3-8B79-37D633B846F1}">
+                <asvg:svgBlip xmlns:asvg="http://schemas.microsoft.com/office/drawing/2016/SVG/main" r:embed="rId3"/>
+              </a:ext>
+            </a:extLst>
+          </a:blip>
+          <a:stretch>
+            <a:fillRect/>
+          </a:stretch>
+        </p:blipFill>
+        <p:spPr>
+          <a:xfrm>
+            <a:off x="8312594" y="2301859"/>
+            <a:ext cx="914400" cy="914400"/>
+          </a:xfrm>
+          <a:prstGeom prst="rect">
+            <a:avLst/>
+          </a:prstGeom>
+        </p:spPr>
+      </p:pic>
+      <p:pic>
+        <p:nvPicPr>
+          <p:cNvPr id="7" name="图形 6" descr="日历">
+            <a:extLst>
+              <a:ext uri="{FF2B5EF4-FFF2-40B4-BE49-F238E27FC236}">
+                <a16:creationId xmlns:a16="http://schemas.microsoft.com/office/drawing/2014/main" id="{028F3590-1C3A-4581-8CC5-E0EDE12967F9}"/>
+              </a:ext>
+            </a:extLst>
+          </p:cNvPr>
+          <p:cNvPicPr>
+            <a:picLocks noChangeAspect="1"/>
+          </p:cNvPicPr>
+          <p:nvPr/>
+        </p:nvPicPr>
+        <p:blipFill>
+          <a:blip r:embed="rId4">
+            <a:extLst>
+              <a:ext uri="{28A0092B-C50C-407E-A947-70E740481C1C}">
+                <a14:useLocalDpi xmlns:a14="http://schemas.microsoft.com/office/drawing/2010/main" val="0"/>
+              </a:ext>
+              <a:ext uri="{96DAC541-7B7A-43D3-8B79-37D633B846F1}">
+                <asvg:svgBlip xmlns:asvg="http://schemas.microsoft.com/office/drawing/2016/SVG/main" r:embed="rId5"/>
+              </a:ext>
+            </a:extLst>
+          </a:blip>
+          <a:stretch>
+            <a:fillRect/>
+          </a:stretch>
+        </p:blipFill>
+        <p:spPr>
+          <a:xfrm>
+            <a:off x="9133888" y="2276872"/>
+            <a:ext cx="914400" cy="914400"/>
+          </a:xfrm>
+          <a:prstGeom prst="rect">
+            <a:avLst/>
+          </a:prstGeom>
+        </p:spPr>
+      </p:pic>
+      <p:pic>
+        <p:nvPicPr>
+          <p:cNvPr id="9" name="图形 8" descr="带齿轮的头部">
+            <a:extLst>
+              <a:ext uri="{FF2B5EF4-FFF2-40B4-BE49-F238E27FC236}">
+                <a16:creationId xmlns:a16="http://schemas.microsoft.com/office/drawing/2014/main" id="{1D8EED8A-4554-4475-93B3-1FD6EBB40020}"/>
+              </a:ext>
+            </a:extLst>
+          </p:cNvPr>
+          <p:cNvPicPr>
+            <a:picLocks noChangeAspect="1"/>
+          </p:cNvPicPr>
+          <p:nvPr/>
+        </p:nvPicPr>
+        <p:blipFill>
+          <a:blip r:embed="rId6">
+            <a:extLst>
+              <a:ext uri="{28A0092B-C50C-407E-A947-70E740481C1C}">
+                <a14:useLocalDpi xmlns:a14="http://schemas.microsoft.com/office/drawing/2010/main" val="0"/>
+              </a:ext>
+              <a:ext uri="{96DAC541-7B7A-43D3-8B79-37D633B846F1}">
+                <asvg:svgBlip xmlns:asvg="http://schemas.microsoft.com/office/drawing/2016/SVG/main" r:embed="rId7"/>
+              </a:ext>
+            </a:extLst>
+          </a:blip>
+          <a:stretch>
+            <a:fillRect/>
+          </a:stretch>
+        </p:blipFill>
+        <p:spPr>
+          <a:xfrm>
+            <a:off x="9888611" y="2301859"/>
+            <a:ext cx="914400" cy="914400"/>
+          </a:xfrm>
+          <a:prstGeom prst="rect">
+            <a:avLst/>
+          </a:prstGeom>
+        </p:spPr>
+      </p:pic>
+      <p:pic>
+        <p:nvPicPr>
+          <p:cNvPr id="26" name="图形 25" descr="奖牌">
+            <a:extLst>
+              <a:ext uri="{FF2B5EF4-FFF2-40B4-BE49-F238E27FC236}">
+                <a16:creationId xmlns:a16="http://schemas.microsoft.com/office/drawing/2014/main" id="{CE22763D-9607-4CAF-BF53-0B18151C62F0}"/>
+              </a:ext>
+            </a:extLst>
+          </p:cNvPr>
+          <p:cNvPicPr>
+            <a:picLocks noChangeAspect="1"/>
+          </p:cNvPicPr>
+          <p:nvPr/>
+        </p:nvPicPr>
+        <p:blipFill>
+          <a:blip r:embed="rId8">
+            <a:extLst>
+              <a:ext uri="{28A0092B-C50C-407E-A947-70E740481C1C}">
+                <a14:useLocalDpi xmlns:a14="http://schemas.microsoft.com/office/drawing/2010/main" val="0"/>
+              </a:ext>
+              <a:ext uri="{96DAC541-7B7A-43D3-8B79-37D633B846F1}">
+                <asvg:svgBlip xmlns:asvg="http://schemas.microsoft.com/office/drawing/2016/SVG/main" r:embed="rId9"/>
+              </a:ext>
+            </a:extLst>
+          </a:blip>
+          <a:stretch>
+            <a:fillRect/>
+          </a:stretch>
+        </p:blipFill>
+        <p:spPr>
+          <a:xfrm>
+            <a:off x="10606377" y="2301859"/>
+            <a:ext cx="914400" cy="914400"/>
+          </a:xfrm>
+          <a:prstGeom prst="rect">
+            <a:avLst/>
+          </a:prstGeom>
+        </p:spPr>
+      </p:pic>
+      <p:sp>
+        <p:nvSpPr>
+          <p:cNvPr id="27" name="矩形: 圆角 26">
+            <a:extLst>
+              <a:ext uri="{FF2B5EF4-FFF2-40B4-BE49-F238E27FC236}">
+                <a16:creationId xmlns:a16="http://schemas.microsoft.com/office/drawing/2014/main" id="{A2B30E24-6029-4D58-B2DF-EC6EE2D1C13F}"/>
+              </a:ext>
+            </a:extLst>
+          </p:cNvPr>
+          <p:cNvSpPr/>
+          <p:nvPr/>
+        </p:nvSpPr>
+        <p:spPr>
+          <a:xfrm>
+            <a:off x="5375921" y="29739"/>
+            <a:ext cx="720080" cy="346513"/>
+          </a:xfrm>
+          <a:prstGeom prst="roundRect">
+            <a:avLst>
+              <a:gd name="adj" fmla="val 8474"/>
+            </a:avLst>
+          </a:prstGeom>
+          <a:gradFill>
+            <a:gsLst>
+              <a:gs pos="0">
+                <a:srgbClr val="FCE8C8">
+                  <a:alpha val="50000"/>
+                </a:srgbClr>
+              </a:gs>
+              <a:gs pos="50000">
+                <a:srgbClr val="DEC7AB">
+                  <a:alpha val="50000"/>
+                </a:srgbClr>
+              </a:gs>
+              <a:gs pos="100000">
+                <a:srgbClr val="FFFF00">
+                  <a:alpha val="50000"/>
+                </a:srgbClr>
+              </a:gs>
+            </a:gsLst>
+          </a:gradFill>
+          <a:ln>
+            <a:noFill/>
+          </a:ln>
+        </p:spPr>
+        <p:style>
+          <a:lnRef idx="1">
+            <a:schemeClr val="accent2"/>
+          </a:lnRef>
+          <a:fillRef idx="3">
+            <a:schemeClr val="accent2"/>
+          </a:fillRef>
+          <a:effectRef idx="2">
+            <a:schemeClr val="accent2"/>
+          </a:effectRef>
+          <a:fontRef idx="minor">
+            <a:schemeClr val="lt1"/>
+          </a:fontRef>
+        </p:style>
+        <p:txBody>
+          <a:bodyPr rtlCol="0" anchor="ctr"/>
+          <a:lstStyle/>
+          <a:p>
+            <a:pPr algn="ctr"/>
+            <a:r>
+              <a:rPr lang="en-US" altLang="zh-CN" dirty="0"/>
+              <a:t>stress</a:t>
+            </a:r>
+            <a:endParaRPr lang="zh-CN" altLang="en-US" dirty="0"/>
+          </a:p>
+        </p:txBody>
+      </p:sp>
+      <p:sp>
+        <p:nvSpPr>
+          <p:cNvPr id="28" name="矩形: 圆角 27">
+            <a:extLst>
+              <a:ext uri="{FF2B5EF4-FFF2-40B4-BE49-F238E27FC236}">
+                <a16:creationId xmlns:a16="http://schemas.microsoft.com/office/drawing/2014/main" id="{BACEB1FB-1A01-4A91-A225-0C4612A02E49}"/>
+              </a:ext>
+            </a:extLst>
+          </p:cNvPr>
+          <p:cNvSpPr/>
+          <p:nvPr/>
+        </p:nvSpPr>
+        <p:spPr>
+          <a:xfrm>
+            <a:off x="9696400" y="3429000"/>
+            <a:ext cx="720080" cy="720080"/>
+          </a:xfrm>
+          <a:prstGeom prst="roundRect">
+            <a:avLst/>
+          </a:prstGeom>
+          <a:noFill/>
+          <a:ln w="76200">
+            <a:solidFill>
+              <a:schemeClr val="accent2">
+                <a:lumMod val="75000"/>
+              </a:schemeClr>
+            </a:solidFill>
+          </a:ln>
+        </p:spPr>
+        <p:style>
+          <a:lnRef idx="2">
+            <a:schemeClr val="accent1">
+              <a:shade val="50000"/>
+            </a:schemeClr>
+          </a:lnRef>
+          <a:fillRef idx="1">
+            <a:schemeClr val="accent1"/>
+          </a:fillRef>
+          <a:effectRef idx="0">
+            <a:schemeClr val="accent1"/>
+          </a:effectRef>
+          <a:fontRef idx="minor">
+            <a:schemeClr val="lt1"/>
+          </a:fontRef>
+        </p:style>
+        <p:txBody>
+          <a:bodyPr rtlCol="0" anchor="ctr"/>
+          <a:lstStyle/>
+          <a:p>
+            <a:pPr algn="ctr"/>
+            <a:endParaRPr lang="zh-CN" altLang="en-US"/>
+          </a:p>
+        </p:txBody>
+      </p:sp>
+      <p:sp>
+        <p:nvSpPr>
+          <p:cNvPr id="29" name="矩形 28">
+            <a:extLst>
+              <a:ext uri="{FF2B5EF4-FFF2-40B4-BE49-F238E27FC236}">
+                <a16:creationId xmlns:a16="http://schemas.microsoft.com/office/drawing/2014/main" id="{4D93BC61-3C7E-40B4-8793-B5AE0D68B317}"/>
+              </a:ext>
+            </a:extLst>
+          </p:cNvPr>
+          <p:cNvSpPr/>
+          <p:nvPr/>
+        </p:nvSpPr>
+        <p:spPr>
+          <a:xfrm>
+            <a:off x="4655840" y="4149080"/>
+            <a:ext cx="720080" cy="720080"/>
+          </a:xfrm>
+          <a:prstGeom prst="rect">
+            <a:avLst/>
+          </a:prstGeom>
+          <a:gradFill>
+            <a:gsLst>
+              <a:gs pos="0">
+                <a:schemeClr val="bg1">
+                  <a:alpha val="70000"/>
+                </a:schemeClr>
+              </a:gs>
+              <a:gs pos="100000">
+                <a:srgbClr val="DFDFDF">
+                  <a:alpha val="70000"/>
+                </a:srgbClr>
+              </a:gs>
+              <a:gs pos="50000">
+                <a:schemeClr val="bg1">
+                  <a:lumMod val="75000"/>
+                </a:schemeClr>
+              </a:gs>
+            </a:gsLst>
+            <a:lin ang="5400000" scaled="1"/>
+          </a:gradFill>
+          <a:ln>
+            <a:noFill/>
+          </a:ln>
+        </p:spPr>
+        <p:style>
+          <a:lnRef idx="2">
+            <a:schemeClr val="accent1">
+              <a:shade val="50000"/>
+            </a:schemeClr>
+          </a:lnRef>
+          <a:fillRef idx="1">
+            <a:schemeClr val="accent1"/>
+          </a:fillRef>
+          <a:effectRef idx="0">
+            <a:schemeClr val="accent1"/>
+          </a:effectRef>
+          <a:fontRef idx="minor">
+            <a:schemeClr val="lt1"/>
+          </a:fontRef>
+        </p:style>
+        <p:txBody>
+          <a:bodyPr rtlCol="0" anchor="ctr"/>
+          <a:lstStyle/>
+          <a:p>
+            <a:pPr algn="ctr"/>
+            <a:endParaRPr lang="zh-CN" altLang="en-US"/>
           </a:p>
         </p:txBody>
       </p:sp>
@@ -8806,9 +12755,10 @@
               <a:t>                                                                           </a:t>
             </a:r>
             <a:r>
-              <a:rPr lang="zh-CN" altLang="en-US" dirty="0"/>
-              <a:t>日程修改</a:t>
-            </a:r>
+              <a:rPr lang="zh-CN" altLang="en-US"/>
+              <a:t>日程修改及下一步执行选择</a:t>
+            </a:r>
+            <a:endParaRPr lang="zh-CN" altLang="en-US" dirty="0"/>
           </a:p>
         </p:txBody>
       </p:sp>

--- a/docs/界面布局.pptx
+++ b/docs/界面布局.pptx
@@ -5,7 +5,7 @@
     <p:sldMasterId id="2147483648" r:id="rId1"/>
   </p:sldMasterIdLst>
   <p:notesMasterIdLst>
-    <p:notesMasterId r:id="rId19"/>
+    <p:notesMasterId r:id="rId20"/>
   </p:notesMasterIdLst>
   <p:sldIdLst>
     <p:sldId id="256" r:id="rId2"/>
@@ -17,14 +17,15 @@
     <p:sldId id="260" r:id="rId8"/>
     <p:sldId id="263" r:id="rId9"/>
     <p:sldId id="264" r:id="rId10"/>
-    <p:sldId id="270" r:id="rId11"/>
-    <p:sldId id="265" r:id="rId12"/>
-    <p:sldId id="273" r:id="rId13"/>
-    <p:sldId id="274" r:id="rId14"/>
-    <p:sldId id="269" r:id="rId15"/>
-    <p:sldId id="272" r:id="rId16"/>
-    <p:sldId id="271" r:id="rId17"/>
-    <p:sldId id="268" r:id="rId18"/>
+    <p:sldId id="275" r:id="rId11"/>
+    <p:sldId id="270" r:id="rId12"/>
+    <p:sldId id="265" r:id="rId13"/>
+    <p:sldId id="273" r:id="rId14"/>
+    <p:sldId id="274" r:id="rId15"/>
+    <p:sldId id="269" r:id="rId16"/>
+    <p:sldId id="272" r:id="rId17"/>
+    <p:sldId id="271" r:id="rId18"/>
+    <p:sldId id="268" r:id="rId19"/>
   </p:sldIdLst>
   <p:sldSz cx="12192000" cy="6858000"/>
   <p:notesSz cx="6858000" cy="9144000"/>
@@ -224,7 +225,7 @@
           <a:p>
             <a:fld id="{0B735F85-8D0E-4C72-ADEF-84E63D7E4196}" type="datetimeFigureOut">
               <a:rPr lang="zh-CN" altLang="en-US" smtClean="0"/>
-              <a:t>2018/3/13</a:t>
+              <a:t>2018/3/14</a:t>
             </a:fld>
             <a:endParaRPr lang="zh-CN" altLang="en-US"/>
           </a:p>
@@ -777,7 +778,7 @@
                 <a:tabLst/>
                 <a:defRPr/>
               </a:pPr>
-              <a:t>17</a:t>
+              <a:t>18</a:t>
             </a:fld>
             <a:endParaRPr kumimoji="0" lang="zh-CN" altLang="en-US" sz="1200" b="0" i="0" u="none" strike="noStrike" kern="1200" cap="none" spc="0" normalizeH="0" baseline="0" noProof="0">
               <a:ln>
@@ -956,7 +957,7 @@
           <a:p>
             <a:fld id="{07DCFD4D-F2C7-4606-9C80-FEB65262871E}" type="datetimeFigureOut">
               <a:rPr lang="zh-CN" altLang="en-US" smtClean="0"/>
-              <a:t>2018/3/13</a:t>
+              <a:t>2018/3/14</a:t>
             </a:fld>
             <a:endParaRPr lang="zh-CN" altLang="en-US"/>
           </a:p>
@@ -1154,7 +1155,7 @@
           <a:p>
             <a:fld id="{07DCFD4D-F2C7-4606-9C80-FEB65262871E}" type="datetimeFigureOut">
               <a:rPr lang="zh-CN" altLang="en-US" smtClean="0"/>
-              <a:t>2018/3/13</a:t>
+              <a:t>2018/3/14</a:t>
             </a:fld>
             <a:endParaRPr lang="zh-CN" altLang="en-US"/>
           </a:p>
@@ -1362,7 +1363,7 @@
           <a:p>
             <a:fld id="{07DCFD4D-F2C7-4606-9C80-FEB65262871E}" type="datetimeFigureOut">
               <a:rPr lang="zh-CN" altLang="en-US" smtClean="0"/>
-              <a:t>2018/3/13</a:t>
+              <a:t>2018/3/14</a:t>
             </a:fld>
             <a:endParaRPr lang="zh-CN" altLang="en-US"/>
           </a:p>
@@ -1560,7 +1561,7 @@
           <a:p>
             <a:fld id="{07DCFD4D-F2C7-4606-9C80-FEB65262871E}" type="datetimeFigureOut">
               <a:rPr lang="zh-CN" altLang="en-US" smtClean="0"/>
-              <a:t>2018/3/13</a:t>
+              <a:t>2018/3/14</a:t>
             </a:fld>
             <a:endParaRPr lang="zh-CN" altLang="en-US"/>
           </a:p>
@@ -1835,7 +1836,7 @@
           <a:p>
             <a:fld id="{07DCFD4D-F2C7-4606-9C80-FEB65262871E}" type="datetimeFigureOut">
               <a:rPr lang="zh-CN" altLang="en-US" smtClean="0"/>
-              <a:t>2018/3/13</a:t>
+              <a:t>2018/3/14</a:t>
             </a:fld>
             <a:endParaRPr lang="zh-CN" altLang="en-US"/>
           </a:p>
@@ -2100,7 +2101,7 @@
           <a:p>
             <a:fld id="{07DCFD4D-F2C7-4606-9C80-FEB65262871E}" type="datetimeFigureOut">
               <a:rPr lang="zh-CN" altLang="en-US" smtClean="0"/>
-              <a:t>2018/3/13</a:t>
+              <a:t>2018/3/14</a:t>
             </a:fld>
             <a:endParaRPr lang="zh-CN" altLang="en-US"/>
           </a:p>
@@ -2512,7 +2513,7 @@
           <a:p>
             <a:fld id="{07DCFD4D-F2C7-4606-9C80-FEB65262871E}" type="datetimeFigureOut">
               <a:rPr lang="zh-CN" altLang="en-US" smtClean="0"/>
-              <a:t>2018/3/13</a:t>
+              <a:t>2018/3/14</a:t>
             </a:fld>
             <a:endParaRPr lang="zh-CN" altLang="en-US"/>
           </a:p>
@@ -2653,7 +2654,7 @@
           <a:p>
             <a:fld id="{07DCFD4D-F2C7-4606-9C80-FEB65262871E}" type="datetimeFigureOut">
               <a:rPr lang="zh-CN" altLang="en-US" smtClean="0"/>
-              <a:t>2018/3/13</a:t>
+              <a:t>2018/3/14</a:t>
             </a:fld>
             <a:endParaRPr lang="zh-CN" altLang="en-US"/>
           </a:p>
@@ -2766,7 +2767,7 @@
           <a:p>
             <a:fld id="{07DCFD4D-F2C7-4606-9C80-FEB65262871E}" type="datetimeFigureOut">
               <a:rPr lang="zh-CN" altLang="en-US" smtClean="0"/>
-              <a:t>2018/3/13</a:t>
+              <a:t>2018/3/14</a:t>
             </a:fld>
             <a:endParaRPr lang="zh-CN" altLang="en-US"/>
           </a:p>
@@ -3077,7 +3078,7 @@
           <a:p>
             <a:fld id="{07DCFD4D-F2C7-4606-9C80-FEB65262871E}" type="datetimeFigureOut">
               <a:rPr lang="zh-CN" altLang="en-US" smtClean="0"/>
-              <a:t>2018/3/13</a:t>
+              <a:t>2018/3/14</a:t>
             </a:fld>
             <a:endParaRPr lang="zh-CN" altLang="en-US"/>
           </a:p>
@@ -3365,7 +3366,7 @@
           <a:p>
             <a:fld id="{07DCFD4D-F2C7-4606-9C80-FEB65262871E}" type="datetimeFigureOut">
               <a:rPr lang="zh-CN" altLang="en-US" smtClean="0"/>
-              <a:t>2018/3/13</a:t>
+              <a:t>2018/3/14</a:t>
             </a:fld>
             <a:endParaRPr lang="zh-CN" altLang="en-US"/>
           </a:p>
@@ -3606,7 +3607,7 @@
           <a:p>
             <a:fld id="{07DCFD4D-F2C7-4606-9C80-FEB65262871E}" type="datetimeFigureOut">
               <a:rPr lang="zh-CN" altLang="en-US" smtClean="0"/>
-              <a:t>2018/3/13</a:t>
+              <a:t>2018/3/14</a:t>
             </a:fld>
             <a:endParaRPr lang="zh-CN" altLang="en-US"/>
           </a:p>
@@ -4384,6 +4385,258 @@
       </p:sp>
       <p:sp>
         <p:nvSpPr>
+          <p:cNvPr id="3" name="矩形 2">
+            <a:extLst>
+              <a:ext uri="{FF2B5EF4-FFF2-40B4-BE49-F238E27FC236}">
+                <a16:creationId xmlns:a16="http://schemas.microsoft.com/office/drawing/2014/main" id="{B98E0B21-F75E-458F-A0E2-7B09141243AC}"/>
+              </a:ext>
+            </a:extLst>
+          </p:cNvPr>
+          <p:cNvSpPr/>
+          <p:nvPr/>
+        </p:nvSpPr>
+        <p:spPr>
+          <a:xfrm>
+            <a:off x="0" y="0"/>
+            <a:ext cx="12192000" cy="419100"/>
+          </a:xfrm>
+          <a:prstGeom prst="rect">
+            <a:avLst/>
+          </a:prstGeom>
+        </p:spPr>
+        <p:style>
+          <a:lnRef idx="1">
+            <a:schemeClr val="accent4"/>
+          </a:lnRef>
+          <a:fillRef idx="3">
+            <a:schemeClr val="accent4"/>
+          </a:fillRef>
+          <a:effectRef idx="2">
+            <a:schemeClr val="accent4"/>
+          </a:effectRef>
+          <a:fontRef idx="minor">
+            <a:schemeClr val="lt1"/>
+          </a:fontRef>
+        </p:style>
+        <p:txBody>
+          <a:bodyPr rtlCol="0" anchor="ctr"/>
+          <a:lstStyle/>
+          <a:p>
+            <a:pPr algn="ctr"/>
+            <a:endParaRPr lang="zh-CN" altLang="en-US"/>
+          </a:p>
+        </p:txBody>
+      </p:sp>
+      <p:sp>
+        <p:nvSpPr>
+          <p:cNvPr id="6" name="矩形: 圆角 5">
+            <a:extLst>
+              <a:ext uri="{FF2B5EF4-FFF2-40B4-BE49-F238E27FC236}">
+                <a16:creationId xmlns:a16="http://schemas.microsoft.com/office/drawing/2014/main" id="{88AA75E9-C029-4696-981E-71396073A143}"/>
+              </a:ext>
+            </a:extLst>
+          </p:cNvPr>
+          <p:cNvSpPr/>
+          <p:nvPr/>
+        </p:nvSpPr>
+        <p:spPr>
+          <a:xfrm>
+            <a:off x="11136560" y="36001"/>
+            <a:ext cx="1044336" cy="350901"/>
+          </a:xfrm>
+          <a:prstGeom prst="roundRect">
+            <a:avLst>
+              <a:gd name="adj" fmla="val 26281"/>
+            </a:avLst>
+          </a:prstGeom>
+          <a:ln>
+            <a:noFill/>
+          </a:ln>
+        </p:spPr>
+        <p:style>
+          <a:lnRef idx="1">
+            <a:schemeClr val="accent2"/>
+          </a:lnRef>
+          <a:fillRef idx="3">
+            <a:schemeClr val="accent2"/>
+          </a:fillRef>
+          <a:effectRef idx="2">
+            <a:schemeClr val="accent2"/>
+          </a:effectRef>
+          <a:fontRef idx="minor">
+            <a:schemeClr val="lt1"/>
+          </a:fontRef>
+        </p:style>
+        <p:txBody>
+          <a:bodyPr rtlCol="0" anchor="ctr"/>
+          <a:lstStyle/>
+          <a:p>
+            <a:pPr algn="ctr"/>
+            <a:r>
+              <a:rPr lang="zh-CN" altLang="en-US" dirty="0"/>
+              <a:t>菜单</a:t>
+            </a:r>
+          </a:p>
+        </p:txBody>
+      </p:sp>
+      <p:sp>
+        <p:nvSpPr>
+          <p:cNvPr id="12" name="矩形: 圆角 11">
+            <a:extLst>
+              <a:ext uri="{FF2B5EF4-FFF2-40B4-BE49-F238E27FC236}">
+                <a16:creationId xmlns:a16="http://schemas.microsoft.com/office/drawing/2014/main" id="{55C2C92D-DFF2-4B93-B359-78055FA76B45}"/>
+              </a:ext>
+            </a:extLst>
+          </p:cNvPr>
+          <p:cNvSpPr/>
+          <p:nvPr/>
+        </p:nvSpPr>
+        <p:spPr>
+          <a:xfrm>
+            <a:off x="119336" y="29742"/>
+            <a:ext cx="4464496" cy="357160"/>
+          </a:xfrm>
+          <a:prstGeom prst="roundRect">
+            <a:avLst>
+              <a:gd name="adj" fmla="val 26281"/>
+            </a:avLst>
+          </a:prstGeom>
+          <a:ln>
+            <a:noFill/>
+          </a:ln>
+        </p:spPr>
+        <p:style>
+          <a:lnRef idx="1">
+            <a:schemeClr val="accent2"/>
+          </a:lnRef>
+          <a:fillRef idx="3">
+            <a:schemeClr val="accent2"/>
+          </a:fillRef>
+          <a:effectRef idx="2">
+            <a:schemeClr val="accent2"/>
+          </a:effectRef>
+          <a:fontRef idx="minor">
+            <a:schemeClr val="lt1"/>
+          </a:fontRef>
+        </p:style>
+        <p:txBody>
+          <a:bodyPr rtlCol="0" anchor="ctr"/>
+          <a:lstStyle/>
+          <a:p>
+            <a:pPr algn="ctr"/>
+            <a:r>
+              <a:rPr lang="zh-CN" altLang="en-US" dirty="0"/>
+              <a:t>时间轴（含调速及暂停）</a:t>
+            </a:r>
+          </a:p>
+        </p:txBody>
+      </p:sp>
+      <p:sp>
+        <p:nvSpPr>
+          <p:cNvPr id="13" name="矩形: 圆角 12">
+            <a:extLst>
+              <a:ext uri="{FF2B5EF4-FFF2-40B4-BE49-F238E27FC236}">
+                <a16:creationId xmlns:a16="http://schemas.microsoft.com/office/drawing/2014/main" id="{F575A0EF-C4AD-4198-92BF-3F8F85F3C2E9}"/>
+              </a:ext>
+            </a:extLst>
+          </p:cNvPr>
+          <p:cNvSpPr/>
+          <p:nvPr/>
+        </p:nvSpPr>
+        <p:spPr>
+          <a:xfrm>
+            <a:off x="4610031" y="29742"/>
+            <a:ext cx="5394321" cy="346513"/>
+          </a:xfrm>
+          <a:prstGeom prst="roundRect">
+            <a:avLst>
+              <a:gd name="adj" fmla="val 26281"/>
+            </a:avLst>
+          </a:prstGeom>
+          <a:ln>
+            <a:noFill/>
+          </a:ln>
+        </p:spPr>
+        <p:style>
+          <a:lnRef idx="1">
+            <a:schemeClr val="accent2"/>
+          </a:lnRef>
+          <a:fillRef idx="3">
+            <a:schemeClr val="accent2"/>
+          </a:fillRef>
+          <a:effectRef idx="2">
+            <a:schemeClr val="accent2"/>
+          </a:effectRef>
+          <a:fontRef idx="minor">
+            <a:schemeClr val="lt1"/>
+          </a:fontRef>
+        </p:style>
+        <p:txBody>
+          <a:bodyPr rtlCol="0" anchor="ctr"/>
+          <a:lstStyle/>
+          <a:p>
+            <a:pPr algn="ctr"/>
+            <a:r>
+              <a:rPr lang="zh-CN" altLang="en-US" dirty="0"/>
+              <a:t>数值栏</a:t>
+            </a:r>
+          </a:p>
+        </p:txBody>
+      </p:sp>
+      <p:sp>
+        <p:nvSpPr>
+          <p:cNvPr id="14" name="矩形: 圆角 13">
+            <a:extLst>
+              <a:ext uri="{FF2B5EF4-FFF2-40B4-BE49-F238E27FC236}">
+                <a16:creationId xmlns:a16="http://schemas.microsoft.com/office/drawing/2014/main" id="{4683ADD9-8A4A-4EAB-ACC8-330BF003441C}"/>
+              </a:ext>
+            </a:extLst>
+          </p:cNvPr>
+          <p:cNvSpPr/>
+          <p:nvPr/>
+        </p:nvSpPr>
+        <p:spPr>
+          <a:xfrm>
+            <a:off x="10048288" y="29742"/>
+            <a:ext cx="1044336" cy="346513"/>
+          </a:xfrm>
+          <a:prstGeom prst="roundRect">
+            <a:avLst>
+              <a:gd name="adj" fmla="val 26281"/>
+            </a:avLst>
+          </a:prstGeom>
+          <a:ln>
+            <a:noFill/>
+          </a:ln>
+        </p:spPr>
+        <p:style>
+          <a:lnRef idx="1">
+            <a:schemeClr val="accent2"/>
+          </a:lnRef>
+          <a:fillRef idx="3">
+            <a:schemeClr val="accent2"/>
+          </a:fillRef>
+          <a:effectRef idx="2">
+            <a:schemeClr val="accent2"/>
+          </a:effectRef>
+          <a:fontRef idx="minor">
+            <a:schemeClr val="lt1"/>
+          </a:fontRef>
+        </p:style>
+        <p:txBody>
+          <a:bodyPr rtlCol="0" anchor="ctr"/>
+          <a:lstStyle/>
+          <a:p>
+            <a:pPr algn="ctr"/>
+            <a:r>
+              <a:rPr lang="zh-CN" altLang="en-US" dirty="0"/>
+              <a:t>人物</a:t>
+            </a:r>
+          </a:p>
+        </p:txBody>
+      </p:sp>
+      <p:sp>
+        <p:nvSpPr>
           <p:cNvPr id="17" name="矩形: 圆角 16">
             <a:extLst>
               <a:ext uri="{FF2B5EF4-FFF2-40B4-BE49-F238E27FC236}">
@@ -4396,8 +4649,8 @@
         </p:nvSpPr>
         <p:spPr>
           <a:xfrm>
-            <a:off x="9120337" y="200045"/>
-            <a:ext cx="2952327" cy="6457909"/>
+            <a:off x="4666478" y="416644"/>
+            <a:ext cx="7514418" cy="6441356"/>
           </a:xfrm>
           <a:prstGeom prst="roundRect">
             <a:avLst>
@@ -4455,19 +4708,31 @@
           <a:lstStyle/>
           <a:p>
             <a:pPr algn="ctr"/>
+            <a:endParaRPr lang="en-US" altLang="zh-CN" dirty="0"/>
+          </a:p>
+          <a:p>
+            <a:pPr algn="ctr"/>
+            <a:endParaRPr lang="en-US" altLang="zh-CN" dirty="0"/>
+          </a:p>
+          <a:p>
+            <a:pPr algn="ctr"/>
+            <a:endParaRPr lang="en-US" altLang="zh-CN" dirty="0"/>
+          </a:p>
+          <a:p>
+            <a:pPr algn="ctr"/>
             <a:r>
               <a:rPr lang="zh-CN" altLang="en-US" dirty="0"/>
-              <a:t>选择（标签）</a:t>
-            </a:r>
-          </a:p>
-        </p:txBody>
-      </p:sp>
-      <p:sp>
-        <p:nvSpPr>
-          <p:cNvPr id="20" name="矩形: 圆角 19">
-            <a:extLst>
-              <a:ext uri="{FF2B5EF4-FFF2-40B4-BE49-F238E27FC236}">
-                <a16:creationId xmlns:a16="http://schemas.microsoft.com/office/drawing/2014/main" id="{02D08665-04D6-4F99-B914-615DCD2EEBDE}"/>
+              <a:t>题目</a:t>
+            </a:r>
+          </a:p>
+        </p:txBody>
+      </p:sp>
+      <p:sp>
+        <p:nvSpPr>
+          <p:cNvPr id="11" name="矩形: 圆角 10">
+            <a:extLst>
+              <a:ext uri="{FF2B5EF4-FFF2-40B4-BE49-F238E27FC236}">
+                <a16:creationId xmlns:a16="http://schemas.microsoft.com/office/drawing/2014/main" id="{78C1E0E9-5926-462C-8808-06FD91826F2E}"/>
               </a:ext>
             </a:extLst>
           </p:cNvPr>
@@ -4476,12 +4741,12 @@
         </p:nvSpPr>
         <p:spPr>
           <a:xfrm>
-            <a:off x="263351" y="1196751"/>
-            <a:ext cx="8712969" cy="5461201"/>
+            <a:off x="4674555" y="459489"/>
+            <a:ext cx="4949837" cy="6398511"/>
           </a:xfrm>
           <a:prstGeom prst="roundRect">
             <a:avLst>
-              <a:gd name="adj" fmla="val 2759"/>
+              <a:gd name="adj" fmla="val 4808"/>
             </a:avLst>
           </a:prstGeom>
           <a:gradFill>
@@ -4535,16 +4800,19 @@
           <a:lstStyle/>
           <a:p>
             <a:pPr algn="ctr"/>
-            <a:endParaRPr lang="zh-CN" altLang="en-US" dirty="0"/>
-          </a:p>
-        </p:txBody>
-      </p:sp>
-      <p:sp>
-        <p:nvSpPr>
-          <p:cNvPr id="11" name="矩形: 圆角 10">
-            <a:extLst>
-              <a:ext uri="{FF2B5EF4-FFF2-40B4-BE49-F238E27FC236}">
-                <a16:creationId xmlns:a16="http://schemas.microsoft.com/office/drawing/2014/main" id="{78C1E0E9-5926-462C-8808-06FD91826F2E}"/>
+            <a:r>
+              <a:rPr lang="zh-CN" altLang="en-US" dirty="0"/>
+              <a:t>思考树</a:t>
+            </a:r>
+          </a:p>
+        </p:txBody>
+      </p:sp>
+      <p:sp>
+        <p:nvSpPr>
+          <p:cNvPr id="2" name="矩形: 圆顶角 1">
+            <a:extLst>
+              <a:ext uri="{FF2B5EF4-FFF2-40B4-BE49-F238E27FC236}">
+                <a16:creationId xmlns:a16="http://schemas.microsoft.com/office/drawing/2014/main" id="{49291E56-0846-4BBC-A8ED-E1881E5BFF70}"/>
               </a:ext>
             </a:extLst>
           </p:cNvPr>
@@ -4552,13 +4820,145 @@
           <p:nvPr/>
         </p:nvSpPr>
         <p:spPr>
-          <a:xfrm>
-            <a:off x="407367" y="1268760"/>
-            <a:ext cx="4176464" cy="4654154"/>
+          <a:xfrm rot="16200000">
+            <a:off x="3681102" y="115664"/>
+            <a:ext cx="530590" cy="1440160"/>
+          </a:xfrm>
+          <a:prstGeom prst="round2SameRect">
+            <a:avLst/>
+          </a:prstGeom>
+        </p:spPr>
+        <p:style>
+          <a:lnRef idx="1">
+            <a:schemeClr val="accent2"/>
+          </a:lnRef>
+          <a:fillRef idx="3">
+            <a:schemeClr val="accent2"/>
+          </a:fillRef>
+          <a:effectRef idx="2">
+            <a:schemeClr val="accent2"/>
+          </a:effectRef>
+          <a:fontRef idx="minor">
+            <a:schemeClr val="lt1"/>
+          </a:fontRef>
+        </p:style>
+        <p:txBody>
+          <a:bodyPr rtlCol="0" anchor="ctr"/>
+          <a:lstStyle/>
+          <a:p>
+            <a:pPr algn="ctr"/>
+            <a:endParaRPr lang="zh-CN" altLang="en-US"/>
+          </a:p>
+        </p:txBody>
+      </p:sp>
+      <p:sp>
+        <p:nvSpPr>
+          <p:cNvPr id="26" name="矩形: 圆顶角 25">
+            <a:extLst>
+              <a:ext uri="{FF2B5EF4-FFF2-40B4-BE49-F238E27FC236}">
+                <a16:creationId xmlns:a16="http://schemas.microsoft.com/office/drawing/2014/main" id="{FF8290F0-5BD6-4C1D-AE7F-63B9CD951C15}"/>
+              </a:ext>
+            </a:extLst>
+          </p:cNvPr>
+          <p:cNvSpPr/>
+          <p:nvPr/>
+        </p:nvSpPr>
+        <p:spPr>
+          <a:xfrm rot="16200000">
+            <a:off x="3681102" y="718980"/>
+            <a:ext cx="530590" cy="1440160"/>
+          </a:xfrm>
+          <a:prstGeom prst="round2SameRect">
+            <a:avLst/>
+          </a:prstGeom>
+        </p:spPr>
+        <p:style>
+          <a:lnRef idx="1">
+            <a:schemeClr val="accent2"/>
+          </a:lnRef>
+          <a:fillRef idx="3">
+            <a:schemeClr val="accent2"/>
+          </a:fillRef>
+          <a:effectRef idx="2">
+            <a:schemeClr val="accent2"/>
+          </a:effectRef>
+          <a:fontRef idx="minor">
+            <a:schemeClr val="lt1"/>
+          </a:fontRef>
+        </p:style>
+        <p:txBody>
+          <a:bodyPr rtlCol="0" anchor="ctr"/>
+          <a:lstStyle/>
+          <a:p>
+            <a:pPr algn="ctr"/>
+            <a:endParaRPr lang="zh-CN" altLang="en-US"/>
+          </a:p>
+        </p:txBody>
+      </p:sp>
+      <p:sp>
+        <p:nvSpPr>
+          <p:cNvPr id="27" name="矩形: 圆顶角 26">
+            <a:extLst>
+              <a:ext uri="{FF2B5EF4-FFF2-40B4-BE49-F238E27FC236}">
+                <a16:creationId xmlns:a16="http://schemas.microsoft.com/office/drawing/2014/main" id="{DC4D50D6-04EB-45CE-945A-8B0D149BFD0C}"/>
+              </a:ext>
+            </a:extLst>
+          </p:cNvPr>
+          <p:cNvSpPr/>
+          <p:nvPr/>
+        </p:nvSpPr>
+        <p:spPr>
+          <a:xfrm rot="16200000">
+            <a:off x="3688196" y="1322294"/>
+            <a:ext cx="530590" cy="1440160"/>
+          </a:xfrm>
+          <a:prstGeom prst="round2SameRect">
+            <a:avLst/>
+          </a:prstGeom>
+        </p:spPr>
+        <p:style>
+          <a:lnRef idx="1">
+            <a:schemeClr val="accent2"/>
+          </a:lnRef>
+          <a:fillRef idx="3">
+            <a:schemeClr val="accent2"/>
+          </a:fillRef>
+          <a:effectRef idx="2">
+            <a:schemeClr val="accent2"/>
+          </a:effectRef>
+          <a:fontRef idx="minor">
+            <a:schemeClr val="lt1"/>
+          </a:fontRef>
+        </p:style>
+        <p:txBody>
+          <a:bodyPr rtlCol="0" anchor="ctr"/>
+          <a:lstStyle/>
+          <a:p>
+            <a:pPr algn="ctr"/>
+            <a:endParaRPr lang="zh-CN" altLang="en-US"/>
+          </a:p>
+        </p:txBody>
+      </p:sp>
+      <p:sp>
+        <p:nvSpPr>
+          <p:cNvPr id="21" name="矩形: 圆角 20">
+            <a:extLst>
+              <a:ext uri="{FF2B5EF4-FFF2-40B4-BE49-F238E27FC236}">
+                <a16:creationId xmlns:a16="http://schemas.microsoft.com/office/drawing/2014/main" id="{18CA0801-1819-4ABC-BE96-B1BD7E15E12D}"/>
+              </a:ext>
+            </a:extLst>
+          </p:cNvPr>
+          <p:cNvSpPr/>
+          <p:nvPr/>
+        </p:nvSpPr>
+        <p:spPr>
+          <a:xfrm>
+            <a:off x="13470" y="459488"/>
+            <a:ext cx="3201743" cy="6398511"/>
           </a:xfrm>
           <a:prstGeom prst="roundRect">
             <a:avLst>
-              <a:gd name="adj" fmla="val 3852"/>
+              <a:gd name="adj" fmla="val 4808"/>
             </a:avLst>
           </a:prstGeom>
           <a:gradFill>
@@ -4612,19 +5012,75 @@
           <a:lstStyle/>
           <a:p>
             <a:pPr algn="ctr"/>
+            <a:endParaRPr lang="en-US" altLang="zh-CN" dirty="0"/>
+          </a:p>
+          <a:p>
+            <a:pPr algn="ctr"/>
+            <a:endParaRPr lang="en-US" altLang="zh-CN" dirty="0"/>
+          </a:p>
+          <a:p>
+            <a:pPr algn="ctr"/>
+            <a:endParaRPr lang="en-US" altLang="zh-CN" dirty="0"/>
+          </a:p>
+          <a:p>
+            <a:pPr algn="ctr"/>
+            <a:endParaRPr lang="en-US" altLang="zh-CN" dirty="0"/>
+          </a:p>
+          <a:p>
+            <a:pPr algn="ctr"/>
+            <a:endParaRPr lang="en-US" altLang="zh-CN" dirty="0"/>
+          </a:p>
+          <a:p>
+            <a:pPr algn="ctr"/>
+            <a:endParaRPr lang="en-US" altLang="zh-CN" dirty="0"/>
+          </a:p>
+          <a:p>
+            <a:pPr algn="ctr"/>
+            <a:endParaRPr lang="en-US" altLang="zh-CN" dirty="0"/>
+          </a:p>
+          <a:p>
+            <a:pPr algn="ctr"/>
+            <a:endParaRPr lang="en-US" altLang="zh-CN" dirty="0"/>
+          </a:p>
+          <a:p>
+            <a:pPr algn="ctr"/>
+            <a:endParaRPr lang="en-US" altLang="zh-CN" dirty="0"/>
+          </a:p>
+          <a:p>
+            <a:pPr algn="ctr"/>
+            <a:endParaRPr lang="en-US" altLang="zh-CN" dirty="0"/>
+          </a:p>
+          <a:p>
+            <a:pPr algn="ctr"/>
+            <a:endParaRPr lang="en-US" altLang="zh-CN" dirty="0"/>
+          </a:p>
+          <a:p>
+            <a:pPr algn="ctr"/>
+            <a:endParaRPr lang="en-US" altLang="zh-CN" dirty="0"/>
+          </a:p>
+          <a:p>
+            <a:pPr algn="ctr"/>
+            <a:endParaRPr lang="en-US" altLang="zh-CN" dirty="0"/>
+          </a:p>
+          <a:p>
+            <a:pPr algn="ctr"/>
+            <a:endParaRPr lang="en-US" altLang="zh-CN" dirty="0"/>
+          </a:p>
+          <a:p>
+            <a:pPr algn="ctr"/>
             <a:r>
               <a:rPr lang="zh-CN" altLang="en-US" dirty="0"/>
-              <a:t>图像</a:t>
-            </a:r>
-          </a:p>
-        </p:txBody>
-      </p:sp>
-      <p:sp>
-        <p:nvSpPr>
-          <p:cNvPr id="6" name="矩形: 圆角 5">
-            <a:extLst>
-              <a:ext uri="{FF2B5EF4-FFF2-40B4-BE49-F238E27FC236}">
-                <a16:creationId xmlns:a16="http://schemas.microsoft.com/office/drawing/2014/main" id="{88AA75E9-C029-4696-981E-71396073A143}"/>
+              <a:t>策略</a:t>
+            </a:r>
+          </a:p>
+        </p:txBody>
+      </p:sp>
+      <p:sp>
+        <p:nvSpPr>
+          <p:cNvPr id="22" name="矩形: 圆角 21">
+            <a:extLst>
+              <a:ext uri="{FF2B5EF4-FFF2-40B4-BE49-F238E27FC236}">
+                <a16:creationId xmlns:a16="http://schemas.microsoft.com/office/drawing/2014/main" id="{2F5044D5-DACA-4DF2-9AAD-BB2D5358D4BB}"/>
               </a:ext>
             </a:extLst>
           </p:cNvPr>
@@ -4633,113 +5089,12 @@
         </p:nvSpPr>
         <p:spPr>
           <a:xfrm>
-            <a:off x="270661" y="94335"/>
-            <a:ext cx="1044336" cy="350901"/>
+            <a:off x="26116" y="448843"/>
+            <a:ext cx="3189097" cy="819918"/>
           </a:xfrm>
           <a:prstGeom prst="roundRect">
             <a:avLst>
-              <a:gd name="adj" fmla="val 26281"/>
-            </a:avLst>
-          </a:prstGeom>
-          <a:ln>
-            <a:noFill/>
-          </a:ln>
-        </p:spPr>
-        <p:style>
-          <a:lnRef idx="1">
-            <a:schemeClr val="accent2"/>
-          </a:lnRef>
-          <a:fillRef idx="3">
-            <a:schemeClr val="accent2"/>
-          </a:fillRef>
-          <a:effectRef idx="2">
-            <a:schemeClr val="accent2"/>
-          </a:effectRef>
-          <a:fontRef idx="minor">
-            <a:schemeClr val="lt1"/>
-          </a:fontRef>
-        </p:style>
-        <p:txBody>
-          <a:bodyPr rtlCol="0" anchor="ctr"/>
-          <a:lstStyle/>
-          <a:p>
-            <a:pPr algn="ctr"/>
-            <a:r>
-              <a:rPr lang="zh-CN" altLang="en-US" dirty="0"/>
-              <a:t>菜单</a:t>
-            </a:r>
-          </a:p>
-        </p:txBody>
-      </p:sp>
-      <p:sp>
-        <p:nvSpPr>
-          <p:cNvPr id="21" name="矩形: 圆角 20">
-            <a:extLst>
-              <a:ext uri="{FF2B5EF4-FFF2-40B4-BE49-F238E27FC236}">
-                <a16:creationId xmlns:a16="http://schemas.microsoft.com/office/drawing/2014/main" id="{22D1C24C-8A1D-43E7-BA35-0F3C13EE5037}"/>
-              </a:ext>
-            </a:extLst>
-          </p:cNvPr>
-          <p:cNvSpPr/>
-          <p:nvPr/>
-        </p:nvSpPr>
-        <p:spPr>
-          <a:xfrm rot="5400000">
-            <a:off x="8877189" y="3074663"/>
-            <a:ext cx="5897785" cy="288032"/>
-          </a:xfrm>
-          <a:prstGeom prst="roundRect">
-            <a:avLst>
-              <a:gd name="adj" fmla="val 26281"/>
-            </a:avLst>
-          </a:prstGeom>
-          <a:ln>
-            <a:noFill/>
-          </a:ln>
-        </p:spPr>
-        <p:style>
-          <a:lnRef idx="1">
-            <a:schemeClr val="accent2"/>
-          </a:lnRef>
-          <a:fillRef idx="3">
-            <a:schemeClr val="accent2"/>
-          </a:fillRef>
-          <a:effectRef idx="2">
-            <a:schemeClr val="accent2"/>
-          </a:effectRef>
-          <a:fontRef idx="minor">
-            <a:schemeClr val="lt1"/>
-          </a:fontRef>
-        </p:style>
-        <p:txBody>
-          <a:bodyPr rtlCol="0" anchor="ctr"/>
-          <a:lstStyle/>
-          <a:p>
-            <a:pPr algn="ctr"/>
-            <a:endParaRPr lang="zh-CN" altLang="en-US" dirty="0"/>
-          </a:p>
-        </p:txBody>
-      </p:sp>
-      <p:sp>
-        <p:nvSpPr>
-          <p:cNvPr id="22" name="矩形: 圆角 21">
-            <a:extLst>
-              <a:ext uri="{FF2B5EF4-FFF2-40B4-BE49-F238E27FC236}">
-                <a16:creationId xmlns:a16="http://schemas.microsoft.com/office/drawing/2014/main" id="{847DFC6E-6CE0-4784-BC30-65094419A944}"/>
-              </a:ext>
-            </a:extLst>
-          </p:cNvPr>
-          <p:cNvSpPr/>
-          <p:nvPr/>
-        </p:nvSpPr>
-        <p:spPr>
-          <a:xfrm>
-            <a:off x="4655840" y="1268761"/>
-            <a:ext cx="4176464" cy="5245178"/>
-          </a:xfrm>
-          <a:prstGeom prst="roundRect">
-            <a:avLst>
-              <a:gd name="adj" fmla="val 4622"/>
+              <a:gd name="adj" fmla="val 4808"/>
             </a:avLst>
           </a:prstGeom>
           <a:gradFill>
@@ -4795,17 +5150,17 @@
             <a:pPr algn="ctr"/>
             <a:r>
               <a:rPr lang="zh-CN" altLang="en-US" dirty="0"/>
-              <a:t>信息</a:t>
-            </a:r>
-          </a:p>
-        </p:txBody>
-      </p:sp>
-      <p:sp>
-        <p:nvSpPr>
-          <p:cNvPr id="24" name="矩形: 圆角 23">
-            <a:extLst>
-              <a:ext uri="{FF2B5EF4-FFF2-40B4-BE49-F238E27FC236}">
-                <a16:creationId xmlns:a16="http://schemas.microsoft.com/office/drawing/2014/main" id="{F2E1C0E2-F18C-40B2-9343-517F38A06900}"/>
+              <a:t>比赛名</a:t>
+            </a:r>
+          </a:p>
+        </p:txBody>
+      </p:sp>
+      <p:sp>
+        <p:nvSpPr>
+          <p:cNvPr id="23" name="矩形: 圆角 22">
+            <a:extLst>
+              <a:ext uri="{FF2B5EF4-FFF2-40B4-BE49-F238E27FC236}">
+                <a16:creationId xmlns:a16="http://schemas.microsoft.com/office/drawing/2014/main" id="{9C78E1D1-B9CB-442F-BE3F-3E195E7417AB}"/>
               </a:ext>
             </a:extLst>
           </p:cNvPr>
@@ -4814,12 +5169,12 @@
         </p:nvSpPr>
         <p:spPr>
           <a:xfrm>
-            <a:off x="9264351" y="269787"/>
-            <a:ext cx="2345705" cy="998974"/>
+            <a:off x="11103" y="1279406"/>
+            <a:ext cx="3189097" cy="2149594"/>
           </a:xfrm>
           <a:prstGeom prst="roundRect">
             <a:avLst>
-              <a:gd name="adj" fmla="val 4622"/>
+              <a:gd name="adj" fmla="val 4808"/>
             </a:avLst>
           </a:prstGeom>
           <a:gradFill>
@@ -4875,17 +5230,17 @@
             <a:pPr algn="ctr"/>
             <a:r>
               <a:rPr lang="zh-CN" altLang="en-US" dirty="0"/>
-              <a:t>标签</a:t>
-            </a:r>
-          </a:p>
-        </p:txBody>
-      </p:sp>
-      <p:sp>
-        <p:nvSpPr>
-          <p:cNvPr id="25" name="矩形: 圆角 24">
-            <a:extLst>
-              <a:ext uri="{FF2B5EF4-FFF2-40B4-BE49-F238E27FC236}">
-                <a16:creationId xmlns:a16="http://schemas.microsoft.com/office/drawing/2014/main" id="{63229CB3-51F5-47DA-AD7C-DD4AF9CFA58E}"/>
+              <a:t>图标</a:t>
+            </a:r>
+          </a:p>
+        </p:txBody>
+      </p:sp>
+      <p:sp>
+        <p:nvSpPr>
+          <p:cNvPr id="24" name="矩形: 圆角 23">
+            <a:extLst>
+              <a:ext uri="{FF2B5EF4-FFF2-40B4-BE49-F238E27FC236}">
+                <a16:creationId xmlns:a16="http://schemas.microsoft.com/office/drawing/2014/main" id="{50B7D192-FF98-45E3-BDBA-6AB2514D8624}"/>
               </a:ext>
             </a:extLst>
           </p:cNvPr>
@@ -4894,12 +5249,12 @@
         </p:nvSpPr>
         <p:spPr>
           <a:xfrm>
-            <a:off x="9373993" y="304657"/>
-            <a:ext cx="898471" cy="892095"/>
+            <a:off x="17856" y="3429000"/>
+            <a:ext cx="3189097" cy="720080"/>
           </a:xfrm>
           <a:prstGeom prst="roundRect">
             <a:avLst>
-              <a:gd name="adj" fmla="val 4622"/>
+              <a:gd name="adj" fmla="val 4808"/>
             </a:avLst>
           </a:prstGeom>
           <a:gradFill>
@@ -4955,17 +5310,17 @@
             <a:pPr algn="ctr"/>
             <a:r>
               <a:rPr lang="zh-CN" altLang="en-US" dirty="0"/>
-              <a:t>图标</a:t>
-            </a:r>
-          </a:p>
-        </p:txBody>
-      </p:sp>
-      <p:sp>
-        <p:nvSpPr>
-          <p:cNvPr id="34" name="矩形: 圆角 33">
-            <a:extLst>
-              <a:ext uri="{FF2B5EF4-FFF2-40B4-BE49-F238E27FC236}">
-                <a16:creationId xmlns:a16="http://schemas.microsoft.com/office/drawing/2014/main" id="{B7F636B7-EEBA-4AEB-B22E-3F51E1888750}"/>
+              <a:t>当前策略</a:t>
+            </a:r>
+          </a:p>
+        </p:txBody>
+      </p:sp>
+      <p:sp>
+        <p:nvSpPr>
+          <p:cNvPr id="20" name="矩形: 圆角 19">
+            <a:extLst>
+              <a:ext uri="{FF2B5EF4-FFF2-40B4-BE49-F238E27FC236}">
+                <a16:creationId xmlns:a16="http://schemas.microsoft.com/office/drawing/2014/main" id="{02D08665-04D6-4F99-B914-615DCD2EEBDE}"/>
               </a:ext>
             </a:extLst>
           </p:cNvPr>
@@ -4974,12 +5329,12 @@
         </p:nvSpPr>
         <p:spPr>
           <a:xfrm>
-            <a:off x="3482987" y="200044"/>
-            <a:ext cx="2345705" cy="864099"/>
+            <a:off x="9712785" y="448842"/>
+            <a:ext cx="2461359" cy="6373157"/>
           </a:xfrm>
           <a:prstGeom prst="roundRect">
             <a:avLst>
-              <a:gd name="adj" fmla="val 4622"/>
+              <a:gd name="adj" fmla="val 3286"/>
             </a:avLst>
           </a:prstGeom>
           <a:gradFill>
@@ -5035,87 +5390,7 @@
             <a:pPr algn="ctr"/>
             <a:r>
               <a:rPr lang="zh-CN" altLang="en-US" dirty="0"/>
-              <a:t>标题</a:t>
-            </a:r>
-          </a:p>
-        </p:txBody>
-      </p:sp>
-      <p:sp>
-        <p:nvSpPr>
-          <p:cNvPr id="13" name="矩形: 圆角 12">
-            <a:extLst>
-              <a:ext uri="{FF2B5EF4-FFF2-40B4-BE49-F238E27FC236}">
-                <a16:creationId xmlns:a16="http://schemas.microsoft.com/office/drawing/2014/main" id="{0EC4F5B1-4783-48BE-B88E-CD16507ADD36}"/>
-              </a:ext>
-            </a:extLst>
-          </p:cNvPr>
-          <p:cNvSpPr/>
-          <p:nvPr/>
-        </p:nvSpPr>
-        <p:spPr>
-          <a:xfrm>
-            <a:off x="1775518" y="6005111"/>
-            <a:ext cx="1440161" cy="519836"/>
-          </a:xfrm>
-          <a:prstGeom prst="roundRect">
-            <a:avLst>
-              <a:gd name="adj" fmla="val 8474"/>
-            </a:avLst>
-          </a:prstGeom>
-          <a:gradFill>
-            <a:gsLst>
-              <a:gs pos="0">
-                <a:schemeClr val="accent2">
-                  <a:satMod val="103000"/>
-                  <a:lumMod val="102000"/>
-                  <a:tint val="94000"/>
-                  <a:alpha val="30000"/>
-                </a:schemeClr>
-              </a:gs>
-              <a:gs pos="50000">
-                <a:schemeClr val="accent2">
-                  <a:satMod val="110000"/>
-                  <a:lumMod val="100000"/>
-                  <a:shade val="100000"/>
-                  <a:alpha val="30000"/>
-                </a:schemeClr>
-              </a:gs>
-              <a:gs pos="100000">
-                <a:schemeClr val="accent2">
-                  <a:lumMod val="99000"/>
-                  <a:satMod val="120000"/>
-                  <a:shade val="78000"/>
-                  <a:alpha val="30000"/>
-                </a:schemeClr>
-              </a:gs>
-            </a:gsLst>
-          </a:gradFill>
-          <a:ln>
-            <a:noFill/>
-          </a:ln>
-        </p:spPr>
-        <p:style>
-          <a:lnRef idx="1">
-            <a:schemeClr val="accent2"/>
-          </a:lnRef>
-          <a:fillRef idx="3">
-            <a:schemeClr val="accent2"/>
-          </a:fillRef>
-          <a:effectRef idx="2">
-            <a:schemeClr val="accent2"/>
-          </a:effectRef>
-          <a:fontRef idx="minor">
-            <a:schemeClr val="lt1"/>
-          </a:fontRef>
-        </p:style>
-        <p:txBody>
-          <a:bodyPr rtlCol="0" anchor="ctr"/>
-          <a:lstStyle/>
-          <a:p>
-            <a:pPr algn="ctr"/>
-            <a:r>
-              <a:rPr lang="zh-CN" altLang="en-US" dirty="0"/>
-              <a:t>名字</a:t>
+              <a:t>程序</a:t>
             </a:r>
           </a:p>
         </p:txBody>
@@ -5123,7 +5398,7 @@
     </p:spTree>
     <p:extLst>
       <p:ext uri="{BB962C8B-B14F-4D97-AF65-F5344CB8AC3E}">
-        <p14:creationId xmlns:p14="http://schemas.microsoft.com/office/powerpoint/2010/main" val="3889541752"/>
+        <p14:creationId xmlns:p14="http://schemas.microsoft.com/office/powerpoint/2010/main" val="2860392157"/>
       </p:ext>
     </p:extLst>
   </p:cSld>
@@ -5205,10 +5480,10 @@
       </p:sp>
       <p:sp>
         <p:nvSpPr>
-          <p:cNvPr id="3" name="矩形 2">
-            <a:extLst>
-              <a:ext uri="{FF2B5EF4-FFF2-40B4-BE49-F238E27FC236}">
-                <a16:creationId xmlns:a16="http://schemas.microsoft.com/office/drawing/2014/main" id="{B98E0B21-F75E-458F-A0E2-7B09141243AC}"/>
+          <p:cNvPr id="17" name="矩形: 圆角 16">
+            <a:extLst>
+              <a:ext uri="{FF2B5EF4-FFF2-40B4-BE49-F238E27FC236}">
+                <a16:creationId xmlns:a16="http://schemas.microsoft.com/office/drawing/2014/main" id="{02E930DF-EE73-41AA-A9BA-D3A55D36FEEB}"/>
               </a:ext>
             </a:extLst>
           </p:cNvPr>
@@ -5217,264 +5492,12 @@
         </p:nvSpPr>
         <p:spPr>
           <a:xfrm>
-            <a:off x="0" y="0"/>
-            <a:ext cx="12192000" cy="419100"/>
-          </a:xfrm>
-          <a:prstGeom prst="rect">
-            <a:avLst/>
-          </a:prstGeom>
-        </p:spPr>
-        <p:style>
-          <a:lnRef idx="1">
-            <a:schemeClr val="accent4"/>
-          </a:lnRef>
-          <a:fillRef idx="3">
-            <a:schemeClr val="accent4"/>
-          </a:fillRef>
-          <a:effectRef idx="2">
-            <a:schemeClr val="accent4"/>
-          </a:effectRef>
-          <a:fontRef idx="minor">
-            <a:schemeClr val="lt1"/>
-          </a:fontRef>
-        </p:style>
-        <p:txBody>
-          <a:bodyPr rtlCol="0" anchor="ctr"/>
-          <a:lstStyle/>
-          <a:p>
-            <a:pPr algn="ctr"/>
-            <a:endParaRPr lang="zh-CN" altLang="en-US"/>
-          </a:p>
-        </p:txBody>
-      </p:sp>
-      <p:sp>
-        <p:nvSpPr>
-          <p:cNvPr id="6" name="矩形: 圆角 5">
-            <a:extLst>
-              <a:ext uri="{FF2B5EF4-FFF2-40B4-BE49-F238E27FC236}">
-                <a16:creationId xmlns:a16="http://schemas.microsoft.com/office/drawing/2014/main" id="{88AA75E9-C029-4696-981E-71396073A143}"/>
-              </a:ext>
-            </a:extLst>
-          </p:cNvPr>
-          <p:cNvSpPr/>
-          <p:nvPr/>
-        </p:nvSpPr>
-        <p:spPr>
-          <a:xfrm>
-            <a:off x="11120144" y="25354"/>
-            <a:ext cx="1044336" cy="350901"/>
+            <a:off x="9120337" y="200045"/>
+            <a:ext cx="2952327" cy="6457909"/>
           </a:xfrm>
           <a:prstGeom prst="roundRect">
             <a:avLst>
-              <a:gd name="adj" fmla="val 26281"/>
-            </a:avLst>
-          </a:prstGeom>
-          <a:ln>
-            <a:noFill/>
-          </a:ln>
-        </p:spPr>
-        <p:style>
-          <a:lnRef idx="1">
-            <a:schemeClr val="accent2"/>
-          </a:lnRef>
-          <a:fillRef idx="3">
-            <a:schemeClr val="accent2"/>
-          </a:fillRef>
-          <a:effectRef idx="2">
-            <a:schemeClr val="accent2"/>
-          </a:effectRef>
-          <a:fontRef idx="minor">
-            <a:schemeClr val="lt1"/>
-          </a:fontRef>
-        </p:style>
-        <p:txBody>
-          <a:bodyPr rtlCol="0" anchor="ctr"/>
-          <a:lstStyle/>
-          <a:p>
-            <a:pPr algn="ctr"/>
-            <a:r>
-              <a:rPr lang="zh-CN" altLang="en-US" dirty="0"/>
-              <a:t>菜单</a:t>
-            </a:r>
-          </a:p>
-        </p:txBody>
-      </p:sp>
-      <p:sp>
-        <p:nvSpPr>
-          <p:cNvPr id="12" name="矩形: 圆角 11">
-            <a:extLst>
-              <a:ext uri="{FF2B5EF4-FFF2-40B4-BE49-F238E27FC236}">
-                <a16:creationId xmlns:a16="http://schemas.microsoft.com/office/drawing/2014/main" id="{55C2C92D-DFF2-4B93-B359-78055FA76B45}"/>
-              </a:ext>
-            </a:extLst>
-          </p:cNvPr>
-          <p:cNvSpPr/>
-          <p:nvPr/>
-        </p:nvSpPr>
-        <p:spPr>
-          <a:xfrm>
-            <a:off x="119336" y="29742"/>
-            <a:ext cx="4464496" cy="357160"/>
-          </a:xfrm>
-          <a:prstGeom prst="roundRect">
-            <a:avLst>
-              <a:gd name="adj" fmla="val 26281"/>
-            </a:avLst>
-          </a:prstGeom>
-          <a:ln>
-            <a:noFill/>
-          </a:ln>
-        </p:spPr>
-        <p:style>
-          <a:lnRef idx="1">
-            <a:schemeClr val="accent2"/>
-          </a:lnRef>
-          <a:fillRef idx="3">
-            <a:schemeClr val="accent2"/>
-          </a:fillRef>
-          <a:effectRef idx="2">
-            <a:schemeClr val="accent2"/>
-          </a:effectRef>
-          <a:fontRef idx="minor">
-            <a:schemeClr val="lt1"/>
-          </a:fontRef>
-        </p:style>
-        <p:txBody>
-          <a:bodyPr rtlCol="0" anchor="ctr"/>
-          <a:lstStyle/>
-          <a:p>
-            <a:pPr algn="ctr"/>
-            <a:r>
-              <a:rPr lang="zh-CN" altLang="en-US" dirty="0"/>
-              <a:t>时间轴（含调速及暂停）</a:t>
-            </a:r>
-          </a:p>
-        </p:txBody>
-      </p:sp>
-      <p:sp>
-        <p:nvSpPr>
-          <p:cNvPr id="13" name="矩形: 圆角 12">
-            <a:extLst>
-              <a:ext uri="{FF2B5EF4-FFF2-40B4-BE49-F238E27FC236}">
-                <a16:creationId xmlns:a16="http://schemas.microsoft.com/office/drawing/2014/main" id="{F575A0EF-C4AD-4198-92BF-3F8F85F3C2E9}"/>
-              </a:ext>
-            </a:extLst>
-          </p:cNvPr>
-          <p:cNvSpPr/>
-          <p:nvPr/>
-        </p:nvSpPr>
-        <p:spPr>
-          <a:xfrm>
-            <a:off x="4610031" y="29742"/>
-            <a:ext cx="5394321" cy="346513"/>
-          </a:xfrm>
-          <a:prstGeom prst="roundRect">
-            <a:avLst>
-              <a:gd name="adj" fmla="val 26281"/>
-            </a:avLst>
-          </a:prstGeom>
-          <a:ln>
-            <a:noFill/>
-          </a:ln>
-        </p:spPr>
-        <p:style>
-          <a:lnRef idx="1">
-            <a:schemeClr val="accent2"/>
-          </a:lnRef>
-          <a:fillRef idx="3">
-            <a:schemeClr val="accent2"/>
-          </a:fillRef>
-          <a:effectRef idx="2">
-            <a:schemeClr val="accent2"/>
-          </a:effectRef>
-          <a:fontRef idx="minor">
-            <a:schemeClr val="lt1"/>
-          </a:fontRef>
-        </p:style>
-        <p:txBody>
-          <a:bodyPr rtlCol="0" anchor="ctr"/>
-          <a:lstStyle/>
-          <a:p>
-            <a:pPr algn="ctr"/>
-            <a:r>
-              <a:rPr lang="zh-CN" altLang="en-US" dirty="0"/>
-              <a:t>数值栏</a:t>
-            </a:r>
-          </a:p>
-        </p:txBody>
-      </p:sp>
-      <p:sp>
-        <p:nvSpPr>
-          <p:cNvPr id="14" name="矩形: 圆角 13">
-            <a:extLst>
-              <a:ext uri="{FF2B5EF4-FFF2-40B4-BE49-F238E27FC236}">
-                <a16:creationId xmlns:a16="http://schemas.microsoft.com/office/drawing/2014/main" id="{4683ADD9-8A4A-4EAB-ACC8-330BF003441C}"/>
-              </a:ext>
-            </a:extLst>
-          </p:cNvPr>
-          <p:cNvSpPr/>
-          <p:nvPr/>
-        </p:nvSpPr>
-        <p:spPr>
-          <a:xfrm>
-            <a:off x="10048288" y="29742"/>
-            <a:ext cx="1044336" cy="346513"/>
-          </a:xfrm>
-          <a:prstGeom prst="roundRect">
-            <a:avLst>
-              <a:gd name="adj" fmla="val 26281"/>
-            </a:avLst>
-          </a:prstGeom>
-          <a:ln>
-            <a:noFill/>
-          </a:ln>
-        </p:spPr>
-        <p:style>
-          <a:lnRef idx="1">
-            <a:schemeClr val="accent2"/>
-          </a:lnRef>
-          <a:fillRef idx="3">
-            <a:schemeClr val="accent2"/>
-          </a:fillRef>
-          <a:effectRef idx="2">
-            <a:schemeClr val="accent2"/>
-          </a:effectRef>
-          <a:fontRef idx="minor">
-            <a:schemeClr val="lt1"/>
-          </a:fontRef>
-        </p:style>
-        <p:txBody>
-          <a:bodyPr rtlCol="0" anchor="ctr"/>
-          <a:lstStyle/>
-          <a:p>
-            <a:pPr algn="ctr"/>
-            <a:r>
-              <a:rPr lang="zh-CN" altLang="en-US" dirty="0"/>
-              <a:t>人物</a:t>
-            </a:r>
-          </a:p>
-        </p:txBody>
-      </p:sp>
-      <p:sp>
-        <p:nvSpPr>
-          <p:cNvPr id="20" name="矩形: 圆角 19">
-            <a:extLst>
-              <a:ext uri="{FF2B5EF4-FFF2-40B4-BE49-F238E27FC236}">
-                <a16:creationId xmlns:a16="http://schemas.microsoft.com/office/drawing/2014/main" id="{02D08665-04D6-4F99-B914-615DCD2EEBDE}"/>
-              </a:ext>
-            </a:extLst>
-          </p:cNvPr>
-          <p:cNvSpPr/>
-          <p:nvPr/>
-        </p:nvSpPr>
-        <p:spPr>
-          <a:xfrm>
-            <a:off x="3930480" y="980728"/>
-            <a:ext cx="4331040" cy="5328592"/>
-          </a:xfrm>
-          <a:prstGeom prst="roundRect">
-            <a:avLst>
-              <a:gd name="adj" fmla="val 4486"/>
+              <a:gd name="adj" fmla="val 3313"/>
             </a:avLst>
           </a:prstGeom>
           <a:gradFill>
@@ -5530,7 +5553,665 @@
             <a:pPr algn="ctr"/>
             <a:r>
               <a:rPr lang="zh-CN" altLang="en-US" dirty="0"/>
-              <a:t>窗口</a:t>
+              <a:t>选择（标签）</a:t>
+            </a:r>
+          </a:p>
+        </p:txBody>
+      </p:sp>
+      <p:sp>
+        <p:nvSpPr>
+          <p:cNvPr id="20" name="矩形: 圆角 19">
+            <a:extLst>
+              <a:ext uri="{FF2B5EF4-FFF2-40B4-BE49-F238E27FC236}">
+                <a16:creationId xmlns:a16="http://schemas.microsoft.com/office/drawing/2014/main" id="{02D08665-04D6-4F99-B914-615DCD2EEBDE}"/>
+              </a:ext>
+            </a:extLst>
+          </p:cNvPr>
+          <p:cNvSpPr/>
+          <p:nvPr/>
+        </p:nvSpPr>
+        <p:spPr>
+          <a:xfrm>
+            <a:off x="263351" y="1196751"/>
+            <a:ext cx="8712969" cy="5461201"/>
+          </a:xfrm>
+          <a:prstGeom prst="roundRect">
+            <a:avLst>
+              <a:gd name="adj" fmla="val 2759"/>
+            </a:avLst>
+          </a:prstGeom>
+          <a:gradFill>
+            <a:gsLst>
+              <a:gs pos="0">
+                <a:schemeClr val="accent2">
+                  <a:satMod val="103000"/>
+                  <a:lumMod val="102000"/>
+                  <a:tint val="94000"/>
+                  <a:alpha val="30000"/>
+                </a:schemeClr>
+              </a:gs>
+              <a:gs pos="50000">
+                <a:schemeClr val="accent2">
+                  <a:satMod val="110000"/>
+                  <a:lumMod val="100000"/>
+                  <a:shade val="100000"/>
+                  <a:alpha val="30000"/>
+                </a:schemeClr>
+              </a:gs>
+              <a:gs pos="100000">
+                <a:schemeClr val="accent2">
+                  <a:lumMod val="99000"/>
+                  <a:satMod val="120000"/>
+                  <a:shade val="78000"/>
+                  <a:alpha val="30000"/>
+                </a:schemeClr>
+              </a:gs>
+            </a:gsLst>
+          </a:gradFill>
+          <a:ln>
+            <a:noFill/>
+          </a:ln>
+        </p:spPr>
+        <p:style>
+          <a:lnRef idx="1">
+            <a:schemeClr val="accent2"/>
+          </a:lnRef>
+          <a:fillRef idx="3">
+            <a:schemeClr val="accent2"/>
+          </a:fillRef>
+          <a:effectRef idx="2">
+            <a:schemeClr val="accent2"/>
+          </a:effectRef>
+          <a:fontRef idx="minor">
+            <a:schemeClr val="lt1"/>
+          </a:fontRef>
+        </p:style>
+        <p:txBody>
+          <a:bodyPr rtlCol="0" anchor="ctr"/>
+          <a:lstStyle/>
+          <a:p>
+            <a:pPr algn="ctr"/>
+            <a:endParaRPr lang="zh-CN" altLang="en-US" dirty="0"/>
+          </a:p>
+        </p:txBody>
+      </p:sp>
+      <p:sp>
+        <p:nvSpPr>
+          <p:cNvPr id="11" name="矩形: 圆角 10">
+            <a:extLst>
+              <a:ext uri="{FF2B5EF4-FFF2-40B4-BE49-F238E27FC236}">
+                <a16:creationId xmlns:a16="http://schemas.microsoft.com/office/drawing/2014/main" id="{78C1E0E9-5926-462C-8808-06FD91826F2E}"/>
+              </a:ext>
+            </a:extLst>
+          </p:cNvPr>
+          <p:cNvSpPr/>
+          <p:nvPr/>
+        </p:nvSpPr>
+        <p:spPr>
+          <a:xfrm>
+            <a:off x="407367" y="1268760"/>
+            <a:ext cx="4176464" cy="4654154"/>
+          </a:xfrm>
+          <a:prstGeom prst="roundRect">
+            <a:avLst>
+              <a:gd name="adj" fmla="val 3852"/>
+            </a:avLst>
+          </a:prstGeom>
+          <a:gradFill>
+            <a:gsLst>
+              <a:gs pos="0">
+                <a:schemeClr val="accent2">
+                  <a:satMod val="103000"/>
+                  <a:lumMod val="102000"/>
+                  <a:tint val="94000"/>
+                  <a:alpha val="30000"/>
+                </a:schemeClr>
+              </a:gs>
+              <a:gs pos="50000">
+                <a:schemeClr val="accent2">
+                  <a:satMod val="110000"/>
+                  <a:lumMod val="100000"/>
+                  <a:shade val="100000"/>
+                  <a:alpha val="30000"/>
+                </a:schemeClr>
+              </a:gs>
+              <a:gs pos="100000">
+                <a:schemeClr val="accent2">
+                  <a:lumMod val="99000"/>
+                  <a:satMod val="120000"/>
+                  <a:shade val="78000"/>
+                  <a:alpha val="30000"/>
+                </a:schemeClr>
+              </a:gs>
+            </a:gsLst>
+          </a:gradFill>
+          <a:ln>
+            <a:noFill/>
+          </a:ln>
+        </p:spPr>
+        <p:style>
+          <a:lnRef idx="1">
+            <a:schemeClr val="accent2"/>
+          </a:lnRef>
+          <a:fillRef idx="3">
+            <a:schemeClr val="accent2"/>
+          </a:fillRef>
+          <a:effectRef idx="2">
+            <a:schemeClr val="accent2"/>
+          </a:effectRef>
+          <a:fontRef idx="minor">
+            <a:schemeClr val="lt1"/>
+          </a:fontRef>
+        </p:style>
+        <p:txBody>
+          <a:bodyPr rtlCol="0" anchor="ctr"/>
+          <a:lstStyle/>
+          <a:p>
+            <a:pPr algn="ctr"/>
+            <a:r>
+              <a:rPr lang="zh-CN" altLang="en-US" dirty="0"/>
+              <a:t>图像</a:t>
+            </a:r>
+          </a:p>
+        </p:txBody>
+      </p:sp>
+      <p:sp>
+        <p:nvSpPr>
+          <p:cNvPr id="6" name="矩形: 圆角 5">
+            <a:extLst>
+              <a:ext uri="{FF2B5EF4-FFF2-40B4-BE49-F238E27FC236}">
+                <a16:creationId xmlns:a16="http://schemas.microsoft.com/office/drawing/2014/main" id="{88AA75E9-C029-4696-981E-71396073A143}"/>
+              </a:ext>
+            </a:extLst>
+          </p:cNvPr>
+          <p:cNvSpPr/>
+          <p:nvPr/>
+        </p:nvSpPr>
+        <p:spPr>
+          <a:xfrm>
+            <a:off x="270661" y="94335"/>
+            <a:ext cx="1044336" cy="350901"/>
+          </a:xfrm>
+          <a:prstGeom prst="roundRect">
+            <a:avLst>
+              <a:gd name="adj" fmla="val 26281"/>
+            </a:avLst>
+          </a:prstGeom>
+          <a:ln>
+            <a:noFill/>
+          </a:ln>
+        </p:spPr>
+        <p:style>
+          <a:lnRef idx="1">
+            <a:schemeClr val="accent2"/>
+          </a:lnRef>
+          <a:fillRef idx="3">
+            <a:schemeClr val="accent2"/>
+          </a:fillRef>
+          <a:effectRef idx="2">
+            <a:schemeClr val="accent2"/>
+          </a:effectRef>
+          <a:fontRef idx="minor">
+            <a:schemeClr val="lt1"/>
+          </a:fontRef>
+        </p:style>
+        <p:txBody>
+          <a:bodyPr rtlCol="0" anchor="ctr"/>
+          <a:lstStyle/>
+          <a:p>
+            <a:pPr algn="ctr"/>
+            <a:r>
+              <a:rPr lang="zh-CN" altLang="en-US" dirty="0"/>
+              <a:t>菜单</a:t>
+            </a:r>
+          </a:p>
+        </p:txBody>
+      </p:sp>
+      <p:sp>
+        <p:nvSpPr>
+          <p:cNvPr id="21" name="矩形: 圆角 20">
+            <a:extLst>
+              <a:ext uri="{FF2B5EF4-FFF2-40B4-BE49-F238E27FC236}">
+                <a16:creationId xmlns:a16="http://schemas.microsoft.com/office/drawing/2014/main" id="{22D1C24C-8A1D-43E7-BA35-0F3C13EE5037}"/>
+              </a:ext>
+            </a:extLst>
+          </p:cNvPr>
+          <p:cNvSpPr/>
+          <p:nvPr/>
+        </p:nvSpPr>
+        <p:spPr>
+          <a:xfrm rot="5400000">
+            <a:off x="8877189" y="3074663"/>
+            <a:ext cx="5897785" cy="288032"/>
+          </a:xfrm>
+          <a:prstGeom prst="roundRect">
+            <a:avLst>
+              <a:gd name="adj" fmla="val 26281"/>
+            </a:avLst>
+          </a:prstGeom>
+          <a:ln>
+            <a:noFill/>
+          </a:ln>
+        </p:spPr>
+        <p:style>
+          <a:lnRef idx="1">
+            <a:schemeClr val="accent2"/>
+          </a:lnRef>
+          <a:fillRef idx="3">
+            <a:schemeClr val="accent2"/>
+          </a:fillRef>
+          <a:effectRef idx="2">
+            <a:schemeClr val="accent2"/>
+          </a:effectRef>
+          <a:fontRef idx="minor">
+            <a:schemeClr val="lt1"/>
+          </a:fontRef>
+        </p:style>
+        <p:txBody>
+          <a:bodyPr rtlCol="0" anchor="ctr"/>
+          <a:lstStyle/>
+          <a:p>
+            <a:pPr algn="ctr"/>
+            <a:endParaRPr lang="zh-CN" altLang="en-US" dirty="0"/>
+          </a:p>
+        </p:txBody>
+      </p:sp>
+      <p:sp>
+        <p:nvSpPr>
+          <p:cNvPr id="22" name="矩形: 圆角 21">
+            <a:extLst>
+              <a:ext uri="{FF2B5EF4-FFF2-40B4-BE49-F238E27FC236}">
+                <a16:creationId xmlns:a16="http://schemas.microsoft.com/office/drawing/2014/main" id="{847DFC6E-6CE0-4784-BC30-65094419A944}"/>
+              </a:ext>
+            </a:extLst>
+          </p:cNvPr>
+          <p:cNvSpPr/>
+          <p:nvPr/>
+        </p:nvSpPr>
+        <p:spPr>
+          <a:xfrm>
+            <a:off x="4655840" y="1268761"/>
+            <a:ext cx="4176464" cy="5245178"/>
+          </a:xfrm>
+          <a:prstGeom prst="roundRect">
+            <a:avLst>
+              <a:gd name="adj" fmla="val 4622"/>
+            </a:avLst>
+          </a:prstGeom>
+          <a:gradFill>
+            <a:gsLst>
+              <a:gs pos="0">
+                <a:schemeClr val="accent2">
+                  <a:satMod val="103000"/>
+                  <a:lumMod val="102000"/>
+                  <a:tint val="94000"/>
+                  <a:alpha val="30000"/>
+                </a:schemeClr>
+              </a:gs>
+              <a:gs pos="50000">
+                <a:schemeClr val="accent2">
+                  <a:satMod val="110000"/>
+                  <a:lumMod val="100000"/>
+                  <a:shade val="100000"/>
+                  <a:alpha val="30000"/>
+                </a:schemeClr>
+              </a:gs>
+              <a:gs pos="100000">
+                <a:schemeClr val="accent2">
+                  <a:lumMod val="99000"/>
+                  <a:satMod val="120000"/>
+                  <a:shade val="78000"/>
+                  <a:alpha val="30000"/>
+                </a:schemeClr>
+              </a:gs>
+            </a:gsLst>
+          </a:gradFill>
+          <a:ln>
+            <a:noFill/>
+          </a:ln>
+        </p:spPr>
+        <p:style>
+          <a:lnRef idx="1">
+            <a:schemeClr val="accent2"/>
+          </a:lnRef>
+          <a:fillRef idx="3">
+            <a:schemeClr val="accent2"/>
+          </a:fillRef>
+          <a:effectRef idx="2">
+            <a:schemeClr val="accent2"/>
+          </a:effectRef>
+          <a:fontRef idx="minor">
+            <a:schemeClr val="lt1"/>
+          </a:fontRef>
+        </p:style>
+        <p:txBody>
+          <a:bodyPr rtlCol="0" anchor="ctr"/>
+          <a:lstStyle/>
+          <a:p>
+            <a:pPr algn="ctr"/>
+            <a:r>
+              <a:rPr lang="zh-CN" altLang="en-US" dirty="0"/>
+              <a:t>信息</a:t>
+            </a:r>
+          </a:p>
+        </p:txBody>
+      </p:sp>
+      <p:sp>
+        <p:nvSpPr>
+          <p:cNvPr id="24" name="矩形: 圆角 23">
+            <a:extLst>
+              <a:ext uri="{FF2B5EF4-FFF2-40B4-BE49-F238E27FC236}">
+                <a16:creationId xmlns:a16="http://schemas.microsoft.com/office/drawing/2014/main" id="{F2E1C0E2-F18C-40B2-9343-517F38A06900}"/>
+              </a:ext>
+            </a:extLst>
+          </p:cNvPr>
+          <p:cNvSpPr/>
+          <p:nvPr/>
+        </p:nvSpPr>
+        <p:spPr>
+          <a:xfrm>
+            <a:off x="9264351" y="269787"/>
+            <a:ext cx="2345705" cy="998974"/>
+          </a:xfrm>
+          <a:prstGeom prst="roundRect">
+            <a:avLst>
+              <a:gd name="adj" fmla="val 4622"/>
+            </a:avLst>
+          </a:prstGeom>
+          <a:gradFill>
+            <a:gsLst>
+              <a:gs pos="0">
+                <a:schemeClr val="accent2">
+                  <a:satMod val="103000"/>
+                  <a:lumMod val="102000"/>
+                  <a:tint val="94000"/>
+                  <a:alpha val="30000"/>
+                </a:schemeClr>
+              </a:gs>
+              <a:gs pos="50000">
+                <a:schemeClr val="accent2">
+                  <a:satMod val="110000"/>
+                  <a:lumMod val="100000"/>
+                  <a:shade val="100000"/>
+                  <a:alpha val="30000"/>
+                </a:schemeClr>
+              </a:gs>
+              <a:gs pos="100000">
+                <a:schemeClr val="accent2">
+                  <a:lumMod val="99000"/>
+                  <a:satMod val="120000"/>
+                  <a:shade val="78000"/>
+                  <a:alpha val="30000"/>
+                </a:schemeClr>
+              </a:gs>
+            </a:gsLst>
+          </a:gradFill>
+          <a:ln>
+            <a:noFill/>
+          </a:ln>
+        </p:spPr>
+        <p:style>
+          <a:lnRef idx="1">
+            <a:schemeClr val="accent2"/>
+          </a:lnRef>
+          <a:fillRef idx="3">
+            <a:schemeClr val="accent2"/>
+          </a:fillRef>
+          <a:effectRef idx="2">
+            <a:schemeClr val="accent2"/>
+          </a:effectRef>
+          <a:fontRef idx="minor">
+            <a:schemeClr val="lt1"/>
+          </a:fontRef>
+        </p:style>
+        <p:txBody>
+          <a:bodyPr rtlCol="0" anchor="ctr"/>
+          <a:lstStyle/>
+          <a:p>
+            <a:pPr algn="ctr"/>
+            <a:r>
+              <a:rPr lang="zh-CN" altLang="en-US" dirty="0"/>
+              <a:t>标签</a:t>
+            </a:r>
+          </a:p>
+        </p:txBody>
+      </p:sp>
+      <p:sp>
+        <p:nvSpPr>
+          <p:cNvPr id="25" name="矩形: 圆角 24">
+            <a:extLst>
+              <a:ext uri="{FF2B5EF4-FFF2-40B4-BE49-F238E27FC236}">
+                <a16:creationId xmlns:a16="http://schemas.microsoft.com/office/drawing/2014/main" id="{63229CB3-51F5-47DA-AD7C-DD4AF9CFA58E}"/>
+              </a:ext>
+            </a:extLst>
+          </p:cNvPr>
+          <p:cNvSpPr/>
+          <p:nvPr/>
+        </p:nvSpPr>
+        <p:spPr>
+          <a:xfrm>
+            <a:off x="9373993" y="304657"/>
+            <a:ext cx="898471" cy="892095"/>
+          </a:xfrm>
+          <a:prstGeom prst="roundRect">
+            <a:avLst>
+              <a:gd name="adj" fmla="val 4622"/>
+            </a:avLst>
+          </a:prstGeom>
+          <a:gradFill>
+            <a:gsLst>
+              <a:gs pos="0">
+                <a:schemeClr val="accent2">
+                  <a:satMod val="103000"/>
+                  <a:lumMod val="102000"/>
+                  <a:tint val="94000"/>
+                  <a:alpha val="30000"/>
+                </a:schemeClr>
+              </a:gs>
+              <a:gs pos="50000">
+                <a:schemeClr val="accent2">
+                  <a:satMod val="110000"/>
+                  <a:lumMod val="100000"/>
+                  <a:shade val="100000"/>
+                  <a:alpha val="30000"/>
+                </a:schemeClr>
+              </a:gs>
+              <a:gs pos="100000">
+                <a:schemeClr val="accent2">
+                  <a:lumMod val="99000"/>
+                  <a:satMod val="120000"/>
+                  <a:shade val="78000"/>
+                  <a:alpha val="30000"/>
+                </a:schemeClr>
+              </a:gs>
+            </a:gsLst>
+          </a:gradFill>
+          <a:ln>
+            <a:noFill/>
+          </a:ln>
+        </p:spPr>
+        <p:style>
+          <a:lnRef idx="1">
+            <a:schemeClr val="accent2"/>
+          </a:lnRef>
+          <a:fillRef idx="3">
+            <a:schemeClr val="accent2"/>
+          </a:fillRef>
+          <a:effectRef idx="2">
+            <a:schemeClr val="accent2"/>
+          </a:effectRef>
+          <a:fontRef idx="minor">
+            <a:schemeClr val="lt1"/>
+          </a:fontRef>
+        </p:style>
+        <p:txBody>
+          <a:bodyPr rtlCol="0" anchor="ctr"/>
+          <a:lstStyle/>
+          <a:p>
+            <a:pPr algn="ctr"/>
+            <a:r>
+              <a:rPr lang="zh-CN" altLang="en-US" dirty="0"/>
+              <a:t>图标</a:t>
+            </a:r>
+          </a:p>
+        </p:txBody>
+      </p:sp>
+      <p:sp>
+        <p:nvSpPr>
+          <p:cNvPr id="34" name="矩形: 圆角 33">
+            <a:extLst>
+              <a:ext uri="{FF2B5EF4-FFF2-40B4-BE49-F238E27FC236}">
+                <a16:creationId xmlns:a16="http://schemas.microsoft.com/office/drawing/2014/main" id="{B7F636B7-EEBA-4AEB-B22E-3F51E1888750}"/>
+              </a:ext>
+            </a:extLst>
+          </p:cNvPr>
+          <p:cNvSpPr/>
+          <p:nvPr/>
+        </p:nvSpPr>
+        <p:spPr>
+          <a:xfrm>
+            <a:off x="3482987" y="200044"/>
+            <a:ext cx="2345705" cy="864099"/>
+          </a:xfrm>
+          <a:prstGeom prst="roundRect">
+            <a:avLst>
+              <a:gd name="adj" fmla="val 4622"/>
+            </a:avLst>
+          </a:prstGeom>
+          <a:gradFill>
+            <a:gsLst>
+              <a:gs pos="0">
+                <a:schemeClr val="accent2">
+                  <a:satMod val="103000"/>
+                  <a:lumMod val="102000"/>
+                  <a:tint val="94000"/>
+                  <a:alpha val="30000"/>
+                </a:schemeClr>
+              </a:gs>
+              <a:gs pos="50000">
+                <a:schemeClr val="accent2">
+                  <a:satMod val="110000"/>
+                  <a:lumMod val="100000"/>
+                  <a:shade val="100000"/>
+                  <a:alpha val="30000"/>
+                </a:schemeClr>
+              </a:gs>
+              <a:gs pos="100000">
+                <a:schemeClr val="accent2">
+                  <a:lumMod val="99000"/>
+                  <a:satMod val="120000"/>
+                  <a:shade val="78000"/>
+                  <a:alpha val="30000"/>
+                </a:schemeClr>
+              </a:gs>
+            </a:gsLst>
+          </a:gradFill>
+          <a:ln>
+            <a:noFill/>
+          </a:ln>
+        </p:spPr>
+        <p:style>
+          <a:lnRef idx="1">
+            <a:schemeClr val="accent2"/>
+          </a:lnRef>
+          <a:fillRef idx="3">
+            <a:schemeClr val="accent2"/>
+          </a:fillRef>
+          <a:effectRef idx="2">
+            <a:schemeClr val="accent2"/>
+          </a:effectRef>
+          <a:fontRef idx="minor">
+            <a:schemeClr val="lt1"/>
+          </a:fontRef>
+        </p:style>
+        <p:txBody>
+          <a:bodyPr rtlCol="0" anchor="ctr"/>
+          <a:lstStyle/>
+          <a:p>
+            <a:pPr algn="ctr"/>
+            <a:r>
+              <a:rPr lang="zh-CN" altLang="en-US" dirty="0"/>
+              <a:t>标题</a:t>
+            </a:r>
+          </a:p>
+        </p:txBody>
+      </p:sp>
+      <p:sp>
+        <p:nvSpPr>
+          <p:cNvPr id="13" name="矩形: 圆角 12">
+            <a:extLst>
+              <a:ext uri="{FF2B5EF4-FFF2-40B4-BE49-F238E27FC236}">
+                <a16:creationId xmlns:a16="http://schemas.microsoft.com/office/drawing/2014/main" id="{0EC4F5B1-4783-48BE-B88E-CD16507ADD36}"/>
+              </a:ext>
+            </a:extLst>
+          </p:cNvPr>
+          <p:cNvSpPr/>
+          <p:nvPr/>
+        </p:nvSpPr>
+        <p:spPr>
+          <a:xfrm>
+            <a:off x="1775518" y="6005111"/>
+            <a:ext cx="1440161" cy="519836"/>
+          </a:xfrm>
+          <a:prstGeom prst="roundRect">
+            <a:avLst>
+              <a:gd name="adj" fmla="val 8474"/>
+            </a:avLst>
+          </a:prstGeom>
+          <a:gradFill>
+            <a:gsLst>
+              <a:gs pos="0">
+                <a:schemeClr val="accent2">
+                  <a:satMod val="103000"/>
+                  <a:lumMod val="102000"/>
+                  <a:tint val="94000"/>
+                  <a:alpha val="30000"/>
+                </a:schemeClr>
+              </a:gs>
+              <a:gs pos="50000">
+                <a:schemeClr val="accent2">
+                  <a:satMod val="110000"/>
+                  <a:lumMod val="100000"/>
+                  <a:shade val="100000"/>
+                  <a:alpha val="30000"/>
+                </a:schemeClr>
+              </a:gs>
+              <a:gs pos="100000">
+                <a:schemeClr val="accent2">
+                  <a:lumMod val="99000"/>
+                  <a:satMod val="120000"/>
+                  <a:shade val="78000"/>
+                  <a:alpha val="30000"/>
+                </a:schemeClr>
+              </a:gs>
+            </a:gsLst>
+          </a:gradFill>
+          <a:ln>
+            <a:noFill/>
+          </a:ln>
+        </p:spPr>
+        <p:style>
+          <a:lnRef idx="1">
+            <a:schemeClr val="accent2"/>
+          </a:lnRef>
+          <a:fillRef idx="3">
+            <a:schemeClr val="accent2"/>
+          </a:fillRef>
+          <a:effectRef idx="2">
+            <a:schemeClr val="accent2"/>
+          </a:effectRef>
+          <a:fontRef idx="minor">
+            <a:schemeClr val="lt1"/>
+          </a:fontRef>
+        </p:style>
+        <p:txBody>
+          <a:bodyPr rtlCol="0" anchor="ctr"/>
+          <a:lstStyle/>
+          <a:p>
+            <a:pPr algn="ctr"/>
+            <a:r>
+              <a:rPr lang="zh-CN" altLang="en-US" dirty="0"/>
+              <a:t>名字</a:t>
             </a:r>
           </a:p>
         </p:txBody>
@@ -5538,7 +6219,7 @@
     </p:spTree>
     <p:extLst>
       <p:ext uri="{BB962C8B-B14F-4D97-AF65-F5344CB8AC3E}">
-        <p14:creationId xmlns:p14="http://schemas.microsoft.com/office/powerpoint/2010/main" val="2153280258"/>
+        <p14:creationId xmlns:p14="http://schemas.microsoft.com/office/powerpoint/2010/main" val="3889541752"/>
       </p:ext>
     </p:extLst>
   </p:cSld>
@@ -5950,438 +6631,10 @@
           </a:p>
         </p:txBody>
       </p:sp>
-      <p:sp>
-        <p:nvSpPr>
-          <p:cNvPr id="9" name="矩形: 圆角 8">
-            <a:extLst>
-              <a:ext uri="{FF2B5EF4-FFF2-40B4-BE49-F238E27FC236}">
-                <a16:creationId xmlns:a16="http://schemas.microsoft.com/office/drawing/2014/main" id="{024F39A8-3D87-4B13-8DCE-9BC02EA5F23F}"/>
-              </a:ext>
-            </a:extLst>
-          </p:cNvPr>
-          <p:cNvSpPr/>
-          <p:nvPr/>
-        </p:nvSpPr>
-        <p:spPr>
-          <a:xfrm>
-            <a:off x="4079776" y="1628800"/>
-            <a:ext cx="4032448" cy="2370458"/>
-          </a:xfrm>
-          <a:prstGeom prst="roundRect">
-            <a:avLst>
-              <a:gd name="adj" fmla="val 4486"/>
-            </a:avLst>
-          </a:prstGeom>
-          <a:gradFill>
-            <a:gsLst>
-              <a:gs pos="0">
-                <a:schemeClr val="accent2">
-                  <a:satMod val="103000"/>
-                  <a:lumMod val="102000"/>
-                  <a:tint val="94000"/>
-                  <a:alpha val="30000"/>
-                </a:schemeClr>
-              </a:gs>
-              <a:gs pos="50000">
-                <a:schemeClr val="accent2">
-                  <a:satMod val="110000"/>
-                  <a:lumMod val="100000"/>
-                  <a:shade val="100000"/>
-                  <a:alpha val="30000"/>
-                </a:schemeClr>
-              </a:gs>
-              <a:gs pos="100000">
-                <a:schemeClr val="accent2">
-                  <a:lumMod val="99000"/>
-                  <a:satMod val="120000"/>
-                  <a:shade val="78000"/>
-                  <a:alpha val="30000"/>
-                </a:schemeClr>
-              </a:gs>
-            </a:gsLst>
-          </a:gradFill>
-          <a:ln>
-            <a:noFill/>
-          </a:ln>
-        </p:spPr>
-        <p:style>
-          <a:lnRef idx="1">
-            <a:schemeClr val="accent2"/>
-          </a:lnRef>
-          <a:fillRef idx="3">
-            <a:schemeClr val="accent2"/>
-          </a:fillRef>
-          <a:effectRef idx="2">
-            <a:schemeClr val="accent2"/>
-          </a:effectRef>
-          <a:fontRef idx="minor">
-            <a:schemeClr val="lt1"/>
-          </a:fontRef>
-        </p:style>
-        <p:txBody>
-          <a:bodyPr rtlCol="0" anchor="ctr"/>
-          <a:lstStyle/>
-          <a:p>
-            <a:pPr algn="ctr"/>
-            <a:r>
-              <a:rPr lang="zh-CN" altLang="en-US"/>
-              <a:t>存档</a:t>
-            </a:r>
-            <a:r>
-              <a:rPr lang="zh-CN" altLang="en-US" dirty="0"/>
-              <a:t>列表</a:t>
-            </a:r>
-          </a:p>
-        </p:txBody>
-      </p:sp>
-      <p:sp>
-        <p:nvSpPr>
-          <p:cNvPr id="10" name="矩形: 圆角 9">
-            <a:extLst>
-              <a:ext uri="{FF2B5EF4-FFF2-40B4-BE49-F238E27FC236}">
-                <a16:creationId xmlns:a16="http://schemas.microsoft.com/office/drawing/2014/main" id="{5906BF24-105D-4330-A2A2-337A1E63B9B1}"/>
-              </a:ext>
-            </a:extLst>
-          </p:cNvPr>
-          <p:cNvSpPr/>
-          <p:nvPr/>
-        </p:nvSpPr>
-        <p:spPr>
-          <a:xfrm>
-            <a:off x="4079776" y="4149080"/>
-            <a:ext cx="4032448" cy="1080120"/>
-          </a:xfrm>
-          <a:prstGeom prst="roundRect">
-            <a:avLst>
-              <a:gd name="adj" fmla="val 4486"/>
-            </a:avLst>
-          </a:prstGeom>
-          <a:gradFill>
-            <a:gsLst>
-              <a:gs pos="0">
-                <a:schemeClr val="accent2">
-                  <a:satMod val="103000"/>
-                  <a:lumMod val="102000"/>
-                  <a:tint val="94000"/>
-                  <a:alpha val="30000"/>
-                </a:schemeClr>
-              </a:gs>
-              <a:gs pos="50000">
-                <a:schemeClr val="accent2">
-                  <a:satMod val="110000"/>
-                  <a:lumMod val="100000"/>
-                  <a:shade val="100000"/>
-                  <a:alpha val="30000"/>
-                </a:schemeClr>
-              </a:gs>
-              <a:gs pos="100000">
-                <a:schemeClr val="accent2">
-                  <a:lumMod val="99000"/>
-                  <a:satMod val="120000"/>
-                  <a:shade val="78000"/>
-                  <a:alpha val="30000"/>
-                </a:schemeClr>
-              </a:gs>
-            </a:gsLst>
-          </a:gradFill>
-          <a:ln>
-            <a:noFill/>
-          </a:ln>
-        </p:spPr>
-        <p:style>
-          <a:lnRef idx="1">
-            <a:schemeClr val="accent2"/>
-          </a:lnRef>
-          <a:fillRef idx="3">
-            <a:schemeClr val="accent2"/>
-          </a:fillRef>
-          <a:effectRef idx="2">
-            <a:schemeClr val="accent2"/>
-          </a:effectRef>
-          <a:fontRef idx="minor">
-            <a:schemeClr val="lt1"/>
-          </a:fontRef>
-        </p:style>
-        <p:txBody>
-          <a:bodyPr rtlCol="0" anchor="ctr"/>
-          <a:lstStyle/>
-          <a:p>
-            <a:pPr algn="ctr"/>
-            <a:r>
-              <a:rPr lang="zh-CN" altLang="en-US" dirty="0"/>
-              <a:t>版本信息</a:t>
-            </a:r>
-          </a:p>
-        </p:txBody>
-      </p:sp>
-      <p:sp>
-        <p:nvSpPr>
-          <p:cNvPr id="16" name="矩形: 圆角 15">
-            <a:extLst>
-              <a:ext uri="{FF2B5EF4-FFF2-40B4-BE49-F238E27FC236}">
-                <a16:creationId xmlns:a16="http://schemas.microsoft.com/office/drawing/2014/main" id="{BC25857D-13E1-4CE0-8723-4273266E712C}"/>
-              </a:ext>
-            </a:extLst>
-          </p:cNvPr>
-          <p:cNvSpPr/>
-          <p:nvPr/>
-        </p:nvSpPr>
-        <p:spPr>
-          <a:xfrm>
-            <a:off x="6384032" y="5769349"/>
-            <a:ext cx="1044336" cy="350901"/>
-          </a:xfrm>
-          <a:prstGeom prst="roundRect">
-            <a:avLst>
-              <a:gd name="adj" fmla="val 26281"/>
-            </a:avLst>
-          </a:prstGeom>
-          <a:ln>
-            <a:noFill/>
-          </a:ln>
-        </p:spPr>
-        <p:style>
-          <a:lnRef idx="1">
-            <a:schemeClr val="accent2"/>
-          </a:lnRef>
-          <a:fillRef idx="3">
-            <a:schemeClr val="accent2"/>
-          </a:fillRef>
-          <a:effectRef idx="2">
-            <a:schemeClr val="accent2"/>
-          </a:effectRef>
-          <a:fontRef idx="minor">
-            <a:schemeClr val="lt1"/>
-          </a:fontRef>
-        </p:style>
-        <p:txBody>
-          <a:bodyPr rtlCol="0" anchor="ctr"/>
-          <a:lstStyle/>
-          <a:p>
-            <a:pPr algn="ctr"/>
-            <a:r>
-              <a:rPr lang="zh-CN" altLang="en-US" dirty="0"/>
-              <a:t>开始</a:t>
-            </a:r>
-          </a:p>
-        </p:txBody>
-      </p:sp>
-      <p:sp>
-        <p:nvSpPr>
-          <p:cNvPr id="17" name="矩形: 圆角 16">
-            <a:extLst>
-              <a:ext uri="{FF2B5EF4-FFF2-40B4-BE49-F238E27FC236}">
-                <a16:creationId xmlns:a16="http://schemas.microsoft.com/office/drawing/2014/main" id="{D795CB83-333E-4CC5-9C60-E8CCA4117FE4}"/>
-              </a:ext>
-            </a:extLst>
-          </p:cNvPr>
-          <p:cNvSpPr/>
-          <p:nvPr/>
-        </p:nvSpPr>
-        <p:spPr>
-          <a:xfrm>
-            <a:off x="4773793" y="5769349"/>
-            <a:ext cx="1044336" cy="350901"/>
-          </a:xfrm>
-          <a:prstGeom prst="roundRect">
-            <a:avLst>
-              <a:gd name="adj" fmla="val 26281"/>
-            </a:avLst>
-          </a:prstGeom>
-          <a:ln>
-            <a:noFill/>
-          </a:ln>
-        </p:spPr>
-        <p:style>
-          <a:lnRef idx="1">
-            <a:schemeClr val="accent2"/>
-          </a:lnRef>
-          <a:fillRef idx="3">
-            <a:schemeClr val="accent2"/>
-          </a:fillRef>
-          <a:effectRef idx="2">
-            <a:schemeClr val="accent2"/>
-          </a:effectRef>
-          <a:fontRef idx="minor">
-            <a:schemeClr val="lt1"/>
-          </a:fontRef>
-        </p:style>
-        <p:txBody>
-          <a:bodyPr rtlCol="0" anchor="ctr"/>
-          <a:lstStyle/>
-          <a:p>
-            <a:pPr algn="ctr"/>
-            <a:r>
-              <a:rPr lang="zh-CN" altLang="en-US" dirty="0"/>
-              <a:t>取消</a:t>
-            </a:r>
-          </a:p>
-        </p:txBody>
-      </p:sp>
-      <p:sp>
-        <p:nvSpPr>
-          <p:cNvPr id="18" name="矩形: 圆角 17">
-            <a:extLst>
-              <a:ext uri="{FF2B5EF4-FFF2-40B4-BE49-F238E27FC236}">
-                <a16:creationId xmlns:a16="http://schemas.microsoft.com/office/drawing/2014/main" id="{A5801D6B-8208-463E-A71D-B1BEC36F9A21}"/>
-              </a:ext>
-            </a:extLst>
-          </p:cNvPr>
-          <p:cNvSpPr/>
-          <p:nvPr/>
-        </p:nvSpPr>
-        <p:spPr>
-          <a:xfrm>
-            <a:off x="5260153" y="1092813"/>
-            <a:ext cx="1719808" cy="423903"/>
-          </a:xfrm>
-          <a:prstGeom prst="roundRect">
-            <a:avLst>
-              <a:gd name="adj" fmla="val 4486"/>
-            </a:avLst>
-          </a:prstGeom>
-          <a:gradFill>
-            <a:gsLst>
-              <a:gs pos="0">
-                <a:schemeClr val="accent2">
-                  <a:satMod val="103000"/>
-                  <a:lumMod val="102000"/>
-                  <a:tint val="94000"/>
-                  <a:alpha val="30000"/>
-                </a:schemeClr>
-              </a:gs>
-              <a:gs pos="50000">
-                <a:schemeClr val="accent2">
-                  <a:satMod val="110000"/>
-                  <a:lumMod val="100000"/>
-                  <a:shade val="100000"/>
-                  <a:alpha val="30000"/>
-                </a:schemeClr>
-              </a:gs>
-              <a:gs pos="100000">
-                <a:schemeClr val="accent2">
-                  <a:lumMod val="99000"/>
-                  <a:satMod val="120000"/>
-                  <a:shade val="78000"/>
-                  <a:alpha val="30000"/>
-                </a:schemeClr>
-              </a:gs>
-            </a:gsLst>
-          </a:gradFill>
-          <a:ln>
-            <a:noFill/>
-          </a:ln>
-        </p:spPr>
-        <p:style>
-          <a:lnRef idx="1">
-            <a:schemeClr val="accent2"/>
-          </a:lnRef>
-          <a:fillRef idx="3">
-            <a:schemeClr val="accent2"/>
-          </a:fillRef>
-          <a:effectRef idx="2">
-            <a:schemeClr val="accent2"/>
-          </a:effectRef>
-          <a:fontRef idx="minor">
-            <a:schemeClr val="lt1"/>
-          </a:fontRef>
-        </p:style>
-        <p:txBody>
-          <a:bodyPr rtlCol="0" anchor="ctr"/>
-          <a:lstStyle/>
-          <a:p>
-            <a:pPr algn="ctr"/>
-            <a:r>
-              <a:rPr lang="zh-CN" altLang="en-US" dirty="0"/>
-              <a:t>载入存档</a:t>
-            </a:r>
-          </a:p>
-        </p:txBody>
-      </p:sp>
-      <p:sp>
-        <p:nvSpPr>
-          <p:cNvPr id="19" name="矩形: 圆角 18">
-            <a:extLst>
-              <a:ext uri="{FF2B5EF4-FFF2-40B4-BE49-F238E27FC236}">
-                <a16:creationId xmlns:a16="http://schemas.microsoft.com/office/drawing/2014/main" id="{B9A22245-B611-47C2-9E56-97F7A8374D17}"/>
-              </a:ext>
-            </a:extLst>
-          </p:cNvPr>
-          <p:cNvSpPr/>
-          <p:nvPr/>
-        </p:nvSpPr>
-        <p:spPr>
-          <a:xfrm>
-            <a:off x="4079776" y="5323824"/>
-            <a:ext cx="4032448" cy="350901"/>
-          </a:xfrm>
-          <a:prstGeom prst="roundRect">
-            <a:avLst>
-              <a:gd name="adj" fmla="val 4486"/>
-            </a:avLst>
-          </a:prstGeom>
-          <a:gradFill>
-            <a:gsLst>
-              <a:gs pos="0">
-                <a:schemeClr val="accent2">
-                  <a:satMod val="103000"/>
-                  <a:lumMod val="102000"/>
-                  <a:tint val="94000"/>
-                  <a:alpha val="30000"/>
-                </a:schemeClr>
-              </a:gs>
-              <a:gs pos="50000">
-                <a:schemeClr val="accent2">
-                  <a:satMod val="110000"/>
-                  <a:lumMod val="100000"/>
-                  <a:shade val="100000"/>
-                  <a:alpha val="30000"/>
-                </a:schemeClr>
-              </a:gs>
-              <a:gs pos="100000">
-                <a:schemeClr val="accent2">
-                  <a:lumMod val="99000"/>
-                  <a:satMod val="120000"/>
-                  <a:shade val="78000"/>
-                  <a:alpha val="30000"/>
-                </a:schemeClr>
-              </a:gs>
-            </a:gsLst>
-          </a:gradFill>
-          <a:ln>
-            <a:noFill/>
-          </a:ln>
-        </p:spPr>
-        <p:style>
-          <a:lnRef idx="1">
-            <a:schemeClr val="accent2"/>
-          </a:lnRef>
-          <a:fillRef idx="3">
-            <a:schemeClr val="accent2"/>
-          </a:fillRef>
-          <a:effectRef idx="2">
-            <a:schemeClr val="accent2"/>
-          </a:effectRef>
-          <a:fontRef idx="minor">
-            <a:schemeClr val="lt1"/>
-          </a:fontRef>
-        </p:style>
-        <p:txBody>
-          <a:bodyPr rtlCol="0" anchor="ctr"/>
-          <a:lstStyle/>
-          <a:p>
-            <a:pPr algn="ctr"/>
-            <a:r>
-              <a:rPr lang="zh-CN" altLang="en-US" dirty="0"/>
-              <a:t>校验和</a:t>
-            </a:r>
-          </a:p>
-        </p:txBody>
-      </p:sp>
     </p:spTree>
     <p:extLst>
       <p:ext uri="{BB962C8B-B14F-4D97-AF65-F5344CB8AC3E}">
-        <p14:creationId xmlns:p14="http://schemas.microsoft.com/office/powerpoint/2010/main" val="2125729628"/>
+        <p14:creationId xmlns:p14="http://schemas.microsoft.com/office/powerpoint/2010/main" val="2153280258"/>
       </p:ext>
     </p:extLst>
   </p:cSld>
@@ -6433,7 +6686,7 @@
         </p:nvSpPr>
         <p:spPr>
           <a:xfrm>
-            <a:off x="3930480" y="3218029"/>
+            <a:off x="3930480" y="2798929"/>
             <a:ext cx="4331040" cy="1200329"/>
           </a:xfrm>
           <a:prstGeom prst="rect">
@@ -6727,8 +6980,8 @@
         </p:nvSpPr>
         <p:spPr>
           <a:xfrm>
-            <a:off x="3930480" y="1399828"/>
-            <a:ext cx="4331040" cy="4104456"/>
+            <a:off x="3930480" y="980728"/>
+            <a:ext cx="4331040" cy="5328592"/>
           </a:xfrm>
           <a:prstGeom prst="roundRect">
             <a:avLst>
@@ -6807,7 +7060,7 @@
         </p:nvSpPr>
         <p:spPr>
           <a:xfrm>
-            <a:off x="4079776" y="2047900"/>
+            <a:off x="4079776" y="1628800"/>
             <a:ext cx="4032448" cy="2370458"/>
           </a:xfrm>
           <a:prstGeom prst="roundRect">
@@ -6867,8 +7120,12 @@
           <a:p>
             <a:pPr algn="ctr"/>
             <a:r>
+              <a:rPr lang="zh-CN" altLang="en-US"/>
+              <a:t>存档</a:t>
+            </a:r>
+            <a:r>
               <a:rPr lang="zh-CN" altLang="en-US" dirty="0"/>
-              <a:t>已有的存档列表</a:t>
+              <a:t>列表</a:t>
             </a:r>
           </a:p>
         </p:txBody>
@@ -6887,8 +7144,8 @@
         </p:nvSpPr>
         <p:spPr>
           <a:xfrm>
-            <a:off x="4923089" y="4568180"/>
-            <a:ext cx="3189134" cy="411806"/>
+            <a:off x="4079776" y="4149080"/>
+            <a:ext cx="4032448" cy="1080120"/>
           </a:xfrm>
           <a:prstGeom prst="roundRect">
             <a:avLst>
@@ -6948,7 +7205,7 @@
             <a:pPr algn="ctr"/>
             <a:r>
               <a:rPr lang="zh-CN" altLang="en-US" dirty="0"/>
-              <a:t>存档名</a:t>
+              <a:t>版本信息</a:t>
             </a:r>
           </a:p>
         </p:txBody>
@@ -6967,7 +7224,7 @@
         </p:nvSpPr>
         <p:spPr>
           <a:xfrm>
-            <a:off x="6384032" y="5066430"/>
+            <a:off x="6384032" y="5769349"/>
             <a:ext cx="1044336" cy="350901"/>
           </a:xfrm>
           <a:prstGeom prst="roundRect">
@@ -7000,7 +7257,7 @@
             <a:pPr algn="ctr"/>
             <a:r>
               <a:rPr lang="zh-CN" altLang="en-US" dirty="0"/>
-              <a:t>保存</a:t>
+              <a:t>开始</a:t>
             </a:r>
           </a:p>
         </p:txBody>
@@ -7019,7 +7276,7 @@
         </p:nvSpPr>
         <p:spPr>
           <a:xfrm>
-            <a:off x="4773793" y="5066430"/>
+            <a:off x="4773793" y="5769349"/>
             <a:ext cx="1044336" cy="350901"/>
           </a:xfrm>
           <a:prstGeom prst="roundRect">
@@ -7071,7 +7328,7 @@
         </p:nvSpPr>
         <p:spPr>
           <a:xfrm>
-            <a:off x="5260153" y="1511913"/>
+            <a:off x="5260153" y="1092813"/>
             <a:ext cx="1719808" cy="423903"/>
           </a:xfrm>
           <a:prstGeom prst="roundRect">
@@ -7132,7 +7389,7 @@
             <a:pPr algn="ctr"/>
             <a:r>
               <a:rPr lang="zh-CN" altLang="en-US" dirty="0"/>
-              <a:t>存档</a:t>
+              <a:t>载入存档</a:t>
             </a:r>
           </a:p>
         </p:txBody>
@@ -7142,7 +7399,7 @@
           <p:cNvPr id="19" name="矩形: 圆角 18">
             <a:extLst>
               <a:ext uri="{FF2B5EF4-FFF2-40B4-BE49-F238E27FC236}">
-                <a16:creationId xmlns:a16="http://schemas.microsoft.com/office/drawing/2014/main" id="{5739257B-6C40-45F6-92F2-7CAE20E90949}"/>
+                <a16:creationId xmlns:a16="http://schemas.microsoft.com/office/drawing/2014/main" id="{B9A22245-B611-47C2-9E56-97F7A8374D17}"/>
               </a:ext>
             </a:extLst>
           </p:cNvPr>
@@ -7151,8 +7408,8 @@
         </p:nvSpPr>
         <p:spPr>
           <a:xfrm>
-            <a:off x="4079776" y="4568180"/>
-            <a:ext cx="792088" cy="411806"/>
+            <a:off x="4079776" y="5323824"/>
+            <a:ext cx="4032448" cy="350901"/>
           </a:xfrm>
           <a:prstGeom prst="roundRect">
             <a:avLst>
@@ -7212,7 +7469,7 @@
             <a:pPr algn="ctr"/>
             <a:r>
               <a:rPr lang="zh-CN" altLang="en-US" dirty="0"/>
-              <a:t>名称</a:t>
+              <a:t>校验和</a:t>
             </a:r>
           </a:p>
         </p:txBody>
@@ -7220,7 +7477,7 @@
     </p:spTree>
     <p:extLst>
       <p:ext uri="{BB962C8B-B14F-4D97-AF65-F5344CB8AC3E}">
-        <p14:creationId xmlns:p14="http://schemas.microsoft.com/office/powerpoint/2010/main" val="1683468873"/>
+        <p14:creationId xmlns:p14="http://schemas.microsoft.com/office/powerpoint/2010/main" val="2125729628"/>
       </p:ext>
     </p:extLst>
   </p:cSld>
@@ -7272,7 +7529,7 @@
         </p:nvSpPr>
         <p:spPr>
           <a:xfrm>
-            <a:off x="3930480" y="2798929"/>
+            <a:off x="3930480" y="3218029"/>
             <a:ext cx="4331040" cy="1200329"/>
           </a:xfrm>
           <a:prstGeom prst="rect">
@@ -7302,6 +7559,258 @@
       </p:sp>
       <p:sp>
         <p:nvSpPr>
+          <p:cNvPr id="3" name="矩形 2">
+            <a:extLst>
+              <a:ext uri="{FF2B5EF4-FFF2-40B4-BE49-F238E27FC236}">
+                <a16:creationId xmlns:a16="http://schemas.microsoft.com/office/drawing/2014/main" id="{B98E0B21-F75E-458F-A0E2-7B09141243AC}"/>
+              </a:ext>
+            </a:extLst>
+          </p:cNvPr>
+          <p:cNvSpPr/>
+          <p:nvPr/>
+        </p:nvSpPr>
+        <p:spPr>
+          <a:xfrm>
+            <a:off x="0" y="0"/>
+            <a:ext cx="12192000" cy="419100"/>
+          </a:xfrm>
+          <a:prstGeom prst="rect">
+            <a:avLst/>
+          </a:prstGeom>
+        </p:spPr>
+        <p:style>
+          <a:lnRef idx="1">
+            <a:schemeClr val="accent4"/>
+          </a:lnRef>
+          <a:fillRef idx="3">
+            <a:schemeClr val="accent4"/>
+          </a:fillRef>
+          <a:effectRef idx="2">
+            <a:schemeClr val="accent4"/>
+          </a:effectRef>
+          <a:fontRef idx="minor">
+            <a:schemeClr val="lt1"/>
+          </a:fontRef>
+        </p:style>
+        <p:txBody>
+          <a:bodyPr rtlCol="0" anchor="ctr"/>
+          <a:lstStyle/>
+          <a:p>
+            <a:pPr algn="ctr"/>
+            <a:endParaRPr lang="zh-CN" altLang="en-US"/>
+          </a:p>
+        </p:txBody>
+      </p:sp>
+      <p:sp>
+        <p:nvSpPr>
+          <p:cNvPr id="6" name="矩形: 圆角 5">
+            <a:extLst>
+              <a:ext uri="{FF2B5EF4-FFF2-40B4-BE49-F238E27FC236}">
+                <a16:creationId xmlns:a16="http://schemas.microsoft.com/office/drawing/2014/main" id="{88AA75E9-C029-4696-981E-71396073A143}"/>
+              </a:ext>
+            </a:extLst>
+          </p:cNvPr>
+          <p:cNvSpPr/>
+          <p:nvPr/>
+        </p:nvSpPr>
+        <p:spPr>
+          <a:xfrm>
+            <a:off x="11120144" y="25354"/>
+            <a:ext cx="1044336" cy="350901"/>
+          </a:xfrm>
+          <a:prstGeom prst="roundRect">
+            <a:avLst>
+              <a:gd name="adj" fmla="val 26281"/>
+            </a:avLst>
+          </a:prstGeom>
+          <a:ln>
+            <a:noFill/>
+          </a:ln>
+        </p:spPr>
+        <p:style>
+          <a:lnRef idx="1">
+            <a:schemeClr val="accent2"/>
+          </a:lnRef>
+          <a:fillRef idx="3">
+            <a:schemeClr val="accent2"/>
+          </a:fillRef>
+          <a:effectRef idx="2">
+            <a:schemeClr val="accent2"/>
+          </a:effectRef>
+          <a:fontRef idx="minor">
+            <a:schemeClr val="lt1"/>
+          </a:fontRef>
+        </p:style>
+        <p:txBody>
+          <a:bodyPr rtlCol="0" anchor="ctr"/>
+          <a:lstStyle/>
+          <a:p>
+            <a:pPr algn="ctr"/>
+            <a:r>
+              <a:rPr lang="zh-CN" altLang="en-US" dirty="0"/>
+              <a:t>菜单</a:t>
+            </a:r>
+          </a:p>
+        </p:txBody>
+      </p:sp>
+      <p:sp>
+        <p:nvSpPr>
+          <p:cNvPr id="12" name="矩形: 圆角 11">
+            <a:extLst>
+              <a:ext uri="{FF2B5EF4-FFF2-40B4-BE49-F238E27FC236}">
+                <a16:creationId xmlns:a16="http://schemas.microsoft.com/office/drawing/2014/main" id="{55C2C92D-DFF2-4B93-B359-78055FA76B45}"/>
+              </a:ext>
+            </a:extLst>
+          </p:cNvPr>
+          <p:cNvSpPr/>
+          <p:nvPr/>
+        </p:nvSpPr>
+        <p:spPr>
+          <a:xfrm>
+            <a:off x="119336" y="29742"/>
+            <a:ext cx="4464496" cy="357160"/>
+          </a:xfrm>
+          <a:prstGeom prst="roundRect">
+            <a:avLst>
+              <a:gd name="adj" fmla="val 26281"/>
+            </a:avLst>
+          </a:prstGeom>
+          <a:ln>
+            <a:noFill/>
+          </a:ln>
+        </p:spPr>
+        <p:style>
+          <a:lnRef idx="1">
+            <a:schemeClr val="accent2"/>
+          </a:lnRef>
+          <a:fillRef idx="3">
+            <a:schemeClr val="accent2"/>
+          </a:fillRef>
+          <a:effectRef idx="2">
+            <a:schemeClr val="accent2"/>
+          </a:effectRef>
+          <a:fontRef idx="minor">
+            <a:schemeClr val="lt1"/>
+          </a:fontRef>
+        </p:style>
+        <p:txBody>
+          <a:bodyPr rtlCol="0" anchor="ctr"/>
+          <a:lstStyle/>
+          <a:p>
+            <a:pPr algn="ctr"/>
+            <a:r>
+              <a:rPr lang="zh-CN" altLang="en-US" dirty="0"/>
+              <a:t>时间轴（含调速及暂停）</a:t>
+            </a:r>
+          </a:p>
+        </p:txBody>
+      </p:sp>
+      <p:sp>
+        <p:nvSpPr>
+          <p:cNvPr id="13" name="矩形: 圆角 12">
+            <a:extLst>
+              <a:ext uri="{FF2B5EF4-FFF2-40B4-BE49-F238E27FC236}">
+                <a16:creationId xmlns:a16="http://schemas.microsoft.com/office/drawing/2014/main" id="{F575A0EF-C4AD-4198-92BF-3F8F85F3C2E9}"/>
+              </a:ext>
+            </a:extLst>
+          </p:cNvPr>
+          <p:cNvSpPr/>
+          <p:nvPr/>
+        </p:nvSpPr>
+        <p:spPr>
+          <a:xfrm>
+            <a:off x="4610031" y="29742"/>
+            <a:ext cx="5394321" cy="346513"/>
+          </a:xfrm>
+          <a:prstGeom prst="roundRect">
+            <a:avLst>
+              <a:gd name="adj" fmla="val 26281"/>
+            </a:avLst>
+          </a:prstGeom>
+          <a:ln>
+            <a:noFill/>
+          </a:ln>
+        </p:spPr>
+        <p:style>
+          <a:lnRef idx="1">
+            <a:schemeClr val="accent2"/>
+          </a:lnRef>
+          <a:fillRef idx="3">
+            <a:schemeClr val="accent2"/>
+          </a:fillRef>
+          <a:effectRef idx="2">
+            <a:schemeClr val="accent2"/>
+          </a:effectRef>
+          <a:fontRef idx="minor">
+            <a:schemeClr val="lt1"/>
+          </a:fontRef>
+        </p:style>
+        <p:txBody>
+          <a:bodyPr rtlCol="0" anchor="ctr"/>
+          <a:lstStyle/>
+          <a:p>
+            <a:pPr algn="ctr"/>
+            <a:r>
+              <a:rPr lang="zh-CN" altLang="en-US" dirty="0"/>
+              <a:t>数值栏</a:t>
+            </a:r>
+          </a:p>
+        </p:txBody>
+      </p:sp>
+      <p:sp>
+        <p:nvSpPr>
+          <p:cNvPr id="14" name="矩形: 圆角 13">
+            <a:extLst>
+              <a:ext uri="{FF2B5EF4-FFF2-40B4-BE49-F238E27FC236}">
+                <a16:creationId xmlns:a16="http://schemas.microsoft.com/office/drawing/2014/main" id="{4683ADD9-8A4A-4EAB-ACC8-330BF003441C}"/>
+              </a:ext>
+            </a:extLst>
+          </p:cNvPr>
+          <p:cNvSpPr/>
+          <p:nvPr/>
+        </p:nvSpPr>
+        <p:spPr>
+          <a:xfrm>
+            <a:off x="10048288" y="29742"/>
+            <a:ext cx="1044336" cy="346513"/>
+          </a:xfrm>
+          <a:prstGeom prst="roundRect">
+            <a:avLst>
+              <a:gd name="adj" fmla="val 26281"/>
+            </a:avLst>
+          </a:prstGeom>
+          <a:ln>
+            <a:noFill/>
+          </a:ln>
+        </p:spPr>
+        <p:style>
+          <a:lnRef idx="1">
+            <a:schemeClr val="accent2"/>
+          </a:lnRef>
+          <a:fillRef idx="3">
+            <a:schemeClr val="accent2"/>
+          </a:fillRef>
+          <a:effectRef idx="2">
+            <a:schemeClr val="accent2"/>
+          </a:effectRef>
+          <a:fontRef idx="minor">
+            <a:schemeClr val="lt1"/>
+          </a:fontRef>
+        </p:style>
+        <p:txBody>
+          <a:bodyPr rtlCol="0" anchor="ctr"/>
+          <a:lstStyle/>
+          <a:p>
+            <a:pPr algn="ctr"/>
+            <a:r>
+              <a:rPr lang="zh-CN" altLang="en-US" dirty="0"/>
+              <a:t>人物</a:t>
+            </a:r>
+          </a:p>
+        </p:txBody>
+      </p:sp>
+      <p:sp>
+        <p:nvSpPr>
           <p:cNvPr id="20" name="矩形: 圆角 19">
             <a:extLst>
               <a:ext uri="{FF2B5EF4-FFF2-40B4-BE49-F238E27FC236}">
@@ -7314,8 +7823,8 @@
         </p:nvSpPr>
         <p:spPr>
           <a:xfrm>
-            <a:off x="3930480" y="980728"/>
-            <a:ext cx="4331040" cy="5328592"/>
+            <a:off x="3930480" y="1399828"/>
+            <a:ext cx="4331040" cy="4104456"/>
           </a:xfrm>
           <a:prstGeom prst="roundRect">
             <a:avLst>
@@ -7375,17 +7884,17 @@
             <a:pPr algn="ctr"/>
             <a:r>
               <a:rPr lang="zh-CN" altLang="en-US" dirty="0"/>
-              <a:t>设置</a:t>
-            </a:r>
-          </a:p>
-        </p:txBody>
-      </p:sp>
-      <p:sp>
-        <p:nvSpPr>
-          <p:cNvPr id="14" name="矩形: 圆角 13">
-            <a:extLst>
-              <a:ext uri="{FF2B5EF4-FFF2-40B4-BE49-F238E27FC236}">
-                <a16:creationId xmlns:a16="http://schemas.microsoft.com/office/drawing/2014/main" id="{4683ADD9-8A4A-4EAB-ACC8-330BF003441C}"/>
+              <a:t>窗口</a:t>
+            </a:r>
+          </a:p>
+        </p:txBody>
+      </p:sp>
+      <p:sp>
+        <p:nvSpPr>
+          <p:cNvPr id="9" name="矩形: 圆角 8">
+            <a:extLst>
+              <a:ext uri="{FF2B5EF4-FFF2-40B4-BE49-F238E27FC236}">
+                <a16:creationId xmlns:a16="http://schemas.microsoft.com/office/drawing/2014/main" id="{024F39A8-3D87-4B13-8DCE-9BC02EA5F23F}"/>
               </a:ext>
             </a:extLst>
           </p:cNvPr>
@@ -7394,14 +7903,42 @@
         </p:nvSpPr>
         <p:spPr>
           <a:xfrm>
-            <a:off x="5573832" y="1268760"/>
-            <a:ext cx="1044336" cy="346513"/>
+            <a:off x="4079776" y="2047900"/>
+            <a:ext cx="4032448" cy="2370458"/>
           </a:xfrm>
           <a:prstGeom prst="roundRect">
             <a:avLst>
-              <a:gd name="adj" fmla="val 26281"/>
+              <a:gd name="adj" fmla="val 4486"/>
             </a:avLst>
           </a:prstGeom>
+          <a:gradFill>
+            <a:gsLst>
+              <a:gs pos="0">
+                <a:schemeClr val="accent2">
+                  <a:satMod val="103000"/>
+                  <a:lumMod val="102000"/>
+                  <a:tint val="94000"/>
+                  <a:alpha val="30000"/>
+                </a:schemeClr>
+              </a:gs>
+              <a:gs pos="50000">
+                <a:schemeClr val="accent2">
+                  <a:satMod val="110000"/>
+                  <a:lumMod val="100000"/>
+                  <a:shade val="100000"/>
+                  <a:alpha val="30000"/>
+                </a:schemeClr>
+              </a:gs>
+              <a:gs pos="100000">
+                <a:schemeClr val="accent2">
+                  <a:lumMod val="99000"/>
+                  <a:satMod val="120000"/>
+                  <a:shade val="78000"/>
+                  <a:alpha val="30000"/>
+                </a:schemeClr>
+              </a:gs>
+            </a:gsLst>
+          </a:gradFill>
           <a:ln>
             <a:noFill/>
           </a:ln>
@@ -7427,17 +7964,17 @@
             <a:pPr algn="ctr"/>
             <a:r>
               <a:rPr lang="zh-CN" altLang="en-US" dirty="0"/>
-              <a:t>设置</a:t>
-            </a:r>
-          </a:p>
-        </p:txBody>
-      </p:sp>
-      <p:sp>
-        <p:nvSpPr>
-          <p:cNvPr id="9" name="矩形: 圆角 8">
-            <a:extLst>
-              <a:ext uri="{FF2B5EF4-FFF2-40B4-BE49-F238E27FC236}">
-                <a16:creationId xmlns:a16="http://schemas.microsoft.com/office/drawing/2014/main" id="{85D59B40-F2DE-468C-ABFC-BE6CD5339913}"/>
+              <a:t>已有的存档列表</a:t>
+            </a:r>
+          </a:p>
+        </p:txBody>
+      </p:sp>
+      <p:sp>
+        <p:nvSpPr>
+          <p:cNvPr id="10" name="矩形: 圆角 9">
+            <a:extLst>
+              <a:ext uri="{FF2B5EF4-FFF2-40B4-BE49-F238E27FC236}">
+                <a16:creationId xmlns:a16="http://schemas.microsoft.com/office/drawing/2014/main" id="{5906BF24-105D-4330-A2A2-337A1E63B9B1}"/>
               </a:ext>
             </a:extLst>
           </p:cNvPr>
@@ -7446,14 +7983,42 @@
         </p:nvSpPr>
         <p:spPr>
           <a:xfrm>
-            <a:off x="4645131" y="2285393"/>
-            <a:ext cx="2880320" cy="346513"/>
+            <a:off x="4923089" y="4568180"/>
+            <a:ext cx="3189134" cy="411806"/>
           </a:xfrm>
           <a:prstGeom prst="roundRect">
             <a:avLst>
-              <a:gd name="adj" fmla="val 26281"/>
+              <a:gd name="adj" fmla="val 4486"/>
             </a:avLst>
           </a:prstGeom>
+          <a:gradFill>
+            <a:gsLst>
+              <a:gs pos="0">
+                <a:schemeClr val="accent2">
+                  <a:satMod val="103000"/>
+                  <a:lumMod val="102000"/>
+                  <a:tint val="94000"/>
+                  <a:alpha val="30000"/>
+                </a:schemeClr>
+              </a:gs>
+              <a:gs pos="50000">
+                <a:schemeClr val="accent2">
+                  <a:satMod val="110000"/>
+                  <a:lumMod val="100000"/>
+                  <a:shade val="100000"/>
+                  <a:alpha val="30000"/>
+                </a:schemeClr>
+              </a:gs>
+              <a:gs pos="100000">
+                <a:schemeClr val="accent2">
+                  <a:lumMod val="99000"/>
+                  <a:satMod val="120000"/>
+                  <a:shade val="78000"/>
+                  <a:alpha val="30000"/>
+                </a:schemeClr>
+              </a:gs>
+            </a:gsLst>
+          </a:gradFill>
           <a:ln>
             <a:noFill/>
           </a:ln>
@@ -7479,17 +8044,17 @@
             <a:pPr algn="ctr"/>
             <a:r>
               <a:rPr lang="zh-CN" altLang="en-US" dirty="0"/>
-              <a:t>音乐</a:t>
-            </a:r>
-          </a:p>
-        </p:txBody>
-      </p:sp>
-      <p:sp>
-        <p:nvSpPr>
-          <p:cNvPr id="10" name="矩形: 圆角 9">
-            <a:extLst>
-              <a:ext uri="{FF2B5EF4-FFF2-40B4-BE49-F238E27FC236}">
-                <a16:creationId xmlns:a16="http://schemas.microsoft.com/office/drawing/2014/main" id="{F7A1425D-85C3-4648-84ED-9F76A4B5C4D8}"/>
+              <a:t>存档名</a:t>
+            </a:r>
+          </a:p>
+        </p:txBody>
+      </p:sp>
+      <p:sp>
+        <p:nvSpPr>
+          <p:cNvPr id="16" name="矩形: 圆角 15">
+            <a:extLst>
+              <a:ext uri="{FF2B5EF4-FFF2-40B4-BE49-F238E27FC236}">
+                <a16:creationId xmlns:a16="http://schemas.microsoft.com/office/drawing/2014/main" id="{BC25857D-13E1-4CE0-8723-4273266E712C}"/>
               </a:ext>
             </a:extLst>
           </p:cNvPr>
@@ -7498,8 +8063,8 @@
         </p:nvSpPr>
         <p:spPr>
           <a:xfrm>
-            <a:off x="4645131" y="2802593"/>
-            <a:ext cx="2880320" cy="346513"/>
+            <a:off x="6384032" y="5066430"/>
+            <a:ext cx="1044336" cy="350901"/>
           </a:xfrm>
           <a:prstGeom prst="roundRect">
             <a:avLst>
@@ -7531,17 +8096,17 @@
             <a:pPr algn="ctr"/>
             <a:r>
               <a:rPr lang="zh-CN" altLang="en-US" dirty="0"/>
-              <a:t>音效</a:t>
-            </a:r>
-          </a:p>
-        </p:txBody>
-      </p:sp>
-      <p:sp>
-        <p:nvSpPr>
-          <p:cNvPr id="11" name="矩形: 圆角 10">
-            <a:extLst>
-              <a:ext uri="{FF2B5EF4-FFF2-40B4-BE49-F238E27FC236}">
-                <a16:creationId xmlns:a16="http://schemas.microsoft.com/office/drawing/2014/main" id="{2296888E-3D89-4939-A743-AA669CEA52B5}"/>
+              <a:t>保存</a:t>
+            </a:r>
+          </a:p>
+        </p:txBody>
+      </p:sp>
+      <p:sp>
+        <p:nvSpPr>
+          <p:cNvPr id="17" name="矩形: 圆角 16">
+            <a:extLst>
+              <a:ext uri="{FF2B5EF4-FFF2-40B4-BE49-F238E27FC236}">
+                <a16:creationId xmlns:a16="http://schemas.microsoft.com/office/drawing/2014/main" id="{D795CB83-333E-4CC5-9C60-E8CCA4117FE4}"/>
               </a:ext>
             </a:extLst>
           </p:cNvPr>
@@ -7550,8 +8115,8 @@
         </p:nvSpPr>
         <p:spPr>
           <a:xfrm>
-            <a:off x="4666835" y="3322362"/>
-            <a:ext cx="2880320" cy="346513"/>
+            <a:off x="4773793" y="5066430"/>
+            <a:ext cx="1044336" cy="350901"/>
           </a:xfrm>
           <a:prstGeom prst="roundRect">
             <a:avLst>
@@ -7583,25 +8148,17 @@
             <a:pPr algn="ctr"/>
             <a:r>
               <a:rPr lang="zh-CN" altLang="en-US" dirty="0"/>
-              <a:t>游戏音（事件音、</a:t>
-            </a:r>
-            <a:r>
-              <a:rPr lang="en-US" altLang="zh-CN" dirty="0"/>
-              <a:t>END</a:t>
-            </a:r>
-            <a:r>
-              <a:rPr lang="zh-CN" altLang="en-US" dirty="0"/>
-              <a:t>等）</a:t>
-            </a:r>
-          </a:p>
-        </p:txBody>
-      </p:sp>
-      <p:sp>
-        <p:nvSpPr>
-          <p:cNvPr id="16" name="矩形: 圆角 15">
-            <a:extLst>
-              <a:ext uri="{FF2B5EF4-FFF2-40B4-BE49-F238E27FC236}">
-                <a16:creationId xmlns:a16="http://schemas.microsoft.com/office/drawing/2014/main" id="{83C846DD-F782-4718-BBC9-CB9D831E8D4E}"/>
+              <a:t>取消</a:t>
+            </a:r>
+          </a:p>
+        </p:txBody>
+      </p:sp>
+      <p:sp>
+        <p:nvSpPr>
+          <p:cNvPr id="18" name="矩形: 圆角 17">
+            <a:extLst>
+              <a:ext uri="{FF2B5EF4-FFF2-40B4-BE49-F238E27FC236}">
+                <a16:creationId xmlns:a16="http://schemas.microsoft.com/office/drawing/2014/main" id="{A5801D6B-8208-463E-A71D-B1BEC36F9A21}"/>
               </a:ext>
             </a:extLst>
           </p:cNvPr>
@@ -7610,14 +8167,42 @@
         </p:nvSpPr>
         <p:spPr>
           <a:xfrm>
-            <a:off x="4645131" y="4505123"/>
-            <a:ext cx="2880320" cy="346513"/>
+            <a:off x="5260153" y="1511913"/>
+            <a:ext cx="1719808" cy="423903"/>
           </a:xfrm>
           <a:prstGeom prst="roundRect">
             <a:avLst>
-              <a:gd name="adj" fmla="val 26281"/>
+              <a:gd name="adj" fmla="val 4486"/>
             </a:avLst>
           </a:prstGeom>
+          <a:gradFill>
+            <a:gsLst>
+              <a:gs pos="0">
+                <a:schemeClr val="accent2">
+                  <a:satMod val="103000"/>
+                  <a:lumMod val="102000"/>
+                  <a:tint val="94000"/>
+                  <a:alpha val="30000"/>
+                </a:schemeClr>
+              </a:gs>
+              <a:gs pos="50000">
+                <a:schemeClr val="accent2">
+                  <a:satMod val="110000"/>
+                  <a:lumMod val="100000"/>
+                  <a:shade val="100000"/>
+                  <a:alpha val="30000"/>
+                </a:schemeClr>
+              </a:gs>
+              <a:gs pos="100000">
+                <a:schemeClr val="accent2">
+                  <a:lumMod val="99000"/>
+                  <a:satMod val="120000"/>
+                  <a:shade val="78000"/>
+                  <a:alpha val="30000"/>
+                </a:schemeClr>
+              </a:gs>
+            </a:gsLst>
+          </a:gradFill>
           <a:ln>
             <a:noFill/>
           </a:ln>
@@ -7643,25 +8228,17 @@
             <a:pPr algn="ctr"/>
             <a:r>
               <a:rPr lang="zh-CN" altLang="en-US" dirty="0"/>
-              <a:t>全屏</a:t>
-            </a:r>
-            <a:r>
-              <a:rPr lang="en-US" altLang="zh-CN" dirty="0"/>
-              <a:t>/</a:t>
-            </a:r>
-            <a:r>
-              <a:rPr lang="zh-CN" altLang="en-US" dirty="0"/>
-              <a:t>窗口</a:t>
-            </a:r>
-          </a:p>
-        </p:txBody>
-      </p:sp>
-      <p:sp>
-        <p:nvSpPr>
-          <p:cNvPr id="17" name="矩形: 圆角 16">
-            <a:extLst>
-              <a:ext uri="{FF2B5EF4-FFF2-40B4-BE49-F238E27FC236}">
-                <a16:creationId xmlns:a16="http://schemas.microsoft.com/office/drawing/2014/main" id="{1401149D-FAA0-4FBF-86EB-0447167DF682}"/>
+              <a:t>存档</a:t>
+            </a:r>
+          </a:p>
+        </p:txBody>
+      </p:sp>
+      <p:sp>
+        <p:nvSpPr>
+          <p:cNvPr id="19" name="矩形: 圆角 18">
+            <a:extLst>
+              <a:ext uri="{FF2B5EF4-FFF2-40B4-BE49-F238E27FC236}">
+                <a16:creationId xmlns:a16="http://schemas.microsoft.com/office/drawing/2014/main" id="{5739257B-6C40-45F6-92F2-7CAE20E90949}"/>
               </a:ext>
             </a:extLst>
           </p:cNvPr>
@@ -7670,14 +8247,42 @@
         </p:nvSpPr>
         <p:spPr>
           <a:xfrm>
-            <a:off x="5573832" y="5704015"/>
-            <a:ext cx="1044336" cy="346513"/>
+            <a:off x="4079776" y="4568180"/>
+            <a:ext cx="792088" cy="411806"/>
           </a:xfrm>
           <a:prstGeom prst="roundRect">
             <a:avLst>
-              <a:gd name="adj" fmla="val 26281"/>
+              <a:gd name="adj" fmla="val 4486"/>
             </a:avLst>
           </a:prstGeom>
+          <a:gradFill>
+            <a:gsLst>
+              <a:gs pos="0">
+                <a:schemeClr val="accent2">
+                  <a:satMod val="103000"/>
+                  <a:lumMod val="102000"/>
+                  <a:tint val="94000"/>
+                  <a:alpha val="30000"/>
+                </a:schemeClr>
+              </a:gs>
+              <a:gs pos="50000">
+                <a:schemeClr val="accent2">
+                  <a:satMod val="110000"/>
+                  <a:lumMod val="100000"/>
+                  <a:shade val="100000"/>
+                  <a:alpha val="30000"/>
+                </a:schemeClr>
+              </a:gs>
+              <a:gs pos="100000">
+                <a:schemeClr val="accent2">
+                  <a:lumMod val="99000"/>
+                  <a:satMod val="120000"/>
+                  <a:shade val="78000"/>
+                  <a:alpha val="30000"/>
+                </a:schemeClr>
+              </a:gs>
+            </a:gsLst>
+          </a:gradFill>
           <a:ln>
             <a:noFill/>
           </a:ln>
@@ -7703,119 +8308,15 @@
             <a:pPr algn="ctr"/>
             <a:r>
               <a:rPr lang="zh-CN" altLang="en-US" dirty="0"/>
-              <a:t>确认</a:t>
-            </a:r>
-          </a:p>
-        </p:txBody>
-      </p:sp>
-      <p:sp>
-        <p:nvSpPr>
-          <p:cNvPr id="18" name="矩形: 圆角 17">
-            <a:extLst>
-              <a:ext uri="{FF2B5EF4-FFF2-40B4-BE49-F238E27FC236}">
-                <a16:creationId xmlns:a16="http://schemas.microsoft.com/office/drawing/2014/main" id="{27B1B1A2-8043-43CF-B9B2-92E18F5B7201}"/>
-              </a:ext>
-            </a:extLst>
-          </p:cNvPr>
-          <p:cNvSpPr/>
-          <p:nvPr/>
-        </p:nvSpPr>
-        <p:spPr>
-          <a:xfrm>
-            <a:off x="4636868" y="5184244"/>
-            <a:ext cx="2880320" cy="346513"/>
-          </a:xfrm>
-          <a:prstGeom prst="roundRect">
-            <a:avLst>
-              <a:gd name="adj" fmla="val 26281"/>
-            </a:avLst>
-          </a:prstGeom>
-          <a:ln>
-            <a:noFill/>
-          </a:ln>
-        </p:spPr>
-        <p:style>
-          <a:lnRef idx="1">
-            <a:schemeClr val="accent2"/>
-          </a:lnRef>
-          <a:fillRef idx="3">
-            <a:schemeClr val="accent2"/>
-          </a:fillRef>
-          <a:effectRef idx="2">
-            <a:schemeClr val="accent2"/>
-          </a:effectRef>
-          <a:fontRef idx="minor">
-            <a:schemeClr val="lt1"/>
-          </a:fontRef>
-        </p:style>
-        <p:txBody>
-          <a:bodyPr rtlCol="0" anchor="ctr"/>
-          <a:lstStyle/>
-          <a:p>
-            <a:pPr algn="ctr"/>
-            <a:r>
-              <a:rPr lang="zh-CN" altLang="en-US" dirty="0"/>
-              <a:t>设为默认值</a:t>
-            </a:r>
-          </a:p>
-        </p:txBody>
-      </p:sp>
-      <p:sp>
-        <p:nvSpPr>
-          <p:cNvPr id="19" name="矩形: 圆角 18">
-            <a:extLst>
-              <a:ext uri="{FF2B5EF4-FFF2-40B4-BE49-F238E27FC236}">
-                <a16:creationId xmlns:a16="http://schemas.microsoft.com/office/drawing/2014/main" id="{8717EDB7-149B-4E6D-B153-4993C889C5EE}"/>
-              </a:ext>
-            </a:extLst>
-          </p:cNvPr>
-          <p:cNvSpPr/>
-          <p:nvPr/>
-        </p:nvSpPr>
-        <p:spPr>
-          <a:xfrm>
-            <a:off x="10488488" y="5357502"/>
-            <a:ext cx="1044336" cy="346513"/>
-          </a:xfrm>
-          <a:prstGeom prst="roundRect">
-            <a:avLst>
-              <a:gd name="adj" fmla="val 26281"/>
-            </a:avLst>
-          </a:prstGeom>
-          <a:gradFill>
-            <a:lin ang="16200000" scaled="0"/>
-          </a:gradFill>
-          <a:ln>
-            <a:noFill/>
-          </a:ln>
-        </p:spPr>
-        <p:style>
-          <a:lnRef idx="1">
-            <a:schemeClr val="accent2"/>
-          </a:lnRef>
-          <a:fillRef idx="3">
-            <a:schemeClr val="accent2"/>
-          </a:fillRef>
-          <a:effectRef idx="2">
-            <a:schemeClr val="accent2"/>
-          </a:effectRef>
-          <a:fontRef idx="minor">
-            <a:schemeClr val="lt1"/>
-          </a:fontRef>
-        </p:style>
-        <p:txBody>
-          <a:bodyPr rtlCol="0" anchor="ctr"/>
-          <a:lstStyle/>
-          <a:p>
-            <a:pPr algn="ctr"/>
-            <a:endParaRPr lang="zh-CN" altLang="en-US" dirty="0"/>
+              <a:t>名称</a:t>
+            </a:r>
           </a:p>
         </p:txBody>
       </p:sp>
     </p:spTree>
     <p:extLst>
       <p:ext uri="{BB962C8B-B14F-4D97-AF65-F5344CB8AC3E}">
-        <p14:creationId xmlns:p14="http://schemas.microsoft.com/office/powerpoint/2010/main" val="770563288"/>
+        <p14:creationId xmlns:p14="http://schemas.microsoft.com/office/powerpoint/2010/main" val="1683468873"/>
       </p:ext>
     </p:extLst>
   </p:cSld>
@@ -8022,7 +8523,7 @@
             <a:pPr algn="ctr"/>
             <a:r>
               <a:rPr lang="zh-CN" altLang="en-US" dirty="0"/>
-              <a:t>菜单</a:t>
+              <a:t>设置</a:t>
             </a:r>
           </a:p>
         </p:txBody>
@@ -8041,7 +8542,7 @@
         </p:nvSpPr>
         <p:spPr>
           <a:xfrm>
-            <a:off x="4635588" y="3921808"/>
+            <a:off x="4645131" y="2285393"/>
             <a:ext cx="2880320" cy="346513"/>
           </a:xfrm>
           <a:prstGeom prst="roundRect">
@@ -8074,7 +8575,7 @@
             <a:pPr algn="ctr"/>
             <a:r>
               <a:rPr lang="zh-CN" altLang="en-US" dirty="0"/>
-              <a:t>设置</a:t>
+              <a:t>音乐</a:t>
             </a:r>
           </a:p>
         </p:txBody>
@@ -8126,7 +8627,7 @@
             <a:pPr algn="ctr"/>
             <a:r>
               <a:rPr lang="zh-CN" altLang="en-US" dirty="0"/>
-              <a:t>成就</a:t>
+              <a:t>音效</a:t>
             </a:r>
           </a:p>
         </p:txBody>
@@ -8145,7 +8646,7 @@
         </p:nvSpPr>
         <p:spPr>
           <a:xfrm>
-            <a:off x="4645131" y="3342103"/>
+            <a:off x="4666835" y="3322362"/>
             <a:ext cx="2880320" cy="346513"/>
           </a:xfrm>
           <a:prstGeom prst="roundRect">
@@ -8178,17 +8679,25 @@
             <a:pPr algn="ctr"/>
             <a:r>
               <a:rPr lang="zh-CN" altLang="en-US" dirty="0"/>
-              <a:t>图鉴</a:t>
-            </a:r>
-          </a:p>
-        </p:txBody>
-      </p:sp>
-      <p:sp>
-        <p:nvSpPr>
-          <p:cNvPr id="17" name="矩形: 圆角 16">
-            <a:extLst>
-              <a:ext uri="{FF2B5EF4-FFF2-40B4-BE49-F238E27FC236}">
-                <a16:creationId xmlns:a16="http://schemas.microsoft.com/office/drawing/2014/main" id="{1401149D-FAA0-4FBF-86EB-0447167DF682}"/>
+              <a:t>游戏音（事件音、</a:t>
+            </a:r>
+            <a:r>
+              <a:rPr lang="en-US" altLang="zh-CN" dirty="0"/>
+              <a:t>END</a:t>
+            </a:r>
+            <a:r>
+              <a:rPr lang="zh-CN" altLang="en-US" dirty="0"/>
+              <a:t>等）</a:t>
+            </a:r>
+          </a:p>
+        </p:txBody>
+      </p:sp>
+      <p:sp>
+        <p:nvSpPr>
+          <p:cNvPr id="16" name="矩形: 圆角 15">
+            <a:extLst>
+              <a:ext uri="{FF2B5EF4-FFF2-40B4-BE49-F238E27FC236}">
+                <a16:creationId xmlns:a16="http://schemas.microsoft.com/office/drawing/2014/main" id="{83C846DD-F782-4718-BBC9-CB9D831E8D4E}"/>
               </a:ext>
             </a:extLst>
           </p:cNvPr>
@@ -8197,7 +8706,7 @@
         </p:nvSpPr>
         <p:spPr>
           <a:xfrm>
-            <a:off x="4655840" y="1748403"/>
+            <a:off x="4645131" y="4505123"/>
             <a:ext cx="2880320" cy="346513"/>
           </a:xfrm>
           <a:prstGeom prst="roundRect">
@@ -8230,7 +8739,119 @@
             <a:pPr algn="ctr"/>
             <a:r>
               <a:rPr lang="zh-CN" altLang="en-US" dirty="0"/>
-              <a:t>回到游戏</a:t>
+              <a:t>全屏</a:t>
+            </a:r>
+            <a:r>
+              <a:rPr lang="en-US" altLang="zh-CN" dirty="0"/>
+              <a:t>/</a:t>
+            </a:r>
+            <a:r>
+              <a:rPr lang="zh-CN" altLang="en-US" dirty="0"/>
+              <a:t>窗口</a:t>
+            </a:r>
+          </a:p>
+        </p:txBody>
+      </p:sp>
+      <p:sp>
+        <p:nvSpPr>
+          <p:cNvPr id="17" name="矩形: 圆角 16">
+            <a:extLst>
+              <a:ext uri="{FF2B5EF4-FFF2-40B4-BE49-F238E27FC236}">
+                <a16:creationId xmlns:a16="http://schemas.microsoft.com/office/drawing/2014/main" id="{1401149D-FAA0-4FBF-86EB-0447167DF682}"/>
+              </a:ext>
+            </a:extLst>
+          </p:cNvPr>
+          <p:cNvSpPr/>
+          <p:nvPr/>
+        </p:nvSpPr>
+        <p:spPr>
+          <a:xfrm>
+            <a:off x="5573832" y="5704015"/>
+            <a:ext cx="1044336" cy="346513"/>
+          </a:xfrm>
+          <a:prstGeom prst="roundRect">
+            <a:avLst>
+              <a:gd name="adj" fmla="val 26281"/>
+            </a:avLst>
+          </a:prstGeom>
+          <a:ln>
+            <a:noFill/>
+          </a:ln>
+        </p:spPr>
+        <p:style>
+          <a:lnRef idx="1">
+            <a:schemeClr val="accent2"/>
+          </a:lnRef>
+          <a:fillRef idx="3">
+            <a:schemeClr val="accent2"/>
+          </a:fillRef>
+          <a:effectRef idx="2">
+            <a:schemeClr val="accent2"/>
+          </a:effectRef>
+          <a:fontRef idx="minor">
+            <a:schemeClr val="lt1"/>
+          </a:fontRef>
+        </p:style>
+        <p:txBody>
+          <a:bodyPr rtlCol="0" anchor="ctr"/>
+          <a:lstStyle/>
+          <a:p>
+            <a:pPr algn="ctr"/>
+            <a:r>
+              <a:rPr lang="zh-CN" altLang="en-US" dirty="0"/>
+              <a:t>确认</a:t>
+            </a:r>
+          </a:p>
+        </p:txBody>
+      </p:sp>
+      <p:sp>
+        <p:nvSpPr>
+          <p:cNvPr id="18" name="矩形: 圆角 17">
+            <a:extLst>
+              <a:ext uri="{FF2B5EF4-FFF2-40B4-BE49-F238E27FC236}">
+                <a16:creationId xmlns:a16="http://schemas.microsoft.com/office/drawing/2014/main" id="{27B1B1A2-8043-43CF-B9B2-92E18F5B7201}"/>
+              </a:ext>
+            </a:extLst>
+          </p:cNvPr>
+          <p:cNvSpPr/>
+          <p:nvPr/>
+        </p:nvSpPr>
+        <p:spPr>
+          <a:xfrm>
+            <a:off x="4636868" y="5184244"/>
+            <a:ext cx="2880320" cy="346513"/>
+          </a:xfrm>
+          <a:prstGeom prst="roundRect">
+            <a:avLst>
+              <a:gd name="adj" fmla="val 26281"/>
+            </a:avLst>
+          </a:prstGeom>
+          <a:ln>
+            <a:noFill/>
+          </a:ln>
+        </p:spPr>
+        <p:style>
+          <a:lnRef idx="1">
+            <a:schemeClr val="accent2"/>
+          </a:lnRef>
+          <a:fillRef idx="3">
+            <a:schemeClr val="accent2"/>
+          </a:fillRef>
+          <a:effectRef idx="2">
+            <a:schemeClr val="accent2"/>
+          </a:effectRef>
+          <a:fontRef idx="minor">
+            <a:schemeClr val="lt1"/>
+          </a:fontRef>
+        </p:style>
+        <p:txBody>
+          <a:bodyPr rtlCol="0" anchor="ctr"/>
+          <a:lstStyle/>
+          <a:p>
+            <a:pPr algn="ctr"/>
+            <a:r>
+              <a:rPr lang="zh-CN" altLang="en-US" dirty="0"/>
+              <a:t>设为默认值</a:t>
             </a:r>
           </a:p>
         </p:txBody>
@@ -8287,114 +8908,10 @@
           </a:p>
         </p:txBody>
       </p:sp>
-      <p:sp>
-        <p:nvSpPr>
-          <p:cNvPr id="12" name="矩形: 圆角 11">
-            <a:extLst>
-              <a:ext uri="{FF2B5EF4-FFF2-40B4-BE49-F238E27FC236}">
-                <a16:creationId xmlns:a16="http://schemas.microsoft.com/office/drawing/2014/main" id="{797BF973-8E4B-411A-AE04-98315E1DF866}"/>
-              </a:ext>
-            </a:extLst>
-          </p:cNvPr>
-          <p:cNvSpPr/>
-          <p:nvPr/>
-        </p:nvSpPr>
-        <p:spPr>
-          <a:xfrm>
-            <a:off x="4655840" y="2273666"/>
-            <a:ext cx="2880320" cy="346513"/>
-          </a:xfrm>
-          <a:prstGeom prst="roundRect">
-            <a:avLst>
-              <a:gd name="adj" fmla="val 26281"/>
-            </a:avLst>
-          </a:prstGeom>
-          <a:ln>
-            <a:noFill/>
-          </a:ln>
-        </p:spPr>
-        <p:style>
-          <a:lnRef idx="1">
-            <a:schemeClr val="accent2"/>
-          </a:lnRef>
-          <a:fillRef idx="3">
-            <a:schemeClr val="accent2"/>
-          </a:fillRef>
-          <a:effectRef idx="2">
-            <a:schemeClr val="accent2"/>
-          </a:effectRef>
-          <a:fontRef idx="minor">
-            <a:schemeClr val="lt1"/>
-          </a:fontRef>
-        </p:style>
-        <p:txBody>
-          <a:bodyPr rtlCol="0" anchor="ctr"/>
-          <a:lstStyle/>
-          <a:p>
-            <a:pPr algn="ctr"/>
-            <a:r>
-              <a:rPr lang="zh-CN" altLang="en-US" dirty="0"/>
-              <a:t>存档</a:t>
-            </a:r>
-          </a:p>
-        </p:txBody>
-      </p:sp>
-      <p:sp>
-        <p:nvSpPr>
-          <p:cNvPr id="13" name="矩形: 圆角 12">
-            <a:extLst>
-              <a:ext uri="{FF2B5EF4-FFF2-40B4-BE49-F238E27FC236}">
-                <a16:creationId xmlns:a16="http://schemas.microsoft.com/office/drawing/2014/main" id="{6AEDD7A6-585C-4309-A2D8-F9AA594C64B2}"/>
-              </a:ext>
-            </a:extLst>
-          </p:cNvPr>
-          <p:cNvSpPr/>
-          <p:nvPr/>
-        </p:nvSpPr>
-        <p:spPr>
-          <a:xfrm>
-            <a:off x="4645131" y="4438380"/>
-            <a:ext cx="2880320" cy="346513"/>
-          </a:xfrm>
-          <a:prstGeom prst="roundRect">
-            <a:avLst>
-              <a:gd name="adj" fmla="val 26281"/>
-            </a:avLst>
-          </a:prstGeom>
-          <a:ln>
-            <a:noFill/>
-          </a:ln>
-        </p:spPr>
-        <p:style>
-          <a:lnRef idx="1">
-            <a:schemeClr val="accent2"/>
-          </a:lnRef>
-          <a:fillRef idx="3">
-            <a:schemeClr val="accent2"/>
-          </a:fillRef>
-          <a:effectRef idx="2">
-            <a:schemeClr val="accent2"/>
-          </a:effectRef>
-          <a:fontRef idx="minor">
-            <a:schemeClr val="lt1"/>
-          </a:fontRef>
-        </p:style>
-        <p:txBody>
-          <a:bodyPr rtlCol="0" anchor="ctr"/>
-          <a:lstStyle/>
-          <a:p>
-            <a:pPr algn="ctr"/>
-            <a:r>
-              <a:rPr lang="zh-CN" altLang="en-US" dirty="0"/>
-              <a:t>退出</a:t>
-            </a:r>
-          </a:p>
-        </p:txBody>
-      </p:sp>
     </p:spTree>
     <p:extLst>
       <p:ext uri="{BB962C8B-B14F-4D97-AF65-F5344CB8AC3E}">
-        <p14:creationId xmlns:p14="http://schemas.microsoft.com/office/powerpoint/2010/main" val="514776264"/>
+        <p14:creationId xmlns:p14="http://schemas.microsoft.com/office/powerpoint/2010/main" val="770563288"/>
       </p:ext>
     </p:extLst>
   </p:cSld>
@@ -8469,6 +8986,585 @@
                   </a:schemeClr>
                 </a:solidFill>
               </a:rPr>
+              <a:t>背景</a:t>
+            </a:r>
+          </a:p>
+        </p:txBody>
+      </p:sp>
+      <p:sp>
+        <p:nvSpPr>
+          <p:cNvPr id="20" name="矩形: 圆角 19">
+            <a:extLst>
+              <a:ext uri="{FF2B5EF4-FFF2-40B4-BE49-F238E27FC236}">
+                <a16:creationId xmlns:a16="http://schemas.microsoft.com/office/drawing/2014/main" id="{02D08665-04D6-4F99-B914-615DCD2EEBDE}"/>
+              </a:ext>
+            </a:extLst>
+          </p:cNvPr>
+          <p:cNvSpPr/>
+          <p:nvPr/>
+        </p:nvSpPr>
+        <p:spPr>
+          <a:xfrm>
+            <a:off x="3930480" y="980728"/>
+            <a:ext cx="4331040" cy="5328592"/>
+          </a:xfrm>
+          <a:prstGeom prst="roundRect">
+            <a:avLst>
+              <a:gd name="adj" fmla="val 4486"/>
+            </a:avLst>
+          </a:prstGeom>
+          <a:gradFill>
+            <a:gsLst>
+              <a:gs pos="0">
+                <a:schemeClr val="accent2">
+                  <a:satMod val="103000"/>
+                  <a:lumMod val="102000"/>
+                  <a:tint val="94000"/>
+                  <a:alpha val="30000"/>
+                </a:schemeClr>
+              </a:gs>
+              <a:gs pos="50000">
+                <a:schemeClr val="accent2">
+                  <a:satMod val="110000"/>
+                  <a:lumMod val="100000"/>
+                  <a:shade val="100000"/>
+                  <a:alpha val="30000"/>
+                </a:schemeClr>
+              </a:gs>
+              <a:gs pos="100000">
+                <a:schemeClr val="accent2">
+                  <a:lumMod val="99000"/>
+                  <a:satMod val="120000"/>
+                  <a:shade val="78000"/>
+                  <a:alpha val="30000"/>
+                </a:schemeClr>
+              </a:gs>
+            </a:gsLst>
+          </a:gradFill>
+          <a:ln>
+            <a:noFill/>
+          </a:ln>
+        </p:spPr>
+        <p:style>
+          <a:lnRef idx="1">
+            <a:schemeClr val="accent2"/>
+          </a:lnRef>
+          <a:fillRef idx="3">
+            <a:schemeClr val="accent2"/>
+          </a:fillRef>
+          <a:effectRef idx="2">
+            <a:schemeClr val="accent2"/>
+          </a:effectRef>
+          <a:fontRef idx="minor">
+            <a:schemeClr val="lt1"/>
+          </a:fontRef>
+        </p:style>
+        <p:txBody>
+          <a:bodyPr rtlCol="0" anchor="ctr"/>
+          <a:lstStyle/>
+          <a:p>
+            <a:pPr algn="ctr"/>
+            <a:r>
+              <a:rPr lang="zh-CN" altLang="en-US" dirty="0"/>
+              <a:t>设置</a:t>
+            </a:r>
+          </a:p>
+        </p:txBody>
+      </p:sp>
+      <p:sp>
+        <p:nvSpPr>
+          <p:cNvPr id="14" name="矩形: 圆角 13">
+            <a:extLst>
+              <a:ext uri="{FF2B5EF4-FFF2-40B4-BE49-F238E27FC236}">
+                <a16:creationId xmlns:a16="http://schemas.microsoft.com/office/drawing/2014/main" id="{4683ADD9-8A4A-4EAB-ACC8-330BF003441C}"/>
+              </a:ext>
+            </a:extLst>
+          </p:cNvPr>
+          <p:cNvSpPr/>
+          <p:nvPr/>
+        </p:nvSpPr>
+        <p:spPr>
+          <a:xfrm>
+            <a:off x="5573832" y="1268760"/>
+            <a:ext cx="1044336" cy="346513"/>
+          </a:xfrm>
+          <a:prstGeom prst="roundRect">
+            <a:avLst>
+              <a:gd name="adj" fmla="val 26281"/>
+            </a:avLst>
+          </a:prstGeom>
+          <a:ln>
+            <a:noFill/>
+          </a:ln>
+        </p:spPr>
+        <p:style>
+          <a:lnRef idx="1">
+            <a:schemeClr val="accent2"/>
+          </a:lnRef>
+          <a:fillRef idx="3">
+            <a:schemeClr val="accent2"/>
+          </a:fillRef>
+          <a:effectRef idx="2">
+            <a:schemeClr val="accent2"/>
+          </a:effectRef>
+          <a:fontRef idx="minor">
+            <a:schemeClr val="lt1"/>
+          </a:fontRef>
+        </p:style>
+        <p:txBody>
+          <a:bodyPr rtlCol="0" anchor="ctr"/>
+          <a:lstStyle/>
+          <a:p>
+            <a:pPr algn="ctr"/>
+            <a:r>
+              <a:rPr lang="zh-CN" altLang="en-US" dirty="0"/>
+              <a:t>菜单</a:t>
+            </a:r>
+          </a:p>
+        </p:txBody>
+      </p:sp>
+      <p:sp>
+        <p:nvSpPr>
+          <p:cNvPr id="9" name="矩形: 圆角 8">
+            <a:extLst>
+              <a:ext uri="{FF2B5EF4-FFF2-40B4-BE49-F238E27FC236}">
+                <a16:creationId xmlns:a16="http://schemas.microsoft.com/office/drawing/2014/main" id="{85D59B40-F2DE-468C-ABFC-BE6CD5339913}"/>
+              </a:ext>
+            </a:extLst>
+          </p:cNvPr>
+          <p:cNvSpPr/>
+          <p:nvPr/>
+        </p:nvSpPr>
+        <p:spPr>
+          <a:xfrm>
+            <a:off x="4635588" y="3921808"/>
+            <a:ext cx="2880320" cy="346513"/>
+          </a:xfrm>
+          <a:prstGeom prst="roundRect">
+            <a:avLst>
+              <a:gd name="adj" fmla="val 26281"/>
+            </a:avLst>
+          </a:prstGeom>
+          <a:ln>
+            <a:noFill/>
+          </a:ln>
+        </p:spPr>
+        <p:style>
+          <a:lnRef idx="1">
+            <a:schemeClr val="accent2"/>
+          </a:lnRef>
+          <a:fillRef idx="3">
+            <a:schemeClr val="accent2"/>
+          </a:fillRef>
+          <a:effectRef idx="2">
+            <a:schemeClr val="accent2"/>
+          </a:effectRef>
+          <a:fontRef idx="minor">
+            <a:schemeClr val="lt1"/>
+          </a:fontRef>
+        </p:style>
+        <p:txBody>
+          <a:bodyPr rtlCol="0" anchor="ctr"/>
+          <a:lstStyle/>
+          <a:p>
+            <a:pPr algn="ctr"/>
+            <a:r>
+              <a:rPr lang="zh-CN" altLang="en-US" dirty="0"/>
+              <a:t>设置</a:t>
+            </a:r>
+          </a:p>
+        </p:txBody>
+      </p:sp>
+      <p:sp>
+        <p:nvSpPr>
+          <p:cNvPr id="10" name="矩形: 圆角 9">
+            <a:extLst>
+              <a:ext uri="{FF2B5EF4-FFF2-40B4-BE49-F238E27FC236}">
+                <a16:creationId xmlns:a16="http://schemas.microsoft.com/office/drawing/2014/main" id="{F7A1425D-85C3-4648-84ED-9F76A4B5C4D8}"/>
+              </a:ext>
+            </a:extLst>
+          </p:cNvPr>
+          <p:cNvSpPr/>
+          <p:nvPr/>
+        </p:nvSpPr>
+        <p:spPr>
+          <a:xfrm>
+            <a:off x="4645131" y="2802593"/>
+            <a:ext cx="2880320" cy="346513"/>
+          </a:xfrm>
+          <a:prstGeom prst="roundRect">
+            <a:avLst>
+              <a:gd name="adj" fmla="val 26281"/>
+            </a:avLst>
+          </a:prstGeom>
+          <a:ln>
+            <a:noFill/>
+          </a:ln>
+        </p:spPr>
+        <p:style>
+          <a:lnRef idx="1">
+            <a:schemeClr val="accent2"/>
+          </a:lnRef>
+          <a:fillRef idx="3">
+            <a:schemeClr val="accent2"/>
+          </a:fillRef>
+          <a:effectRef idx="2">
+            <a:schemeClr val="accent2"/>
+          </a:effectRef>
+          <a:fontRef idx="minor">
+            <a:schemeClr val="lt1"/>
+          </a:fontRef>
+        </p:style>
+        <p:txBody>
+          <a:bodyPr rtlCol="0" anchor="ctr"/>
+          <a:lstStyle/>
+          <a:p>
+            <a:pPr algn="ctr"/>
+            <a:r>
+              <a:rPr lang="zh-CN" altLang="en-US" dirty="0"/>
+              <a:t>成就</a:t>
+            </a:r>
+          </a:p>
+        </p:txBody>
+      </p:sp>
+      <p:sp>
+        <p:nvSpPr>
+          <p:cNvPr id="11" name="矩形: 圆角 10">
+            <a:extLst>
+              <a:ext uri="{FF2B5EF4-FFF2-40B4-BE49-F238E27FC236}">
+                <a16:creationId xmlns:a16="http://schemas.microsoft.com/office/drawing/2014/main" id="{2296888E-3D89-4939-A743-AA669CEA52B5}"/>
+              </a:ext>
+            </a:extLst>
+          </p:cNvPr>
+          <p:cNvSpPr/>
+          <p:nvPr/>
+        </p:nvSpPr>
+        <p:spPr>
+          <a:xfrm>
+            <a:off x="4645131" y="3342103"/>
+            <a:ext cx="2880320" cy="346513"/>
+          </a:xfrm>
+          <a:prstGeom prst="roundRect">
+            <a:avLst>
+              <a:gd name="adj" fmla="val 26281"/>
+            </a:avLst>
+          </a:prstGeom>
+          <a:ln>
+            <a:noFill/>
+          </a:ln>
+        </p:spPr>
+        <p:style>
+          <a:lnRef idx="1">
+            <a:schemeClr val="accent2"/>
+          </a:lnRef>
+          <a:fillRef idx="3">
+            <a:schemeClr val="accent2"/>
+          </a:fillRef>
+          <a:effectRef idx="2">
+            <a:schemeClr val="accent2"/>
+          </a:effectRef>
+          <a:fontRef idx="minor">
+            <a:schemeClr val="lt1"/>
+          </a:fontRef>
+        </p:style>
+        <p:txBody>
+          <a:bodyPr rtlCol="0" anchor="ctr"/>
+          <a:lstStyle/>
+          <a:p>
+            <a:pPr algn="ctr"/>
+            <a:r>
+              <a:rPr lang="zh-CN" altLang="en-US" dirty="0"/>
+              <a:t>图鉴</a:t>
+            </a:r>
+          </a:p>
+        </p:txBody>
+      </p:sp>
+      <p:sp>
+        <p:nvSpPr>
+          <p:cNvPr id="17" name="矩形: 圆角 16">
+            <a:extLst>
+              <a:ext uri="{FF2B5EF4-FFF2-40B4-BE49-F238E27FC236}">
+                <a16:creationId xmlns:a16="http://schemas.microsoft.com/office/drawing/2014/main" id="{1401149D-FAA0-4FBF-86EB-0447167DF682}"/>
+              </a:ext>
+            </a:extLst>
+          </p:cNvPr>
+          <p:cNvSpPr/>
+          <p:nvPr/>
+        </p:nvSpPr>
+        <p:spPr>
+          <a:xfrm>
+            <a:off x="4655840" y="1748403"/>
+            <a:ext cx="2880320" cy="346513"/>
+          </a:xfrm>
+          <a:prstGeom prst="roundRect">
+            <a:avLst>
+              <a:gd name="adj" fmla="val 26281"/>
+            </a:avLst>
+          </a:prstGeom>
+          <a:ln>
+            <a:noFill/>
+          </a:ln>
+        </p:spPr>
+        <p:style>
+          <a:lnRef idx="1">
+            <a:schemeClr val="accent2"/>
+          </a:lnRef>
+          <a:fillRef idx="3">
+            <a:schemeClr val="accent2"/>
+          </a:fillRef>
+          <a:effectRef idx="2">
+            <a:schemeClr val="accent2"/>
+          </a:effectRef>
+          <a:fontRef idx="minor">
+            <a:schemeClr val="lt1"/>
+          </a:fontRef>
+        </p:style>
+        <p:txBody>
+          <a:bodyPr rtlCol="0" anchor="ctr"/>
+          <a:lstStyle/>
+          <a:p>
+            <a:pPr algn="ctr"/>
+            <a:r>
+              <a:rPr lang="zh-CN" altLang="en-US" dirty="0"/>
+              <a:t>回到游戏</a:t>
+            </a:r>
+          </a:p>
+        </p:txBody>
+      </p:sp>
+      <p:sp>
+        <p:nvSpPr>
+          <p:cNvPr id="19" name="矩形: 圆角 18">
+            <a:extLst>
+              <a:ext uri="{FF2B5EF4-FFF2-40B4-BE49-F238E27FC236}">
+                <a16:creationId xmlns:a16="http://schemas.microsoft.com/office/drawing/2014/main" id="{8717EDB7-149B-4E6D-B153-4993C889C5EE}"/>
+              </a:ext>
+            </a:extLst>
+          </p:cNvPr>
+          <p:cNvSpPr/>
+          <p:nvPr/>
+        </p:nvSpPr>
+        <p:spPr>
+          <a:xfrm>
+            <a:off x="10488488" y="5357502"/>
+            <a:ext cx="1044336" cy="346513"/>
+          </a:xfrm>
+          <a:prstGeom prst="roundRect">
+            <a:avLst>
+              <a:gd name="adj" fmla="val 26281"/>
+            </a:avLst>
+          </a:prstGeom>
+          <a:gradFill>
+            <a:lin ang="16200000" scaled="0"/>
+          </a:gradFill>
+          <a:ln>
+            <a:noFill/>
+          </a:ln>
+        </p:spPr>
+        <p:style>
+          <a:lnRef idx="1">
+            <a:schemeClr val="accent2"/>
+          </a:lnRef>
+          <a:fillRef idx="3">
+            <a:schemeClr val="accent2"/>
+          </a:fillRef>
+          <a:effectRef idx="2">
+            <a:schemeClr val="accent2"/>
+          </a:effectRef>
+          <a:fontRef idx="minor">
+            <a:schemeClr val="lt1"/>
+          </a:fontRef>
+        </p:style>
+        <p:txBody>
+          <a:bodyPr rtlCol="0" anchor="ctr"/>
+          <a:lstStyle/>
+          <a:p>
+            <a:pPr algn="ctr"/>
+            <a:endParaRPr lang="zh-CN" altLang="en-US" dirty="0"/>
+          </a:p>
+        </p:txBody>
+      </p:sp>
+      <p:sp>
+        <p:nvSpPr>
+          <p:cNvPr id="12" name="矩形: 圆角 11">
+            <a:extLst>
+              <a:ext uri="{FF2B5EF4-FFF2-40B4-BE49-F238E27FC236}">
+                <a16:creationId xmlns:a16="http://schemas.microsoft.com/office/drawing/2014/main" id="{797BF973-8E4B-411A-AE04-98315E1DF866}"/>
+              </a:ext>
+            </a:extLst>
+          </p:cNvPr>
+          <p:cNvSpPr/>
+          <p:nvPr/>
+        </p:nvSpPr>
+        <p:spPr>
+          <a:xfrm>
+            <a:off x="4655840" y="2273666"/>
+            <a:ext cx="2880320" cy="346513"/>
+          </a:xfrm>
+          <a:prstGeom prst="roundRect">
+            <a:avLst>
+              <a:gd name="adj" fmla="val 26281"/>
+            </a:avLst>
+          </a:prstGeom>
+          <a:ln>
+            <a:noFill/>
+          </a:ln>
+        </p:spPr>
+        <p:style>
+          <a:lnRef idx="1">
+            <a:schemeClr val="accent2"/>
+          </a:lnRef>
+          <a:fillRef idx="3">
+            <a:schemeClr val="accent2"/>
+          </a:fillRef>
+          <a:effectRef idx="2">
+            <a:schemeClr val="accent2"/>
+          </a:effectRef>
+          <a:fontRef idx="minor">
+            <a:schemeClr val="lt1"/>
+          </a:fontRef>
+        </p:style>
+        <p:txBody>
+          <a:bodyPr rtlCol="0" anchor="ctr"/>
+          <a:lstStyle/>
+          <a:p>
+            <a:pPr algn="ctr"/>
+            <a:r>
+              <a:rPr lang="zh-CN" altLang="en-US" dirty="0"/>
+              <a:t>存档</a:t>
+            </a:r>
+          </a:p>
+        </p:txBody>
+      </p:sp>
+      <p:sp>
+        <p:nvSpPr>
+          <p:cNvPr id="13" name="矩形: 圆角 12">
+            <a:extLst>
+              <a:ext uri="{FF2B5EF4-FFF2-40B4-BE49-F238E27FC236}">
+                <a16:creationId xmlns:a16="http://schemas.microsoft.com/office/drawing/2014/main" id="{6AEDD7A6-585C-4309-A2D8-F9AA594C64B2}"/>
+              </a:ext>
+            </a:extLst>
+          </p:cNvPr>
+          <p:cNvSpPr/>
+          <p:nvPr/>
+        </p:nvSpPr>
+        <p:spPr>
+          <a:xfrm>
+            <a:off x="4645131" y="4438380"/>
+            <a:ext cx="2880320" cy="346513"/>
+          </a:xfrm>
+          <a:prstGeom prst="roundRect">
+            <a:avLst>
+              <a:gd name="adj" fmla="val 26281"/>
+            </a:avLst>
+          </a:prstGeom>
+          <a:ln>
+            <a:noFill/>
+          </a:ln>
+        </p:spPr>
+        <p:style>
+          <a:lnRef idx="1">
+            <a:schemeClr val="accent2"/>
+          </a:lnRef>
+          <a:fillRef idx="3">
+            <a:schemeClr val="accent2"/>
+          </a:fillRef>
+          <a:effectRef idx="2">
+            <a:schemeClr val="accent2"/>
+          </a:effectRef>
+          <a:fontRef idx="minor">
+            <a:schemeClr val="lt1"/>
+          </a:fontRef>
+        </p:style>
+        <p:txBody>
+          <a:bodyPr rtlCol="0" anchor="ctr"/>
+          <a:lstStyle/>
+          <a:p>
+            <a:pPr algn="ctr"/>
+            <a:r>
+              <a:rPr lang="zh-CN" altLang="en-US" dirty="0"/>
+              <a:t>退出</a:t>
+            </a:r>
+          </a:p>
+        </p:txBody>
+      </p:sp>
+    </p:spTree>
+    <p:extLst>
+      <p:ext uri="{BB962C8B-B14F-4D97-AF65-F5344CB8AC3E}">
+        <p14:creationId xmlns:p14="http://schemas.microsoft.com/office/powerpoint/2010/main" val="514776264"/>
+      </p:ext>
+    </p:extLst>
+  </p:cSld>
+  <p:clrMapOvr>
+    <a:masterClrMapping/>
+  </p:clrMapOvr>
+</p:sld>
+</file>
+
+<file path=ppt/slides/slide17.xml><?xml version="1.0" encoding="utf-8"?>
+<p:sld xmlns:a="http://schemas.openxmlformats.org/drawingml/2006/main" xmlns:r="http://schemas.openxmlformats.org/officeDocument/2006/relationships" xmlns:p="http://schemas.openxmlformats.org/presentationml/2006/main">
+  <p:cSld>
+    <p:bg>
+      <p:bgPr>
+        <a:solidFill>
+          <a:schemeClr val="accent2">
+            <a:lumMod val="40000"/>
+            <a:lumOff val="60000"/>
+          </a:schemeClr>
+        </a:solidFill>
+        <a:effectLst/>
+      </p:bgPr>
+    </p:bg>
+    <p:spTree>
+      <p:nvGrpSpPr>
+        <p:cNvPr id="1" name=""/>
+        <p:cNvGrpSpPr/>
+        <p:nvPr/>
+      </p:nvGrpSpPr>
+      <p:grpSpPr>
+        <a:xfrm>
+          <a:off x="0" y="0"/>
+          <a:ext cx="0" cy="0"/>
+          <a:chOff x="0" y="0"/>
+          <a:chExt cx="0" cy="0"/>
+        </a:xfrm>
+      </p:grpSpPr>
+      <p:sp>
+        <p:nvSpPr>
+          <p:cNvPr id="15" name="文本框 14">
+            <a:extLst>
+              <a:ext uri="{FF2B5EF4-FFF2-40B4-BE49-F238E27FC236}">
+                <a16:creationId xmlns:a16="http://schemas.microsoft.com/office/drawing/2014/main" id="{657054E7-180F-4947-985B-B4B1939ED52D}"/>
+              </a:ext>
+            </a:extLst>
+          </p:cNvPr>
+          <p:cNvSpPr txBox="1"/>
+          <p:nvPr/>
+        </p:nvSpPr>
+        <p:spPr>
+          <a:xfrm>
+            <a:off x="3930480" y="2798929"/>
+            <a:ext cx="4331040" cy="1200329"/>
+          </a:xfrm>
+          <a:prstGeom prst="rect">
+            <a:avLst/>
+          </a:prstGeom>
+          <a:noFill/>
+        </p:spPr>
+        <p:txBody>
+          <a:bodyPr wrap="square" rtlCol="0">
+            <a:spAutoFit/>
+          </a:bodyPr>
+          <a:lstStyle/>
+          <a:p>
+            <a:pPr algn="ctr"/>
+            <a:r>
+              <a:rPr lang="zh-CN" altLang="en-US" sz="7200" dirty="0">
+                <a:solidFill>
+                  <a:schemeClr val="bg1">
+                    <a:lumMod val="65000"/>
+                  </a:schemeClr>
+                </a:solidFill>
+              </a:rPr>
               <a:t>场景背景</a:t>
             </a:r>
           </a:p>
@@ -9336,7 +10432,7 @@
 </p:sld>
 </file>
 
-<file path=ppt/slides/slide17.xml><?xml version="1.0" encoding="utf-8"?>
+<file path=ppt/slides/slide18.xml><?xml version="1.0" encoding="utf-8"?>
 <p:sld xmlns:a="http://schemas.openxmlformats.org/drawingml/2006/main" xmlns:r="http://schemas.openxmlformats.org/officeDocument/2006/relationships" xmlns:p="http://schemas.openxmlformats.org/presentationml/2006/main">
   <p:cSld>
     <p:bg>
@@ -10518,6 +11614,602 @@
           <a:chExt cx="0" cy="0"/>
         </a:xfrm>
       </p:grpSpPr>
+      <p:sp>
+        <p:nvSpPr>
+          <p:cNvPr id="2" name="文本框 1">
+            <a:extLst>
+              <a:ext uri="{FF2B5EF4-FFF2-40B4-BE49-F238E27FC236}">
+                <a16:creationId xmlns:a16="http://schemas.microsoft.com/office/drawing/2014/main" id="{FAA9AA88-B950-4D00-A2F8-2D13BE563819}"/>
+              </a:ext>
+            </a:extLst>
+          </p:cNvPr>
+          <p:cNvSpPr txBox="1"/>
+          <p:nvPr/>
+        </p:nvSpPr>
+        <p:spPr>
+          <a:xfrm>
+            <a:off x="5519936" y="4293096"/>
+            <a:ext cx="5852524" cy="1200329"/>
+          </a:xfrm>
+          <a:prstGeom prst="rect">
+            <a:avLst/>
+          </a:prstGeom>
+          <a:noFill/>
+        </p:spPr>
+        <p:txBody>
+          <a:bodyPr wrap="square" rtlCol="0">
+            <a:spAutoFit/>
+          </a:bodyPr>
+          <a:lstStyle/>
+          <a:p>
+            <a:r>
+              <a:rPr lang="zh-CN" altLang="en-US" sz="7200" dirty="0"/>
+              <a:t>当前动作</a:t>
+            </a:r>
+          </a:p>
+        </p:txBody>
+      </p:sp>
+      <p:sp>
+        <p:nvSpPr>
+          <p:cNvPr id="3" name="矩形: 圆角 2">
+            <a:extLst>
+              <a:ext uri="{FF2B5EF4-FFF2-40B4-BE49-F238E27FC236}">
+                <a16:creationId xmlns:a16="http://schemas.microsoft.com/office/drawing/2014/main" id="{A2A0C6E4-AC9E-460C-B0AF-2DFFAAA25FC1}"/>
+              </a:ext>
+            </a:extLst>
+          </p:cNvPr>
+          <p:cNvSpPr/>
+          <p:nvPr/>
+        </p:nvSpPr>
+        <p:spPr>
+          <a:xfrm>
+            <a:off x="3011264" y="820856"/>
+            <a:ext cx="3741692" cy="346513"/>
+          </a:xfrm>
+          <a:prstGeom prst="roundRect">
+            <a:avLst>
+              <a:gd name="adj" fmla="val 26281"/>
+            </a:avLst>
+          </a:prstGeom>
+          <a:ln>
+            <a:noFill/>
+          </a:ln>
+        </p:spPr>
+        <p:style>
+          <a:lnRef idx="1">
+            <a:schemeClr val="accent2"/>
+          </a:lnRef>
+          <a:fillRef idx="3">
+            <a:schemeClr val="accent2"/>
+          </a:fillRef>
+          <a:effectRef idx="2">
+            <a:schemeClr val="accent2"/>
+          </a:effectRef>
+          <a:fontRef idx="minor">
+            <a:schemeClr val="lt1"/>
+          </a:fontRef>
+        </p:style>
+        <p:txBody>
+          <a:bodyPr rtlCol="0" anchor="ctr"/>
+          <a:lstStyle/>
+          <a:p>
+            <a:pPr algn="ctr"/>
+            <a:endParaRPr lang="zh-CN" altLang="en-US" dirty="0"/>
+          </a:p>
+        </p:txBody>
+      </p:sp>
+      <p:pic>
+        <p:nvPicPr>
+          <p:cNvPr id="4" name="图形 3" descr="用户">
+            <a:extLst>
+              <a:ext uri="{FF2B5EF4-FFF2-40B4-BE49-F238E27FC236}">
+                <a16:creationId xmlns:a16="http://schemas.microsoft.com/office/drawing/2014/main" id="{337DF80F-A9F1-4D45-A9F1-D35337A0A53C}"/>
+              </a:ext>
+            </a:extLst>
+          </p:cNvPr>
+          <p:cNvPicPr>
+            <a:picLocks noChangeAspect="1"/>
+          </p:cNvPicPr>
+          <p:nvPr/>
+        </p:nvPicPr>
+        <p:blipFill>
+          <a:blip r:embed="rId3">
+            <a:extLst>
+              <a:ext uri="{28A0092B-C50C-407E-A947-70E740481C1C}">
+                <a14:useLocalDpi xmlns:a14="http://schemas.microsoft.com/office/drawing/2010/main" val="0"/>
+              </a:ext>
+              <a:ext uri="{96DAC541-7B7A-43D3-8B79-37D633B846F1}">
+                <asvg:svgBlip xmlns:asvg="http://schemas.microsoft.com/office/drawing/2016/SVG/main" r:embed="rId4"/>
+              </a:ext>
+            </a:extLst>
+          </a:blip>
+          <a:stretch>
+            <a:fillRect/>
+          </a:stretch>
+        </p:blipFill>
+        <p:spPr>
+          <a:xfrm>
+            <a:off x="8312594" y="2301859"/>
+            <a:ext cx="914400" cy="914400"/>
+          </a:xfrm>
+          <a:prstGeom prst="rect">
+            <a:avLst/>
+          </a:prstGeom>
+        </p:spPr>
+      </p:pic>
+      <p:pic>
+        <p:nvPicPr>
+          <p:cNvPr id="5" name="图形 4" descr="日历">
+            <a:extLst>
+              <a:ext uri="{FF2B5EF4-FFF2-40B4-BE49-F238E27FC236}">
+                <a16:creationId xmlns:a16="http://schemas.microsoft.com/office/drawing/2014/main" id="{5029DDAA-A8EB-4FA6-94A9-BB0221161566}"/>
+              </a:ext>
+            </a:extLst>
+          </p:cNvPr>
+          <p:cNvPicPr>
+            <a:picLocks noChangeAspect="1"/>
+          </p:cNvPicPr>
+          <p:nvPr/>
+        </p:nvPicPr>
+        <p:blipFill>
+          <a:blip r:embed="rId5">
+            <a:extLst>
+              <a:ext uri="{28A0092B-C50C-407E-A947-70E740481C1C}">
+                <a14:useLocalDpi xmlns:a14="http://schemas.microsoft.com/office/drawing/2010/main" val="0"/>
+              </a:ext>
+              <a:ext uri="{96DAC541-7B7A-43D3-8B79-37D633B846F1}">
+                <asvg:svgBlip xmlns:asvg="http://schemas.microsoft.com/office/drawing/2016/SVG/main" r:embed="rId6"/>
+              </a:ext>
+            </a:extLst>
+          </a:blip>
+          <a:stretch>
+            <a:fillRect/>
+          </a:stretch>
+        </p:blipFill>
+        <p:spPr>
+          <a:xfrm>
+            <a:off x="9133888" y="2276872"/>
+            <a:ext cx="914400" cy="914400"/>
+          </a:xfrm>
+          <a:prstGeom prst="rect">
+            <a:avLst/>
+          </a:prstGeom>
+        </p:spPr>
+      </p:pic>
+      <p:pic>
+        <p:nvPicPr>
+          <p:cNvPr id="6" name="图形 5" descr="带齿轮的头部">
+            <a:extLst>
+              <a:ext uri="{FF2B5EF4-FFF2-40B4-BE49-F238E27FC236}">
+                <a16:creationId xmlns:a16="http://schemas.microsoft.com/office/drawing/2014/main" id="{6CE86C25-8829-4093-ADDA-E4EF68FB00D3}"/>
+              </a:ext>
+            </a:extLst>
+          </p:cNvPr>
+          <p:cNvPicPr>
+            <a:picLocks noChangeAspect="1"/>
+          </p:cNvPicPr>
+          <p:nvPr/>
+        </p:nvPicPr>
+        <p:blipFill>
+          <a:blip r:embed="rId7">
+            <a:extLst>
+              <a:ext uri="{28A0092B-C50C-407E-A947-70E740481C1C}">
+                <a14:useLocalDpi xmlns:a14="http://schemas.microsoft.com/office/drawing/2010/main" val="0"/>
+              </a:ext>
+              <a:ext uri="{96DAC541-7B7A-43D3-8B79-37D633B846F1}">
+                <asvg:svgBlip xmlns:asvg="http://schemas.microsoft.com/office/drawing/2016/SVG/main" r:embed="rId8"/>
+              </a:ext>
+            </a:extLst>
+          </a:blip>
+          <a:stretch>
+            <a:fillRect/>
+          </a:stretch>
+        </p:blipFill>
+        <p:spPr>
+          <a:xfrm>
+            <a:off x="9888611" y="2301859"/>
+            <a:ext cx="914400" cy="914400"/>
+          </a:xfrm>
+          <a:prstGeom prst="rect">
+            <a:avLst/>
+          </a:prstGeom>
+        </p:spPr>
+      </p:pic>
+      <p:pic>
+        <p:nvPicPr>
+          <p:cNvPr id="7" name="图形 6" descr="奖牌">
+            <a:extLst>
+              <a:ext uri="{FF2B5EF4-FFF2-40B4-BE49-F238E27FC236}">
+                <a16:creationId xmlns:a16="http://schemas.microsoft.com/office/drawing/2014/main" id="{577C0B94-364A-479D-B1AC-4FB5BF6F1AA4}"/>
+              </a:ext>
+            </a:extLst>
+          </p:cNvPr>
+          <p:cNvPicPr>
+            <a:picLocks noChangeAspect="1"/>
+          </p:cNvPicPr>
+          <p:nvPr/>
+        </p:nvPicPr>
+        <p:blipFill>
+          <a:blip r:embed="rId9">
+            <a:extLst>
+              <a:ext uri="{28A0092B-C50C-407E-A947-70E740481C1C}">
+                <a14:useLocalDpi xmlns:a14="http://schemas.microsoft.com/office/drawing/2010/main" val="0"/>
+              </a:ext>
+              <a:ext uri="{96DAC541-7B7A-43D3-8B79-37D633B846F1}">
+                <asvg:svgBlip xmlns:asvg="http://schemas.microsoft.com/office/drawing/2016/SVG/main" r:embed="rId10"/>
+              </a:ext>
+            </a:extLst>
+          </a:blip>
+          <a:stretch>
+            <a:fillRect/>
+          </a:stretch>
+        </p:blipFill>
+        <p:spPr>
+          <a:xfrm>
+            <a:off x="10606377" y="2301859"/>
+            <a:ext cx="914400" cy="914400"/>
+          </a:xfrm>
+          <a:prstGeom prst="rect">
+            <a:avLst/>
+          </a:prstGeom>
+        </p:spPr>
+      </p:pic>
+      <p:sp>
+        <p:nvSpPr>
+          <p:cNvPr id="8" name="矩形: 圆角 7">
+            <a:extLst>
+              <a:ext uri="{FF2B5EF4-FFF2-40B4-BE49-F238E27FC236}">
+                <a16:creationId xmlns:a16="http://schemas.microsoft.com/office/drawing/2014/main" id="{1C82DA9F-93C2-4ECD-A85D-9630E4612322}"/>
+              </a:ext>
+            </a:extLst>
+          </p:cNvPr>
+          <p:cNvSpPr/>
+          <p:nvPr/>
+        </p:nvSpPr>
+        <p:spPr>
+          <a:xfrm>
+            <a:off x="9696400" y="3429000"/>
+            <a:ext cx="720080" cy="720080"/>
+          </a:xfrm>
+          <a:prstGeom prst="roundRect">
+            <a:avLst/>
+          </a:prstGeom>
+          <a:noFill/>
+          <a:ln w="76200">
+            <a:solidFill>
+              <a:schemeClr val="accent2">
+                <a:lumMod val="75000"/>
+              </a:schemeClr>
+            </a:solidFill>
+          </a:ln>
+        </p:spPr>
+        <p:style>
+          <a:lnRef idx="2">
+            <a:schemeClr val="accent1">
+              <a:shade val="50000"/>
+            </a:schemeClr>
+          </a:lnRef>
+          <a:fillRef idx="1">
+            <a:schemeClr val="accent1"/>
+          </a:fillRef>
+          <a:effectRef idx="0">
+            <a:schemeClr val="accent1"/>
+          </a:effectRef>
+          <a:fontRef idx="minor">
+            <a:schemeClr val="lt1"/>
+          </a:fontRef>
+        </p:style>
+        <p:txBody>
+          <a:bodyPr rtlCol="0" anchor="ctr"/>
+          <a:lstStyle/>
+          <a:p>
+            <a:pPr algn="ctr"/>
+            <a:endParaRPr lang="zh-CN" altLang="en-US"/>
+          </a:p>
+        </p:txBody>
+      </p:sp>
+      <p:sp>
+        <p:nvSpPr>
+          <p:cNvPr id="9" name="矩形 8">
+            <a:extLst>
+              <a:ext uri="{FF2B5EF4-FFF2-40B4-BE49-F238E27FC236}">
+                <a16:creationId xmlns:a16="http://schemas.microsoft.com/office/drawing/2014/main" id="{8B8924C2-5F2F-468C-939E-D157C421256E}"/>
+              </a:ext>
+            </a:extLst>
+          </p:cNvPr>
+          <p:cNvSpPr/>
+          <p:nvPr/>
+        </p:nvSpPr>
+        <p:spPr>
+          <a:xfrm>
+            <a:off x="4655840" y="4149080"/>
+            <a:ext cx="720080" cy="720080"/>
+          </a:xfrm>
+          <a:prstGeom prst="rect">
+            <a:avLst/>
+          </a:prstGeom>
+          <a:gradFill>
+            <a:gsLst>
+              <a:gs pos="0">
+                <a:schemeClr val="bg1">
+                  <a:alpha val="70000"/>
+                </a:schemeClr>
+              </a:gs>
+              <a:gs pos="100000">
+                <a:srgbClr val="DFDFDF">
+                  <a:alpha val="70000"/>
+                </a:srgbClr>
+              </a:gs>
+              <a:gs pos="50000">
+                <a:schemeClr val="bg1">
+                  <a:lumMod val="75000"/>
+                </a:schemeClr>
+              </a:gs>
+            </a:gsLst>
+            <a:lin ang="5400000" scaled="1"/>
+          </a:gradFill>
+          <a:ln>
+            <a:noFill/>
+          </a:ln>
+        </p:spPr>
+        <p:style>
+          <a:lnRef idx="2">
+            <a:schemeClr val="accent1">
+              <a:shade val="50000"/>
+            </a:schemeClr>
+          </a:lnRef>
+          <a:fillRef idx="1">
+            <a:schemeClr val="accent1"/>
+          </a:fillRef>
+          <a:effectRef idx="0">
+            <a:schemeClr val="accent1"/>
+          </a:effectRef>
+          <a:fontRef idx="minor">
+            <a:schemeClr val="lt1"/>
+          </a:fontRef>
+        </p:style>
+        <p:txBody>
+          <a:bodyPr rtlCol="0" anchor="ctr"/>
+          <a:lstStyle/>
+          <a:p>
+            <a:pPr algn="ctr"/>
+            <a:endParaRPr lang="zh-CN" altLang="en-US"/>
+          </a:p>
+        </p:txBody>
+      </p:sp>
+      <p:pic>
+        <p:nvPicPr>
+          <p:cNvPr id="10" name="图形 9" descr="爱心">
+            <a:extLst>
+              <a:ext uri="{FF2B5EF4-FFF2-40B4-BE49-F238E27FC236}">
+                <a16:creationId xmlns:a16="http://schemas.microsoft.com/office/drawing/2014/main" id="{DF7C0EE3-85AA-498A-8276-D7FD535EA7D4}"/>
+              </a:ext>
+            </a:extLst>
+          </p:cNvPr>
+          <p:cNvPicPr>
+            <a:picLocks noChangeAspect="1"/>
+          </p:cNvPicPr>
+          <p:nvPr/>
+        </p:nvPicPr>
+        <p:blipFill>
+          <a:blip r:embed="rId11">
+            <a:extLst>
+              <a:ext uri="{28A0092B-C50C-407E-A947-70E740481C1C}">
+                <a14:useLocalDpi xmlns:a14="http://schemas.microsoft.com/office/drawing/2010/main" val="0"/>
+              </a:ext>
+              <a:ext uri="{96DAC541-7B7A-43D3-8B79-37D633B846F1}">
+                <asvg:svgBlip xmlns:asvg="http://schemas.microsoft.com/office/drawing/2016/SVG/main" r:embed="rId12"/>
+              </a:ext>
+            </a:extLst>
+          </a:blip>
+          <a:stretch>
+            <a:fillRect/>
+          </a:stretch>
+        </p:blipFill>
+        <p:spPr>
+          <a:xfrm>
+            <a:off x="5638800" y="2971800"/>
+            <a:ext cx="914400" cy="914400"/>
+          </a:xfrm>
+          <a:prstGeom prst="rect">
+            <a:avLst/>
+          </a:prstGeom>
+        </p:spPr>
+      </p:pic>
+      <p:pic>
+        <p:nvPicPr>
+          <p:cNvPr id="11" name="图形 10" descr="笑脸，实心填充">
+            <a:extLst>
+              <a:ext uri="{FF2B5EF4-FFF2-40B4-BE49-F238E27FC236}">
+                <a16:creationId xmlns:a16="http://schemas.microsoft.com/office/drawing/2014/main" id="{C82E507E-51A6-472C-AED9-C04A00ACA450}"/>
+              </a:ext>
+            </a:extLst>
+          </p:cNvPr>
+          <p:cNvPicPr>
+            <a:picLocks noChangeAspect="1"/>
+          </p:cNvPicPr>
+          <p:nvPr/>
+        </p:nvPicPr>
+        <p:blipFill>
+          <a:blip r:embed="rId13">
+            <a:extLst>
+              <a:ext uri="{28A0092B-C50C-407E-A947-70E740481C1C}">
+                <a14:useLocalDpi xmlns:a14="http://schemas.microsoft.com/office/drawing/2010/main" val="0"/>
+              </a:ext>
+              <a:ext uri="{96DAC541-7B7A-43D3-8B79-37D633B846F1}">
+                <asvg:svgBlip xmlns:asvg="http://schemas.microsoft.com/office/drawing/2016/SVG/main" r:embed="rId14"/>
+              </a:ext>
+            </a:extLst>
+          </a:blip>
+          <a:stretch>
+            <a:fillRect/>
+          </a:stretch>
+        </p:blipFill>
+        <p:spPr>
+          <a:xfrm>
+            <a:off x="7453328" y="2704335"/>
+            <a:ext cx="914400" cy="914400"/>
+          </a:xfrm>
+          <a:prstGeom prst="rect">
+            <a:avLst/>
+          </a:prstGeom>
+        </p:spPr>
+      </p:pic>
+      <p:pic>
+        <p:nvPicPr>
+          <p:cNvPr id="12" name="图形 11" descr="书">
+            <a:extLst>
+              <a:ext uri="{FF2B5EF4-FFF2-40B4-BE49-F238E27FC236}">
+                <a16:creationId xmlns:a16="http://schemas.microsoft.com/office/drawing/2014/main" id="{36EE62D0-A4DA-4A90-B704-9D6746597825}"/>
+              </a:ext>
+            </a:extLst>
+          </p:cNvPr>
+          <p:cNvPicPr>
+            <a:picLocks noChangeAspect="1"/>
+          </p:cNvPicPr>
+          <p:nvPr/>
+        </p:nvPicPr>
+        <p:blipFill>
+          <a:blip r:embed="rId15">
+            <a:extLst>
+              <a:ext uri="{28A0092B-C50C-407E-A947-70E740481C1C}">
+                <a14:useLocalDpi xmlns:a14="http://schemas.microsoft.com/office/drawing/2010/main" val="0"/>
+              </a:ext>
+              <a:ext uri="{96DAC541-7B7A-43D3-8B79-37D633B846F1}">
+                <asvg:svgBlip xmlns:asvg="http://schemas.microsoft.com/office/drawing/2016/SVG/main" r:embed="rId16"/>
+              </a:ext>
+            </a:extLst>
+          </a:blip>
+          <a:stretch>
+            <a:fillRect/>
+          </a:stretch>
+        </p:blipFill>
+        <p:spPr>
+          <a:xfrm>
+            <a:off x="6664572" y="3429000"/>
+            <a:ext cx="914400" cy="914400"/>
+          </a:xfrm>
+          <a:prstGeom prst="rect">
+            <a:avLst/>
+          </a:prstGeom>
+        </p:spPr>
+      </p:pic>
+      <p:sp>
+        <p:nvSpPr>
+          <p:cNvPr id="13" name="矩形: 圆角 12">
+            <a:extLst>
+              <a:ext uri="{FF2B5EF4-FFF2-40B4-BE49-F238E27FC236}">
+                <a16:creationId xmlns:a16="http://schemas.microsoft.com/office/drawing/2014/main" id="{D771706F-601D-4126-91A8-49DD3267CFB9}"/>
+              </a:ext>
+            </a:extLst>
+          </p:cNvPr>
+          <p:cNvSpPr/>
+          <p:nvPr/>
+        </p:nvSpPr>
+        <p:spPr>
+          <a:xfrm>
+            <a:off x="9398855" y="3709365"/>
+            <a:ext cx="2808312" cy="2876436"/>
+          </a:xfrm>
+          <a:prstGeom prst="roundRect">
+            <a:avLst>
+              <a:gd name="adj" fmla="val 5590"/>
+            </a:avLst>
+          </a:prstGeom>
+          <a:solidFill>
+            <a:srgbClr val="DEC7AB"/>
+          </a:solidFill>
+          <a:ln>
+            <a:noFill/>
+          </a:ln>
+        </p:spPr>
+        <p:style>
+          <a:lnRef idx="2">
+            <a:schemeClr val="accent1">
+              <a:shade val="50000"/>
+            </a:schemeClr>
+          </a:lnRef>
+          <a:fillRef idx="1">
+            <a:schemeClr val="accent1"/>
+          </a:fillRef>
+          <a:effectRef idx="0">
+            <a:schemeClr val="accent1"/>
+          </a:effectRef>
+          <a:fontRef idx="minor">
+            <a:schemeClr val="lt1"/>
+          </a:fontRef>
+        </p:style>
+        <p:txBody>
+          <a:bodyPr rtlCol="0" anchor="ctr"/>
+          <a:lstStyle/>
+          <a:p>
+            <a:pPr algn="ctr"/>
+            <a:endParaRPr lang="zh-CN" altLang="en-US"/>
+          </a:p>
+        </p:txBody>
+      </p:sp>
+      <p:sp>
+        <p:nvSpPr>
+          <p:cNvPr id="16" name="矩形: 圆角 15">
+            <a:extLst>
+              <a:ext uri="{FF2B5EF4-FFF2-40B4-BE49-F238E27FC236}">
+                <a16:creationId xmlns:a16="http://schemas.microsoft.com/office/drawing/2014/main" id="{BE789346-CACB-42FA-969E-B3220361DEC1}"/>
+              </a:ext>
+            </a:extLst>
+          </p:cNvPr>
+          <p:cNvSpPr/>
+          <p:nvPr/>
+        </p:nvSpPr>
+        <p:spPr>
+          <a:xfrm>
+            <a:off x="551384" y="1951671"/>
+            <a:ext cx="3741692" cy="346513"/>
+          </a:xfrm>
+          <a:prstGeom prst="roundRect">
+            <a:avLst>
+              <a:gd name="adj" fmla="val 18849"/>
+            </a:avLst>
+          </a:prstGeom>
+          <a:gradFill>
+            <a:gsLst>
+              <a:gs pos="0">
+                <a:srgbClr val="D7B485"/>
+              </a:gs>
+              <a:gs pos="50000">
+                <a:srgbClr val="CB9E61"/>
+              </a:gs>
+              <a:gs pos="100000">
+                <a:srgbClr val="C08940"/>
+              </a:gs>
+            </a:gsLst>
+          </a:gradFill>
+          <a:ln w="38100">
+            <a:noFill/>
+          </a:ln>
+        </p:spPr>
+        <p:style>
+          <a:lnRef idx="1">
+            <a:schemeClr val="accent2"/>
+          </a:lnRef>
+          <a:fillRef idx="3">
+            <a:schemeClr val="accent2"/>
+          </a:fillRef>
+          <a:effectRef idx="2">
+            <a:schemeClr val="accent2"/>
+          </a:effectRef>
+          <a:fontRef idx="minor">
+            <a:schemeClr val="lt1"/>
+          </a:fontRef>
+        </p:style>
+        <p:txBody>
+          <a:bodyPr rtlCol="0" anchor="ctr"/>
+          <a:lstStyle/>
+          <a:p>
+            <a:pPr algn="ctr"/>
+            <a:endParaRPr lang="zh-CN" altLang="en-US" dirty="0"/>
+          </a:p>
+        </p:txBody>
+      </p:sp>
     </p:spTree>
     <p:extLst>
       <p:ext uri="{BB962C8B-B14F-4D97-AF65-F5344CB8AC3E}">
@@ -10984,6 +12676,134 @@
       </p:grpSpPr>
       <p:sp>
         <p:nvSpPr>
+          <p:cNvPr id="20" name="矩形: 圆角 19">
+            <a:extLst>
+              <a:ext uri="{FF2B5EF4-FFF2-40B4-BE49-F238E27FC236}">
+                <a16:creationId xmlns:a16="http://schemas.microsoft.com/office/drawing/2014/main" id="{FD21780E-470D-4995-9737-F1F6F635FD04}"/>
+              </a:ext>
+            </a:extLst>
+          </p:cNvPr>
+          <p:cNvSpPr/>
+          <p:nvPr/>
+        </p:nvSpPr>
+        <p:spPr>
+          <a:xfrm>
+            <a:off x="0" y="395350"/>
+            <a:ext cx="4007768" cy="6487637"/>
+          </a:xfrm>
+          <a:prstGeom prst="roundRect">
+            <a:avLst>
+              <a:gd name="adj" fmla="val 3932"/>
+            </a:avLst>
+          </a:prstGeom>
+          <a:gradFill>
+            <a:gsLst>
+              <a:gs pos="0">
+                <a:schemeClr val="accent2">
+                  <a:satMod val="103000"/>
+                  <a:lumMod val="102000"/>
+                  <a:tint val="94000"/>
+                  <a:alpha val="30000"/>
+                </a:schemeClr>
+              </a:gs>
+              <a:gs pos="50000">
+                <a:schemeClr val="accent2">
+                  <a:satMod val="110000"/>
+                  <a:lumMod val="100000"/>
+                  <a:shade val="100000"/>
+                  <a:alpha val="30000"/>
+                </a:schemeClr>
+              </a:gs>
+              <a:gs pos="100000">
+                <a:schemeClr val="accent2">
+                  <a:lumMod val="99000"/>
+                  <a:satMod val="120000"/>
+                  <a:shade val="78000"/>
+                  <a:alpha val="30000"/>
+                </a:schemeClr>
+              </a:gs>
+            </a:gsLst>
+          </a:gradFill>
+          <a:ln>
+            <a:noFill/>
+          </a:ln>
+        </p:spPr>
+        <p:style>
+          <a:lnRef idx="1">
+            <a:schemeClr val="accent2"/>
+          </a:lnRef>
+          <a:fillRef idx="3">
+            <a:schemeClr val="accent2"/>
+          </a:fillRef>
+          <a:effectRef idx="2">
+            <a:schemeClr val="accent2"/>
+          </a:effectRef>
+          <a:fontRef idx="minor">
+            <a:schemeClr val="lt1"/>
+          </a:fontRef>
+        </p:style>
+        <p:txBody>
+          <a:bodyPr rtlCol="0" anchor="ctr"/>
+          <a:lstStyle/>
+          <a:p>
+            <a:pPr algn="ctr"/>
+            <a:endParaRPr lang="en-US" altLang="zh-CN" dirty="0"/>
+          </a:p>
+          <a:p>
+            <a:pPr algn="ctr"/>
+            <a:endParaRPr lang="en-US" altLang="zh-CN" dirty="0"/>
+          </a:p>
+          <a:p>
+            <a:pPr algn="ctr"/>
+            <a:endParaRPr lang="en-US" altLang="zh-CN" dirty="0"/>
+          </a:p>
+          <a:p>
+            <a:pPr algn="ctr"/>
+            <a:endParaRPr lang="en-US" altLang="zh-CN" dirty="0"/>
+          </a:p>
+          <a:p>
+            <a:pPr algn="ctr"/>
+            <a:endParaRPr lang="en-US" altLang="zh-CN" dirty="0"/>
+          </a:p>
+          <a:p>
+            <a:pPr algn="ctr"/>
+            <a:endParaRPr lang="en-US" altLang="zh-CN" dirty="0"/>
+          </a:p>
+          <a:p>
+            <a:pPr algn="ctr"/>
+            <a:endParaRPr lang="en-US" altLang="zh-CN" dirty="0"/>
+          </a:p>
+          <a:p>
+            <a:pPr algn="ctr"/>
+            <a:endParaRPr lang="en-US" altLang="zh-CN" dirty="0"/>
+          </a:p>
+          <a:p>
+            <a:pPr algn="ctr"/>
+            <a:endParaRPr lang="en-US" altLang="zh-CN" dirty="0"/>
+          </a:p>
+          <a:p>
+            <a:pPr algn="ctr"/>
+            <a:endParaRPr lang="en-US" altLang="zh-CN" dirty="0"/>
+          </a:p>
+          <a:p>
+            <a:pPr algn="ctr"/>
+            <a:endParaRPr lang="en-US" altLang="zh-CN" dirty="0"/>
+          </a:p>
+          <a:p>
+            <a:pPr algn="ctr"/>
+            <a:endParaRPr lang="en-US" altLang="zh-CN" dirty="0"/>
+          </a:p>
+          <a:p>
+            <a:pPr algn="ctr"/>
+            <a:r>
+              <a:rPr lang="zh-CN" altLang="en-US" dirty="0"/>
+              <a:t>执行选择</a:t>
+            </a:r>
+          </a:p>
+        </p:txBody>
+      </p:sp>
+      <p:sp>
+        <p:nvSpPr>
           <p:cNvPr id="3" name="矩形 2">
             <a:extLst>
               <a:ext uri="{FF2B5EF4-FFF2-40B4-BE49-F238E27FC236}">
@@ -11289,8 +13109,8 @@
         </p:nvSpPr>
         <p:spPr>
           <a:xfrm>
-            <a:off x="4007768" y="526153"/>
-            <a:ext cx="7851596" cy="1750719"/>
+            <a:off x="-9100" y="1990980"/>
+            <a:ext cx="3998564" cy="401918"/>
           </a:xfrm>
           <a:prstGeom prst="roundRect">
             <a:avLst>
@@ -11350,52 +13170,17 @@
             <a:pPr algn="ctr"/>
             <a:r>
               <a:rPr lang="zh-CN" altLang="en-US" dirty="0"/>
-              <a:t>日志</a:t>
-            </a:r>
-          </a:p>
-        </p:txBody>
-      </p:sp>
-      <p:sp>
-        <p:nvSpPr>
-          <p:cNvPr id="18" name="文本框 17">
-            <a:extLst>
-              <a:ext uri="{FF2B5EF4-FFF2-40B4-BE49-F238E27FC236}">
-                <a16:creationId xmlns:a16="http://schemas.microsoft.com/office/drawing/2014/main" id="{2525A9B9-AA7A-4FE3-B20D-106BF9FEE049}"/>
-              </a:ext>
-            </a:extLst>
-          </p:cNvPr>
-          <p:cNvSpPr txBox="1"/>
-          <p:nvPr/>
-        </p:nvSpPr>
-        <p:spPr>
-          <a:xfrm>
-            <a:off x="5519936" y="4293096"/>
-            <a:ext cx="5852524" cy="1200329"/>
-          </a:xfrm>
-          <a:prstGeom prst="rect">
-            <a:avLst/>
-          </a:prstGeom>
-          <a:noFill/>
-        </p:spPr>
-        <p:txBody>
-          <a:bodyPr wrap="square" rtlCol="0">
-            <a:spAutoFit/>
-          </a:bodyPr>
-          <a:lstStyle/>
-          <a:p>
-            <a:r>
-              <a:rPr lang="zh-CN" altLang="en-US" sz="7200" dirty="0"/>
-              <a:t>当前动作</a:t>
-            </a:r>
-          </a:p>
-        </p:txBody>
-      </p:sp>
-      <p:sp>
-        <p:nvSpPr>
-          <p:cNvPr id="20" name="矩形: 圆角 19">
-            <a:extLst>
-              <a:ext uri="{FF2B5EF4-FFF2-40B4-BE49-F238E27FC236}">
-                <a16:creationId xmlns:a16="http://schemas.microsoft.com/office/drawing/2014/main" id="{FD21780E-470D-4995-9737-F1F6F635FD04}"/>
+              <a:t>日志条目</a:t>
+            </a:r>
+          </a:p>
+        </p:txBody>
+      </p:sp>
+      <p:sp>
+        <p:nvSpPr>
+          <p:cNvPr id="21" name="矩形: 圆角 20">
+            <a:extLst>
+              <a:ext uri="{FF2B5EF4-FFF2-40B4-BE49-F238E27FC236}">
+                <a16:creationId xmlns:a16="http://schemas.microsoft.com/office/drawing/2014/main" id="{6D4C3FA4-C8BF-4B0B-8218-E38AE95755CE}"/>
               </a:ext>
             </a:extLst>
           </p:cNvPr>
@@ -11404,12 +13189,12 @@
         </p:nvSpPr>
         <p:spPr>
           <a:xfrm>
-            <a:off x="335360" y="2383925"/>
-            <a:ext cx="3528392" cy="4285435"/>
+            <a:off x="0" y="419101"/>
+            <a:ext cx="4007768" cy="1552199"/>
           </a:xfrm>
           <a:prstGeom prst="roundRect">
             <a:avLst>
-              <a:gd name="adj" fmla="val 3932"/>
+              <a:gd name="adj" fmla="val 8474"/>
             </a:avLst>
           </a:prstGeom>
           <a:gradFill>
@@ -11465,17 +13250,17 @@
             <a:pPr algn="ctr"/>
             <a:r>
               <a:rPr lang="zh-CN" altLang="en-US" dirty="0"/>
-              <a:t>日程流程及下一步执行选择</a:t>
-            </a:r>
-          </a:p>
-        </p:txBody>
-      </p:sp>
-      <p:sp>
-        <p:nvSpPr>
-          <p:cNvPr id="21" name="矩形: 圆角 20">
-            <a:extLst>
-              <a:ext uri="{FF2B5EF4-FFF2-40B4-BE49-F238E27FC236}">
-                <a16:creationId xmlns:a16="http://schemas.microsoft.com/office/drawing/2014/main" id="{6D4C3FA4-C8BF-4B0B-8218-E38AE95755CE}"/>
+              <a:t>时间表提示</a:t>
+            </a:r>
+          </a:p>
+        </p:txBody>
+      </p:sp>
+      <p:sp>
+        <p:nvSpPr>
+          <p:cNvPr id="19" name="矩形: 圆角 18">
+            <a:extLst>
+              <a:ext uri="{FF2B5EF4-FFF2-40B4-BE49-F238E27FC236}">
+                <a16:creationId xmlns:a16="http://schemas.microsoft.com/office/drawing/2014/main" id="{CEA48ED8-CC05-4B64-BDF6-AD5A42E3649D}"/>
               </a:ext>
             </a:extLst>
           </p:cNvPr>
@@ -11484,8 +13269,368 @@
         </p:nvSpPr>
         <p:spPr>
           <a:xfrm>
-            <a:off x="332636" y="552564"/>
-            <a:ext cx="3528392" cy="1749295"/>
+            <a:off x="3935760" y="29741"/>
+            <a:ext cx="720080" cy="335867"/>
+          </a:xfrm>
+          <a:prstGeom prst="roundRect">
+            <a:avLst>
+              <a:gd name="adj" fmla="val 8474"/>
+            </a:avLst>
+          </a:prstGeom>
+          <a:gradFill>
+            <a:gsLst>
+              <a:gs pos="0">
+                <a:srgbClr val="FCE8C8">
+                  <a:alpha val="50000"/>
+                </a:srgbClr>
+              </a:gs>
+              <a:gs pos="50000">
+                <a:srgbClr val="DEC7AB">
+                  <a:alpha val="50000"/>
+                </a:srgbClr>
+              </a:gs>
+              <a:gs pos="100000">
+                <a:srgbClr val="FFFF00">
+                  <a:alpha val="50000"/>
+                </a:srgbClr>
+              </a:gs>
+            </a:gsLst>
+          </a:gradFill>
+          <a:ln>
+            <a:noFill/>
+          </a:ln>
+        </p:spPr>
+        <p:style>
+          <a:lnRef idx="1">
+            <a:schemeClr val="accent2"/>
+          </a:lnRef>
+          <a:fillRef idx="3">
+            <a:schemeClr val="accent2"/>
+          </a:fillRef>
+          <a:effectRef idx="2">
+            <a:schemeClr val="accent2"/>
+          </a:effectRef>
+          <a:fontRef idx="minor">
+            <a:schemeClr val="lt1"/>
+          </a:fontRef>
+        </p:style>
+        <p:txBody>
+          <a:bodyPr rtlCol="0" anchor="ctr"/>
+          <a:lstStyle/>
+          <a:p>
+            <a:pPr algn="ctr"/>
+            <a:r>
+              <a:rPr lang="en-US" altLang="zh-CN" dirty="0"/>
+              <a:t>health</a:t>
+            </a:r>
+            <a:endParaRPr lang="zh-CN" altLang="en-US" dirty="0"/>
+          </a:p>
+        </p:txBody>
+      </p:sp>
+      <p:sp>
+        <p:nvSpPr>
+          <p:cNvPr id="22" name="矩形: 圆角 21">
+            <a:extLst>
+              <a:ext uri="{FF2B5EF4-FFF2-40B4-BE49-F238E27FC236}">
+                <a16:creationId xmlns:a16="http://schemas.microsoft.com/office/drawing/2014/main" id="{A67ABAA0-6D60-4E8E-AC2C-0F06BEE4E972}"/>
+              </a:ext>
+            </a:extLst>
+          </p:cNvPr>
+          <p:cNvSpPr/>
+          <p:nvPr/>
+        </p:nvSpPr>
+        <p:spPr>
+          <a:xfrm>
+            <a:off x="4655840" y="29739"/>
+            <a:ext cx="720080" cy="346513"/>
+          </a:xfrm>
+          <a:prstGeom prst="roundRect">
+            <a:avLst>
+              <a:gd name="adj" fmla="val 8474"/>
+            </a:avLst>
+          </a:prstGeom>
+          <a:gradFill>
+            <a:gsLst>
+              <a:gs pos="0">
+                <a:srgbClr val="FCE8C8">
+                  <a:alpha val="50000"/>
+                </a:srgbClr>
+              </a:gs>
+              <a:gs pos="50000">
+                <a:srgbClr val="DEC7AB">
+                  <a:alpha val="50000"/>
+                </a:srgbClr>
+              </a:gs>
+              <a:gs pos="100000">
+                <a:srgbClr val="FFFF00">
+                  <a:alpha val="50000"/>
+                </a:srgbClr>
+              </a:gs>
+            </a:gsLst>
+          </a:gradFill>
+          <a:ln>
+            <a:noFill/>
+          </a:ln>
+        </p:spPr>
+        <p:style>
+          <a:lnRef idx="1">
+            <a:schemeClr val="accent2"/>
+          </a:lnRef>
+          <a:fillRef idx="3">
+            <a:schemeClr val="accent2"/>
+          </a:fillRef>
+          <a:effectRef idx="2">
+            <a:schemeClr val="accent2"/>
+          </a:effectRef>
+          <a:fontRef idx="minor">
+            <a:schemeClr val="lt1"/>
+          </a:fontRef>
+        </p:style>
+        <p:txBody>
+          <a:bodyPr rtlCol="0" anchor="ctr"/>
+          <a:lstStyle/>
+          <a:p>
+            <a:pPr algn="ctr"/>
+            <a:r>
+              <a:rPr lang="en-US" altLang="zh-CN" dirty="0"/>
+              <a:t>mood</a:t>
+            </a:r>
+            <a:endParaRPr lang="zh-CN" altLang="en-US" dirty="0"/>
+          </a:p>
+        </p:txBody>
+      </p:sp>
+      <p:sp>
+        <p:nvSpPr>
+          <p:cNvPr id="24" name="矩形: 圆角 23">
+            <a:extLst>
+              <a:ext uri="{FF2B5EF4-FFF2-40B4-BE49-F238E27FC236}">
+                <a16:creationId xmlns:a16="http://schemas.microsoft.com/office/drawing/2014/main" id="{B2CA7F46-C511-44DE-92A1-42B64F63E60F}"/>
+              </a:ext>
+            </a:extLst>
+          </p:cNvPr>
+          <p:cNvSpPr/>
+          <p:nvPr/>
+        </p:nvSpPr>
+        <p:spPr>
+          <a:xfrm>
+            <a:off x="6096000" y="40389"/>
+            <a:ext cx="671736" cy="325219"/>
+          </a:xfrm>
+          <a:prstGeom prst="roundRect">
+            <a:avLst>
+              <a:gd name="adj" fmla="val 8474"/>
+            </a:avLst>
+          </a:prstGeom>
+          <a:gradFill>
+            <a:gsLst>
+              <a:gs pos="0">
+                <a:srgbClr val="FCE8C8">
+                  <a:alpha val="50000"/>
+                </a:srgbClr>
+              </a:gs>
+              <a:gs pos="50000">
+                <a:srgbClr val="DEC7AB">
+                  <a:alpha val="50000"/>
+                </a:srgbClr>
+              </a:gs>
+              <a:gs pos="100000">
+                <a:srgbClr val="FFFF00">
+                  <a:alpha val="50000"/>
+                </a:srgbClr>
+              </a:gs>
+            </a:gsLst>
+          </a:gradFill>
+          <a:ln>
+            <a:noFill/>
+          </a:ln>
+        </p:spPr>
+        <p:style>
+          <a:lnRef idx="1">
+            <a:schemeClr val="accent2"/>
+          </a:lnRef>
+          <a:fillRef idx="3">
+            <a:schemeClr val="accent2"/>
+          </a:fillRef>
+          <a:effectRef idx="2">
+            <a:schemeClr val="accent2"/>
+          </a:effectRef>
+          <a:fontRef idx="minor">
+            <a:schemeClr val="lt1"/>
+          </a:fontRef>
+        </p:style>
+        <p:txBody>
+          <a:bodyPr rtlCol="0" anchor="ctr"/>
+          <a:lstStyle/>
+          <a:p>
+            <a:pPr algn="ctr"/>
+            <a:r>
+              <a:rPr lang="en-US" altLang="zh-CN" dirty="0"/>
+              <a:t>Ability(total)</a:t>
+            </a:r>
+            <a:endParaRPr lang="zh-CN" altLang="en-US" dirty="0"/>
+          </a:p>
+        </p:txBody>
+      </p:sp>
+      <p:sp>
+        <p:nvSpPr>
+          <p:cNvPr id="25" name="矩形: 圆角 24">
+            <a:extLst>
+              <a:ext uri="{FF2B5EF4-FFF2-40B4-BE49-F238E27FC236}">
+                <a16:creationId xmlns:a16="http://schemas.microsoft.com/office/drawing/2014/main" id="{AD46D823-42A8-49E3-AA95-D94FE4BCD3BE}"/>
+              </a:ext>
+            </a:extLst>
+          </p:cNvPr>
+          <p:cNvSpPr/>
+          <p:nvPr/>
+        </p:nvSpPr>
+        <p:spPr>
+          <a:xfrm>
+            <a:off x="6767736" y="19095"/>
+            <a:ext cx="3173276" cy="335867"/>
+          </a:xfrm>
+          <a:prstGeom prst="roundRect">
+            <a:avLst>
+              <a:gd name="adj" fmla="val 8474"/>
+            </a:avLst>
+          </a:prstGeom>
+          <a:gradFill>
+            <a:gsLst>
+              <a:gs pos="0">
+                <a:srgbClr val="FCE8C8">
+                  <a:alpha val="50000"/>
+                </a:srgbClr>
+              </a:gs>
+              <a:gs pos="50000">
+                <a:srgbClr val="DEC7AB">
+                  <a:alpha val="50000"/>
+                </a:srgbClr>
+              </a:gs>
+              <a:gs pos="100000">
+                <a:srgbClr val="FFFF00">
+                  <a:alpha val="50000"/>
+                </a:srgbClr>
+              </a:gs>
+            </a:gsLst>
+          </a:gradFill>
+          <a:ln>
+            <a:noFill/>
+          </a:ln>
+        </p:spPr>
+        <p:style>
+          <a:lnRef idx="1">
+            <a:schemeClr val="accent2"/>
+          </a:lnRef>
+          <a:fillRef idx="3">
+            <a:schemeClr val="accent2"/>
+          </a:fillRef>
+          <a:effectRef idx="2">
+            <a:schemeClr val="accent2"/>
+          </a:effectRef>
+          <a:fontRef idx="minor">
+            <a:schemeClr val="lt1"/>
+          </a:fontRef>
+        </p:style>
+        <p:txBody>
+          <a:bodyPr rtlCol="0" anchor="ctr"/>
+          <a:lstStyle/>
+          <a:p>
+            <a:pPr algn="ctr"/>
+            <a:r>
+              <a:rPr lang="en-US" altLang="zh-CN" dirty="0"/>
+              <a:t>Rating</a:t>
+            </a:r>
+            <a:endParaRPr lang="zh-CN" altLang="en-US" dirty="0"/>
+          </a:p>
+        </p:txBody>
+      </p:sp>
+      <p:sp>
+        <p:nvSpPr>
+          <p:cNvPr id="27" name="矩形: 圆角 26">
+            <a:extLst>
+              <a:ext uri="{FF2B5EF4-FFF2-40B4-BE49-F238E27FC236}">
+                <a16:creationId xmlns:a16="http://schemas.microsoft.com/office/drawing/2014/main" id="{A2B30E24-6029-4D58-B2DF-EC6EE2D1C13F}"/>
+              </a:ext>
+            </a:extLst>
+          </p:cNvPr>
+          <p:cNvSpPr/>
+          <p:nvPr/>
+        </p:nvSpPr>
+        <p:spPr>
+          <a:xfrm>
+            <a:off x="5375921" y="29739"/>
+            <a:ext cx="720080" cy="346513"/>
+          </a:xfrm>
+          <a:prstGeom prst="roundRect">
+            <a:avLst>
+              <a:gd name="adj" fmla="val 8474"/>
+            </a:avLst>
+          </a:prstGeom>
+          <a:gradFill>
+            <a:gsLst>
+              <a:gs pos="0">
+                <a:srgbClr val="FCE8C8">
+                  <a:alpha val="50000"/>
+                </a:srgbClr>
+              </a:gs>
+              <a:gs pos="50000">
+                <a:srgbClr val="DEC7AB">
+                  <a:alpha val="50000"/>
+                </a:srgbClr>
+              </a:gs>
+              <a:gs pos="100000">
+                <a:srgbClr val="FFFF00">
+                  <a:alpha val="50000"/>
+                </a:srgbClr>
+              </a:gs>
+            </a:gsLst>
+          </a:gradFill>
+          <a:ln>
+            <a:noFill/>
+          </a:ln>
+        </p:spPr>
+        <p:style>
+          <a:lnRef idx="1">
+            <a:schemeClr val="accent2"/>
+          </a:lnRef>
+          <a:fillRef idx="3">
+            <a:schemeClr val="accent2"/>
+          </a:fillRef>
+          <a:effectRef idx="2">
+            <a:schemeClr val="accent2"/>
+          </a:effectRef>
+          <a:fontRef idx="minor">
+            <a:schemeClr val="lt1"/>
+          </a:fontRef>
+        </p:style>
+        <p:txBody>
+          <a:bodyPr rtlCol="0" anchor="ctr"/>
+          <a:lstStyle/>
+          <a:p>
+            <a:pPr algn="ctr"/>
+            <a:r>
+              <a:rPr lang="en-US" altLang="zh-CN" dirty="0"/>
+              <a:t>stress</a:t>
+            </a:r>
+            <a:endParaRPr lang="zh-CN" altLang="en-US" dirty="0"/>
+          </a:p>
+        </p:txBody>
+      </p:sp>
+      <p:sp>
+        <p:nvSpPr>
+          <p:cNvPr id="30" name="矩形: 圆角 29">
+            <a:extLst>
+              <a:ext uri="{FF2B5EF4-FFF2-40B4-BE49-F238E27FC236}">
+                <a16:creationId xmlns:a16="http://schemas.microsoft.com/office/drawing/2014/main" id="{6CB8A163-75D8-4DEB-8ED7-BF09345A7B05}"/>
+              </a:ext>
+            </a:extLst>
+          </p:cNvPr>
+          <p:cNvSpPr/>
+          <p:nvPr/>
+        </p:nvSpPr>
+        <p:spPr>
+          <a:xfrm>
+            <a:off x="-13702" y="3255117"/>
+            <a:ext cx="4007768" cy="401919"/>
           </a:xfrm>
           <a:prstGeom prst="roundRect">
             <a:avLst>
@@ -11545,17 +13690,17 @@
             <a:pPr algn="ctr"/>
             <a:r>
               <a:rPr lang="zh-CN" altLang="en-US" dirty="0"/>
-              <a:t>时间表提示</a:t>
-            </a:r>
-          </a:p>
-        </p:txBody>
-      </p:sp>
-      <p:sp>
-        <p:nvSpPr>
-          <p:cNvPr id="15" name="矩形: 圆角 14">
-            <a:extLst>
-              <a:ext uri="{FF2B5EF4-FFF2-40B4-BE49-F238E27FC236}">
-                <a16:creationId xmlns:a16="http://schemas.microsoft.com/office/drawing/2014/main" id="{08FC95C6-EE1B-46B5-9AD3-1A0EEB67371C}"/>
+              <a:t>日程条目</a:t>
+            </a:r>
+          </a:p>
+        </p:txBody>
+      </p:sp>
+      <p:sp>
+        <p:nvSpPr>
+          <p:cNvPr id="32" name="矩形: 圆角 31">
+            <a:extLst>
+              <a:ext uri="{FF2B5EF4-FFF2-40B4-BE49-F238E27FC236}">
+                <a16:creationId xmlns:a16="http://schemas.microsoft.com/office/drawing/2014/main" id="{3608B6F9-3E4B-49D3-A2BA-89A204B47E0C}"/>
               </a:ext>
             </a:extLst>
           </p:cNvPr>
@@ -11564,33 +13709,41 @@
         </p:nvSpPr>
         <p:spPr>
           <a:xfrm>
-            <a:off x="332636" y="29742"/>
-            <a:ext cx="506780" cy="346513"/>
+            <a:off x="-9100" y="438195"/>
+            <a:ext cx="3998564" cy="401918"/>
           </a:xfrm>
           <a:prstGeom prst="roundRect">
             <a:avLst>
-              <a:gd name="adj" fmla="val 26281"/>
+              <a:gd name="adj" fmla="val 8474"/>
             </a:avLst>
           </a:prstGeom>
-          <a:gradFill flip="none" rotWithShape="1">
+          <a:gradFill>
             <a:gsLst>
               <a:gs pos="0">
                 <a:schemeClr val="accent2">
-                  <a:lumMod val="75000"/>
+                  <a:satMod val="103000"/>
+                  <a:lumMod val="102000"/>
+                  <a:tint val="94000"/>
+                  <a:alpha val="30000"/>
                 </a:schemeClr>
               </a:gs>
               <a:gs pos="50000">
                 <a:schemeClr val="accent2">
-                  <a:lumMod val="60000"/>
-                  <a:lumOff val="40000"/>
+                  <a:satMod val="110000"/>
+                  <a:lumMod val="100000"/>
+                  <a:shade val="100000"/>
+                  <a:alpha val="30000"/>
                 </a:schemeClr>
               </a:gs>
               <a:gs pos="100000">
-                <a:srgbClr val="FFC000"/>
+                <a:schemeClr val="accent2">
+                  <a:lumMod val="99000"/>
+                  <a:satMod val="120000"/>
+                  <a:shade val="78000"/>
+                  <a:alpha val="30000"/>
+                </a:schemeClr>
               </a:gs>
             </a:gsLst>
-            <a:lin ang="1200000" scaled="0"/>
-            <a:tileRect/>
           </a:gradFill>
           <a:ln>
             <a:noFill/>
@@ -11615,16 +13768,19 @@
           <a:lstStyle/>
           <a:p>
             <a:pPr algn="ctr"/>
-            <a:endParaRPr lang="zh-CN" altLang="en-US" dirty="0"/>
-          </a:p>
-        </p:txBody>
-      </p:sp>
-      <p:sp>
-        <p:nvSpPr>
-          <p:cNvPr id="17" name="矩形: 圆角 16">
-            <a:extLst>
-              <a:ext uri="{FF2B5EF4-FFF2-40B4-BE49-F238E27FC236}">
-                <a16:creationId xmlns:a16="http://schemas.microsoft.com/office/drawing/2014/main" id="{62D52FC2-BC3F-44E1-9805-D7481A2B57BE}"/>
+            <a:r>
+              <a:rPr lang="zh-CN" altLang="en-US" dirty="0"/>
+              <a:t>条目</a:t>
+            </a:r>
+          </a:p>
+        </p:txBody>
+      </p:sp>
+      <p:sp>
+        <p:nvSpPr>
+          <p:cNvPr id="33" name="矩形: 圆角 32">
+            <a:extLst>
+              <a:ext uri="{FF2B5EF4-FFF2-40B4-BE49-F238E27FC236}">
+                <a16:creationId xmlns:a16="http://schemas.microsoft.com/office/drawing/2014/main" id="{82444B46-0399-4D0A-8A18-CA7D5CCCD071}"/>
               </a:ext>
             </a:extLst>
           </p:cNvPr>
@@ -11633,14 +13789,42 @@
         </p:nvSpPr>
         <p:spPr>
           <a:xfrm>
-            <a:off x="332636" y="1080698"/>
-            <a:ext cx="3741692" cy="346513"/>
+            <a:off x="18304" y="859207"/>
+            <a:ext cx="3998564" cy="401918"/>
           </a:xfrm>
           <a:prstGeom prst="roundRect">
             <a:avLst>
-              <a:gd name="adj" fmla="val 26281"/>
+              <a:gd name="adj" fmla="val 8474"/>
             </a:avLst>
           </a:prstGeom>
+          <a:gradFill>
+            <a:gsLst>
+              <a:gs pos="0">
+                <a:schemeClr val="accent2">
+                  <a:satMod val="103000"/>
+                  <a:lumMod val="102000"/>
+                  <a:tint val="94000"/>
+                  <a:alpha val="30000"/>
+                </a:schemeClr>
+              </a:gs>
+              <a:gs pos="50000">
+                <a:schemeClr val="accent2">
+                  <a:satMod val="110000"/>
+                  <a:lumMod val="100000"/>
+                  <a:shade val="100000"/>
+                  <a:alpha val="30000"/>
+                </a:schemeClr>
+              </a:gs>
+              <a:gs pos="100000">
+                <a:schemeClr val="accent2">
+                  <a:lumMod val="99000"/>
+                  <a:satMod val="120000"/>
+                  <a:shade val="78000"/>
+                  <a:alpha val="30000"/>
+                </a:schemeClr>
+              </a:gs>
+            </a:gsLst>
+          </a:gradFill>
           <a:ln>
             <a:noFill/>
           </a:ln>
@@ -11664,16 +13848,19 @@
           <a:lstStyle/>
           <a:p>
             <a:pPr algn="ctr"/>
-            <a:endParaRPr lang="zh-CN" altLang="en-US" dirty="0"/>
-          </a:p>
-        </p:txBody>
-      </p:sp>
-      <p:sp>
-        <p:nvSpPr>
-          <p:cNvPr id="19" name="矩形: 圆角 18">
-            <a:extLst>
-              <a:ext uri="{FF2B5EF4-FFF2-40B4-BE49-F238E27FC236}">
-                <a16:creationId xmlns:a16="http://schemas.microsoft.com/office/drawing/2014/main" id="{CEA48ED8-CC05-4B64-BDF6-AD5A42E3649D}"/>
+            <a:r>
+              <a:rPr lang="zh-CN" altLang="en-US" dirty="0"/>
+              <a:t>条目</a:t>
+            </a:r>
+          </a:p>
+        </p:txBody>
+      </p:sp>
+      <p:sp>
+        <p:nvSpPr>
+          <p:cNvPr id="34" name="矩形: 圆角 33">
+            <a:extLst>
+              <a:ext uri="{FF2B5EF4-FFF2-40B4-BE49-F238E27FC236}">
+                <a16:creationId xmlns:a16="http://schemas.microsoft.com/office/drawing/2014/main" id="{12FC4EB6-5FF0-4A60-8291-81D093614105}"/>
               </a:ext>
             </a:extLst>
           </p:cNvPr>
@@ -11682,8 +13869,8 @@
         </p:nvSpPr>
         <p:spPr>
           <a:xfrm>
-            <a:off x="3935760" y="29741"/>
-            <a:ext cx="720080" cy="335867"/>
+            <a:off x="-9100" y="1282296"/>
+            <a:ext cx="3998564" cy="401918"/>
           </a:xfrm>
           <a:prstGeom prst="roundRect">
             <a:avLst>
@@ -11693,19 +13880,28 @@
           <a:gradFill>
             <a:gsLst>
               <a:gs pos="0">
-                <a:srgbClr val="FCE8C8">
-                  <a:alpha val="50000"/>
-                </a:srgbClr>
+                <a:schemeClr val="accent2">
+                  <a:satMod val="103000"/>
+                  <a:lumMod val="102000"/>
+                  <a:tint val="94000"/>
+                  <a:alpha val="30000"/>
+                </a:schemeClr>
               </a:gs>
               <a:gs pos="50000">
-                <a:srgbClr val="DEC7AB">
-                  <a:alpha val="50000"/>
-                </a:srgbClr>
+                <a:schemeClr val="accent2">
+                  <a:satMod val="110000"/>
+                  <a:lumMod val="100000"/>
+                  <a:shade val="100000"/>
+                  <a:alpha val="30000"/>
+                </a:schemeClr>
               </a:gs>
               <a:gs pos="100000">
-                <a:srgbClr val="FFFF00">
-                  <a:alpha val="50000"/>
-                </a:srgbClr>
+                <a:schemeClr val="accent2">
+                  <a:lumMod val="99000"/>
+                  <a:satMod val="120000"/>
+                  <a:shade val="78000"/>
+                  <a:alpha val="30000"/>
+                </a:schemeClr>
               </a:gs>
             </a:gsLst>
           </a:gradFill>
@@ -11733,19 +13929,18 @@
           <a:p>
             <a:pPr algn="ctr"/>
             <a:r>
-              <a:rPr lang="en-US" altLang="zh-CN" dirty="0"/>
-              <a:t>health</a:t>
-            </a:r>
-            <a:endParaRPr lang="zh-CN" altLang="en-US" dirty="0"/>
-          </a:p>
-        </p:txBody>
-      </p:sp>
-      <p:sp>
-        <p:nvSpPr>
-          <p:cNvPr id="22" name="矩形: 圆角 21">
-            <a:extLst>
-              <a:ext uri="{FF2B5EF4-FFF2-40B4-BE49-F238E27FC236}">
-                <a16:creationId xmlns:a16="http://schemas.microsoft.com/office/drawing/2014/main" id="{A67ABAA0-6D60-4E8E-AC2C-0F06BEE4E972}"/>
+              <a:rPr lang="zh-CN" altLang="en-US" dirty="0"/>
+              <a:t>条目</a:t>
+            </a:r>
+          </a:p>
+        </p:txBody>
+      </p:sp>
+      <p:sp>
+        <p:nvSpPr>
+          <p:cNvPr id="36" name="矩形: 圆角 35">
+            <a:extLst>
+              <a:ext uri="{FF2B5EF4-FFF2-40B4-BE49-F238E27FC236}">
+                <a16:creationId xmlns:a16="http://schemas.microsoft.com/office/drawing/2014/main" id="{0D86ED99-4463-47B0-91D0-38350C713C49}"/>
               </a:ext>
             </a:extLst>
           </p:cNvPr>
@@ -11754,8 +13949,8 @@
         </p:nvSpPr>
         <p:spPr>
           <a:xfrm>
-            <a:off x="4655840" y="29739"/>
-            <a:ext cx="720080" cy="346513"/>
+            <a:off x="0" y="2414358"/>
+            <a:ext cx="3998564" cy="401918"/>
           </a:xfrm>
           <a:prstGeom prst="roundRect">
             <a:avLst>
@@ -11765,19 +13960,28 @@
           <a:gradFill>
             <a:gsLst>
               <a:gs pos="0">
-                <a:srgbClr val="FCE8C8">
-                  <a:alpha val="50000"/>
-                </a:srgbClr>
+                <a:schemeClr val="accent2">
+                  <a:satMod val="103000"/>
+                  <a:lumMod val="102000"/>
+                  <a:tint val="94000"/>
+                  <a:alpha val="30000"/>
+                </a:schemeClr>
               </a:gs>
               <a:gs pos="50000">
-                <a:srgbClr val="DEC7AB">
-                  <a:alpha val="50000"/>
-                </a:srgbClr>
+                <a:schemeClr val="accent2">
+                  <a:satMod val="110000"/>
+                  <a:lumMod val="100000"/>
+                  <a:shade val="100000"/>
+                  <a:alpha val="30000"/>
+                </a:schemeClr>
               </a:gs>
               <a:gs pos="100000">
-                <a:srgbClr val="FFFF00">
-                  <a:alpha val="50000"/>
-                </a:srgbClr>
+                <a:schemeClr val="accent2">
+                  <a:lumMod val="99000"/>
+                  <a:satMod val="120000"/>
+                  <a:shade val="78000"/>
+                  <a:alpha val="30000"/>
+                </a:schemeClr>
               </a:gs>
             </a:gsLst>
           </a:gradFill>
@@ -11805,19 +14009,18 @@
           <a:p>
             <a:pPr algn="ctr"/>
             <a:r>
-              <a:rPr lang="en-US" altLang="zh-CN" dirty="0"/>
-              <a:t>mood</a:t>
-            </a:r>
-            <a:endParaRPr lang="zh-CN" altLang="en-US" dirty="0"/>
-          </a:p>
-        </p:txBody>
-      </p:sp>
-      <p:sp>
-        <p:nvSpPr>
-          <p:cNvPr id="24" name="矩形: 圆角 23">
-            <a:extLst>
-              <a:ext uri="{FF2B5EF4-FFF2-40B4-BE49-F238E27FC236}">
-                <a16:creationId xmlns:a16="http://schemas.microsoft.com/office/drawing/2014/main" id="{B2CA7F46-C511-44DE-92A1-42B64F63E60F}"/>
+              <a:rPr lang="zh-CN" altLang="en-US" dirty="0"/>
+              <a:t>日志条目</a:t>
+            </a:r>
+          </a:p>
+        </p:txBody>
+      </p:sp>
+      <p:sp>
+        <p:nvSpPr>
+          <p:cNvPr id="37" name="矩形: 圆角 36">
+            <a:extLst>
+              <a:ext uri="{FF2B5EF4-FFF2-40B4-BE49-F238E27FC236}">
+                <a16:creationId xmlns:a16="http://schemas.microsoft.com/office/drawing/2014/main" id="{5B6A66C1-2392-47B1-B1A0-77FD14843044}"/>
               </a:ext>
             </a:extLst>
           </p:cNvPr>
@@ -11826,8 +14029,8 @@
         </p:nvSpPr>
         <p:spPr>
           <a:xfrm>
-            <a:off x="6096000" y="40389"/>
-            <a:ext cx="671736" cy="325219"/>
+            <a:off x="18304" y="2828835"/>
+            <a:ext cx="3998564" cy="401918"/>
           </a:xfrm>
           <a:prstGeom prst="roundRect">
             <a:avLst>
@@ -11837,19 +14040,28 @@
           <a:gradFill>
             <a:gsLst>
               <a:gs pos="0">
-                <a:srgbClr val="FCE8C8">
-                  <a:alpha val="50000"/>
-                </a:srgbClr>
+                <a:schemeClr val="accent2">
+                  <a:satMod val="103000"/>
+                  <a:lumMod val="102000"/>
+                  <a:tint val="94000"/>
+                  <a:alpha val="30000"/>
+                </a:schemeClr>
               </a:gs>
               <a:gs pos="50000">
-                <a:srgbClr val="DEC7AB">
-                  <a:alpha val="50000"/>
-                </a:srgbClr>
+                <a:schemeClr val="accent2">
+                  <a:satMod val="110000"/>
+                  <a:lumMod val="100000"/>
+                  <a:shade val="100000"/>
+                  <a:alpha val="30000"/>
+                </a:schemeClr>
               </a:gs>
               <a:gs pos="100000">
-                <a:srgbClr val="FFFF00">
-                  <a:alpha val="50000"/>
-                </a:srgbClr>
+                <a:schemeClr val="accent2">
+                  <a:lumMod val="99000"/>
+                  <a:satMod val="120000"/>
+                  <a:shade val="78000"/>
+                  <a:alpha val="30000"/>
+                </a:schemeClr>
               </a:gs>
             </a:gsLst>
           </a:gradFill>
@@ -11877,19 +14089,18 @@
           <a:p>
             <a:pPr algn="ctr"/>
             <a:r>
-              <a:rPr lang="en-US" altLang="zh-CN" dirty="0"/>
-              <a:t>Ability(total)</a:t>
-            </a:r>
-            <a:endParaRPr lang="zh-CN" altLang="en-US" dirty="0"/>
-          </a:p>
-        </p:txBody>
-      </p:sp>
-      <p:sp>
-        <p:nvSpPr>
-          <p:cNvPr id="25" name="矩形: 圆角 24">
-            <a:extLst>
-              <a:ext uri="{FF2B5EF4-FFF2-40B4-BE49-F238E27FC236}">
-                <a16:creationId xmlns:a16="http://schemas.microsoft.com/office/drawing/2014/main" id="{AD46D823-42A8-49E3-AA95-D94FE4BCD3BE}"/>
+              <a:rPr lang="zh-CN" altLang="en-US" dirty="0"/>
+              <a:t>日志条目</a:t>
+            </a:r>
+          </a:p>
+        </p:txBody>
+      </p:sp>
+      <p:sp>
+        <p:nvSpPr>
+          <p:cNvPr id="38" name="矩形: 圆角 37">
+            <a:extLst>
+              <a:ext uri="{FF2B5EF4-FFF2-40B4-BE49-F238E27FC236}">
+                <a16:creationId xmlns:a16="http://schemas.microsoft.com/office/drawing/2014/main" id="{CFDA8A18-AC6D-4D0D-B953-041EE9834152}"/>
               </a:ext>
             </a:extLst>
           </p:cNvPr>
@@ -11898,8 +14109,8 @@
         </p:nvSpPr>
         <p:spPr>
           <a:xfrm>
-            <a:off x="6767736" y="19095"/>
-            <a:ext cx="3173276" cy="335867"/>
+            <a:off x="-1429" y="3676129"/>
+            <a:ext cx="4007768" cy="401919"/>
           </a:xfrm>
           <a:prstGeom prst="roundRect">
             <a:avLst>
@@ -11909,19 +14120,28 @@
           <a:gradFill>
             <a:gsLst>
               <a:gs pos="0">
-                <a:srgbClr val="FCE8C8">
-                  <a:alpha val="50000"/>
-                </a:srgbClr>
+                <a:schemeClr val="accent2">
+                  <a:satMod val="103000"/>
+                  <a:lumMod val="102000"/>
+                  <a:tint val="94000"/>
+                  <a:alpha val="30000"/>
+                </a:schemeClr>
               </a:gs>
               <a:gs pos="50000">
-                <a:srgbClr val="DEC7AB">
-                  <a:alpha val="50000"/>
-                </a:srgbClr>
+                <a:schemeClr val="accent2">
+                  <a:satMod val="110000"/>
+                  <a:lumMod val="100000"/>
+                  <a:shade val="100000"/>
+                  <a:alpha val="30000"/>
+                </a:schemeClr>
               </a:gs>
               <a:gs pos="100000">
-                <a:srgbClr val="FFFF00">
-                  <a:alpha val="50000"/>
-                </a:srgbClr>
+                <a:schemeClr val="accent2">
+                  <a:lumMod val="99000"/>
+                  <a:satMod val="120000"/>
+                  <a:shade val="78000"/>
+                  <a:alpha val="30000"/>
+                </a:schemeClr>
               </a:gs>
             </a:gsLst>
           </a:gradFill>
@@ -11949,175 +14169,18 @@
           <a:p>
             <a:pPr algn="ctr"/>
             <a:r>
-              <a:rPr lang="en-US" altLang="zh-CN" dirty="0"/>
-              <a:t>Rating</a:t>
-            </a:r>
-            <a:endParaRPr lang="zh-CN" altLang="en-US" dirty="0"/>
-          </a:p>
-        </p:txBody>
-      </p:sp>
-      <p:pic>
-        <p:nvPicPr>
-          <p:cNvPr id="4" name="图形 3" descr="用户">
-            <a:extLst>
-              <a:ext uri="{FF2B5EF4-FFF2-40B4-BE49-F238E27FC236}">
-                <a16:creationId xmlns:a16="http://schemas.microsoft.com/office/drawing/2014/main" id="{EF734E31-A02B-4C3E-BFBC-57756CA6FF21}"/>
-              </a:ext>
-            </a:extLst>
-          </p:cNvPr>
-          <p:cNvPicPr>
-            <a:picLocks noChangeAspect="1"/>
-          </p:cNvPicPr>
-          <p:nvPr/>
-        </p:nvPicPr>
-        <p:blipFill>
-          <a:blip r:embed="rId2">
-            <a:extLst>
-              <a:ext uri="{28A0092B-C50C-407E-A947-70E740481C1C}">
-                <a14:useLocalDpi xmlns:a14="http://schemas.microsoft.com/office/drawing/2010/main" val="0"/>
-              </a:ext>
-              <a:ext uri="{96DAC541-7B7A-43D3-8B79-37D633B846F1}">
-                <asvg:svgBlip xmlns:asvg="http://schemas.microsoft.com/office/drawing/2016/SVG/main" r:embed="rId3"/>
-              </a:ext>
-            </a:extLst>
-          </a:blip>
-          <a:stretch>
-            <a:fillRect/>
-          </a:stretch>
-        </p:blipFill>
-        <p:spPr>
-          <a:xfrm>
-            <a:off x="8312594" y="2301859"/>
-            <a:ext cx="914400" cy="914400"/>
-          </a:xfrm>
-          <a:prstGeom prst="rect">
-            <a:avLst/>
-          </a:prstGeom>
-        </p:spPr>
-      </p:pic>
-      <p:pic>
-        <p:nvPicPr>
-          <p:cNvPr id="7" name="图形 6" descr="日历">
-            <a:extLst>
-              <a:ext uri="{FF2B5EF4-FFF2-40B4-BE49-F238E27FC236}">
-                <a16:creationId xmlns:a16="http://schemas.microsoft.com/office/drawing/2014/main" id="{028F3590-1C3A-4581-8CC5-E0EDE12967F9}"/>
-              </a:ext>
-            </a:extLst>
-          </p:cNvPr>
-          <p:cNvPicPr>
-            <a:picLocks noChangeAspect="1"/>
-          </p:cNvPicPr>
-          <p:nvPr/>
-        </p:nvPicPr>
-        <p:blipFill>
-          <a:blip r:embed="rId4">
-            <a:extLst>
-              <a:ext uri="{28A0092B-C50C-407E-A947-70E740481C1C}">
-                <a14:useLocalDpi xmlns:a14="http://schemas.microsoft.com/office/drawing/2010/main" val="0"/>
-              </a:ext>
-              <a:ext uri="{96DAC541-7B7A-43D3-8B79-37D633B846F1}">
-                <asvg:svgBlip xmlns:asvg="http://schemas.microsoft.com/office/drawing/2016/SVG/main" r:embed="rId5"/>
-              </a:ext>
-            </a:extLst>
-          </a:blip>
-          <a:stretch>
-            <a:fillRect/>
-          </a:stretch>
-        </p:blipFill>
-        <p:spPr>
-          <a:xfrm>
-            <a:off x="9133888" y="2276872"/>
-            <a:ext cx="914400" cy="914400"/>
-          </a:xfrm>
-          <a:prstGeom prst="rect">
-            <a:avLst/>
-          </a:prstGeom>
-        </p:spPr>
-      </p:pic>
-      <p:pic>
-        <p:nvPicPr>
-          <p:cNvPr id="9" name="图形 8" descr="带齿轮的头部">
-            <a:extLst>
-              <a:ext uri="{FF2B5EF4-FFF2-40B4-BE49-F238E27FC236}">
-                <a16:creationId xmlns:a16="http://schemas.microsoft.com/office/drawing/2014/main" id="{1D8EED8A-4554-4475-93B3-1FD6EBB40020}"/>
-              </a:ext>
-            </a:extLst>
-          </p:cNvPr>
-          <p:cNvPicPr>
-            <a:picLocks noChangeAspect="1"/>
-          </p:cNvPicPr>
-          <p:nvPr/>
-        </p:nvPicPr>
-        <p:blipFill>
-          <a:blip r:embed="rId6">
-            <a:extLst>
-              <a:ext uri="{28A0092B-C50C-407E-A947-70E740481C1C}">
-                <a14:useLocalDpi xmlns:a14="http://schemas.microsoft.com/office/drawing/2010/main" val="0"/>
-              </a:ext>
-              <a:ext uri="{96DAC541-7B7A-43D3-8B79-37D633B846F1}">
-                <asvg:svgBlip xmlns:asvg="http://schemas.microsoft.com/office/drawing/2016/SVG/main" r:embed="rId7"/>
-              </a:ext>
-            </a:extLst>
-          </a:blip>
-          <a:stretch>
-            <a:fillRect/>
-          </a:stretch>
-        </p:blipFill>
-        <p:spPr>
-          <a:xfrm>
-            <a:off x="9888611" y="2301859"/>
-            <a:ext cx="914400" cy="914400"/>
-          </a:xfrm>
-          <a:prstGeom prst="rect">
-            <a:avLst/>
-          </a:prstGeom>
-        </p:spPr>
-      </p:pic>
-      <p:pic>
-        <p:nvPicPr>
-          <p:cNvPr id="26" name="图形 25" descr="奖牌">
-            <a:extLst>
-              <a:ext uri="{FF2B5EF4-FFF2-40B4-BE49-F238E27FC236}">
-                <a16:creationId xmlns:a16="http://schemas.microsoft.com/office/drawing/2014/main" id="{CE22763D-9607-4CAF-BF53-0B18151C62F0}"/>
-              </a:ext>
-            </a:extLst>
-          </p:cNvPr>
-          <p:cNvPicPr>
-            <a:picLocks noChangeAspect="1"/>
-          </p:cNvPicPr>
-          <p:nvPr/>
-        </p:nvPicPr>
-        <p:blipFill>
-          <a:blip r:embed="rId8">
-            <a:extLst>
-              <a:ext uri="{28A0092B-C50C-407E-A947-70E740481C1C}">
-                <a14:useLocalDpi xmlns:a14="http://schemas.microsoft.com/office/drawing/2010/main" val="0"/>
-              </a:ext>
-              <a:ext uri="{96DAC541-7B7A-43D3-8B79-37D633B846F1}">
-                <asvg:svgBlip xmlns:asvg="http://schemas.microsoft.com/office/drawing/2016/SVG/main" r:embed="rId9"/>
-              </a:ext>
-            </a:extLst>
-          </a:blip>
-          <a:stretch>
-            <a:fillRect/>
-          </a:stretch>
-        </p:blipFill>
-        <p:spPr>
-          <a:xfrm>
-            <a:off x="10606377" y="2301859"/>
-            <a:ext cx="914400" cy="914400"/>
-          </a:xfrm>
-          <a:prstGeom prst="rect">
-            <a:avLst/>
-          </a:prstGeom>
-        </p:spPr>
-      </p:pic>
-      <p:sp>
-        <p:nvSpPr>
-          <p:cNvPr id="27" name="矩形: 圆角 26">
-            <a:extLst>
-              <a:ext uri="{FF2B5EF4-FFF2-40B4-BE49-F238E27FC236}">
-                <a16:creationId xmlns:a16="http://schemas.microsoft.com/office/drawing/2014/main" id="{A2B30E24-6029-4D58-B2DF-EC6EE2D1C13F}"/>
+              <a:rPr lang="zh-CN" altLang="en-US" dirty="0"/>
+              <a:t>日程条目</a:t>
+            </a:r>
+          </a:p>
+        </p:txBody>
+      </p:sp>
+      <p:sp>
+        <p:nvSpPr>
+          <p:cNvPr id="40" name="矩形: 圆角 39">
+            <a:extLst>
+              <a:ext uri="{FF2B5EF4-FFF2-40B4-BE49-F238E27FC236}">
+                <a16:creationId xmlns:a16="http://schemas.microsoft.com/office/drawing/2014/main" id="{C835B653-34A1-4B34-8DE5-C493713E9E07}"/>
               </a:ext>
             </a:extLst>
           </p:cNvPr>
@@ -12126,8 +14189,8 @@
         </p:nvSpPr>
         <p:spPr>
           <a:xfrm>
-            <a:off x="5375921" y="29739"/>
-            <a:ext cx="720080" cy="346513"/>
+            <a:off x="-18304" y="4117336"/>
+            <a:ext cx="4007768" cy="401919"/>
           </a:xfrm>
           <a:prstGeom prst="roundRect">
             <a:avLst>
@@ -12137,19 +14200,28 @@
           <a:gradFill>
             <a:gsLst>
               <a:gs pos="0">
-                <a:srgbClr val="FCE8C8">
-                  <a:alpha val="50000"/>
-                </a:srgbClr>
+                <a:schemeClr val="accent2">
+                  <a:satMod val="103000"/>
+                  <a:lumMod val="102000"/>
+                  <a:tint val="94000"/>
+                  <a:alpha val="30000"/>
+                </a:schemeClr>
               </a:gs>
               <a:gs pos="50000">
-                <a:srgbClr val="DEC7AB">
-                  <a:alpha val="50000"/>
-                </a:srgbClr>
+                <a:schemeClr val="accent2">
+                  <a:satMod val="110000"/>
+                  <a:lumMod val="100000"/>
+                  <a:shade val="100000"/>
+                  <a:alpha val="30000"/>
+                </a:schemeClr>
               </a:gs>
               <a:gs pos="100000">
-                <a:srgbClr val="FFFF00">
-                  <a:alpha val="50000"/>
-                </a:srgbClr>
+                <a:schemeClr val="accent2">
+                  <a:lumMod val="99000"/>
+                  <a:satMod val="120000"/>
+                  <a:shade val="78000"/>
+                  <a:alpha val="30000"/>
+                </a:schemeClr>
               </a:gs>
             </a:gsLst>
           </a:gradFill>
@@ -12177,133 +14249,9 @@
           <a:p>
             <a:pPr algn="ctr"/>
             <a:r>
-              <a:rPr lang="en-US" altLang="zh-CN" dirty="0"/>
-              <a:t>stress</a:t>
-            </a:r>
-            <a:endParaRPr lang="zh-CN" altLang="en-US" dirty="0"/>
-          </a:p>
-        </p:txBody>
-      </p:sp>
-      <p:sp>
-        <p:nvSpPr>
-          <p:cNvPr id="28" name="矩形: 圆角 27">
-            <a:extLst>
-              <a:ext uri="{FF2B5EF4-FFF2-40B4-BE49-F238E27FC236}">
-                <a16:creationId xmlns:a16="http://schemas.microsoft.com/office/drawing/2014/main" id="{BACEB1FB-1A01-4A91-A225-0C4612A02E49}"/>
-              </a:ext>
-            </a:extLst>
-          </p:cNvPr>
-          <p:cNvSpPr/>
-          <p:nvPr/>
-        </p:nvSpPr>
-        <p:spPr>
-          <a:xfrm>
-            <a:off x="9696400" y="3429000"/>
-            <a:ext cx="720080" cy="720080"/>
-          </a:xfrm>
-          <a:prstGeom prst="roundRect">
-            <a:avLst/>
-          </a:prstGeom>
-          <a:noFill/>
-          <a:ln w="76200">
-            <a:solidFill>
-              <a:schemeClr val="accent2">
-                <a:lumMod val="75000"/>
-              </a:schemeClr>
-            </a:solidFill>
-          </a:ln>
-        </p:spPr>
-        <p:style>
-          <a:lnRef idx="2">
-            <a:schemeClr val="accent1">
-              <a:shade val="50000"/>
-            </a:schemeClr>
-          </a:lnRef>
-          <a:fillRef idx="1">
-            <a:schemeClr val="accent1"/>
-          </a:fillRef>
-          <a:effectRef idx="0">
-            <a:schemeClr val="accent1"/>
-          </a:effectRef>
-          <a:fontRef idx="minor">
-            <a:schemeClr val="lt1"/>
-          </a:fontRef>
-        </p:style>
-        <p:txBody>
-          <a:bodyPr rtlCol="0" anchor="ctr"/>
-          <a:lstStyle/>
-          <a:p>
-            <a:pPr algn="ctr"/>
-            <a:endParaRPr lang="zh-CN" altLang="en-US"/>
-          </a:p>
-        </p:txBody>
-      </p:sp>
-      <p:sp>
-        <p:nvSpPr>
-          <p:cNvPr id="29" name="矩形 28">
-            <a:extLst>
-              <a:ext uri="{FF2B5EF4-FFF2-40B4-BE49-F238E27FC236}">
-                <a16:creationId xmlns:a16="http://schemas.microsoft.com/office/drawing/2014/main" id="{4D93BC61-3C7E-40B4-8793-B5AE0D68B317}"/>
-              </a:ext>
-            </a:extLst>
-          </p:cNvPr>
-          <p:cNvSpPr/>
-          <p:nvPr/>
-        </p:nvSpPr>
-        <p:spPr>
-          <a:xfrm>
-            <a:off x="4655840" y="4149080"/>
-            <a:ext cx="720080" cy="720080"/>
-          </a:xfrm>
-          <a:prstGeom prst="rect">
-            <a:avLst/>
-          </a:prstGeom>
-          <a:gradFill>
-            <a:gsLst>
-              <a:gs pos="0">
-                <a:schemeClr val="bg1">
-                  <a:alpha val="70000"/>
-                </a:schemeClr>
-              </a:gs>
-              <a:gs pos="100000">
-                <a:srgbClr val="DFDFDF">
-                  <a:alpha val="70000"/>
-                </a:srgbClr>
-              </a:gs>
-              <a:gs pos="50000">
-                <a:schemeClr val="bg1">
-                  <a:lumMod val="75000"/>
-                </a:schemeClr>
-              </a:gs>
-            </a:gsLst>
-            <a:lin ang="5400000" scaled="1"/>
-          </a:gradFill>
-          <a:ln>
-            <a:noFill/>
-          </a:ln>
-        </p:spPr>
-        <p:style>
-          <a:lnRef idx="2">
-            <a:schemeClr val="accent1">
-              <a:shade val="50000"/>
-            </a:schemeClr>
-          </a:lnRef>
-          <a:fillRef idx="1">
-            <a:schemeClr val="accent1"/>
-          </a:fillRef>
-          <a:effectRef idx="0">
-            <a:schemeClr val="accent1"/>
-          </a:effectRef>
-          <a:fontRef idx="minor">
-            <a:schemeClr val="lt1"/>
-          </a:fontRef>
-        </p:style>
-        <p:txBody>
-          <a:bodyPr rtlCol="0" anchor="ctr"/>
-          <a:lstStyle/>
-          <a:p>
-            <a:pPr algn="ctr"/>
-            <a:endParaRPr lang="zh-CN" altLang="en-US"/>
+              <a:rPr lang="zh-CN" altLang="en-US" dirty="0"/>
+              <a:t>日程条目</a:t>
+            </a:r>
           </a:p>
         </p:txBody>
       </p:sp>
@@ -12656,8 +14604,8 @@
         </p:nvSpPr>
         <p:spPr>
           <a:xfrm>
-            <a:off x="335360" y="567250"/>
-            <a:ext cx="11521280" cy="6102110"/>
+            <a:off x="0" y="416644"/>
+            <a:ext cx="12180896" cy="6441356"/>
           </a:xfrm>
           <a:prstGeom prst="roundRect">
             <a:avLst>
@@ -12755,10 +14703,9 @@
               <a:t>                                                                           </a:t>
             </a:r>
             <a:r>
-              <a:rPr lang="zh-CN" altLang="en-US"/>
+              <a:rPr lang="zh-CN" altLang="en-US" dirty="0"/>
               <a:t>日程修改及下一步执行选择</a:t>
             </a:r>
-            <a:endParaRPr lang="zh-CN" altLang="en-US" dirty="0"/>
           </a:p>
         </p:txBody>
       </p:sp>
@@ -12776,8 +14723,8 @@
         </p:nvSpPr>
         <p:spPr>
           <a:xfrm>
-            <a:off x="479376" y="3575238"/>
-            <a:ext cx="4176464" cy="2878097"/>
+            <a:off x="1" y="3429000"/>
+            <a:ext cx="3930480" cy="3399258"/>
           </a:xfrm>
           <a:prstGeom prst="roundRect">
             <a:avLst>
@@ -12856,8 +14803,88 @@
         </p:nvSpPr>
         <p:spPr>
           <a:xfrm>
-            <a:off x="479376" y="713488"/>
-            <a:ext cx="11233248" cy="2715512"/>
+            <a:off x="1" y="386903"/>
+            <a:ext cx="3930480" cy="3042097"/>
+          </a:xfrm>
+          <a:prstGeom prst="roundRect">
+            <a:avLst>
+              <a:gd name="adj" fmla="val 8474"/>
+            </a:avLst>
+          </a:prstGeom>
+          <a:gradFill>
+            <a:gsLst>
+              <a:gs pos="0">
+                <a:schemeClr val="accent2">
+                  <a:satMod val="103000"/>
+                  <a:lumMod val="102000"/>
+                  <a:tint val="94000"/>
+                  <a:alpha val="30000"/>
+                </a:schemeClr>
+              </a:gs>
+              <a:gs pos="50000">
+                <a:schemeClr val="accent2">
+                  <a:satMod val="110000"/>
+                  <a:lumMod val="100000"/>
+                  <a:shade val="100000"/>
+                  <a:alpha val="30000"/>
+                </a:schemeClr>
+              </a:gs>
+              <a:gs pos="100000">
+                <a:schemeClr val="accent2">
+                  <a:lumMod val="99000"/>
+                  <a:satMod val="120000"/>
+                  <a:shade val="78000"/>
+                  <a:alpha val="30000"/>
+                </a:schemeClr>
+              </a:gs>
+            </a:gsLst>
+          </a:gradFill>
+          <a:ln>
+            <a:noFill/>
+          </a:ln>
+        </p:spPr>
+        <p:style>
+          <a:lnRef idx="1">
+            <a:schemeClr val="accent2"/>
+          </a:lnRef>
+          <a:fillRef idx="3">
+            <a:schemeClr val="accent2"/>
+          </a:fillRef>
+          <a:effectRef idx="2">
+            <a:schemeClr val="accent2"/>
+          </a:effectRef>
+          <a:fontRef idx="minor">
+            <a:schemeClr val="lt1"/>
+          </a:fontRef>
+        </p:style>
+        <p:txBody>
+          <a:bodyPr rtlCol="0" anchor="ctr"/>
+          <a:lstStyle/>
+          <a:p>
+            <a:pPr algn="ctr"/>
+            <a:r>
+              <a:rPr lang="zh-CN" altLang="en-US" dirty="0"/>
+              <a:t>日志</a:t>
+            </a:r>
+          </a:p>
+        </p:txBody>
+      </p:sp>
+      <p:sp>
+        <p:nvSpPr>
+          <p:cNvPr id="11" name="矩形: 圆角 10">
+            <a:extLst>
+              <a:ext uri="{FF2B5EF4-FFF2-40B4-BE49-F238E27FC236}">
+                <a16:creationId xmlns:a16="http://schemas.microsoft.com/office/drawing/2014/main" id="{08BD16A1-D817-4411-8787-A7E5296C891B}"/>
+              </a:ext>
+            </a:extLst>
+          </p:cNvPr>
+          <p:cNvSpPr/>
+          <p:nvPr/>
+        </p:nvSpPr>
+        <p:spPr>
+          <a:xfrm>
+            <a:off x="3930479" y="406308"/>
+            <a:ext cx="8261521" cy="3042097"/>
           </a:xfrm>
           <a:prstGeom prst="roundRect">
             <a:avLst>
@@ -13271,8 +15298,8 @@
         </p:nvSpPr>
         <p:spPr>
           <a:xfrm>
-            <a:off x="1775520" y="550938"/>
-            <a:ext cx="10081120" cy="6102110"/>
+            <a:off x="1440159" y="416644"/>
+            <a:ext cx="10740737" cy="6441356"/>
           </a:xfrm>
           <a:prstGeom prst="roundRect">
             <a:avLst>
@@ -13351,8 +15378,8 @@
         </p:nvSpPr>
         <p:spPr>
           <a:xfrm>
-            <a:off x="8986880" y="666464"/>
-            <a:ext cx="2797752" cy="5858880"/>
+            <a:off x="8976321" y="459489"/>
+            <a:ext cx="3211122" cy="6398511"/>
           </a:xfrm>
           <a:prstGeom prst="roundRect">
             <a:avLst>
@@ -13431,8 +15458,8 @@
         </p:nvSpPr>
         <p:spPr>
           <a:xfrm>
-            <a:off x="9122638" y="798302"/>
-            <a:ext cx="2517977" cy="1940195"/>
+            <a:off x="9140751" y="643685"/>
+            <a:ext cx="2859905" cy="2785315"/>
           </a:xfrm>
           <a:prstGeom prst="roundRect">
             <a:avLst>
@@ -13511,7 +15538,7 @@
         </p:nvSpPr>
         <p:spPr>
           <a:xfrm rot="16200000">
-            <a:off x="790145" y="211376"/>
+            <a:off x="454785" y="218550"/>
             <a:ext cx="530590" cy="1440160"/>
           </a:xfrm>
           <a:prstGeom prst="round2SameRect">
@@ -13555,7 +15582,7 @@
         </p:nvSpPr>
         <p:spPr>
           <a:xfrm rot="16200000">
-            <a:off x="790145" y="814692"/>
+            <a:off x="454785" y="821866"/>
             <a:ext cx="530590" cy="1440160"/>
           </a:xfrm>
           <a:prstGeom prst="round2SameRect">
@@ -13599,7 +15626,7 @@
         </p:nvSpPr>
         <p:spPr>
           <a:xfrm rot="16200000">
-            <a:off x="797239" y="1418006"/>
+            <a:off x="461879" y="1425180"/>
             <a:ext cx="530590" cy="1440160"/>
           </a:xfrm>
           <a:prstGeom prst="round2SameRect">
@@ -13643,7 +15670,7 @@
         </p:nvSpPr>
         <p:spPr>
           <a:xfrm rot="16200000">
-            <a:off x="797239" y="2021322"/>
+            <a:off x="461879" y="2028496"/>
             <a:ext cx="530590" cy="1440160"/>
           </a:xfrm>
           <a:prstGeom prst="round2SameRect">
@@ -13687,7 +15714,7 @@
         </p:nvSpPr>
         <p:spPr>
           <a:xfrm rot="16200000">
-            <a:off x="801204" y="2624635"/>
+            <a:off x="465844" y="2631809"/>
             <a:ext cx="530590" cy="1440160"/>
           </a:xfrm>
           <a:prstGeom prst="round2SameRect">
@@ -13731,7 +15758,7 @@
         </p:nvSpPr>
         <p:spPr>
           <a:xfrm rot="16200000">
-            <a:off x="801204" y="3227951"/>
+            <a:off x="465844" y="3235125"/>
             <a:ext cx="530590" cy="1440160"/>
           </a:xfrm>
           <a:prstGeom prst="round2SameRect">
@@ -13775,7 +15802,7 @@
         </p:nvSpPr>
         <p:spPr>
           <a:xfrm rot="16200000">
-            <a:off x="790144" y="3832661"/>
+            <a:off x="454784" y="3839835"/>
             <a:ext cx="530590" cy="1440160"/>
           </a:xfrm>
           <a:prstGeom prst="round2SameRect">
@@ -13819,7 +15846,7 @@
         </p:nvSpPr>
         <p:spPr>
           <a:xfrm rot="16200000">
-            <a:off x="790144" y="4435977"/>
+            <a:off x="454784" y="4443151"/>
             <a:ext cx="530590" cy="1440160"/>
           </a:xfrm>
           <a:prstGeom prst="round2SameRect">
@@ -13863,7 +15890,7 @@
         </p:nvSpPr>
         <p:spPr>
           <a:xfrm rot="16200000">
-            <a:off x="783598" y="5039458"/>
+            <a:off x="448238" y="5046632"/>
             <a:ext cx="530590" cy="1440160"/>
           </a:xfrm>
           <a:prstGeom prst="round2SameRect">
